--- a/09022022_Presentation.pptx
+++ b/09022022_Presentation.pptx
@@ -107,6 +107,11 @@
       </a:defRPr>
     </a:lvl9pPr>
   </p:defaultTextStyle>
+  <p:extLst>
+    <p:ext uri="{EFAFB233-063F-42B5-8137-9DF3F51BA10A}">
+      <p15:sldGuideLst xmlns:p15="http://schemas.microsoft.com/office/powerpoint/2012/main"/>
+    </p:ext>
+  </p:extLst>
 </p:presentation>
 </file>
 
@@ -280,7 +285,7 @@
           <a:p>
             <a:fld id="{90E14D26-B327-FE4B-8AD5-A0128DE9A06A}" type="datetimeFigureOut">
               <a:rPr lang="en-US" smtClean="0"/>
-              <a:t>8/28/22</a:t>
+              <a:t>8/30/22</a:t>
             </a:fld>
             <a:endParaRPr lang="en-US"/>
           </a:p>
@@ -547,7 +552,7 @@
           <a:p>
             <a:fld id="{90E14D26-B327-FE4B-8AD5-A0128DE9A06A}" type="datetimeFigureOut">
               <a:rPr lang="en-US" smtClean="0"/>
-              <a:t>8/28/22</a:t>
+              <a:t>8/30/22</a:t>
             </a:fld>
             <a:endParaRPr lang="en-US"/>
           </a:p>
@@ -778,7 +783,7 @@
           <a:p>
             <a:fld id="{90E14D26-B327-FE4B-8AD5-A0128DE9A06A}" type="datetimeFigureOut">
               <a:rPr lang="en-US" smtClean="0"/>
-              <a:t>8/28/22</a:t>
+              <a:t>8/30/22</a:t>
             </a:fld>
             <a:endParaRPr lang="en-US"/>
           </a:p>
@@ -1088,7 +1093,7 @@
           <a:p>
             <a:fld id="{90E14D26-B327-FE4B-8AD5-A0128DE9A06A}" type="datetimeFigureOut">
               <a:rPr lang="en-US" smtClean="0"/>
-              <a:t>8/28/22</a:t>
+              <a:t>8/30/22</a:t>
             </a:fld>
             <a:endParaRPr lang="en-US"/>
           </a:p>
@@ -1561,7 +1566,7 @@
           <a:p>
             <a:fld id="{90E14D26-B327-FE4B-8AD5-A0128DE9A06A}" type="datetimeFigureOut">
               <a:rPr lang="en-US" smtClean="0"/>
-              <a:t>8/28/22</a:t>
+              <a:t>8/30/22</a:t>
             </a:fld>
             <a:endParaRPr lang="en-US"/>
           </a:p>
@@ -2108,7 +2113,7 @@
           <a:p>
             <a:fld id="{90E14D26-B327-FE4B-8AD5-A0128DE9A06A}" type="datetimeFigureOut">
               <a:rPr lang="en-US" smtClean="0"/>
-              <a:t>8/28/22</a:t>
+              <a:t>8/30/22</a:t>
             </a:fld>
             <a:endParaRPr lang="en-US"/>
           </a:p>
@@ -2882,7 +2887,7 @@
           <a:p>
             <a:fld id="{90E14D26-B327-FE4B-8AD5-A0128DE9A06A}" type="datetimeFigureOut">
               <a:rPr lang="en-US" smtClean="0"/>
-              <a:t>8/28/22</a:t>
+              <a:t>8/30/22</a:t>
             </a:fld>
             <a:endParaRPr lang="en-US"/>
           </a:p>
@@ -3057,7 +3062,7 @@
           <a:p>
             <a:fld id="{90E14D26-B327-FE4B-8AD5-A0128DE9A06A}" type="datetimeFigureOut">
               <a:rPr lang="en-US" smtClean="0"/>
-              <a:t>8/28/22</a:t>
+              <a:t>8/30/22</a:t>
             </a:fld>
             <a:endParaRPr lang="en-US"/>
           </a:p>
@@ -3280,7 +3285,7 @@
           <a:p>
             <a:fld id="{90E14D26-B327-FE4B-8AD5-A0128DE9A06A}" type="datetimeFigureOut">
               <a:rPr lang="en-US" smtClean="0"/>
-              <a:t>8/28/22</a:t>
+              <a:t>8/30/22</a:t>
             </a:fld>
             <a:endParaRPr lang="en-US"/>
           </a:p>
@@ -3460,7 +3465,7 @@
           <a:p>
             <a:fld id="{90E14D26-B327-FE4B-8AD5-A0128DE9A06A}" type="datetimeFigureOut">
               <a:rPr lang="en-US" smtClean="0"/>
-              <a:t>8/28/22</a:t>
+              <a:t>8/30/22</a:t>
             </a:fld>
             <a:endParaRPr lang="en-US"/>
           </a:p>
@@ -3749,7 +3754,7 @@
           <a:p>
             <a:fld id="{90E14D26-B327-FE4B-8AD5-A0128DE9A06A}" type="datetimeFigureOut">
               <a:rPr lang="en-US" smtClean="0"/>
-              <a:t>8/28/22</a:t>
+              <a:t>8/30/22</a:t>
             </a:fld>
             <a:endParaRPr lang="en-US"/>
           </a:p>
@@ -3991,7 +3996,7 @@
           <a:p>
             <a:fld id="{90E14D26-B327-FE4B-8AD5-A0128DE9A06A}" type="datetimeFigureOut">
               <a:rPr lang="en-US" smtClean="0"/>
-              <a:t>8/28/22</a:t>
+              <a:t>8/30/22</a:t>
             </a:fld>
             <a:endParaRPr lang="en-US"/>
           </a:p>
@@ -4370,7 +4375,7 @@
           <a:p>
             <a:fld id="{90E14D26-B327-FE4B-8AD5-A0128DE9A06A}" type="datetimeFigureOut">
               <a:rPr lang="en-US" smtClean="0"/>
-              <a:t>8/28/22</a:t>
+              <a:t>8/30/22</a:t>
             </a:fld>
             <a:endParaRPr lang="en-US"/>
           </a:p>
@@ -4488,7 +4493,7 @@
           <a:p>
             <a:fld id="{90E14D26-B327-FE4B-8AD5-A0128DE9A06A}" type="datetimeFigureOut">
               <a:rPr lang="en-US" smtClean="0"/>
-              <a:t>8/28/22</a:t>
+              <a:t>8/30/22</a:t>
             </a:fld>
             <a:endParaRPr lang="en-US"/>
           </a:p>
@@ -4583,7 +4588,7 @@
           <a:p>
             <a:fld id="{90E14D26-B327-FE4B-8AD5-A0128DE9A06A}" type="datetimeFigureOut">
               <a:rPr lang="en-US" smtClean="0"/>
-              <a:t>8/28/22</a:t>
+              <a:t>8/30/22</a:t>
             </a:fld>
             <a:endParaRPr lang="en-US"/>
           </a:p>
@@ -4832,7 +4837,7 @@
           <a:p>
             <a:fld id="{90E14D26-B327-FE4B-8AD5-A0128DE9A06A}" type="datetimeFigureOut">
               <a:rPr lang="en-US" smtClean="0"/>
-              <a:t>8/28/22</a:t>
+              <a:t>8/30/22</a:t>
             </a:fld>
             <a:endParaRPr lang="en-US"/>
           </a:p>
@@ -5089,7 +5094,7 @@
           <a:p>
             <a:fld id="{90E14D26-B327-FE4B-8AD5-A0128DE9A06A}" type="datetimeFigureOut">
               <a:rPr lang="en-US" smtClean="0"/>
-              <a:t>8/28/22</a:t>
+              <a:t>8/30/22</a:t>
             </a:fld>
             <a:endParaRPr lang="en-US"/>
           </a:p>
@@ -5332,7 +5337,7 @@
           <a:p>
             <a:fld id="{90E14D26-B327-FE4B-8AD5-A0128DE9A06A}" type="datetimeFigureOut">
               <a:rPr lang="en-US" smtClean="0"/>
-              <a:t>8/28/22</a:t>
+              <a:t>8/30/22</a:t>
             </a:fld>
             <a:endParaRPr lang="en-US"/>
           </a:p>
@@ -5918,19 +5923,11 @@
             <a:pPr lvl="1"/>
             <a:r>
               <a:rPr lang="en-US" sz="1800" dirty="0"/>
-              <a:t>In progress and can be found at: </a:t>
-            </a:r>
-            <a:r>
-              <a:rPr lang="en-US" dirty="0" err="1"/>
-              <a:t>Meeting_Notes</a:t>
-            </a:r>
-            <a:r>
-              <a:rPr lang="en-US" dirty="0"/>
-              <a:t>/Presentations/</a:t>
-            </a:r>
-            <a:r>
-              <a:rPr lang="en-US" dirty="0" err="1"/>
-              <a:t>Adjustment_Factors.pptx</a:t>
+              <a:t>Completed: It can </a:t>
+            </a:r>
+            <a:r>
+              <a:rPr lang="en-US" sz="1800"/>
+              <a:t>be found at: </a:t>
             </a:r>
             <a:endParaRPr lang="en-US" sz="1700" dirty="0"/>
           </a:p>

--- a/09022022_Presentation.pptx
+++ b/09022022_Presentation.pptx
@@ -9,6 +9,7 @@
     <p:sldId id="257" r:id="rId3"/>
     <p:sldId id="258" r:id="rId4"/>
     <p:sldId id="259" r:id="rId5"/>
+    <p:sldId id="260" r:id="rId6"/>
   </p:sldIdLst>
   <p:sldSz cx="12192000" cy="6858000"/>
   <p:notesSz cx="6858000" cy="9144000"/>
@@ -5923,11 +5924,13 @@
             <a:pPr lvl="1"/>
             <a:r>
               <a:rPr lang="en-US" sz="1800" dirty="0"/>
-              <a:t>Completed: It can </a:t>
-            </a:r>
-            <a:r>
-              <a:rPr lang="en-US" sz="1800"/>
-              <a:t>be found at: </a:t>
+              <a:t>Completed: It can be found at: </a:t>
+            </a:r>
+            <a:r>
+              <a:rPr lang="en-US" sz="1800" dirty="0">
+                <a:hlinkClick r:id="rId2"/>
+              </a:rPr>
+              <a:t>https://github.com/Jeremy-Benik/Meeting_Notes/blob/main/Presentations/Adjustment_Factors.pptx</a:t>
             </a:r>
             <a:endParaRPr lang="en-US" sz="1700" dirty="0"/>
           </a:p>
@@ -6969,6 +6972,106 @@
     <p:extLst>
       <p:ext uri="{BB962C8B-B14F-4D97-AF65-F5344CB8AC3E}">
         <p14:creationId xmlns:p14="http://schemas.microsoft.com/office/powerpoint/2010/main" val="3490880633"/>
+      </p:ext>
+    </p:extLst>
+  </p:cSld>
+  <p:clrMapOvr>
+    <a:masterClrMapping/>
+  </p:clrMapOvr>
+</p:sld>
+</file>
+
+<file path=ppt/slides/slide5.xml><?xml version="1.0" encoding="utf-8"?>
+<p:sld xmlns:a="http://schemas.openxmlformats.org/drawingml/2006/main" xmlns:r="http://schemas.openxmlformats.org/officeDocument/2006/relationships" xmlns:p="http://schemas.openxmlformats.org/presentationml/2006/main">
+  <p:cSld>
+    <p:spTree>
+      <p:nvGrpSpPr>
+        <p:cNvPr id="1" name=""/>
+        <p:cNvGrpSpPr/>
+        <p:nvPr/>
+      </p:nvGrpSpPr>
+      <p:grpSpPr>
+        <a:xfrm>
+          <a:off x="0" y="0"/>
+          <a:ext cx="0" cy="0"/>
+          <a:chOff x="0" y="0"/>
+          <a:chExt cx="0" cy="0"/>
+        </a:xfrm>
+      </p:grpSpPr>
+      <p:sp>
+        <p:nvSpPr>
+          <p:cNvPr id="2" name="Title 1">
+            <a:extLst>
+              <a:ext uri="{FF2B5EF4-FFF2-40B4-BE49-F238E27FC236}">
+                <a16:creationId xmlns:a16="http://schemas.microsoft.com/office/drawing/2014/main" id="{BE98B873-D5C8-216A-E5D7-C89B95639C01}"/>
+              </a:ext>
+            </a:extLst>
+          </p:cNvPr>
+          <p:cNvSpPr>
+            <a:spLocks noGrp="1"/>
+          </p:cNvSpPr>
+          <p:nvPr>
+            <p:ph type="title"/>
+          </p:nvPr>
+        </p:nvSpPr>
+        <p:spPr/>
+        <p:txBody>
+          <a:bodyPr/>
+          <a:lstStyle/>
+          <a:p>
+            <a:r>
+              <a:rPr lang="en-US" dirty="0"/>
+              <a:t>Organizing codes </a:t>
+            </a:r>
+          </a:p>
+        </p:txBody>
+      </p:sp>
+      <p:sp>
+        <p:nvSpPr>
+          <p:cNvPr id="3" name="Content Placeholder 2">
+            <a:extLst>
+              <a:ext uri="{FF2B5EF4-FFF2-40B4-BE49-F238E27FC236}">
+                <a16:creationId xmlns:a16="http://schemas.microsoft.com/office/drawing/2014/main" id="{C8A52906-EA35-21EA-21ED-91CB6A98C5EF}"/>
+              </a:ext>
+            </a:extLst>
+          </p:cNvPr>
+          <p:cNvSpPr>
+            <a:spLocks noGrp="1"/>
+          </p:cNvSpPr>
+          <p:nvPr>
+            <p:ph idx="1"/>
+          </p:nvPr>
+        </p:nvSpPr>
+        <p:spPr/>
+        <p:txBody>
+          <a:bodyPr/>
+          <a:lstStyle/>
+          <a:p>
+            <a:r>
+              <a:rPr lang="en-US" dirty="0"/>
+              <a:t>This week I also went through all my codes on the server and my </a:t>
+            </a:r>
+            <a:r>
+              <a:rPr lang="en-US" dirty="0" err="1"/>
+              <a:t>github</a:t>
+            </a:r>
+            <a:r>
+              <a:rPr lang="en-US" dirty="0"/>
+              <a:t> and organized them so they are easier to identify and find </a:t>
+            </a:r>
+          </a:p>
+          <a:p>
+            <a:pPr marL="0" indent="0">
+              <a:buNone/>
+            </a:pPr>
+            <a:endParaRPr lang="en-US" dirty="0"/>
+          </a:p>
+        </p:txBody>
+      </p:sp>
+    </p:spTree>
+    <p:extLst>
+      <p:ext uri="{BB962C8B-B14F-4D97-AF65-F5344CB8AC3E}">
+        <p14:creationId xmlns:p14="http://schemas.microsoft.com/office/powerpoint/2010/main" val="3742778419"/>
       </p:ext>
     </p:extLst>
   </p:cSld>

--- a/09022022_Presentation.pptx
+++ b/09022022_Presentation.pptx
@@ -10,6 +10,10 @@
     <p:sldId id="258" r:id="rId4"/>
     <p:sldId id="259" r:id="rId5"/>
     <p:sldId id="260" r:id="rId6"/>
+    <p:sldId id="261" r:id="rId7"/>
+    <p:sldId id="262" r:id="rId8"/>
+    <p:sldId id="263" r:id="rId9"/>
+    <p:sldId id="264" r:id="rId10"/>
   </p:sldIdLst>
   <p:sldSz cx="12192000" cy="6858000"/>
   <p:notesSz cx="6858000" cy="9144000"/>
@@ -286,7 +290,7 @@
           <a:p>
             <a:fld id="{90E14D26-B327-FE4B-8AD5-A0128DE9A06A}" type="datetimeFigureOut">
               <a:rPr lang="en-US" smtClean="0"/>
-              <a:t>8/30/22</a:t>
+              <a:t>8/31/22</a:t>
             </a:fld>
             <a:endParaRPr lang="en-US"/>
           </a:p>
@@ -553,7 +557,7 @@
           <a:p>
             <a:fld id="{90E14D26-B327-FE4B-8AD5-A0128DE9A06A}" type="datetimeFigureOut">
               <a:rPr lang="en-US" smtClean="0"/>
-              <a:t>8/30/22</a:t>
+              <a:t>8/31/22</a:t>
             </a:fld>
             <a:endParaRPr lang="en-US"/>
           </a:p>
@@ -784,7 +788,7 @@
           <a:p>
             <a:fld id="{90E14D26-B327-FE4B-8AD5-A0128DE9A06A}" type="datetimeFigureOut">
               <a:rPr lang="en-US" smtClean="0"/>
-              <a:t>8/30/22</a:t>
+              <a:t>8/31/22</a:t>
             </a:fld>
             <a:endParaRPr lang="en-US"/>
           </a:p>
@@ -1094,7 +1098,7 @@
           <a:p>
             <a:fld id="{90E14D26-B327-FE4B-8AD5-A0128DE9A06A}" type="datetimeFigureOut">
               <a:rPr lang="en-US" smtClean="0"/>
-              <a:t>8/30/22</a:t>
+              <a:t>8/31/22</a:t>
             </a:fld>
             <a:endParaRPr lang="en-US"/>
           </a:p>
@@ -1567,7 +1571,7 @@
           <a:p>
             <a:fld id="{90E14D26-B327-FE4B-8AD5-A0128DE9A06A}" type="datetimeFigureOut">
               <a:rPr lang="en-US" smtClean="0"/>
-              <a:t>8/30/22</a:t>
+              <a:t>8/31/22</a:t>
             </a:fld>
             <a:endParaRPr lang="en-US"/>
           </a:p>
@@ -2114,7 +2118,7 @@
           <a:p>
             <a:fld id="{90E14D26-B327-FE4B-8AD5-A0128DE9A06A}" type="datetimeFigureOut">
               <a:rPr lang="en-US" smtClean="0"/>
-              <a:t>8/30/22</a:t>
+              <a:t>8/31/22</a:t>
             </a:fld>
             <a:endParaRPr lang="en-US"/>
           </a:p>
@@ -2888,7 +2892,7 @@
           <a:p>
             <a:fld id="{90E14D26-B327-FE4B-8AD5-A0128DE9A06A}" type="datetimeFigureOut">
               <a:rPr lang="en-US" smtClean="0"/>
-              <a:t>8/30/22</a:t>
+              <a:t>8/31/22</a:t>
             </a:fld>
             <a:endParaRPr lang="en-US"/>
           </a:p>
@@ -3063,7 +3067,7 @@
           <a:p>
             <a:fld id="{90E14D26-B327-FE4B-8AD5-A0128DE9A06A}" type="datetimeFigureOut">
               <a:rPr lang="en-US" smtClean="0"/>
-              <a:t>8/30/22</a:t>
+              <a:t>8/31/22</a:t>
             </a:fld>
             <a:endParaRPr lang="en-US"/>
           </a:p>
@@ -3286,7 +3290,7 @@
           <a:p>
             <a:fld id="{90E14D26-B327-FE4B-8AD5-A0128DE9A06A}" type="datetimeFigureOut">
               <a:rPr lang="en-US" smtClean="0"/>
-              <a:t>8/30/22</a:t>
+              <a:t>8/31/22</a:t>
             </a:fld>
             <a:endParaRPr lang="en-US"/>
           </a:p>
@@ -3466,7 +3470,7 @@
           <a:p>
             <a:fld id="{90E14D26-B327-FE4B-8AD5-A0128DE9A06A}" type="datetimeFigureOut">
               <a:rPr lang="en-US" smtClean="0"/>
-              <a:t>8/30/22</a:t>
+              <a:t>8/31/22</a:t>
             </a:fld>
             <a:endParaRPr lang="en-US"/>
           </a:p>
@@ -3755,7 +3759,7 @@
           <a:p>
             <a:fld id="{90E14D26-B327-FE4B-8AD5-A0128DE9A06A}" type="datetimeFigureOut">
               <a:rPr lang="en-US" smtClean="0"/>
-              <a:t>8/30/22</a:t>
+              <a:t>8/31/22</a:t>
             </a:fld>
             <a:endParaRPr lang="en-US"/>
           </a:p>
@@ -3997,7 +4001,7 @@
           <a:p>
             <a:fld id="{90E14D26-B327-FE4B-8AD5-A0128DE9A06A}" type="datetimeFigureOut">
               <a:rPr lang="en-US" smtClean="0"/>
-              <a:t>8/30/22</a:t>
+              <a:t>8/31/22</a:t>
             </a:fld>
             <a:endParaRPr lang="en-US"/>
           </a:p>
@@ -4376,7 +4380,7 @@
           <a:p>
             <a:fld id="{90E14D26-B327-FE4B-8AD5-A0128DE9A06A}" type="datetimeFigureOut">
               <a:rPr lang="en-US" smtClean="0"/>
-              <a:t>8/30/22</a:t>
+              <a:t>8/31/22</a:t>
             </a:fld>
             <a:endParaRPr lang="en-US"/>
           </a:p>
@@ -4494,7 +4498,7 @@
           <a:p>
             <a:fld id="{90E14D26-B327-FE4B-8AD5-A0128DE9A06A}" type="datetimeFigureOut">
               <a:rPr lang="en-US" smtClean="0"/>
-              <a:t>8/30/22</a:t>
+              <a:t>8/31/22</a:t>
             </a:fld>
             <a:endParaRPr lang="en-US"/>
           </a:p>
@@ -4589,7 +4593,7 @@
           <a:p>
             <a:fld id="{90E14D26-B327-FE4B-8AD5-A0128DE9A06A}" type="datetimeFigureOut">
               <a:rPr lang="en-US" smtClean="0"/>
-              <a:t>8/30/22</a:t>
+              <a:t>8/31/22</a:t>
             </a:fld>
             <a:endParaRPr lang="en-US"/>
           </a:p>
@@ -4838,7 +4842,7 @@
           <a:p>
             <a:fld id="{90E14D26-B327-FE4B-8AD5-A0128DE9A06A}" type="datetimeFigureOut">
               <a:rPr lang="en-US" smtClean="0"/>
-              <a:t>8/30/22</a:t>
+              <a:t>8/31/22</a:t>
             </a:fld>
             <a:endParaRPr lang="en-US"/>
           </a:p>
@@ -5095,7 +5099,7 @@
           <a:p>
             <a:fld id="{90E14D26-B327-FE4B-8AD5-A0128DE9A06A}" type="datetimeFigureOut">
               <a:rPr lang="en-US" smtClean="0"/>
-              <a:t>8/30/22</a:t>
+              <a:t>8/31/22</a:t>
             </a:fld>
             <a:endParaRPr lang="en-US"/>
           </a:p>
@@ -5338,7 +5342,7 @@
           <a:p>
             <a:fld id="{90E14D26-B327-FE4B-8AD5-A0128DE9A06A}" type="datetimeFigureOut">
               <a:rPr lang="en-US" smtClean="0"/>
-              <a:t>8/30/22</a:t>
+              <a:t>8/31/22</a:t>
             </a:fld>
             <a:endParaRPr lang="en-US"/>
           </a:p>
@@ -5886,7 +5890,9 @@
         </p:nvSpPr>
         <p:spPr/>
         <p:txBody>
-          <a:bodyPr/>
+          <a:bodyPr>
+            <a:normAutofit fontScale="85000" lnSpcReduction="20000"/>
+          </a:bodyPr>
           <a:lstStyle/>
           <a:p>
             <a:r>
@@ -5903,7 +5909,14 @@
             <a:pPr lvl="1"/>
             <a:r>
               <a:rPr lang="en-US" sz="1700" dirty="0"/>
-              <a:t>Done</a:t>
+              <a:t>Add SODAR data to it</a:t>
+            </a:r>
+          </a:p>
+          <a:p>
+            <a:pPr lvl="2"/>
+            <a:r>
+              <a:rPr lang="en-US" sz="1500" dirty="0"/>
+              <a:t>Interpolate the temperatures and mixing ratios</a:t>
             </a:r>
           </a:p>
           <a:p>
@@ -5945,6 +5958,68 @@
             <a:r>
               <a:rPr lang="en-US" sz="1900" dirty="0"/>
               <a:t>Waiting for final FF2 simulation before I can write the report</a:t>
+            </a:r>
+            <a:endParaRPr lang="en-US" sz="2100" dirty="0"/>
+          </a:p>
+          <a:p>
+            <a:r>
+              <a:rPr lang="en-US" sz="2100" dirty="0"/>
+              <a:t>Fix the VPN (It was giving me a weird error and it took me all day Wednesday to fix the issue)</a:t>
+            </a:r>
+          </a:p>
+          <a:p>
+            <a:r>
+              <a:rPr lang="en-US" sz="2100" dirty="0"/>
+              <a:t>Abstract for 164</a:t>
+            </a:r>
+          </a:p>
+          <a:p>
+            <a:pPr lvl="1"/>
+            <a:r>
+              <a:rPr lang="en-US" sz="1900" dirty="0"/>
+              <a:t>Completed</a:t>
+            </a:r>
+          </a:p>
+          <a:p>
+            <a:r>
+              <a:rPr lang="en-US" sz="2100" dirty="0"/>
+              <a:t>Read 2022 </a:t>
+            </a:r>
+            <a:r>
+              <a:rPr lang="en-US" sz="2100" dirty="0" err="1"/>
+              <a:t>Balbi</a:t>
+            </a:r>
+            <a:r>
+              <a:rPr lang="en-US" sz="2100" dirty="0"/>
+              <a:t> Paper</a:t>
+            </a:r>
+          </a:p>
+          <a:p>
+            <a:pPr lvl="1"/>
+            <a:r>
+              <a:rPr lang="en-US" sz="1900" dirty="0"/>
+              <a:t>Completed</a:t>
+            </a:r>
+          </a:p>
+          <a:p>
+            <a:r>
+              <a:rPr lang="en-US" sz="2100" dirty="0"/>
+              <a:t>Read </a:t>
+            </a:r>
+            <a:r>
+              <a:rPr lang="en-US" sz="2100" dirty="0" err="1"/>
+              <a:t>Rothermel</a:t>
+            </a:r>
+            <a:r>
+              <a:rPr lang="en-US" sz="2100" dirty="0"/>
+              <a:t> Paper	</a:t>
+            </a:r>
+          </a:p>
+          <a:p>
+            <a:pPr lvl="1"/>
+            <a:r>
+              <a:rPr lang="en-US" sz="1900" dirty="0"/>
+              <a:t>In progress</a:t>
             </a:r>
           </a:p>
           <a:p>
@@ -7003,7 +7078,7 @@
           <p:cNvPr id="2" name="Title 1">
             <a:extLst>
               <a:ext uri="{FF2B5EF4-FFF2-40B4-BE49-F238E27FC236}">
-                <a16:creationId xmlns:a16="http://schemas.microsoft.com/office/drawing/2014/main" id="{BE98B873-D5C8-216A-E5D7-C89B95639C01}"/>
+                <a16:creationId xmlns:a16="http://schemas.microsoft.com/office/drawing/2014/main" id="{DE5388BD-E485-8FC8-51B0-70C9596A3141}"/>
               </a:ext>
             </a:extLst>
           </p:cNvPr>
@@ -7021,8 +7096,171 @@
           <a:p>
             <a:r>
               <a:rPr lang="en-US" dirty="0"/>
-              <a:t>Organizing codes </a:t>
-            </a:r>
+              <a:t>New z0 and </a:t>
+            </a:r>
+            <a:r>
+              <a:rPr lang="en-US" dirty="0" err="1"/>
+              <a:t>input_sounding</a:t>
+            </a:r>
+            <a:endParaRPr lang="en-US" dirty="0"/>
+          </a:p>
+        </p:txBody>
+      </p:sp>
+      <p:sp>
+        <p:nvSpPr>
+          <p:cNvPr id="3" name="TextBox 2">
+            <a:extLst>
+              <a:ext uri="{FF2B5EF4-FFF2-40B4-BE49-F238E27FC236}">
+                <a16:creationId xmlns:a16="http://schemas.microsoft.com/office/drawing/2014/main" id="{0637813E-B0B1-CB7C-4BF6-3278D27937C8}"/>
+              </a:ext>
+            </a:extLst>
+          </p:cNvPr>
+          <p:cNvSpPr txBox="1"/>
+          <p:nvPr/>
+        </p:nvSpPr>
+        <p:spPr>
+          <a:xfrm>
+            <a:off x="4201213" y="1795139"/>
+            <a:ext cx="3789574" cy="369332"/>
+          </a:xfrm>
+          <a:prstGeom prst="rect">
+            <a:avLst/>
+          </a:prstGeom>
+          <a:noFill/>
+        </p:spPr>
+        <p:txBody>
+          <a:bodyPr wrap="square" rtlCol="0">
+            <a:spAutoFit/>
+          </a:bodyPr>
+          <a:lstStyle/>
+          <a:p>
+            <a:r>
+              <a:rPr lang="en-US" dirty="0"/>
+              <a:t>1m/s added to 5.46m and 0.3 z0</a:t>
+            </a:r>
+          </a:p>
+        </p:txBody>
+      </p:sp>
+      <p:pic>
+        <p:nvPicPr>
+          <p:cNvPr id="4" name="Picture 3">
+            <a:extLst>
+              <a:ext uri="{FF2B5EF4-FFF2-40B4-BE49-F238E27FC236}">
+                <a16:creationId xmlns:a16="http://schemas.microsoft.com/office/drawing/2014/main" id="{12C107AE-8F3D-B6A2-F452-6D61A3B81D58}"/>
+              </a:ext>
+            </a:extLst>
+          </p:cNvPr>
+          <p:cNvPicPr>
+            <a:picLocks noChangeAspect="1"/>
+          </p:cNvPicPr>
+          <p:nvPr/>
+        </p:nvPicPr>
+        <p:blipFill>
+          <a:blip r:embed="rId2"/>
+          <a:stretch>
+            <a:fillRect/>
+          </a:stretch>
+        </p:blipFill>
+        <p:spPr>
+          <a:xfrm>
+            <a:off x="6625282" y="2414473"/>
+            <a:ext cx="5342237" cy="4461933"/>
+          </a:xfrm>
+          <a:prstGeom prst="rect">
+            <a:avLst/>
+          </a:prstGeom>
+        </p:spPr>
+      </p:pic>
+      <p:pic>
+        <p:nvPicPr>
+          <p:cNvPr id="5" name="Picture 4">
+            <a:extLst>
+              <a:ext uri="{FF2B5EF4-FFF2-40B4-BE49-F238E27FC236}">
+                <a16:creationId xmlns:a16="http://schemas.microsoft.com/office/drawing/2014/main" id="{A4E9BB75-0183-1930-011C-CCBE37C0D319}"/>
+              </a:ext>
+            </a:extLst>
+          </p:cNvPr>
+          <p:cNvPicPr>
+            <a:picLocks noChangeAspect="1"/>
+          </p:cNvPicPr>
+          <p:nvPr/>
+        </p:nvPicPr>
+        <p:blipFill>
+          <a:blip r:embed="rId3"/>
+          <a:stretch>
+            <a:fillRect/>
+          </a:stretch>
+        </p:blipFill>
+        <p:spPr>
+          <a:xfrm>
+            <a:off x="0" y="2414472"/>
+            <a:ext cx="5358117" cy="4443527"/>
+          </a:xfrm>
+          <a:prstGeom prst="rect">
+            <a:avLst/>
+          </a:prstGeom>
+        </p:spPr>
+      </p:pic>
+    </p:spTree>
+    <p:extLst>
+      <p:ext uri="{BB962C8B-B14F-4D97-AF65-F5344CB8AC3E}">
+        <p14:creationId xmlns:p14="http://schemas.microsoft.com/office/powerpoint/2010/main" val="2318536243"/>
+      </p:ext>
+    </p:extLst>
+  </p:cSld>
+  <p:clrMapOvr>
+    <a:masterClrMapping/>
+  </p:clrMapOvr>
+</p:sld>
+</file>
+
+<file path=ppt/slides/slide6.xml><?xml version="1.0" encoding="utf-8"?>
+<p:sld xmlns:a="http://schemas.openxmlformats.org/drawingml/2006/main" xmlns:r="http://schemas.openxmlformats.org/officeDocument/2006/relationships" xmlns:p="http://schemas.openxmlformats.org/presentationml/2006/main">
+  <p:cSld>
+    <p:spTree>
+      <p:nvGrpSpPr>
+        <p:cNvPr id="1" name=""/>
+        <p:cNvGrpSpPr/>
+        <p:nvPr/>
+      </p:nvGrpSpPr>
+      <p:grpSpPr>
+        <a:xfrm>
+          <a:off x="0" y="0"/>
+          <a:ext cx="0" cy="0"/>
+          <a:chOff x="0" y="0"/>
+          <a:chExt cx="0" cy="0"/>
+        </a:xfrm>
+      </p:grpSpPr>
+      <p:sp>
+        <p:nvSpPr>
+          <p:cNvPr id="2" name="Title 1">
+            <a:extLst>
+              <a:ext uri="{FF2B5EF4-FFF2-40B4-BE49-F238E27FC236}">
+                <a16:creationId xmlns:a16="http://schemas.microsoft.com/office/drawing/2014/main" id="{3CE37FAB-7E5D-2492-E4A6-45C94CB1466F}"/>
+              </a:ext>
+            </a:extLst>
+          </p:cNvPr>
+          <p:cNvSpPr>
+            <a:spLocks noGrp="1"/>
+          </p:cNvSpPr>
+          <p:nvPr>
+            <p:ph type="title"/>
+          </p:nvPr>
+        </p:nvSpPr>
+        <p:spPr/>
+        <p:txBody>
+          <a:bodyPr/>
+          <a:lstStyle/>
+          <a:p>
+            <a:r>
+              <a:rPr lang="en-US" dirty="0"/>
+              <a:t>New z0 and </a:t>
+            </a:r>
+            <a:r>
+              <a:rPr lang="en-US" dirty="0" err="1"/>
+              <a:t>input_sounding</a:t>
+            </a:r>
+            <a:endParaRPr lang="en-US" dirty="0"/>
           </a:p>
         </p:txBody>
       </p:sp>
@@ -7031,7 +7269,7 @@
           <p:cNvPr id="3" name="Content Placeholder 2">
             <a:extLst>
               <a:ext uri="{FF2B5EF4-FFF2-40B4-BE49-F238E27FC236}">
-                <a16:creationId xmlns:a16="http://schemas.microsoft.com/office/drawing/2014/main" id="{C8A52906-EA35-21EA-21ED-91CB6A98C5EF}"/>
+                <a16:creationId xmlns:a16="http://schemas.microsoft.com/office/drawing/2014/main" id="{A1D5A113-B914-9887-7D1A-8DF16866964F}"/>
               </a:ext>
             </a:extLst>
           </p:cNvPr>
@@ -7049,29 +7287,561 @@
           <a:p>
             <a:r>
               <a:rPr lang="en-US" dirty="0"/>
-              <a:t>This week I also went through all my codes on the server and my </a:t>
-            </a:r>
-            <a:r>
-              <a:rPr lang="en-US" dirty="0" err="1"/>
-              <a:t>github</a:t>
-            </a:r>
+              <a:t>This last run proved promising since the 5m winds are close to the average observed values</a:t>
+            </a:r>
+          </a:p>
+          <a:p>
             <a:r>
               <a:rPr lang="en-US" dirty="0"/>
-              <a:t> and organized them so they are easier to identify and find </a:t>
-            </a:r>
-          </a:p>
-          <a:p>
-            <a:pPr marL="0" indent="0">
-              <a:buNone/>
-            </a:pPr>
-            <a:endParaRPr lang="en-US" dirty="0"/>
+              <a:t>One change is the 20m winds</a:t>
+            </a:r>
+          </a:p>
+          <a:p>
+            <a:pPr lvl="1"/>
+            <a:r>
+              <a:rPr lang="en-US" dirty="0"/>
+              <a:t>Before the winds decreased with time, however these winds increased with time</a:t>
+            </a:r>
           </a:p>
         </p:txBody>
       </p:sp>
     </p:spTree>
     <p:extLst>
       <p:ext uri="{BB962C8B-B14F-4D97-AF65-F5344CB8AC3E}">
-        <p14:creationId xmlns:p14="http://schemas.microsoft.com/office/powerpoint/2010/main" val="3742778419"/>
+        <p14:creationId xmlns:p14="http://schemas.microsoft.com/office/powerpoint/2010/main" val="2286712358"/>
+      </p:ext>
+    </p:extLst>
+  </p:cSld>
+  <p:clrMapOvr>
+    <a:masterClrMapping/>
+  </p:clrMapOvr>
+</p:sld>
+</file>
+
+<file path=ppt/slides/slide7.xml><?xml version="1.0" encoding="utf-8"?>
+<p:sld xmlns:a="http://schemas.openxmlformats.org/drawingml/2006/main" xmlns:r="http://schemas.openxmlformats.org/officeDocument/2006/relationships" xmlns:p="http://schemas.openxmlformats.org/presentationml/2006/main">
+  <p:cSld>
+    <p:spTree>
+      <p:nvGrpSpPr>
+        <p:cNvPr id="1" name=""/>
+        <p:cNvGrpSpPr/>
+        <p:nvPr/>
+      </p:nvGrpSpPr>
+      <p:grpSpPr>
+        <a:xfrm>
+          <a:off x="0" y="0"/>
+          <a:ext cx="0" cy="0"/>
+          <a:chOff x="0" y="0"/>
+          <a:chExt cx="0" cy="0"/>
+        </a:xfrm>
+      </p:grpSpPr>
+      <p:sp>
+        <p:nvSpPr>
+          <p:cNvPr id="2" name="Title 1">
+            <a:extLst>
+              <a:ext uri="{FF2B5EF4-FFF2-40B4-BE49-F238E27FC236}">
+                <a16:creationId xmlns:a16="http://schemas.microsoft.com/office/drawing/2014/main" id="{21739A67-0044-396B-CAD5-FC9B2AD50DEA}"/>
+              </a:ext>
+            </a:extLst>
+          </p:cNvPr>
+          <p:cNvSpPr>
+            <a:spLocks noGrp="1"/>
+          </p:cNvSpPr>
+          <p:nvPr>
+            <p:ph type="title"/>
+          </p:nvPr>
+        </p:nvSpPr>
+        <p:spPr/>
+        <p:txBody>
+          <a:bodyPr/>
+          <a:lstStyle/>
+          <a:p>
+            <a:r>
+              <a:rPr lang="en-US" dirty="0"/>
+              <a:t>Comparing runs</a:t>
+            </a:r>
+          </a:p>
+        </p:txBody>
+      </p:sp>
+      <p:pic>
+        <p:nvPicPr>
+          <p:cNvPr id="5" name="Picture 4">
+            <a:extLst>
+              <a:ext uri="{FF2B5EF4-FFF2-40B4-BE49-F238E27FC236}">
+                <a16:creationId xmlns:a16="http://schemas.microsoft.com/office/drawing/2014/main" id="{958F2C20-1F53-A842-2562-F3517C8A06C0}"/>
+              </a:ext>
+            </a:extLst>
+          </p:cNvPr>
+          <p:cNvPicPr>
+            <a:picLocks noChangeAspect="1"/>
+          </p:cNvPicPr>
+          <p:nvPr/>
+        </p:nvPicPr>
+        <p:blipFill>
+          <a:blip r:embed="rId2"/>
+          <a:stretch>
+            <a:fillRect/>
+          </a:stretch>
+        </p:blipFill>
+        <p:spPr>
+          <a:xfrm>
+            <a:off x="6279295" y="2409568"/>
+            <a:ext cx="5357600" cy="4448432"/>
+          </a:xfrm>
+          <a:prstGeom prst="rect">
+            <a:avLst/>
+          </a:prstGeom>
+        </p:spPr>
+      </p:pic>
+      <p:sp>
+        <p:nvSpPr>
+          <p:cNvPr id="6" name="TextBox 5">
+            <a:extLst>
+              <a:ext uri="{FF2B5EF4-FFF2-40B4-BE49-F238E27FC236}">
+                <a16:creationId xmlns:a16="http://schemas.microsoft.com/office/drawing/2014/main" id="{B1029E3D-1BF2-6EFC-74BC-62687C11EF18}"/>
+              </a:ext>
+            </a:extLst>
+          </p:cNvPr>
+          <p:cNvSpPr txBox="1"/>
+          <p:nvPr/>
+        </p:nvSpPr>
+        <p:spPr>
+          <a:xfrm>
+            <a:off x="2150076" y="1964724"/>
+            <a:ext cx="2421924" cy="369332"/>
+          </a:xfrm>
+          <a:prstGeom prst="rect">
+            <a:avLst/>
+          </a:prstGeom>
+          <a:noFill/>
+        </p:spPr>
+        <p:txBody>
+          <a:bodyPr wrap="square" rtlCol="0">
+            <a:spAutoFit/>
+          </a:bodyPr>
+          <a:lstStyle/>
+          <a:p>
+            <a:r>
+              <a:rPr lang="en-US" dirty="0"/>
+              <a:t>0.3 z0</a:t>
+            </a:r>
+          </a:p>
+        </p:txBody>
+      </p:sp>
+      <p:sp>
+        <p:nvSpPr>
+          <p:cNvPr id="7" name="TextBox 6">
+            <a:extLst>
+              <a:ext uri="{FF2B5EF4-FFF2-40B4-BE49-F238E27FC236}">
+                <a16:creationId xmlns:a16="http://schemas.microsoft.com/office/drawing/2014/main" id="{24687520-FED8-5727-FD04-17D814A2C372}"/>
+              </a:ext>
+            </a:extLst>
+          </p:cNvPr>
+          <p:cNvSpPr txBox="1"/>
+          <p:nvPr/>
+        </p:nvSpPr>
+        <p:spPr>
+          <a:xfrm>
+            <a:off x="8830962" y="1980172"/>
+            <a:ext cx="2421924" cy="369332"/>
+          </a:xfrm>
+          <a:prstGeom prst="rect">
+            <a:avLst/>
+          </a:prstGeom>
+          <a:noFill/>
+        </p:spPr>
+        <p:txBody>
+          <a:bodyPr wrap="square" rtlCol="0">
+            <a:spAutoFit/>
+          </a:bodyPr>
+          <a:lstStyle/>
+          <a:p>
+            <a:r>
+              <a:rPr lang="en-US" dirty="0"/>
+              <a:t>0.4 z0</a:t>
+            </a:r>
+          </a:p>
+        </p:txBody>
+      </p:sp>
+      <p:pic>
+        <p:nvPicPr>
+          <p:cNvPr id="8" name="Picture 7">
+            <a:extLst>
+              <a:ext uri="{FF2B5EF4-FFF2-40B4-BE49-F238E27FC236}">
+                <a16:creationId xmlns:a16="http://schemas.microsoft.com/office/drawing/2014/main" id="{56C7AA74-B5D2-82A9-FB40-2DEFEC83123C}"/>
+              </a:ext>
+            </a:extLst>
+          </p:cNvPr>
+          <p:cNvPicPr>
+            <a:picLocks noChangeAspect="1"/>
+          </p:cNvPicPr>
+          <p:nvPr/>
+        </p:nvPicPr>
+        <p:blipFill>
+          <a:blip r:embed="rId3"/>
+          <a:stretch>
+            <a:fillRect/>
+          </a:stretch>
+        </p:blipFill>
+        <p:spPr>
+          <a:xfrm>
+            <a:off x="216541" y="2414473"/>
+            <a:ext cx="5358117" cy="4443527"/>
+          </a:xfrm>
+          <a:prstGeom prst="rect">
+            <a:avLst/>
+          </a:prstGeom>
+        </p:spPr>
+      </p:pic>
+    </p:spTree>
+    <p:extLst>
+      <p:ext uri="{BB962C8B-B14F-4D97-AF65-F5344CB8AC3E}">
+        <p14:creationId xmlns:p14="http://schemas.microsoft.com/office/powerpoint/2010/main" val="1067371905"/>
+      </p:ext>
+    </p:extLst>
+  </p:cSld>
+  <p:clrMapOvr>
+    <a:masterClrMapping/>
+  </p:clrMapOvr>
+</p:sld>
+</file>
+
+<file path=ppt/slides/slide8.xml><?xml version="1.0" encoding="utf-8"?>
+<p:sld xmlns:a="http://schemas.openxmlformats.org/drawingml/2006/main" xmlns:r="http://schemas.openxmlformats.org/officeDocument/2006/relationships" xmlns:p="http://schemas.openxmlformats.org/presentationml/2006/main">
+  <p:cSld>
+    <p:spTree>
+      <p:nvGrpSpPr>
+        <p:cNvPr id="1" name=""/>
+        <p:cNvGrpSpPr/>
+        <p:nvPr/>
+      </p:nvGrpSpPr>
+      <p:grpSpPr>
+        <a:xfrm>
+          <a:off x="0" y="0"/>
+          <a:ext cx="0" cy="0"/>
+          <a:chOff x="0" y="0"/>
+          <a:chExt cx="0" cy="0"/>
+        </a:xfrm>
+      </p:grpSpPr>
+      <p:sp>
+        <p:nvSpPr>
+          <p:cNvPr id="2" name="Title 1">
+            <a:extLst>
+              <a:ext uri="{FF2B5EF4-FFF2-40B4-BE49-F238E27FC236}">
+                <a16:creationId xmlns:a16="http://schemas.microsoft.com/office/drawing/2014/main" id="{98505108-D866-C2D6-9647-3D26580367FC}"/>
+              </a:ext>
+            </a:extLst>
+          </p:cNvPr>
+          <p:cNvSpPr>
+            <a:spLocks noGrp="1"/>
+          </p:cNvSpPr>
+          <p:nvPr>
+            <p:ph type="title"/>
+          </p:nvPr>
+        </p:nvSpPr>
+        <p:spPr/>
+        <p:txBody>
+          <a:bodyPr/>
+          <a:lstStyle/>
+          <a:p>
+            <a:r>
+              <a:rPr lang="en-US" dirty="0"/>
+              <a:t>VPN Access</a:t>
+            </a:r>
+          </a:p>
+        </p:txBody>
+      </p:sp>
+      <p:sp>
+        <p:nvSpPr>
+          <p:cNvPr id="3" name="Content Placeholder 2">
+            <a:extLst>
+              <a:ext uri="{FF2B5EF4-FFF2-40B4-BE49-F238E27FC236}">
+                <a16:creationId xmlns:a16="http://schemas.microsoft.com/office/drawing/2014/main" id="{8F32EB61-C3E5-3A88-B61F-78EA5E34BD37}"/>
+              </a:ext>
+            </a:extLst>
+          </p:cNvPr>
+          <p:cNvSpPr>
+            <a:spLocks noGrp="1"/>
+          </p:cNvSpPr>
+          <p:nvPr>
+            <p:ph idx="1"/>
+          </p:nvPr>
+        </p:nvSpPr>
+        <p:spPr/>
+        <p:txBody>
+          <a:bodyPr/>
+          <a:lstStyle/>
+          <a:p>
+            <a:r>
+              <a:rPr lang="en-US" dirty="0"/>
+              <a:t>With the </a:t>
+            </a:r>
+            <a:r>
+              <a:rPr lang="en-US" dirty="0" err="1"/>
+              <a:t>vpn</a:t>
+            </a:r>
+            <a:r>
+              <a:rPr lang="en-US" dirty="0"/>
+              <a:t> ”outage” that took about a day to fix</a:t>
+            </a:r>
+          </a:p>
+          <a:p>
+            <a:pPr lvl="1"/>
+            <a:r>
+              <a:rPr lang="en-US" dirty="0"/>
+              <a:t>Turns out my windows machine has the old </a:t>
+            </a:r>
+            <a:r>
+              <a:rPr lang="en-US" dirty="0" err="1"/>
+              <a:t>url</a:t>
+            </a:r>
+            <a:r>
+              <a:rPr lang="en-US" dirty="0"/>
+              <a:t> that worked</a:t>
+            </a:r>
+          </a:p>
+          <a:p>
+            <a:r>
+              <a:rPr lang="en-US" dirty="0"/>
+              <a:t>For anyone experiencing this issue, you must have </a:t>
+            </a:r>
+            <a:r>
+              <a:rPr lang="en-US" dirty="0" err="1"/>
+              <a:t>asm</a:t>
+            </a:r>
+            <a:r>
+              <a:rPr lang="en-US" dirty="0"/>
+              <a:t>- added to the </a:t>
+            </a:r>
+            <a:r>
+              <a:rPr lang="en-US" dirty="0" err="1"/>
+              <a:t>url</a:t>
+            </a:r>
+            <a:endParaRPr lang="en-US" dirty="0"/>
+          </a:p>
+          <a:p>
+            <a:pPr marL="0" indent="0">
+              <a:buNone/>
+            </a:pPr>
+            <a:endParaRPr lang="en-US" dirty="0"/>
+          </a:p>
+        </p:txBody>
+      </p:sp>
+      <p:pic>
+        <p:nvPicPr>
+          <p:cNvPr id="4" name="Picture 3">
+            <a:extLst>
+              <a:ext uri="{FF2B5EF4-FFF2-40B4-BE49-F238E27FC236}">
+                <a16:creationId xmlns:a16="http://schemas.microsoft.com/office/drawing/2014/main" id="{33ADEE6A-80B9-9E07-AD9F-39687DBBD026}"/>
+              </a:ext>
+            </a:extLst>
+          </p:cNvPr>
+          <p:cNvPicPr>
+            <a:picLocks noChangeAspect="1"/>
+          </p:cNvPicPr>
+          <p:nvPr/>
+        </p:nvPicPr>
+        <p:blipFill>
+          <a:blip r:embed="rId2"/>
+          <a:stretch>
+            <a:fillRect/>
+          </a:stretch>
+        </p:blipFill>
+        <p:spPr>
+          <a:xfrm>
+            <a:off x="723900" y="3765044"/>
+            <a:ext cx="5372100" cy="2590800"/>
+          </a:xfrm>
+          <a:prstGeom prst="rect">
+            <a:avLst/>
+          </a:prstGeom>
+        </p:spPr>
+      </p:pic>
+      <p:pic>
+        <p:nvPicPr>
+          <p:cNvPr id="5" name="Picture 4">
+            <a:extLst>
+              <a:ext uri="{FF2B5EF4-FFF2-40B4-BE49-F238E27FC236}">
+                <a16:creationId xmlns:a16="http://schemas.microsoft.com/office/drawing/2014/main" id="{D60A674F-F9D5-47E3-A444-19322D4F8A24}"/>
+              </a:ext>
+            </a:extLst>
+          </p:cNvPr>
+          <p:cNvPicPr>
+            <a:picLocks noChangeAspect="1"/>
+          </p:cNvPicPr>
+          <p:nvPr/>
+        </p:nvPicPr>
+        <p:blipFill>
+          <a:blip r:embed="rId3"/>
+          <a:stretch>
+            <a:fillRect/>
+          </a:stretch>
+        </p:blipFill>
+        <p:spPr>
+          <a:xfrm>
+            <a:off x="8318500" y="3530094"/>
+            <a:ext cx="3149600" cy="3060700"/>
+          </a:xfrm>
+          <a:prstGeom prst="rect">
+            <a:avLst/>
+          </a:prstGeom>
+        </p:spPr>
+      </p:pic>
+    </p:spTree>
+    <p:extLst>
+      <p:ext uri="{BB962C8B-B14F-4D97-AF65-F5344CB8AC3E}">
+        <p14:creationId xmlns:p14="http://schemas.microsoft.com/office/powerpoint/2010/main" val="1283250693"/>
+      </p:ext>
+    </p:extLst>
+  </p:cSld>
+  <p:clrMapOvr>
+    <a:masterClrMapping/>
+  </p:clrMapOvr>
+</p:sld>
+</file>
+
+<file path=ppt/slides/slide9.xml><?xml version="1.0" encoding="utf-8"?>
+<p:sld xmlns:a="http://schemas.openxmlformats.org/drawingml/2006/main" xmlns:r="http://schemas.openxmlformats.org/officeDocument/2006/relationships" xmlns:p="http://schemas.openxmlformats.org/presentationml/2006/main">
+  <p:cSld>
+    <p:spTree>
+      <p:nvGrpSpPr>
+        <p:cNvPr id="1" name=""/>
+        <p:cNvGrpSpPr/>
+        <p:nvPr/>
+      </p:nvGrpSpPr>
+      <p:grpSpPr>
+        <a:xfrm>
+          <a:off x="0" y="0"/>
+          <a:ext cx="0" cy="0"/>
+          <a:chOff x="0" y="0"/>
+          <a:chExt cx="0" cy="0"/>
+        </a:xfrm>
+      </p:grpSpPr>
+      <p:sp>
+        <p:nvSpPr>
+          <p:cNvPr id="2" name="Title 1">
+            <a:extLst>
+              <a:ext uri="{FF2B5EF4-FFF2-40B4-BE49-F238E27FC236}">
+                <a16:creationId xmlns:a16="http://schemas.microsoft.com/office/drawing/2014/main" id="{FE226793-8726-3792-E5F0-BBF385D649FA}"/>
+              </a:ext>
+            </a:extLst>
+          </p:cNvPr>
+          <p:cNvSpPr>
+            <a:spLocks noGrp="1"/>
+          </p:cNvSpPr>
+          <p:nvPr>
+            <p:ph type="title"/>
+          </p:nvPr>
+        </p:nvSpPr>
+        <p:spPr/>
+        <p:txBody>
+          <a:bodyPr/>
+          <a:lstStyle/>
+          <a:p>
+            <a:r>
+              <a:rPr lang="en-US" dirty="0"/>
+              <a:t>To DO</a:t>
+            </a:r>
+          </a:p>
+        </p:txBody>
+      </p:sp>
+      <p:sp>
+        <p:nvSpPr>
+          <p:cNvPr id="3" name="Content Placeholder 2">
+            <a:extLst>
+              <a:ext uri="{FF2B5EF4-FFF2-40B4-BE49-F238E27FC236}">
+                <a16:creationId xmlns:a16="http://schemas.microsoft.com/office/drawing/2014/main" id="{2CD07B31-0262-A3B6-EC3D-9CFADCC7A338}"/>
+              </a:ext>
+            </a:extLst>
+          </p:cNvPr>
+          <p:cNvSpPr>
+            <a:spLocks noGrp="1"/>
+          </p:cNvSpPr>
+          <p:nvPr>
+            <p:ph idx="1"/>
+          </p:nvPr>
+        </p:nvSpPr>
+        <p:spPr/>
+        <p:txBody>
+          <a:bodyPr/>
+          <a:lstStyle/>
+          <a:p>
+            <a:r>
+              <a:rPr lang="en-US" dirty="0"/>
+              <a:t>Read </a:t>
+            </a:r>
+            <a:r>
+              <a:rPr lang="en-US" dirty="0" err="1"/>
+              <a:t>Rothermel</a:t>
+            </a:r>
+            <a:r>
+              <a:rPr lang="en-US" dirty="0"/>
+              <a:t> Paper</a:t>
+            </a:r>
+          </a:p>
+          <a:p>
+            <a:r>
+              <a:rPr lang="en-US" sz="1900" dirty="0"/>
+              <a:t>Write report on pressure sensors</a:t>
+            </a:r>
+          </a:p>
+          <a:p>
+            <a:pPr lvl="1"/>
+            <a:r>
+              <a:rPr lang="en-US" sz="1900" dirty="0"/>
+              <a:t>Waiting for final FF2 simulation before I can write the report</a:t>
+            </a:r>
+            <a:endParaRPr lang="en-US" sz="2100" dirty="0"/>
+          </a:p>
+          <a:p>
+            <a:r>
+              <a:rPr lang="en-US" dirty="0"/>
+              <a:t>Add SODAR Data to the sounding</a:t>
+            </a:r>
+          </a:p>
+          <a:p>
+            <a:r>
+              <a:rPr lang="en-US" dirty="0"/>
+              <a:t>Get final ff2 simulation</a:t>
+            </a:r>
+          </a:p>
+          <a:p>
+            <a:r>
+              <a:rPr lang="en-US" dirty="0"/>
+              <a:t>Compute ROS with </a:t>
+            </a:r>
+            <a:r>
+              <a:rPr lang="en-US" dirty="0" err="1"/>
+              <a:t>Rothermel</a:t>
+            </a:r>
+            <a:r>
+              <a:rPr lang="en-US" dirty="0"/>
+              <a:t> model</a:t>
+            </a:r>
+          </a:p>
+          <a:p>
+            <a:r>
+              <a:rPr lang="en-US" dirty="0"/>
+              <a:t>Compute ROS with </a:t>
+            </a:r>
+            <a:r>
+              <a:rPr lang="en-US" dirty="0" err="1"/>
+              <a:t>Balbi</a:t>
+            </a:r>
+            <a:r>
+              <a:rPr lang="en-US" dirty="0"/>
+              <a:t> model (once that’s implemented)</a:t>
+            </a:r>
+          </a:p>
+          <a:p>
+            <a:endParaRPr lang="en-US" dirty="0"/>
+          </a:p>
+        </p:txBody>
+      </p:sp>
+    </p:spTree>
+    <p:extLst>
+      <p:ext uri="{BB962C8B-B14F-4D97-AF65-F5344CB8AC3E}">
+        <p14:creationId xmlns:p14="http://schemas.microsoft.com/office/powerpoint/2010/main" val="2972342186"/>
       </p:ext>
     </p:extLst>
   </p:cSld>

--- a/09022022_Presentation.pptx
+++ b/09022022_Presentation.pptx
@@ -12,8 +12,9 @@
     <p:sldId id="260" r:id="rId6"/>
     <p:sldId id="261" r:id="rId7"/>
     <p:sldId id="262" r:id="rId8"/>
-    <p:sldId id="263" r:id="rId9"/>
-    <p:sldId id="264" r:id="rId10"/>
+    <p:sldId id="265" r:id="rId9"/>
+    <p:sldId id="263" r:id="rId10"/>
+    <p:sldId id="264" r:id="rId11"/>
   </p:sldIdLst>
   <p:sldSz cx="12192000" cy="6858000"/>
   <p:notesSz cx="6858000" cy="9144000"/>
@@ -120,6 +121,8069 @@
 </p:presentation>
 </file>
 
+<file path=ppt/charts/chart1.xml><?xml version="1.0" encoding="utf-8"?>
+<c:chartSpace xmlns:c="http://schemas.openxmlformats.org/drawingml/2006/chart" xmlns:a="http://schemas.openxmlformats.org/drawingml/2006/main" xmlns:r="http://schemas.openxmlformats.org/officeDocument/2006/relationships" xmlns:c16r2="http://schemas.microsoft.com/office/drawing/2015/06/chart">
+  <c:date1904 val="0"/>
+  <c:lang val="en-US"/>
+  <c:roundedCorners val="0"/>
+  <mc:AlternateContent xmlns:mc="http://schemas.openxmlformats.org/markup-compatibility/2006">
+    <mc:Choice xmlns:c14="http://schemas.microsoft.com/office/drawing/2007/8/2/chart" Requires="c14">
+      <c14:style val="102"/>
+    </mc:Choice>
+    <mc:Fallback>
+      <c:style val="2"/>
+    </mc:Fallback>
+  </mc:AlternateContent>
+  <c:chart>
+    <c:title>
+      <c:tx>
+        <c:rich>
+          <a:bodyPr rot="0" spcFirstLastPara="1" vertOverflow="ellipsis" vert="horz" wrap="square" anchor="ctr" anchorCtr="1"/>
+          <a:lstStyle/>
+          <a:p>
+            <a:pPr>
+              <a:defRPr sz="1400" b="0" i="0" u="none" strike="noStrike" kern="1200" spc="0" baseline="0">
+                <a:solidFill>
+                  <a:schemeClr val="tx1">
+                    <a:lumMod val="65000"/>
+                    <a:lumOff val="35000"/>
+                  </a:schemeClr>
+                </a:solidFill>
+                <a:latin typeface="+mn-lt"/>
+                <a:ea typeface="+mn-ea"/>
+                <a:cs typeface="+mn-cs"/>
+              </a:defRPr>
+            </a:pPr>
+            <a:r>
+              <a:rPr lang="en-US" sz="1800" b="1">
+                <a:latin typeface="Times New Roman" panose="02020603050405020304" pitchFamily="18" charset="0"/>
+                <a:cs typeface="Times New Roman" panose="02020603050405020304" pitchFamily="18" charset="0"/>
+              </a:rPr>
+              <a:t>Potential</a:t>
+            </a:r>
+            <a:r>
+              <a:rPr lang="en-US" sz="1800" b="1" baseline="0">
+                <a:latin typeface="Times New Roman" panose="02020603050405020304" pitchFamily="18" charset="0"/>
+                <a:cs typeface="Times New Roman" panose="02020603050405020304" pitchFamily="18" charset="0"/>
+              </a:rPr>
+              <a:t> Temp. Vs. Height</a:t>
+            </a:r>
+            <a:endParaRPr lang="en-US" sz="1800" b="1">
+              <a:latin typeface="Times New Roman" panose="02020603050405020304" pitchFamily="18" charset="0"/>
+              <a:cs typeface="Times New Roman" panose="02020603050405020304" pitchFamily="18" charset="0"/>
+            </a:endParaRPr>
+          </a:p>
+        </c:rich>
+      </c:tx>
+      <c:overlay val="0"/>
+      <c:spPr>
+        <a:noFill/>
+        <a:ln>
+          <a:noFill/>
+        </a:ln>
+        <a:effectLst/>
+      </c:spPr>
+      <c:txPr>
+        <a:bodyPr rot="0" spcFirstLastPara="1" vertOverflow="ellipsis" vert="horz" wrap="square" anchor="ctr" anchorCtr="1"/>
+        <a:lstStyle/>
+        <a:p>
+          <a:pPr>
+            <a:defRPr sz="1400" b="0" i="0" u="none" strike="noStrike" kern="1200" spc="0" baseline="0">
+              <a:solidFill>
+                <a:schemeClr val="tx1">
+                  <a:lumMod val="65000"/>
+                  <a:lumOff val="35000"/>
+                </a:schemeClr>
+              </a:solidFill>
+              <a:latin typeface="+mn-lt"/>
+              <a:ea typeface="+mn-ea"/>
+              <a:cs typeface="+mn-cs"/>
+            </a:defRPr>
+          </a:pPr>
+          <a:endParaRPr lang="en-US"/>
+        </a:p>
+      </c:txPr>
+    </c:title>
+    <c:autoTitleDeleted val="0"/>
+    <c:plotArea>
+      <c:layout/>
+      <c:scatterChart>
+        <c:scatterStyle val="lineMarker"/>
+        <c:varyColors val="0"/>
+        <c:ser>
+          <c:idx val="0"/>
+          <c:order val="0"/>
+          <c:spPr>
+            <a:ln w="19050" cap="rnd">
+              <a:noFill/>
+              <a:round/>
+            </a:ln>
+            <a:effectLst/>
+          </c:spPr>
+          <c:marker>
+            <c:symbol val="circle"/>
+            <c:size val="5"/>
+            <c:spPr>
+              <a:solidFill>
+                <a:schemeClr val="accent1"/>
+              </a:solidFill>
+              <a:ln w="9525">
+                <a:solidFill>
+                  <a:schemeClr val="accent1"/>
+                </a:solidFill>
+              </a:ln>
+              <a:effectLst/>
+            </c:spPr>
+          </c:marker>
+          <c:dPt>
+            <c:idx val="306"/>
+            <c:marker>
+              <c:symbol val="circle"/>
+              <c:size val="5"/>
+              <c:spPr>
+                <a:solidFill>
+                  <a:schemeClr val="accent1"/>
+                </a:solidFill>
+                <a:ln w="9525">
+                  <a:solidFill>
+                    <a:schemeClr val="accent1"/>
+                  </a:solidFill>
+                </a:ln>
+                <a:effectLst/>
+              </c:spPr>
+            </c:marker>
+            <c:bubble3D val="0"/>
+            <c:spPr>
+              <a:ln w="19050" cap="rnd">
+                <a:solidFill>
+                  <a:schemeClr val="tx1"/>
+                </a:solidFill>
+                <a:round/>
+              </a:ln>
+              <a:effectLst/>
+            </c:spPr>
+            <c:extLst>
+              <c:ext xmlns:c16="http://schemas.microsoft.com/office/drawing/2014/chart" uri="{C3380CC4-5D6E-409C-BE32-E72D297353CC}">
+                <c16:uniqueId val="{00000001-AED7-1743-B032-60F2F880637B}"/>
+              </c:ext>
+            </c:extLst>
+          </c:dPt>
+          <c:xVal>
+            <c:numRef>
+              <c:f>Sheet1!$AL$3:$AL$509</c:f>
+              <c:numCache>
+                <c:formatCode>General</c:formatCode>
+                <c:ptCount val="507"/>
+                <c:pt idx="0">
+                  <c:v>288.12</c:v>
+                </c:pt>
+                <c:pt idx="1">
+                  <c:v>284.91000000000003</c:v>
+                </c:pt>
+                <c:pt idx="2">
+                  <c:v>285.11</c:v>
+                </c:pt>
+                <c:pt idx="3">
+                  <c:v>283.73</c:v>
+                </c:pt>
+                <c:pt idx="4">
+                  <c:v>282.97750000000002</c:v>
+                </c:pt>
+                <c:pt idx="5">
+                  <c:v>282.53875000000005</c:v>
+                </c:pt>
+                <c:pt idx="6">
+                  <c:v>282.27937500000002</c:v>
+                </c:pt>
+                <c:pt idx="7">
+                  <c:v>282.10968750000001</c:v>
+                </c:pt>
+                <c:pt idx="8">
+                  <c:v>281.94484375000002</c:v>
+                </c:pt>
+                <c:pt idx="9">
+                  <c:v>281.84742187500001</c:v>
+                </c:pt>
+                <c:pt idx="10">
+                  <c:v>281.78371093750002</c:v>
+                </c:pt>
+                <c:pt idx="11">
+                  <c:v>281.67185546874998</c:v>
+                </c:pt>
+                <c:pt idx="12">
+                  <c:v>281.54092773437503</c:v>
+                </c:pt>
+                <c:pt idx="13">
+                  <c:v>281.44046386718753</c:v>
+                </c:pt>
+                <c:pt idx="14">
+                  <c:v>281.31023193359374</c:v>
+                </c:pt>
+                <c:pt idx="15">
+                  <c:v>281.22011596679687</c:v>
+                </c:pt>
+                <c:pt idx="16">
+                  <c:v>281.09505798339842</c:v>
+                </c:pt>
+                <c:pt idx="17">
+                  <c:v>280.9975289916992</c:v>
+                </c:pt>
+                <c:pt idx="18">
+                  <c:v>280.87376449584963</c:v>
+                </c:pt>
+                <c:pt idx="19">
+                  <c:v>280.73188224792477</c:v>
+                </c:pt>
+                <c:pt idx="20">
+                  <c:v>280.63094112396237</c:v>
+                </c:pt>
+                <c:pt idx="21">
+                  <c:v>280.50047056198116</c:v>
+                </c:pt>
+                <c:pt idx="22">
+                  <c:v>280.40523528099061</c:v>
+                </c:pt>
+                <c:pt idx="23">
+                  <c:v>280.28261764049535</c:v>
+                </c:pt>
+                <c:pt idx="24">
+                  <c:v>280.14130882024767</c:v>
+                </c:pt>
+                <c:pt idx="25">
+                  <c:v>280.03565441012381</c:v>
+                </c:pt>
+                <c:pt idx="26">
+                  <c:v>282.35000000000002</c:v>
+                </c:pt>
+                <c:pt idx="27">
+                  <c:v>282.22500000000002</c:v>
+                </c:pt>
+                <c:pt idx="28">
+                  <c:v>282.10000000000002</c:v>
+                </c:pt>
+                <c:pt idx="29">
+                  <c:v>282.02</c:v>
+                </c:pt>
+                <c:pt idx="30">
+                  <c:v>281.94</c:v>
+                </c:pt>
+                <c:pt idx="31">
+                  <c:v>281.77999999999997</c:v>
+                </c:pt>
+                <c:pt idx="32">
+                  <c:v>281.75</c:v>
+                </c:pt>
+                <c:pt idx="33">
+                  <c:v>281.72000000000003</c:v>
+                </c:pt>
+                <c:pt idx="34">
+                  <c:v>281.56</c:v>
+                </c:pt>
+                <c:pt idx="35">
+                  <c:v>281.41000000000003</c:v>
+                </c:pt>
+                <c:pt idx="36">
+                  <c:v>281.33999999999997</c:v>
+                </c:pt>
+                <c:pt idx="37">
+                  <c:v>281.18</c:v>
+                </c:pt>
+                <c:pt idx="38">
+                  <c:v>281.13</c:v>
+                </c:pt>
+                <c:pt idx="39">
+                  <c:v>280.97000000000003</c:v>
+                </c:pt>
+                <c:pt idx="40">
+                  <c:v>280.89999999999998</c:v>
+                </c:pt>
+                <c:pt idx="41">
+                  <c:v>280.75</c:v>
+                </c:pt>
+                <c:pt idx="42">
+                  <c:v>280.58999999999997</c:v>
+                </c:pt>
+                <c:pt idx="43">
+                  <c:v>280.52999999999997</c:v>
+                </c:pt>
+                <c:pt idx="44">
+                  <c:v>280.37</c:v>
+                </c:pt>
+                <c:pt idx="45">
+                  <c:v>280.31</c:v>
+                </c:pt>
+                <c:pt idx="46">
+                  <c:v>280.16000000000003</c:v>
+                </c:pt>
+                <c:pt idx="47">
+                  <c:v>280</c:v>
+                </c:pt>
+                <c:pt idx="48">
+                  <c:v>279.93</c:v>
+                </c:pt>
+                <c:pt idx="49">
+                  <c:v>279.77999999999997</c:v>
+                </c:pt>
+                <c:pt idx="50">
+                  <c:v>279.72000000000003</c:v>
+                </c:pt>
+                <c:pt idx="51">
+                  <c:v>279.56</c:v>
+                </c:pt>
+                <c:pt idx="52">
+                  <c:v>279.41000000000003</c:v>
+                </c:pt>
+                <c:pt idx="53">
+                  <c:v>279.33999999999997</c:v>
+                </c:pt>
+                <c:pt idx="54">
+                  <c:v>279.18</c:v>
+                </c:pt>
+                <c:pt idx="55">
+                  <c:v>279.13</c:v>
+                </c:pt>
+                <c:pt idx="56">
+                  <c:v>278.97000000000003</c:v>
+                </c:pt>
+                <c:pt idx="57">
+                  <c:v>278.81</c:v>
+                </c:pt>
+                <c:pt idx="58">
+                  <c:v>278.76</c:v>
+                </c:pt>
+                <c:pt idx="59">
+                  <c:v>278.58999999999997</c:v>
+                </c:pt>
+                <c:pt idx="60">
+                  <c:v>278.55</c:v>
+                </c:pt>
+                <c:pt idx="61">
+                  <c:v>278.41000000000003</c:v>
+                </c:pt>
+                <c:pt idx="62">
+                  <c:v>278.27</c:v>
+                </c:pt>
+                <c:pt idx="63">
+                  <c:v>278.23</c:v>
+                </c:pt>
+                <c:pt idx="64">
+                  <c:v>278.08999999999997</c:v>
+                </c:pt>
+                <c:pt idx="65">
+                  <c:v>278.05</c:v>
+                </c:pt>
+                <c:pt idx="66">
+                  <c:v>277.91000000000003</c:v>
+                </c:pt>
+                <c:pt idx="67">
+                  <c:v>277.77</c:v>
+                </c:pt>
+                <c:pt idx="68">
+                  <c:v>277.73</c:v>
+                </c:pt>
+                <c:pt idx="69">
+                  <c:v>277.58999999999997</c:v>
+                </c:pt>
+                <c:pt idx="70">
+                  <c:v>277.54000000000002</c:v>
+                </c:pt>
+                <c:pt idx="71">
+                  <c:v>277.39999999999998</c:v>
+                </c:pt>
+                <c:pt idx="72">
+                  <c:v>277.36</c:v>
+                </c:pt>
+                <c:pt idx="73">
+                  <c:v>277.22000000000003</c:v>
+                </c:pt>
+                <c:pt idx="74">
+                  <c:v>277.18</c:v>
+                </c:pt>
+                <c:pt idx="75">
+                  <c:v>277.14</c:v>
+                </c:pt>
+                <c:pt idx="76">
+                  <c:v>277</c:v>
+                </c:pt>
+                <c:pt idx="77">
+                  <c:v>276.95999999999998</c:v>
+                </c:pt>
+                <c:pt idx="78">
+                  <c:v>276.92</c:v>
+                </c:pt>
+                <c:pt idx="79">
+                  <c:v>276.77999999999997</c:v>
+                </c:pt>
+                <c:pt idx="80">
+                  <c:v>276.74</c:v>
+                </c:pt>
+                <c:pt idx="81">
+                  <c:v>276.7</c:v>
+                </c:pt>
+                <c:pt idx="82">
+                  <c:v>276.56</c:v>
+                </c:pt>
+                <c:pt idx="83">
+                  <c:v>276.52</c:v>
+                </c:pt>
+                <c:pt idx="84">
+                  <c:v>276.39</c:v>
+                </c:pt>
+                <c:pt idx="85">
+                  <c:v>276.36</c:v>
+                </c:pt>
+                <c:pt idx="86">
+                  <c:v>276.32</c:v>
+                </c:pt>
+                <c:pt idx="87">
+                  <c:v>276.18</c:v>
+                </c:pt>
+                <c:pt idx="88">
+                  <c:v>276.14999999999998</c:v>
+                </c:pt>
+                <c:pt idx="89">
+                  <c:v>276.12</c:v>
+                </c:pt>
+                <c:pt idx="90">
+                  <c:v>275.98</c:v>
+                </c:pt>
+                <c:pt idx="91">
+                  <c:v>275.95</c:v>
+                </c:pt>
+                <c:pt idx="92">
+                  <c:v>275.91000000000003</c:v>
+                </c:pt>
+                <c:pt idx="93">
+                  <c:v>275.77999999999997</c:v>
+                </c:pt>
+                <c:pt idx="94">
+                  <c:v>275.74</c:v>
+                </c:pt>
+                <c:pt idx="95">
+                  <c:v>275.70999999999998</c:v>
+                </c:pt>
+                <c:pt idx="96">
+                  <c:v>275.57</c:v>
+                </c:pt>
+                <c:pt idx="97">
+                  <c:v>275.52999999999997</c:v>
+                </c:pt>
+                <c:pt idx="98">
+                  <c:v>275.5</c:v>
+                </c:pt>
+                <c:pt idx="99">
+                  <c:v>275.37</c:v>
+                </c:pt>
+                <c:pt idx="100">
+                  <c:v>275.33</c:v>
+                </c:pt>
+                <c:pt idx="101">
+                  <c:v>275.29000000000002</c:v>
+                </c:pt>
+                <c:pt idx="102">
+                  <c:v>275.16000000000003</c:v>
+                </c:pt>
+                <c:pt idx="103">
+                  <c:v>275.13</c:v>
+                </c:pt>
+                <c:pt idx="104">
+                  <c:v>274.99</c:v>
+                </c:pt>
+                <c:pt idx="105">
+                  <c:v>274.95999999999998</c:v>
+                </c:pt>
+                <c:pt idx="106">
+                  <c:v>274.91000000000003</c:v>
+                </c:pt>
+                <c:pt idx="107">
+                  <c:v>274.77999999999997</c:v>
+                </c:pt>
+                <c:pt idx="108">
+                  <c:v>274.74</c:v>
+                </c:pt>
+                <c:pt idx="109">
+                  <c:v>274.7</c:v>
+                </c:pt>
+                <c:pt idx="110">
+                  <c:v>274.57</c:v>
+                </c:pt>
+                <c:pt idx="111">
+                  <c:v>274.52999999999997</c:v>
+                </c:pt>
+                <c:pt idx="112">
+                  <c:v>274.49</c:v>
+                </c:pt>
+                <c:pt idx="113">
+                  <c:v>274.35000000000002</c:v>
+                </c:pt>
+                <c:pt idx="114">
+                  <c:v>274.31</c:v>
+                </c:pt>
+                <c:pt idx="115">
+                  <c:v>274.27999999999997</c:v>
+                </c:pt>
+                <c:pt idx="116">
+                  <c:v>274.14</c:v>
+                </c:pt>
+                <c:pt idx="117">
+                  <c:v>274.10000000000002</c:v>
+                </c:pt>
+                <c:pt idx="118">
+                  <c:v>274.06</c:v>
+                </c:pt>
+                <c:pt idx="119">
+                  <c:v>273.92</c:v>
+                </c:pt>
+                <c:pt idx="120">
+                  <c:v>273.89</c:v>
+                </c:pt>
+                <c:pt idx="121">
+                  <c:v>273.86</c:v>
+                </c:pt>
+                <c:pt idx="122">
+                  <c:v>273.73</c:v>
+                </c:pt>
+                <c:pt idx="123">
+                  <c:v>273.69</c:v>
+                </c:pt>
+                <c:pt idx="124">
+                  <c:v>273.66000000000003</c:v>
+                </c:pt>
+                <c:pt idx="125">
+                  <c:v>273.52999999999997</c:v>
+                </c:pt>
+                <c:pt idx="126">
+                  <c:v>273.49</c:v>
+                </c:pt>
+                <c:pt idx="127">
+                  <c:v>273.45</c:v>
+                </c:pt>
+                <c:pt idx="128">
+                  <c:v>273.32</c:v>
+                </c:pt>
+                <c:pt idx="129">
+                  <c:v>273.29000000000002</c:v>
+                </c:pt>
+                <c:pt idx="130">
+                  <c:v>273.25</c:v>
+                </c:pt>
+                <c:pt idx="131">
+                  <c:v>273.12</c:v>
+                </c:pt>
+                <c:pt idx="132">
+                  <c:v>273.08999999999997</c:v>
+                </c:pt>
+                <c:pt idx="133">
+                  <c:v>273.05</c:v>
+                </c:pt>
+                <c:pt idx="134">
+                  <c:v>272.92</c:v>
+                </c:pt>
+                <c:pt idx="135">
+                  <c:v>272.89</c:v>
+                </c:pt>
+                <c:pt idx="136">
+                  <c:v>272.86</c:v>
+                </c:pt>
+                <c:pt idx="137">
+                  <c:v>272.73</c:v>
+                </c:pt>
+                <c:pt idx="138">
+                  <c:v>272.69</c:v>
+                </c:pt>
+                <c:pt idx="139">
+                  <c:v>272.55</c:v>
+                </c:pt>
+                <c:pt idx="140">
+                  <c:v>272.52</c:v>
+                </c:pt>
+                <c:pt idx="141">
+                  <c:v>272.49</c:v>
+                </c:pt>
+                <c:pt idx="142">
+                  <c:v>272.35000000000002</c:v>
+                </c:pt>
+                <c:pt idx="143">
+                  <c:v>272.32</c:v>
+                </c:pt>
+                <c:pt idx="144">
+                  <c:v>272.29000000000002</c:v>
+                </c:pt>
+                <c:pt idx="145">
+                  <c:v>272.16000000000003</c:v>
+                </c:pt>
+                <c:pt idx="146">
+                  <c:v>272.12</c:v>
+                </c:pt>
+                <c:pt idx="147">
+                  <c:v>272.08</c:v>
+                </c:pt>
+                <c:pt idx="148">
+                  <c:v>271.95</c:v>
+                </c:pt>
+                <c:pt idx="149">
+                  <c:v>271.91000000000003</c:v>
+                </c:pt>
+                <c:pt idx="150">
+                  <c:v>271.87</c:v>
+                </c:pt>
+                <c:pt idx="151">
+                  <c:v>271.73</c:v>
+                </c:pt>
+                <c:pt idx="152">
+                  <c:v>271.7</c:v>
+                </c:pt>
+                <c:pt idx="153">
+                  <c:v>271.66000000000003</c:v>
+                </c:pt>
+                <c:pt idx="154">
+                  <c:v>271.52</c:v>
+                </c:pt>
+                <c:pt idx="155">
+                  <c:v>271.49</c:v>
+                </c:pt>
+                <c:pt idx="156">
+                  <c:v>271.44</c:v>
+                </c:pt>
+                <c:pt idx="157">
+                  <c:v>271.41000000000003</c:v>
+                </c:pt>
+                <c:pt idx="158">
+                  <c:v>271.27</c:v>
+                </c:pt>
+                <c:pt idx="159">
+                  <c:v>271.24</c:v>
+                </c:pt>
+                <c:pt idx="160">
+                  <c:v>271.19</c:v>
+                </c:pt>
+                <c:pt idx="161">
+                  <c:v>271.06</c:v>
+                </c:pt>
+                <c:pt idx="162">
+                  <c:v>271.02</c:v>
+                </c:pt>
+                <c:pt idx="163">
+                  <c:v>270.99</c:v>
+                </c:pt>
+                <c:pt idx="164">
+                  <c:v>270.94</c:v>
+                </c:pt>
+                <c:pt idx="165">
+                  <c:v>270.81</c:v>
+                </c:pt>
+                <c:pt idx="166">
+                  <c:v>270.77</c:v>
+                </c:pt>
+                <c:pt idx="167">
+                  <c:v>270.74</c:v>
+                </c:pt>
+                <c:pt idx="168">
+                  <c:v>270.60000000000002</c:v>
+                </c:pt>
+                <c:pt idx="169">
+                  <c:v>270.56</c:v>
+                </c:pt>
+                <c:pt idx="170">
+                  <c:v>270.52</c:v>
+                </c:pt>
+                <c:pt idx="171">
+                  <c:v>270.39</c:v>
+                </c:pt>
+                <c:pt idx="172">
+                  <c:v>270.35000000000002</c:v>
+                </c:pt>
+                <c:pt idx="173">
+                  <c:v>270.32</c:v>
+                </c:pt>
+                <c:pt idx="174">
+                  <c:v>270.29000000000002</c:v>
+                </c:pt>
+                <c:pt idx="175">
+                  <c:v>270.16000000000003</c:v>
+                </c:pt>
+                <c:pt idx="176">
+                  <c:v>270.12</c:v>
+                </c:pt>
+                <c:pt idx="177">
+                  <c:v>270.08999999999997</c:v>
+                </c:pt>
+                <c:pt idx="178">
+                  <c:v>269.95999999999998</c:v>
+                </c:pt>
+                <c:pt idx="179">
+                  <c:v>269.93</c:v>
+                </c:pt>
+                <c:pt idx="180">
+                  <c:v>269.89999999999998</c:v>
+                </c:pt>
+                <c:pt idx="181">
+                  <c:v>269.77</c:v>
+                </c:pt>
+                <c:pt idx="182">
+                  <c:v>269.74</c:v>
+                </c:pt>
+                <c:pt idx="183">
+                  <c:v>269.7</c:v>
+                </c:pt>
+                <c:pt idx="184">
+                  <c:v>269.67</c:v>
+                </c:pt>
+                <c:pt idx="185">
+                  <c:v>269.54000000000002</c:v>
+                </c:pt>
+                <c:pt idx="186">
+                  <c:v>269.51</c:v>
+                </c:pt>
+                <c:pt idx="187">
+                  <c:v>269.48</c:v>
+                </c:pt>
+                <c:pt idx="188">
+                  <c:v>269.35000000000002</c:v>
+                </c:pt>
+                <c:pt idx="189">
+                  <c:v>269.31</c:v>
+                </c:pt>
+                <c:pt idx="190">
+                  <c:v>269.27999999999997</c:v>
+                </c:pt>
+                <c:pt idx="191">
+                  <c:v>269.24</c:v>
+                </c:pt>
+                <c:pt idx="192">
+                  <c:v>269.12</c:v>
+                </c:pt>
+                <c:pt idx="193">
+                  <c:v>269.11</c:v>
+                </c:pt>
+                <c:pt idx="194">
+                  <c:v>269.08</c:v>
+                </c:pt>
+                <c:pt idx="195">
+                  <c:v>269.05</c:v>
+                </c:pt>
+                <c:pt idx="196">
+                  <c:v>268.94</c:v>
+                </c:pt>
+                <c:pt idx="197">
+                  <c:v>268.92</c:v>
+                </c:pt>
+                <c:pt idx="198">
+                  <c:v>268.89</c:v>
+                </c:pt>
+                <c:pt idx="199">
+                  <c:v>268.87</c:v>
+                </c:pt>
+                <c:pt idx="200">
+                  <c:v>268.75</c:v>
+                </c:pt>
+                <c:pt idx="201">
+                  <c:v>268.72000000000003</c:v>
+                </c:pt>
+                <c:pt idx="202">
+                  <c:v>268.70999999999998</c:v>
+                </c:pt>
+                <c:pt idx="203">
+                  <c:v>268.68</c:v>
+                </c:pt>
+                <c:pt idx="204">
+                  <c:v>268.57</c:v>
+                </c:pt>
+                <c:pt idx="205">
+                  <c:v>268.54000000000002</c:v>
+                </c:pt>
+                <c:pt idx="206">
+                  <c:v>268.52</c:v>
+                </c:pt>
+                <c:pt idx="207">
+                  <c:v>268.5</c:v>
+                </c:pt>
+                <c:pt idx="208">
+                  <c:v>268.38</c:v>
+                </c:pt>
+                <c:pt idx="209">
+                  <c:v>268.35000000000002</c:v>
+                </c:pt>
+                <c:pt idx="210">
+                  <c:v>268.33999999999997</c:v>
+                </c:pt>
+                <c:pt idx="211">
+                  <c:v>268.31</c:v>
+                </c:pt>
+                <c:pt idx="212">
+                  <c:v>268.27999999999997</c:v>
+                </c:pt>
+                <c:pt idx="213">
+                  <c:v>268.17</c:v>
+                </c:pt>
+                <c:pt idx="214">
+                  <c:v>268.14999999999998</c:v>
+                </c:pt>
+                <c:pt idx="215">
+                  <c:v>268.12</c:v>
+                </c:pt>
+                <c:pt idx="216">
+                  <c:v>268.10000000000002</c:v>
+                </c:pt>
+                <c:pt idx="217">
+                  <c:v>267.98</c:v>
+                </c:pt>
+                <c:pt idx="218">
+                  <c:v>267.95999999999998</c:v>
+                </c:pt>
+                <c:pt idx="219">
+                  <c:v>267.94</c:v>
+                </c:pt>
+                <c:pt idx="220">
+                  <c:v>267.91000000000003</c:v>
+                </c:pt>
+                <c:pt idx="221">
+                  <c:v>267.8</c:v>
+                </c:pt>
+                <c:pt idx="222">
+                  <c:v>267.77</c:v>
+                </c:pt>
+                <c:pt idx="223">
+                  <c:v>267.75</c:v>
+                </c:pt>
+                <c:pt idx="224">
+                  <c:v>267.72000000000003</c:v>
+                </c:pt>
+                <c:pt idx="225">
+                  <c:v>267.58999999999997</c:v>
+                </c:pt>
+                <c:pt idx="226">
+                  <c:v>267.56</c:v>
+                </c:pt>
+                <c:pt idx="227">
+                  <c:v>267.52999999999997</c:v>
+                </c:pt>
+                <c:pt idx="228">
+                  <c:v>267.5</c:v>
+                </c:pt>
+                <c:pt idx="229">
+                  <c:v>267.47000000000003</c:v>
+                </c:pt>
+                <c:pt idx="230">
+                  <c:v>267.33999999999997</c:v>
+                </c:pt>
+                <c:pt idx="231">
+                  <c:v>267.32</c:v>
+                </c:pt>
+                <c:pt idx="232">
+                  <c:v>267.27999999999997</c:v>
+                </c:pt>
+                <c:pt idx="233">
+                  <c:v>267.16000000000003</c:v>
+                </c:pt>
+                <c:pt idx="234">
+                  <c:v>267.13</c:v>
+                </c:pt>
+                <c:pt idx="235">
+                  <c:v>267.10000000000002</c:v>
+                </c:pt>
+                <c:pt idx="236">
+                  <c:v>267.07</c:v>
+                </c:pt>
+                <c:pt idx="237">
+                  <c:v>266.93</c:v>
+                </c:pt>
+                <c:pt idx="238">
+                  <c:v>266.91000000000003</c:v>
+                </c:pt>
+                <c:pt idx="239">
+                  <c:v>266.87</c:v>
+                </c:pt>
+                <c:pt idx="240">
+                  <c:v>266.74</c:v>
+                </c:pt>
+                <c:pt idx="241">
+                  <c:v>266.70999999999998</c:v>
+                </c:pt>
+                <c:pt idx="242">
+                  <c:v>266.68</c:v>
+                </c:pt>
+                <c:pt idx="243">
+                  <c:v>266.55</c:v>
+                </c:pt>
+                <c:pt idx="244">
+                  <c:v>266.51</c:v>
+                </c:pt>
+                <c:pt idx="245">
+                  <c:v>266.48</c:v>
+                </c:pt>
+                <c:pt idx="246">
+                  <c:v>266.35000000000002</c:v>
+                </c:pt>
+                <c:pt idx="247">
+                  <c:v>266.31</c:v>
+                </c:pt>
+                <c:pt idx="248">
+                  <c:v>266.27999999999997</c:v>
+                </c:pt>
+                <c:pt idx="249">
+                  <c:v>266.24</c:v>
+                </c:pt>
+                <c:pt idx="250">
+                  <c:v>266.11</c:v>
+                </c:pt>
+                <c:pt idx="251">
+                  <c:v>266.08</c:v>
+                </c:pt>
+                <c:pt idx="252">
+                  <c:v>266.04000000000002</c:v>
+                </c:pt>
+                <c:pt idx="253">
+                  <c:v>265.91000000000003</c:v>
+                </c:pt>
+                <c:pt idx="254">
+                  <c:v>265.88</c:v>
+                </c:pt>
+                <c:pt idx="255">
+                  <c:v>265.83999999999997</c:v>
+                </c:pt>
+                <c:pt idx="256">
+                  <c:v>265.70999999999998</c:v>
+                </c:pt>
+                <c:pt idx="257">
+                  <c:v>265.68</c:v>
+                </c:pt>
+                <c:pt idx="258">
+                  <c:v>265.64999999999998</c:v>
+                </c:pt>
+                <c:pt idx="259">
+                  <c:v>265.51</c:v>
+                </c:pt>
+                <c:pt idx="260">
+                  <c:v>265.48</c:v>
+                </c:pt>
+                <c:pt idx="261">
+                  <c:v>265.45</c:v>
+                </c:pt>
+                <c:pt idx="262">
+                  <c:v>265.41000000000003</c:v>
+                </c:pt>
+                <c:pt idx="263">
+                  <c:v>265.27999999999997</c:v>
+                </c:pt>
+                <c:pt idx="264">
+                  <c:v>265.24</c:v>
+                </c:pt>
+                <c:pt idx="265">
+                  <c:v>265.2</c:v>
+                </c:pt>
+                <c:pt idx="266">
+                  <c:v>265.06</c:v>
+                </c:pt>
+                <c:pt idx="267">
+                  <c:v>265.01</c:v>
+                </c:pt>
+                <c:pt idx="268">
+                  <c:v>264.97000000000003</c:v>
+                </c:pt>
+                <c:pt idx="269">
+                  <c:v>264.83</c:v>
+                </c:pt>
+                <c:pt idx="270">
+                  <c:v>264.77999999999997</c:v>
+                </c:pt>
+                <c:pt idx="271">
+                  <c:v>264.74</c:v>
+                </c:pt>
+                <c:pt idx="272">
+                  <c:v>264.60000000000002</c:v>
+                </c:pt>
+                <c:pt idx="273">
+                  <c:v>264.55</c:v>
+                </c:pt>
+                <c:pt idx="274">
+                  <c:v>264.41000000000003</c:v>
+                </c:pt>
+                <c:pt idx="275">
+                  <c:v>264.37</c:v>
+                </c:pt>
+                <c:pt idx="276">
+                  <c:v>264.23</c:v>
+                </c:pt>
+                <c:pt idx="277">
+                  <c:v>264.08999999999997</c:v>
+                </c:pt>
+                <c:pt idx="278">
+                  <c:v>264.05</c:v>
+                </c:pt>
+                <c:pt idx="279">
+                  <c:v>263.91000000000003</c:v>
+                </c:pt>
+                <c:pt idx="280">
+                  <c:v>263.87</c:v>
+                </c:pt>
+                <c:pt idx="281">
+                  <c:v>263.73</c:v>
+                </c:pt>
+                <c:pt idx="282">
+                  <c:v>263.69</c:v>
+                </c:pt>
+                <c:pt idx="283">
+                  <c:v>263.55</c:v>
+                </c:pt>
+                <c:pt idx="284">
+                  <c:v>263.5</c:v>
+                </c:pt>
+                <c:pt idx="285">
+                  <c:v>263.37</c:v>
+                </c:pt>
+                <c:pt idx="286">
+                  <c:v>263.32</c:v>
+                </c:pt>
+                <c:pt idx="287">
+                  <c:v>263.18</c:v>
+                </c:pt>
+                <c:pt idx="288">
+                  <c:v>263.04000000000002</c:v>
+                </c:pt>
+                <c:pt idx="289">
+                  <c:v>263</c:v>
+                </c:pt>
+                <c:pt idx="290">
+                  <c:v>262.86</c:v>
+                </c:pt>
+                <c:pt idx="291">
+                  <c:v>262.81</c:v>
+                </c:pt>
+                <c:pt idx="292">
+                  <c:v>262.64999999999998</c:v>
+                </c:pt>
+                <c:pt idx="293">
+                  <c:v>262.60000000000002</c:v>
+                </c:pt>
+                <c:pt idx="294">
+                  <c:v>262.45</c:v>
+                </c:pt>
+                <c:pt idx="295">
+                  <c:v>262.38</c:v>
+                </c:pt>
+                <c:pt idx="296">
+                  <c:v>262.24</c:v>
+                </c:pt>
+                <c:pt idx="297">
+                  <c:v>262.18</c:v>
+                </c:pt>
+                <c:pt idx="298">
+                  <c:v>262.02</c:v>
+                </c:pt>
+                <c:pt idx="299">
+                  <c:v>261.95999999999998</c:v>
+                </c:pt>
+                <c:pt idx="300">
+                  <c:v>261.81</c:v>
+                </c:pt>
+                <c:pt idx="301">
+                  <c:v>261.66000000000003</c:v>
+                </c:pt>
+                <c:pt idx="302">
+                  <c:v>261.60000000000002</c:v>
+                </c:pt>
+                <c:pt idx="303">
+                  <c:v>261.45</c:v>
+                </c:pt>
+                <c:pt idx="304">
+                  <c:v>261.39</c:v>
+                </c:pt>
+                <c:pt idx="305">
+                  <c:v>261.24</c:v>
+                </c:pt>
+                <c:pt idx="306">
+                  <c:v>261.18</c:v>
+                </c:pt>
+                <c:pt idx="307">
+                  <c:v>261.02</c:v>
+                </c:pt>
+                <c:pt idx="308">
+                  <c:v>260.97000000000003</c:v>
+                </c:pt>
+                <c:pt idx="309">
+                  <c:v>260.81</c:v>
+                </c:pt>
+                <c:pt idx="310">
+                  <c:v>260.75</c:v>
+                </c:pt>
+                <c:pt idx="311">
+                  <c:v>260.60000000000002</c:v>
+                </c:pt>
+                <c:pt idx="312">
+                  <c:v>260.45</c:v>
+                </c:pt>
+                <c:pt idx="313">
+                  <c:v>260.38</c:v>
+                </c:pt>
+                <c:pt idx="314">
+                  <c:v>260.22000000000003</c:v>
+                </c:pt>
+                <c:pt idx="315">
+                  <c:v>260.16000000000003</c:v>
+                </c:pt>
+                <c:pt idx="316">
+                  <c:v>260</c:v>
+                </c:pt>
+                <c:pt idx="317">
+                  <c:v>259.93</c:v>
+                </c:pt>
+                <c:pt idx="318">
+                  <c:v>259.77999999999997</c:v>
+                </c:pt>
+                <c:pt idx="319">
+                  <c:v>259.72000000000003</c:v>
+                </c:pt>
+                <c:pt idx="320">
+                  <c:v>259.56</c:v>
+                </c:pt>
+                <c:pt idx="321">
+                  <c:v>259.39999999999998</c:v>
+                </c:pt>
+                <c:pt idx="322">
+                  <c:v>259.33</c:v>
+                </c:pt>
+                <c:pt idx="323">
+                  <c:v>259.18</c:v>
+                </c:pt>
+                <c:pt idx="324">
+                  <c:v>259.12</c:v>
+                </c:pt>
+                <c:pt idx="325">
+                  <c:v>258.95</c:v>
+                </c:pt>
+                <c:pt idx="326">
+                  <c:v>258.89</c:v>
+                </c:pt>
+                <c:pt idx="327">
+                  <c:v>258.73</c:v>
+                </c:pt>
+                <c:pt idx="328">
+                  <c:v>258.67</c:v>
+                </c:pt>
+                <c:pt idx="329">
+                  <c:v>258.52</c:v>
+                </c:pt>
+                <c:pt idx="330">
+                  <c:v>258.36</c:v>
+                </c:pt>
+                <c:pt idx="331">
+                  <c:v>258.3</c:v>
+                </c:pt>
+                <c:pt idx="332">
+                  <c:v>258.24</c:v>
+                </c:pt>
+                <c:pt idx="333">
+                  <c:v>258.18</c:v>
+                </c:pt>
+                <c:pt idx="334">
+                  <c:v>258.12</c:v>
+                </c:pt>
+                <c:pt idx="335">
+                  <c:v>258.16000000000003</c:v>
+                </c:pt>
+                <c:pt idx="336">
+                  <c:v>258.10000000000002</c:v>
+                </c:pt>
+                <c:pt idx="337">
+                  <c:v>258.04000000000002</c:v>
+                </c:pt>
+                <c:pt idx="338">
+                  <c:v>257.99</c:v>
+                </c:pt>
+                <c:pt idx="339">
+                  <c:v>257.93</c:v>
+                </c:pt>
+                <c:pt idx="340">
+                  <c:v>257.77999999999997</c:v>
+                </c:pt>
+                <c:pt idx="341">
+                  <c:v>257.63</c:v>
+                </c:pt>
+                <c:pt idx="342">
+                  <c:v>257.47000000000003</c:v>
+                </c:pt>
+                <c:pt idx="343">
+                  <c:v>257.33</c:v>
+                </c:pt>
+                <c:pt idx="344">
+                  <c:v>257.18</c:v>
+                </c:pt>
+                <c:pt idx="345">
+                  <c:v>257.02999999999997</c:v>
+                </c:pt>
+                <c:pt idx="346">
+                  <c:v>256.88</c:v>
+                </c:pt>
+                <c:pt idx="347">
+                  <c:v>256.73</c:v>
+                </c:pt>
+                <c:pt idx="348">
+                  <c:v>256.77</c:v>
+                </c:pt>
+                <c:pt idx="349">
+                  <c:v>256.72000000000003</c:v>
+                </c:pt>
+                <c:pt idx="350">
+                  <c:v>256.76</c:v>
+                </c:pt>
+                <c:pt idx="351">
+                  <c:v>256.7</c:v>
+                </c:pt>
+                <c:pt idx="352">
+                  <c:v>256.75</c:v>
+                </c:pt>
+                <c:pt idx="353">
+                  <c:v>256.7</c:v>
+                </c:pt>
+                <c:pt idx="354">
+                  <c:v>256.74</c:v>
+                </c:pt>
+                <c:pt idx="355">
+                  <c:v>256.7</c:v>
+                </c:pt>
+                <c:pt idx="356">
+                  <c:v>256.55</c:v>
+                </c:pt>
+                <c:pt idx="357">
+                  <c:v>256.51</c:v>
+                </c:pt>
+                <c:pt idx="358">
+                  <c:v>256.37</c:v>
+                </c:pt>
+                <c:pt idx="359">
+                  <c:v>256.22000000000003</c:v>
+                </c:pt>
+                <c:pt idx="360">
+                  <c:v>256.17</c:v>
+                </c:pt>
+                <c:pt idx="361">
+                  <c:v>256.02999999999997</c:v>
+                </c:pt>
+                <c:pt idx="362">
+                  <c:v>255.98</c:v>
+                </c:pt>
+                <c:pt idx="363">
+                  <c:v>255.84</c:v>
+                </c:pt>
+                <c:pt idx="364">
+                  <c:v>255.7</c:v>
+                </c:pt>
+                <c:pt idx="365">
+                  <c:v>255.66</c:v>
+                </c:pt>
+                <c:pt idx="366">
+                  <c:v>255.53</c:v>
+                </c:pt>
+                <c:pt idx="367">
+                  <c:v>255.39</c:v>
+                </c:pt>
+                <c:pt idx="368">
+                  <c:v>255.36</c:v>
+                </c:pt>
+                <c:pt idx="369">
+                  <c:v>255.22</c:v>
+                </c:pt>
+                <c:pt idx="370">
+                  <c:v>255.09</c:v>
+                </c:pt>
+                <c:pt idx="371">
+                  <c:v>255.04</c:v>
+                </c:pt>
+                <c:pt idx="372">
+                  <c:v>254.91</c:v>
+                </c:pt>
+                <c:pt idx="373">
+                  <c:v>254.77</c:v>
+                </c:pt>
+                <c:pt idx="374">
+                  <c:v>254.74</c:v>
+                </c:pt>
+                <c:pt idx="375">
+                  <c:v>254.6</c:v>
+                </c:pt>
+                <c:pt idx="376">
+                  <c:v>254.47</c:v>
+                </c:pt>
+                <c:pt idx="377">
+                  <c:v>254.43</c:v>
+                </c:pt>
+                <c:pt idx="378">
+                  <c:v>254.3</c:v>
+                </c:pt>
+                <c:pt idx="379">
+                  <c:v>254.25</c:v>
+                </c:pt>
+                <c:pt idx="380">
+                  <c:v>254.12</c:v>
+                </c:pt>
+                <c:pt idx="381">
+                  <c:v>253.98</c:v>
+                </c:pt>
+                <c:pt idx="382">
+                  <c:v>253.95</c:v>
+                </c:pt>
+                <c:pt idx="383">
+                  <c:v>253.81</c:v>
+                </c:pt>
+                <c:pt idx="384">
+                  <c:v>253.68</c:v>
+                </c:pt>
+                <c:pt idx="385">
+                  <c:v>253.64</c:v>
+                </c:pt>
+                <c:pt idx="386">
+                  <c:v>253.51</c:v>
+                </c:pt>
+                <c:pt idx="387">
+                  <c:v>253.46</c:v>
+                </c:pt>
+                <c:pt idx="388">
+                  <c:v>253.33</c:v>
+                </c:pt>
+                <c:pt idx="389">
+                  <c:v>253.2</c:v>
+                </c:pt>
+                <c:pt idx="390">
+                  <c:v>253.18</c:v>
+                </c:pt>
+                <c:pt idx="391">
+                  <c:v>253.05</c:v>
+                </c:pt>
+                <c:pt idx="392">
+                  <c:v>253.02</c:v>
+                </c:pt>
+                <c:pt idx="393">
+                  <c:v>252.9</c:v>
+                </c:pt>
+                <c:pt idx="394">
+                  <c:v>252.86</c:v>
+                </c:pt>
+                <c:pt idx="395">
+                  <c:v>252.84</c:v>
+                </c:pt>
+                <c:pt idx="396">
+                  <c:v>252.8</c:v>
+                </c:pt>
+                <c:pt idx="397">
+                  <c:v>252.77</c:v>
+                </c:pt>
+                <c:pt idx="398">
+                  <c:v>252.64</c:v>
+                </c:pt>
+                <c:pt idx="399">
+                  <c:v>252.62</c:v>
+                </c:pt>
+                <c:pt idx="400">
+                  <c:v>252.58</c:v>
+                </c:pt>
+                <c:pt idx="401">
+                  <c:v>252.55</c:v>
+                </c:pt>
+                <c:pt idx="402">
+                  <c:v>252.42</c:v>
+                </c:pt>
+                <c:pt idx="403">
+                  <c:v>252.4</c:v>
+                </c:pt>
+                <c:pt idx="404">
+                  <c:v>252.36</c:v>
+                </c:pt>
+                <c:pt idx="405">
+                  <c:v>252.33</c:v>
+                </c:pt>
+                <c:pt idx="406">
+                  <c:v>252.21</c:v>
+                </c:pt>
+                <c:pt idx="407">
+                  <c:v>252.18</c:v>
+                </c:pt>
+                <c:pt idx="408">
+                  <c:v>252.15</c:v>
+                </c:pt>
+                <c:pt idx="409">
+                  <c:v>252.12</c:v>
+                </c:pt>
+                <c:pt idx="410">
+                  <c:v>251.99</c:v>
+                </c:pt>
+                <c:pt idx="411">
+                  <c:v>251.96</c:v>
+                </c:pt>
+                <c:pt idx="412">
+                  <c:v>251.92</c:v>
+                </c:pt>
+                <c:pt idx="413">
+                  <c:v>251.88</c:v>
+                </c:pt>
+                <c:pt idx="414">
+                  <c:v>251.75</c:v>
+                </c:pt>
+                <c:pt idx="415">
+                  <c:v>251.7</c:v>
+                </c:pt>
+                <c:pt idx="416">
+                  <c:v>251.67</c:v>
+                </c:pt>
+                <c:pt idx="417">
+                  <c:v>251.62</c:v>
+                </c:pt>
+                <c:pt idx="418">
+                  <c:v>251.59</c:v>
+                </c:pt>
+                <c:pt idx="419">
+                  <c:v>251.45</c:v>
+                </c:pt>
+                <c:pt idx="420">
+                  <c:v>251.4</c:v>
+                </c:pt>
+                <c:pt idx="421">
+                  <c:v>251.37</c:v>
+                </c:pt>
+                <c:pt idx="422">
+                  <c:v>251.32</c:v>
+                </c:pt>
+                <c:pt idx="423">
+                  <c:v>251.19</c:v>
+                </c:pt>
+                <c:pt idx="424">
+                  <c:v>251.15</c:v>
+                </c:pt>
+                <c:pt idx="425">
+                  <c:v>251.11</c:v>
+                </c:pt>
+                <c:pt idx="426">
+                  <c:v>251.07</c:v>
+                </c:pt>
+                <c:pt idx="427">
+                  <c:v>250.94</c:v>
+                </c:pt>
+                <c:pt idx="428">
+                  <c:v>250.89</c:v>
+                </c:pt>
+                <c:pt idx="429">
+                  <c:v>250.86</c:v>
+                </c:pt>
+                <c:pt idx="430">
+                  <c:v>250.73</c:v>
+                </c:pt>
+                <c:pt idx="431">
+                  <c:v>250.7</c:v>
+                </c:pt>
+                <c:pt idx="432">
+                  <c:v>250.66</c:v>
+                </c:pt>
+                <c:pt idx="433">
+                  <c:v>250.54</c:v>
+                </c:pt>
+                <c:pt idx="434">
+                  <c:v>250.51</c:v>
+                </c:pt>
+                <c:pt idx="435">
+                  <c:v>250.48</c:v>
+                </c:pt>
+                <c:pt idx="436">
+                  <c:v>250.35</c:v>
+                </c:pt>
+                <c:pt idx="437">
+                  <c:v>250.32</c:v>
+                </c:pt>
+                <c:pt idx="438">
+                  <c:v>250.29</c:v>
+                </c:pt>
+                <c:pt idx="439">
+                  <c:v>250.26</c:v>
+                </c:pt>
+                <c:pt idx="440">
+                  <c:v>250.13</c:v>
+                </c:pt>
+                <c:pt idx="441">
+                  <c:v>250.1</c:v>
+                </c:pt>
+                <c:pt idx="442">
+                  <c:v>250.07</c:v>
+                </c:pt>
+                <c:pt idx="443">
+                  <c:v>250.04</c:v>
+                </c:pt>
+                <c:pt idx="444">
+                  <c:v>249.91</c:v>
+                </c:pt>
+                <c:pt idx="445">
+                  <c:v>249.87</c:v>
+                </c:pt>
+                <c:pt idx="446">
+                  <c:v>249.85</c:v>
+                </c:pt>
+                <c:pt idx="447">
+                  <c:v>249.81</c:v>
+                </c:pt>
+                <c:pt idx="448">
+                  <c:v>249.77</c:v>
+                </c:pt>
+                <c:pt idx="449">
+                  <c:v>249.74</c:v>
+                </c:pt>
+                <c:pt idx="450">
+                  <c:v>249.7</c:v>
+                </c:pt>
+                <c:pt idx="451">
+                  <c:v>249.76</c:v>
+                </c:pt>
+                <c:pt idx="452">
+                  <c:v>249.73</c:v>
+                </c:pt>
+                <c:pt idx="453">
+                  <c:v>249.69</c:v>
+                </c:pt>
+                <c:pt idx="454">
+                  <c:v>249.66</c:v>
+                </c:pt>
+                <c:pt idx="455">
+                  <c:v>249.62</c:v>
+                </c:pt>
+                <c:pt idx="456">
+                  <c:v>249.68</c:v>
+                </c:pt>
+                <c:pt idx="457">
+                  <c:v>249.64</c:v>
+                </c:pt>
+                <c:pt idx="458">
+                  <c:v>249.61</c:v>
+                </c:pt>
+                <c:pt idx="459">
+                  <c:v>249.58</c:v>
+                </c:pt>
+                <c:pt idx="460">
+                  <c:v>249.64</c:v>
+                </c:pt>
+                <c:pt idx="461">
+                  <c:v>249.71</c:v>
+                </c:pt>
+                <c:pt idx="462">
+                  <c:v>249.78</c:v>
+                </c:pt>
+                <c:pt idx="463">
+                  <c:v>249.85</c:v>
+                </c:pt>
+                <c:pt idx="464">
+                  <c:v>249.91</c:v>
+                </c:pt>
+                <c:pt idx="465">
+                  <c:v>249.98</c:v>
+                </c:pt>
+                <c:pt idx="466">
+                  <c:v>249.96</c:v>
+                </c:pt>
+                <c:pt idx="467">
+                  <c:v>250.03</c:v>
+                </c:pt>
+                <c:pt idx="468">
+                  <c:v>250</c:v>
+                </c:pt>
+                <c:pt idx="469">
+                  <c:v>249.98</c:v>
+                </c:pt>
+                <c:pt idx="470">
+                  <c:v>249.95</c:v>
+                </c:pt>
+                <c:pt idx="471">
+                  <c:v>249.92</c:v>
+                </c:pt>
+                <c:pt idx="472">
+                  <c:v>249.91</c:v>
+                </c:pt>
+                <c:pt idx="473">
+                  <c:v>249.88</c:v>
+                </c:pt>
+                <c:pt idx="474">
+                  <c:v>249.85</c:v>
+                </c:pt>
+                <c:pt idx="475">
+                  <c:v>249.73</c:v>
+                </c:pt>
+                <c:pt idx="476">
+                  <c:v>249.71</c:v>
+                </c:pt>
+                <c:pt idx="477">
+                  <c:v>249.68</c:v>
+                </c:pt>
+                <c:pt idx="478">
+                  <c:v>249.66</c:v>
+                </c:pt>
+                <c:pt idx="479">
+                  <c:v>249.64</c:v>
+                </c:pt>
+                <c:pt idx="480">
+                  <c:v>249.61</c:v>
+                </c:pt>
+                <c:pt idx="481">
+                  <c:v>249.58</c:v>
+                </c:pt>
+                <c:pt idx="482">
+                  <c:v>249.57</c:v>
+                </c:pt>
+                <c:pt idx="483">
+                  <c:v>249.45</c:v>
+                </c:pt>
+                <c:pt idx="484">
+                  <c:v>249.42</c:v>
+                </c:pt>
+                <c:pt idx="485">
+                  <c:v>249.4</c:v>
+                </c:pt>
+                <c:pt idx="486">
+                  <c:v>249.37</c:v>
+                </c:pt>
+                <c:pt idx="487">
+                  <c:v>249.34</c:v>
+                </c:pt>
+                <c:pt idx="488">
+                  <c:v>249.33</c:v>
+                </c:pt>
+                <c:pt idx="489">
+                  <c:v>249.3</c:v>
+                </c:pt>
+                <c:pt idx="490">
+                  <c:v>249.18</c:v>
+                </c:pt>
+                <c:pt idx="491">
+                  <c:v>249.16</c:v>
+                </c:pt>
+                <c:pt idx="492">
+                  <c:v>249.13</c:v>
+                </c:pt>
+                <c:pt idx="493">
+                  <c:v>249.1</c:v>
+                </c:pt>
+                <c:pt idx="494">
+                  <c:v>249.09</c:v>
+                </c:pt>
+                <c:pt idx="495">
+                  <c:v>249.06</c:v>
+                </c:pt>
+                <c:pt idx="496">
+                  <c:v>249.03</c:v>
+                </c:pt>
+                <c:pt idx="497">
+                  <c:v>248.91</c:v>
+                </c:pt>
+                <c:pt idx="498">
+                  <c:v>248.89</c:v>
+                </c:pt>
+                <c:pt idx="499">
+                  <c:v>248.86</c:v>
+                </c:pt>
+                <c:pt idx="500">
+                  <c:v>248.84</c:v>
+                </c:pt>
+                <c:pt idx="501">
+                  <c:v>248.82</c:v>
+                </c:pt>
+                <c:pt idx="502">
+                  <c:v>248.79</c:v>
+                </c:pt>
+                <c:pt idx="503">
+                  <c:v>248.76</c:v>
+                </c:pt>
+                <c:pt idx="504">
+                  <c:v>248.73</c:v>
+                </c:pt>
+                <c:pt idx="505">
+                  <c:v>248.71</c:v>
+                </c:pt>
+                <c:pt idx="506">
+                  <c:v>248.69</c:v>
+                </c:pt>
+              </c:numCache>
+            </c:numRef>
+          </c:xVal>
+          <c:yVal>
+            <c:numRef>
+              <c:f>Sheet1!$AQ$3:$AQ$509</c:f>
+              <c:numCache>
+                <c:formatCode>General</c:formatCode>
+                <c:ptCount val="507"/>
+                <c:pt idx="0">
+                  <c:v>5.46</c:v>
+                </c:pt>
+                <c:pt idx="1">
+                  <c:v>10</c:v>
+                </c:pt>
+                <c:pt idx="2">
+                  <c:v>20</c:v>
+                </c:pt>
+                <c:pt idx="3">
+                  <c:v>30</c:v>
+                </c:pt>
+                <c:pt idx="4">
+                  <c:v>40</c:v>
+                </c:pt>
+                <c:pt idx="5">
+                  <c:v>50</c:v>
+                </c:pt>
+                <c:pt idx="6">
+                  <c:v>60</c:v>
+                </c:pt>
+                <c:pt idx="7">
+                  <c:v>70</c:v>
+                </c:pt>
+                <c:pt idx="8">
+                  <c:v>80</c:v>
+                </c:pt>
+                <c:pt idx="9">
+                  <c:v>90</c:v>
+                </c:pt>
+                <c:pt idx="10">
+                  <c:v>100</c:v>
+                </c:pt>
+                <c:pt idx="11">
+                  <c:v>110</c:v>
+                </c:pt>
+                <c:pt idx="12">
+                  <c:v>120</c:v>
+                </c:pt>
+                <c:pt idx="13">
+                  <c:v>130</c:v>
+                </c:pt>
+                <c:pt idx="14">
+                  <c:v>140</c:v>
+                </c:pt>
+                <c:pt idx="15">
+                  <c:v>150</c:v>
+                </c:pt>
+                <c:pt idx="16">
+                  <c:v>160</c:v>
+                </c:pt>
+                <c:pt idx="17">
+                  <c:v>170</c:v>
+                </c:pt>
+                <c:pt idx="18">
+                  <c:v>180</c:v>
+                </c:pt>
+                <c:pt idx="19">
+                  <c:v>190</c:v>
+                </c:pt>
+                <c:pt idx="20">
+                  <c:v>200</c:v>
+                </c:pt>
+                <c:pt idx="21">
+                  <c:v>210</c:v>
+                </c:pt>
+                <c:pt idx="22">
+                  <c:v>220</c:v>
+                </c:pt>
+                <c:pt idx="23">
+                  <c:v>230</c:v>
+                </c:pt>
+                <c:pt idx="24">
+                  <c:v>240</c:v>
+                </c:pt>
+                <c:pt idx="25">
+                  <c:v>250</c:v>
+                </c:pt>
+                <c:pt idx="26">
+                  <c:v>259.89999999999998</c:v>
+                </c:pt>
+                <c:pt idx="27">
+                  <c:v>260</c:v>
+                </c:pt>
+                <c:pt idx="28">
+                  <c:v>266.3</c:v>
+                </c:pt>
+                <c:pt idx="29">
+                  <c:v>270</c:v>
+                </c:pt>
+                <c:pt idx="30">
+                  <c:v>272.7</c:v>
+                </c:pt>
+                <c:pt idx="31">
+                  <c:v>279</c:v>
+                </c:pt>
+                <c:pt idx="32">
+                  <c:v>280</c:v>
+                </c:pt>
+                <c:pt idx="33">
+                  <c:v>285.39999999999998</c:v>
+                </c:pt>
+                <c:pt idx="34">
+                  <c:v>291.8</c:v>
+                </c:pt>
+                <c:pt idx="35">
+                  <c:v>298.2</c:v>
+                </c:pt>
+                <c:pt idx="36">
+                  <c:v>304.5</c:v>
+                </c:pt>
+                <c:pt idx="37">
+                  <c:v>310.89999999999998</c:v>
+                </c:pt>
+                <c:pt idx="38">
+                  <c:v>317.3</c:v>
+                </c:pt>
+                <c:pt idx="39">
+                  <c:v>323.60000000000002</c:v>
+                </c:pt>
+                <c:pt idx="40">
+                  <c:v>330</c:v>
+                </c:pt>
+                <c:pt idx="41">
+                  <c:v>336.4</c:v>
+                </c:pt>
+                <c:pt idx="42">
+                  <c:v>342.8</c:v>
+                </c:pt>
+                <c:pt idx="43">
+                  <c:v>349.2</c:v>
+                </c:pt>
+                <c:pt idx="44">
+                  <c:v>355.7</c:v>
+                </c:pt>
+                <c:pt idx="45">
+                  <c:v>362.3</c:v>
+                </c:pt>
+                <c:pt idx="46">
+                  <c:v>368.8</c:v>
+                </c:pt>
+                <c:pt idx="47">
+                  <c:v>375.3</c:v>
+                </c:pt>
+                <c:pt idx="48">
+                  <c:v>381.9</c:v>
+                </c:pt>
+                <c:pt idx="49">
+                  <c:v>388.4</c:v>
+                </c:pt>
+                <c:pt idx="50">
+                  <c:v>394.9</c:v>
+                </c:pt>
+                <c:pt idx="51">
+                  <c:v>401.5</c:v>
+                </c:pt>
+                <c:pt idx="52">
+                  <c:v>408</c:v>
+                </c:pt>
+                <c:pt idx="53">
+                  <c:v>414.5</c:v>
+                </c:pt>
+                <c:pt idx="54">
+                  <c:v>421.1</c:v>
+                </c:pt>
+                <c:pt idx="55">
+                  <c:v>427.6</c:v>
+                </c:pt>
+                <c:pt idx="56">
+                  <c:v>432.7</c:v>
+                </c:pt>
+                <c:pt idx="57">
+                  <c:v>437.2</c:v>
+                </c:pt>
+                <c:pt idx="58">
+                  <c:v>441.8</c:v>
+                </c:pt>
+                <c:pt idx="59">
+                  <c:v>446.3</c:v>
+                </c:pt>
+                <c:pt idx="60">
+                  <c:v>450.9</c:v>
+                </c:pt>
+                <c:pt idx="61">
+                  <c:v>455.4</c:v>
+                </c:pt>
+                <c:pt idx="62">
+                  <c:v>460</c:v>
+                </c:pt>
+                <c:pt idx="63">
+                  <c:v>464.5</c:v>
+                </c:pt>
+                <c:pt idx="64">
+                  <c:v>469.1</c:v>
+                </c:pt>
+                <c:pt idx="65">
+                  <c:v>473.6</c:v>
+                </c:pt>
+                <c:pt idx="66">
+                  <c:v>478.2</c:v>
+                </c:pt>
+                <c:pt idx="67">
+                  <c:v>482.7</c:v>
+                </c:pt>
+                <c:pt idx="68">
+                  <c:v>487.3</c:v>
+                </c:pt>
+                <c:pt idx="69">
+                  <c:v>491.6</c:v>
+                </c:pt>
+                <c:pt idx="70">
+                  <c:v>495.8</c:v>
+                </c:pt>
+                <c:pt idx="71">
+                  <c:v>499.9</c:v>
+                </c:pt>
+                <c:pt idx="72">
+                  <c:v>504.1</c:v>
+                </c:pt>
+                <c:pt idx="73">
+                  <c:v>508.2</c:v>
+                </c:pt>
+                <c:pt idx="74">
+                  <c:v>512.4</c:v>
+                </c:pt>
+                <c:pt idx="75">
+                  <c:v>516.5</c:v>
+                </c:pt>
+                <c:pt idx="76">
+                  <c:v>520.70000000000005</c:v>
+                </c:pt>
+                <c:pt idx="77">
+                  <c:v>524.79999999999995</c:v>
+                </c:pt>
+                <c:pt idx="78">
+                  <c:v>529</c:v>
+                </c:pt>
+                <c:pt idx="79">
+                  <c:v>533.1</c:v>
+                </c:pt>
+                <c:pt idx="80">
+                  <c:v>537.20000000000005</c:v>
+                </c:pt>
+                <c:pt idx="81">
+                  <c:v>541.4</c:v>
+                </c:pt>
+                <c:pt idx="82">
+                  <c:v>545.4</c:v>
+                </c:pt>
+                <c:pt idx="83">
+                  <c:v>549.20000000000005</c:v>
+                </c:pt>
+                <c:pt idx="84">
+                  <c:v>553</c:v>
+                </c:pt>
+                <c:pt idx="85">
+                  <c:v>556.70000000000005</c:v>
+                </c:pt>
+                <c:pt idx="86">
+                  <c:v>560.5</c:v>
+                </c:pt>
+                <c:pt idx="87">
+                  <c:v>564.29999999999995</c:v>
+                </c:pt>
+                <c:pt idx="88">
+                  <c:v>568.1</c:v>
+                </c:pt>
+                <c:pt idx="89">
+                  <c:v>571.9</c:v>
+                </c:pt>
+                <c:pt idx="90">
+                  <c:v>575.6</c:v>
+                </c:pt>
+                <c:pt idx="91">
+                  <c:v>579.4</c:v>
+                </c:pt>
+                <c:pt idx="92">
+                  <c:v>583.20000000000005</c:v>
+                </c:pt>
+                <c:pt idx="93">
+                  <c:v>587</c:v>
+                </c:pt>
+                <c:pt idx="94">
+                  <c:v>590.79999999999995</c:v>
+                </c:pt>
+                <c:pt idx="95">
+                  <c:v>594.5</c:v>
+                </c:pt>
+                <c:pt idx="96">
+                  <c:v>598.20000000000005</c:v>
+                </c:pt>
+                <c:pt idx="97">
+                  <c:v>601.79999999999995</c:v>
+                </c:pt>
+                <c:pt idx="98">
+                  <c:v>605.5</c:v>
+                </c:pt>
+                <c:pt idx="99">
+                  <c:v>609.20000000000005</c:v>
+                </c:pt>
+                <c:pt idx="100">
+                  <c:v>612.79999999999995</c:v>
+                </c:pt>
+                <c:pt idx="101">
+                  <c:v>616.5</c:v>
+                </c:pt>
+                <c:pt idx="102">
+                  <c:v>620.20000000000005</c:v>
+                </c:pt>
+                <c:pt idx="103">
+                  <c:v>623.79999999999995</c:v>
+                </c:pt>
+                <c:pt idx="104">
+                  <c:v>627.5</c:v>
+                </c:pt>
+                <c:pt idx="105">
+                  <c:v>631.20000000000005</c:v>
+                </c:pt>
+                <c:pt idx="106">
+                  <c:v>634.79999999999995</c:v>
+                </c:pt>
+                <c:pt idx="107">
+                  <c:v>638.5</c:v>
+                </c:pt>
+                <c:pt idx="108">
+                  <c:v>642.6</c:v>
+                </c:pt>
+                <c:pt idx="109">
+                  <c:v>646.79999999999995</c:v>
+                </c:pt>
+                <c:pt idx="110">
+                  <c:v>650.9</c:v>
+                </c:pt>
+                <c:pt idx="111">
+                  <c:v>655.1</c:v>
+                </c:pt>
+                <c:pt idx="112">
+                  <c:v>659.2</c:v>
+                </c:pt>
+                <c:pt idx="113">
+                  <c:v>663.4</c:v>
+                </c:pt>
+                <c:pt idx="114">
+                  <c:v>667.5</c:v>
+                </c:pt>
+                <c:pt idx="115">
+                  <c:v>671.6</c:v>
+                </c:pt>
+                <c:pt idx="116">
+                  <c:v>675.8</c:v>
+                </c:pt>
+                <c:pt idx="117">
+                  <c:v>679.9</c:v>
+                </c:pt>
+                <c:pt idx="118">
+                  <c:v>684.1</c:v>
+                </c:pt>
+                <c:pt idx="119">
+                  <c:v>688.2</c:v>
+                </c:pt>
+                <c:pt idx="120">
+                  <c:v>692.1</c:v>
+                </c:pt>
+                <c:pt idx="121">
+                  <c:v>695.9</c:v>
+                </c:pt>
+                <c:pt idx="122">
+                  <c:v>699.7</c:v>
+                </c:pt>
+                <c:pt idx="123">
+                  <c:v>703.5</c:v>
+                </c:pt>
+                <c:pt idx="124">
+                  <c:v>707.3</c:v>
+                </c:pt>
+                <c:pt idx="125">
+                  <c:v>711.1</c:v>
+                </c:pt>
+                <c:pt idx="126">
+                  <c:v>714.9</c:v>
+                </c:pt>
+                <c:pt idx="127">
+                  <c:v>718.7</c:v>
+                </c:pt>
+                <c:pt idx="128">
+                  <c:v>722.5</c:v>
+                </c:pt>
+                <c:pt idx="129">
+                  <c:v>726.3</c:v>
+                </c:pt>
+                <c:pt idx="130">
+                  <c:v>730.1</c:v>
+                </c:pt>
+                <c:pt idx="131">
+                  <c:v>733.9</c:v>
+                </c:pt>
+                <c:pt idx="132">
+                  <c:v>737.7</c:v>
+                </c:pt>
+                <c:pt idx="133">
+                  <c:v>741.4</c:v>
+                </c:pt>
+                <c:pt idx="134">
+                  <c:v>744.8</c:v>
+                </c:pt>
+                <c:pt idx="135">
+                  <c:v>748.2</c:v>
+                </c:pt>
+                <c:pt idx="136">
+                  <c:v>751.6</c:v>
+                </c:pt>
+                <c:pt idx="137">
+                  <c:v>755.1</c:v>
+                </c:pt>
+                <c:pt idx="138">
+                  <c:v>758.5</c:v>
+                </c:pt>
+                <c:pt idx="139">
+                  <c:v>761.9</c:v>
+                </c:pt>
+                <c:pt idx="140">
+                  <c:v>765.3</c:v>
+                </c:pt>
+                <c:pt idx="141">
+                  <c:v>768.8</c:v>
+                </c:pt>
+                <c:pt idx="142">
+                  <c:v>772.2</c:v>
+                </c:pt>
+                <c:pt idx="143">
+                  <c:v>775.6</c:v>
+                </c:pt>
+                <c:pt idx="144">
+                  <c:v>779.1</c:v>
+                </c:pt>
+                <c:pt idx="145">
+                  <c:v>782.5</c:v>
+                </c:pt>
+                <c:pt idx="146">
+                  <c:v>786</c:v>
+                </c:pt>
+                <c:pt idx="147">
+                  <c:v>789.7</c:v>
+                </c:pt>
+                <c:pt idx="148">
+                  <c:v>793.5</c:v>
+                </c:pt>
+                <c:pt idx="149">
+                  <c:v>797.2</c:v>
+                </c:pt>
+                <c:pt idx="150">
+                  <c:v>800.9</c:v>
+                </c:pt>
+                <c:pt idx="151">
+                  <c:v>804.6</c:v>
+                </c:pt>
+                <c:pt idx="152">
+                  <c:v>808.3</c:v>
+                </c:pt>
+                <c:pt idx="153">
+                  <c:v>812</c:v>
+                </c:pt>
+                <c:pt idx="154">
+                  <c:v>815.7</c:v>
+                </c:pt>
+                <c:pt idx="155">
+                  <c:v>819.5</c:v>
+                </c:pt>
+                <c:pt idx="156">
+                  <c:v>823.2</c:v>
+                </c:pt>
+                <c:pt idx="157">
+                  <c:v>826.9</c:v>
+                </c:pt>
+                <c:pt idx="158">
+                  <c:v>830.6</c:v>
+                </c:pt>
+                <c:pt idx="159">
+                  <c:v>834.4</c:v>
+                </c:pt>
+                <c:pt idx="160">
+                  <c:v>838.8</c:v>
+                </c:pt>
+                <c:pt idx="161">
+                  <c:v>843.2</c:v>
+                </c:pt>
+                <c:pt idx="162">
+                  <c:v>847.6</c:v>
+                </c:pt>
+                <c:pt idx="163">
+                  <c:v>851.9</c:v>
+                </c:pt>
+                <c:pt idx="164">
+                  <c:v>856.3</c:v>
+                </c:pt>
+                <c:pt idx="165">
+                  <c:v>860.7</c:v>
+                </c:pt>
+                <c:pt idx="166">
+                  <c:v>865.1</c:v>
+                </c:pt>
+                <c:pt idx="167">
+                  <c:v>869.5</c:v>
+                </c:pt>
+                <c:pt idx="168">
+                  <c:v>873.9</c:v>
+                </c:pt>
+                <c:pt idx="169">
+                  <c:v>878.2</c:v>
+                </c:pt>
+                <c:pt idx="170">
+                  <c:v>882.6</c:v>
+                </c:pt>
+                <c:pt idx="171">
+                  <c:v>887</c:v>
+                </c:pt>
+                <c:pt idx="172">
+                  <c:v>891.1</c:v>
+                </c:pt>
+                <c:pt idx="173">
+                  <c:v>894.8</c:v>
+                </c:pt>
+                <c:pt idx="174">
+                  <c:v>898.6</c:v>
+                </c:pt>
+                <c:pt idx="175">
+                  <c:v>902.3</c:v>
+                </c:pt>
+                <c:pt idx="176">
+                  <c:v>906</c:v>
+                </c:pt>
+                <c:pt idx="177">
+                  <c:v>909.8</c:v>
+                </c:pt>
+                <c:pt idx="178">
+                  <c:v>913.5</c:v>
+                </c:pt>
+                <c:pt idx="179">
+                  <c:v>917.2</c:v>
+                </c:pt>
+                <c:pt idx="180">
+                  <c:v>921</c:v>
+                </c:pt>
+                <c:pt idx="181">
+                  <c:v>924.7</c:v>
+                </c:pt>
+                <c:pt idx="182">
+                  <c:v>928.4</c:v>
+                </c:pt>
+                <c:pt idx="183">
+                  <c:v>932.1</c:v>
+                </c:pt>
+                <c:pt idx="184">
+                  <c:v>935.9</c:v>
+                </c:pt>
+                <c:pt idx="185">
+                  <c:v>939.3</c:v>
+                </c:pt>
+                <c:pt idx="186">
+                  <c:v>942.2</c:v>
+                </c:pt>
+                <c:pt idx="187">
+                  <c:v>945.1</c:v>
+                </c:pt>
+                <c:pt idx="188">
+                  <c:v>948.1</c:v>
+                </c:pt>
+                <c:pt idx="189">
+                  <c:v>951</c:v>
+                </c:pt>
+                <c:pt idx="190">
+                  <c:v>953.9</c:v>
+                </c:pt>
+                <c:pt idx="191">
+                  <c:v>956.8</c:v>
+                </c:pt>
+                <c:pt idx="192">
+                  <c:v>959.7</c:v>
+                </c:pt>
+                <c:pt idx="193">
+                  <c:v>962.7</c:v>
+                </c:pt>
+                <c:pt idx="194">
+                  <c:v>965.6</c:v>
+                </c:pt>
+                <c:pt idx="195">
+                  <c:v>968.5</c:v>
+                </c:pt>
+                <c:pt idx="196">
+                  <c:v>971.4</c:v>
+                </c:pt>
+                <c:pt idx="197">
+                  <c:v>974.1</c:v>
+                </c:pt>
+                <c:pt idx="198">
+                  <c:v>976.1</c:v>
+                </c:pt>
+                <c:pt idx="199">
+                  <c:v>978.2</c:v>
+                </c:pt>
+                <c:pt idx="200">
+                  <c:v>980.2</c:v>
+                </c:pt>
+                <c:pt idx="201">
+                  <c:v>982.2</c:v>
+                </c:pt>
+                <c:pt idx="202">
+                  <c:v>984.3</c:v>
+                </c:pt>
+                <c:pt idx="203">
+                  <c:v>986.3</c:v>
+                </c:pt>
+                <c:pt idx="204">
+                  <c:v>988.3</c:v>
+                </c:pt>
+                <c:pt idx="205">
+                  <c:v>990.4</c:v>
+                </c:pt>
+                <c:pt idx="206">
+                  <c:v>992.4</c:v>
+                </c:pt>
+                <c:pt idx="207">
+                  <c:v>994.4</c:v>
+                </c:pt>
+                <c:pt idx="208">
+                  <c:v>996.5</c:v>
+                </c:pt>
+                <c:pt idx="209">
+                  <c:v>998.5</c:v>
+                </c:pt>
+                <c:pt idx="210">
+                  <c:v>1000.6</c:v>
+                </c:pt>
+                <c:pt idx="211">
+                  <c:v>1003.1</c:v>
+                </c:pt>
+                <c:pt idx="212">
+                  <c:v>1005.7</c:v>
+                </c:pt>
+                <c:pt idx="213">
+                  <c:v>1008.2</c:v>
+                </c:pt>
+                <c:pt idx="214">
+                  <c:v>1010.8</c:v>
+                </c:pt>
+                <c:pt idx="215">
+                  <c:v>1013.4</c:v>
+                </c:pt>
+                <c:pt idx="216">
+                  <c:v>1015.9</c:v>
+                </c:pt>
+                <c:pt idx="217">
+                  <c:v>1018.5</c:v>
+                </c:pt>
+                <c:pt idx="218">
+                  <c:v>1021.1</c:v>
+                </c:pt>
+                <c:pt idx="219">
+                  <c:v>1023.6</c:v>
+                </c:pt>
+                <c:pt idx="220">
+                  <c:v>1026.2</c:v>
+                </c:pt>
+                <c:pt idx="221">
+                  <c:v>1028.7</c:v>
+                </c:pt>
+                <c:pt idx="222">
+                  <c:v>1031.3</c:v>
+                </c:pt>
+                <c:pt idx="223">
+                  <c:v>1033.9000000000001</c:v>
+                </c:pt>
+                <c:pt idx="224">
+                  <c:v>1036.9000000000001</c:v>
+                </c:pt>
+                <c:pt idx="225">
+                  <c:v>1040.0999999999999</c:v>
+                </c:pt>
+                <c:pt idx="226">
+                  <c:v>1043.4000000000001</c:v>
+                </c:pt>
+                <c:pt idx="227">
+                  <c:v>1046.7</c:v>
+                </c:pt>
+                <c:pt idx="228">
+                  <c:v>1049.9000000000001</c:v>
+                </c:pt>
+                <c:pt idx="229">
+                  <c:v>1053.2</c:v>
+                </c:pt>
+                <c:pt idx="230">
+                  <c:v>1056.4000000000001</c:v>
+                </c:pt>
+                <c:pt idx="231">
+                  <c:v>1059.7</c:v>
+                </c:pt>
+                <c:pt idx="232">
+                  <c:v>1062.9000000000001</c:v>
+                </c:pt>
+                <c:pt idx="233">
+                  <c:v>1066.2</c:v>
+                </c:pt>
+                <c:pt idx="234">
+                  <c:v>1069.4000000000001</c:v>
+                </c:pt>
+                <c:pt idx="235">
+                  <c:v>1072.7</c:v>
+                </c:pt>
+                <c:pt idx="236">
+                  <c:v>1075.9000000000001</c:v>
+                </c:pt>
+                <c:pt idx="237">
+                  <c:v>1079.2</c:v>
+                </c:pt>
+                <c:pt idx="238">
+                  <c:v>1082.5</c:v>
+                </c:pt>
+                <c:pt idx="239">
+                  <c:v>1085.8</c:v>
+                </c:pt>
+                <c:pt idx="240">
+                  <c:v>1089.0999999999999</c:v>
+                </c:pt>
+                <c:pt idx="241">
+                  <c:v>1092.5</c:v>
+                </c:pt>
+                <c:pt idx="242">
+                  <c:v>1095.8</c:v>
+                </c:pt>
+                <c:pt idx="243">
+                  <c:v>1099.0999999999999</c:v>
+                </c:pt>
+                <c:pt idx="244">
+                  <c:v>1102.4000000000001</c:v>
+                </c:pt>
+                <c:pt idx="245">
+                  <c:v>1105.7</c:v>
+                </c:pt>
+                <c:pt idx="246">
+                  <c:v>1109.0999999999999</c:v>
+                </c:pt>
+                <c:pt idx="247">
+                  <c:v>1112.4000000000001</c:v>
+                </c:pt>
+                <c:pt idx="248">
+                  <c:v>1115.7</c:v>
+                </c:pt>
+                <c:pt idx="249">
+                  <c:v>1119.3</c:v>
+                </c:pt>
+                <c:pt idx="250">
+                  <c:v>1123.2</c:v>
+                </c:pt>
+                <c:pt idx="251">
+                  <c:v>1127.2</c:v>
+                </c:pt>
+                <c:pt idx="252">
+                  <c:v>1131.0999999999999</c:v>
+                </c:pt>
+                <c:pt idx="253">
+                  <c:v>1135</c:v>
+                </c:pt>
+                <c:pt idx="254">
+                  <c:v>1138.9000000000001</c:v>
+                </c:pt>
+                <c:pt idx="255">
+                  <c:v>1142.9000000000001</c:v>
+                </c:pt>
+                <c:pt idx="256">
+                  <c:v>1146.8</c:v>
+                </c:pt>
+                <c:pt idx="257">
+                  <c:v>1150.7</c:v>
+                </c:pt>
+                <c:pt idx="258">
+                  <c:v>1154.7</c:v>
+                </c:pt>
+                <c:pt idx="259">
+                  <c:v>1158.5999999999999</c:v>
+                </c:pt>
+                <c:pt idx="260">
+                  <c:v>1162.5</c:v>
+                </c:pt>
+                <c:pt idx="261">
+                  <c:v>1166.4000000000001</c:v>
+                </c:pt>
+                <c:pt idx="262">
+                  <c:v>1170.4000000000001</c:v>
+                </c:pt>
+                <c:pt idx="263">
+                  <c:v>1173.9000000000001</c:v>
+                </c:pt>
+                <c:pt idx="264">
+                  <c:v>1177.3</c:v>
+                </c:pt>
+                <c:pt idx="265">
+                  <c:v>1180.8</c:v>
+                </c:pt>
+                <c:pt idx="266">
+                  <c:v>1184.3</c:v>
+                </c:pt>
+                <c:pt idx="267">
+                  <c:v>1187.7</c:v>
+                </c:pt>
+                <c:pt idx="268">
+                  <c:v>1191.2</c:v>
+                </c:pt>
+                <c:pt idx="269">
+                  <c:v>1194.5999999999999</c:v>
+                </c:pt>
+                <c:pt idx="270">
+                  <c:v>1198.0999999999999</c:v>
+                </c:pt>
+                <c:pt idx="271">
+                  <c:v>1201.5999999999999</c:v>
+                </c:pt>
+                <c:pt idx="272">
+                  <c:v>1205</c:v>
+                </c:pt>
+                <c:pt idx="273">
+                  <c:v>1208.5</c:v>
+                </c:pt>
+                <c:pt idx="274">
+                  <c:v>1212.2</c:v>
+                </c:pt>
+                <c:pt idx="275">
+                  <c:v>1217.7</c:v>
+                </c:pt>
+                <c:pt idx="276">
+                  <c:v>1223.0999999999999</c:v>
+                </c:pt>
+                <c:pt idx="277">
+                  <c:v>1228.5999999999999</c:v>
+                </c:pt>
+                <c:pt idx="278">
+                  <c:v>1234</c:v>
+                </c:pt>
+                <c:pt idx="279">
+                  <c:v>1239.5</c:v>
+                </c:pt>
+                <c:pt idx="280">
+                  <c:v>1244.9000000000001</c:v>
+                </c:pt>
+                <c:pt idx="281">
+                  <c:v>1250.4000000000001</c:v>
+                </c:pt>
+                <c:pt idx="282">
+                  <c:v>1255.8</c:v>
+                </c:pt>
+                <c:pt idx="283">
+                  <c:v>1261.3</c:v>
+                </c:pt>
+                <c:pt idx="284">
+                  <c:v>1266.7</c:v>
+                </c:pt>
+                <c:pt idx="285">
+                  <c:v>1272.2</c:v>
+                </c:pt>
+                <c:pt idx="286">
+                  <c:v>1277.5999999999999</c:v>
+                </c:pt>
+                <c:pt idx="287">
+                  <c:v>1283.0999999999999</c:v>
+                </c:pt>
+                <c:pt idx="288">
+                  <c:v>1288.5</c:v>
+                </c:pt>
+                <c:pt idx="289">
+                  <c:v>1294</c:v>
+                </c:pt>
+                <c:pt idx="290">
+                  <c:v>1299.4000000000001</c:v>
+                </c:pt>
+                <c:pt idx="291">
+                  <c:v>1305.4000000000001</c:v>
+                </c:pt>
+                <c:pt idx="292">
+                  <c:v>1311.7</c:v>
+                </c:pt>
+                <c:pt idx="293">
+                  <c:v>1317.9</c:v>
+                </c:pt>
+                <c:pt idx="294">
+                  <c:v>1324.1</c:v>
+                </c:pt>
+                <c:pt idx="295">
+                  <c:v>1330.3</c:v>
+                </c:pt>
+                <c:pt idx="296">
+                  <c:v>1336.5</c:v>
+                </c:pt>
+                <c:pt idx="297">
+                  <c:v>1342.7</c:v>
+                </c:pt>
+                <c:pt idx="298">
+                  <c:v>1349</c:v>
+                </c:pt>
+                <c:pt idx="299">
+                  <c:v>1355.2</c:v>
+                </c:pt>
+                <c:pt idx="300">
+                  <c:v>1361.4</c:v>
+                </c:pt>
+                <c:pt idx="301">
+                  <c:v>1367.6</c:v>
+                </c:pt>
+                <c:pt idx="302">
+                  <c:v>1373.8</c:v>
+                </c:pt>
+                <c:pt idx="303">
+                  <c:v>1380</c:v>
+                </c:pt>
+                <c:pt idx="304">
+                  <c:v>1386.2</c:v>
+                </c:pt>
+                <c:pt idx="305">
+                  <c:v>1392.5</c:v>
+                </c:pt>
+                <c:pt idx="306">
+                  <c:v>1398.7</c:v>
+                </c:pt>
+                <c:pt idx="307">
+                  <c:v>1404.9</c:v>
+                </c:pt>
+                <c:pt idx="308">
+                  <c:v>1411.2</c:v>
+                </c:pt>
+                <c:pt idx="309">
+                  <c:v>1417.5</c:v>
+                </c:pt>
+                <c:pt idx="310">
+                  <c:v>1423.9</c:v>
+                </c:pt>
+                <c:pt idx="311">
+                  <c:v>1430.3</c:v>
+                </c:pt>
+                <c:pt idx="312">
+                  <c:v>1436.6</c:v>
+                </c:pt>
+                <c:pt idx="313">
+                  <c:v>1443</c:v>
+                </c:pt>
+                <c:pt idx="314">
+                  <c:v>1449.4</c:v>
+                </c:pt>
+                <c:pt idx="315">
+                  <c:v>1455.7</c:v>
+                </c:pt>
+                <c:pt idx="316">
+                  <c:v>1462.1</c:v>
+                </c:pt>
+                <c:pt idx="317">
+                  <c:v>1468.5</c:v>
+                </c:pt>
+                <c:pt idx="318">
+                  <c:v>1474.9</c:v>
+                </c:pt>
+                <c:pt idx="319">
+                  <c:v>1481.2</c:v>
+                </c:pt>
+                <c:pt idx="320">
+                  <c:v>1488</c:v>
+                </c:pt>
+                <c:pt idx="321">
+                  <c:v>1495.2</c:v>
+                </c:pt>
+                <c:pt idx="322">
+                  <c:v>1502.5</c:v>
+                </c:pt>
+                <c:pt idx="323">
+                  <c:v>1509.8</c:v>
+                </c:pt>
+                <c:pt idx="324">
+                  <c:v>1517</c:v>
+                </c:pt>
+                <c:pt idx="325">
+                  <c:v>1524.3</c:v>
+                </c:pt>
+                <c:pt idx="326">
+                  <c:v>1531.6</c:v>
+                </c:pt>
+                <c:pt idx="327">
+                  <c:v>1538.9</c:v>
+                </c:pt>
+                <c:pt idx="328">
+                  <c:v>1546.1</c:v>
+                </c:pt>
+                <c:pt idx="329">
+                  <c:v>1553.4</c:v>
+                </c:pt>
+                <c:pt idx="330">
+                  <c:v>1560.1</c:v>
+                </c:pt>
+                <c:pt idx="331">
+                  <c:v>1566.5</c:v>
+                </c:pt>
+                <c:pt idx="332">
+                  <c:v>1572.8</c:v>
+                </c:pt>
+                <c:pt idx="333">
+                  <c:v>1579.2</c:v>
+                </c:pt>
+                <c:pt idx="334">
+                  <c:v>1585.6</c:v>
+                </c:pt>
+                <c:pt idx="335">
+                  <c:v>1591.9</c:v>
+                </c:pt>
+                <c:pt idx="336">
+                  <c:v>1598.3</c:v>
+                </c:pt>
+                <c:pt idx="337">
+                  <c:v>1604.6</c:v>
+                </c:pt>
+                <c:pt idx="338">
+                  <c:v>1611</c:v>
+                </c:pt>
+                <c:pt idx="339">
+                  <c:v>1617.3</c:v>
+                </c:pt>
+                <c:pt idx="340">
+                  <c:v>1623.7</c:v>
+                </c:pt>
+                <c:pt idx="341">
+                  <c:v>1630</c:v>
+                </c:pt>
+                <c:pt idx="342">
+                  <c:v>1636.4</c:v>
+                </c:pt>
+                <c:pt idx="343">
+                  <c:v>1642.7</c:v>
+                </c:pt>
+                <c:pt idx="344">
+                  <c:v>1649.1</c:v>
+                </c:pt>
+                <c:pt idx="345">
+                  <c:v>1654.9</c:v>
+                </c:pt>
+                <c:pt idx="346">
+                  <c:v>1660.6</c:v>
+                </c:pt>
+                <c:pt idx="347">
+                  <c:v>1666.3</c:v>
+                </c:pt>
+                <c:pt idx="348">
+                  <c:v>1672</c:v>
+                </c:pt>
+                <c:pt idx="349">
+                  <c:v>1677.7</c:v>
+                </c:pt>
+                <c:pt idx="350">
+                  <c:v>1683.4</c:v>
+                </c:pt>
+                <c:pt idx="351">
+                  <c:v>1689.1</c:v>
+                </c:pt>
+                <c:pt idx="352">
+                  <c:v>1694.8</c:v>
+                </c:pt>
+                <c:pt idx="353">
+                  <c:v>1700.5</c:v>
+                </c:pt>
+                <c:pt idx="354">
+                  <c:v>1706.2</c:v>
+                </c:pt>
+                <c:pt idx="355">
+                  <c:v>1712</c:v>
+                </c:pt>
+                <c:pt idx="356">
+                  <c:v>1717</c:v>
+                </c:pt>
+                <c:pt idx="357">
+                  <c:v>1722</c:v>
+                </c:pt>
+                <c:pt idx="358">
+                  <c:v>1727.1</c:v>
+                </c:pt>
+                <c:pt idx="359">
+                  <c:v>1732.1</c:v>
+                </c:pt>
+                <c:pt idx="360">
+                  <c:v>1737.1</c:v>
+                </c:pt>
+                <c:pt idx="361">
+                  <c:v>1742.1</c:v>
+                </c:pt>
+                <c:pt idx="362">
+                  <c:v>1747.1</c:v>
+                </c:pt>
+                <c:pt idx="363">
+                  <c:v>1752.1</c:v>
+                </c:pt>
+                <c:pt idx="364">
+                  <c:v>1757.1</c:v>
+                </c:pt>
+                <c:pt idx="365">
+                  <c:v>1762.1</c:v>
+                </c:pt>
+                <c:pt idx="366">
+                  <c:v>1767.1</c:v>
+                </c:pt>
+                <c:pt idx="367">
+                  <c:v>1772.1</c:v>
+                </c:pt>
+                <c:pt idx="368">
+                  <c:v>1777.1</c:v>
+                </c:pt>
+                <c:pt idx="369">
+                  <c:v>1782.1</c:v>
+                </c:pt>
+                <c:pt idx="370">
+                  <c:v>1787.1</c:v>
+                </c:pt>
+                <c:pt idx="371">
+                  <c:v>1792.1</c:v>
+                </c:pt>
+                <c:pt idx="372">
+                  <c:v>1797.2</c:v>
+                </c:pt>
+                <c:pt idx="373">
+                  <c:v>1802.2</c:v>
+                </c:pt>
+                <c:pt idx="374">
+                  <c:v>1807.2</c:v>
+                </c:pt>
+                <c:pt idx="375">
+                  <c:v>1812.2</c:v>
+                </c:pt>
+                <c:pt idx="376">
+                  <c:v>1817.2</c:v>
+                </c:pt>
+                <c:pt idx="377">
+                  <c:v>1821.5</c:v>
+                </c:pt>
+                <c:pt idx="378">
+                  <c:v>1825.2</c:v>
+                </c:pt>
+                <c:pt idx="379">
+                  <c:v>1828.9</c:v>
+                </c:pt>
+                <c:pt idx="380">
+                  <c:v>1832.6</c:v>
+                </c:pt>
+                <c:pt idx="381">
+                  <c:v>1836.3</c:v>
+                </c:pt>
+                <c:pt idx="382">
+                  <c:v>1840</c:v>
+                </c:pt>
+                <c:pt idx="383">
+                  <c:v>1843.7</c:v>
+                </c:pt>
+                <c:pt idx="384">
+                  <c:v>1847.4</c:v>
+                </c:pt>
+                <c:pt idx="385">
+                  <c:v>1851.1</c:v>
+                </c:pt>
+                <c:pt idx="386">
+                  <c:v>1854.9</c:v>
+                </c:pt>
+                <c:pt idx="387">
+                  <c:v>1858.6</c:v>
+                </c:pt>
+                <c:pt idx="388">
+                  <c:v>1862.3</c:v>
+                </c:pt>
+                <c:pt idx="389">
+                  <c:v>1865.8</c:v>
+                </c:pt>
+                <c:pt idx="390">
+                  <c:v>1869.3</c:v>
+                </c:pt>
+                <c:pt idx="391">
+                  <c:v>1872.8</c:v>
+                </c:pt>
+                <c:pt idx="392">
+                  <c:v>1876.3</c:v>
+                </c:pt>
+                <c:pt idx="393">
+                  <c:v>1879.8</c:v>
+                </c:pt>
+                <c:pt idx="394">
+                  <c:v>1883.2</c:v>
+                </c:pt>
+                <c:pt idx="395">
+                  <c:v>1886.7</c:v>
+                </c:pt>
+                <c:pt idx="396">
+                  <c:v>1890.2</c:v>
+                </c:pt>
+                <c:pt idx="397">
+                  <c:v>1893.7</c:v>
+                </c:pt>
+                <c:pt idx="398">
+                  <c:v>1897.2</c:v>
+                </c:pt>
+                <c:pt idx="399">
+                  <c:v>1900.7</c:v>
+                </c:pt>
+                <c:pt idx="400">
+                  <c:v>1904.2</c:v>
+                </c:pt>
+                <c:pt idx="401">
+                  <c:v>1907.7</c:v>
+                </c:pt>
+                <c:pt idx="402">
+                  <c:v>1911.2</c:v>
+                </c:pt>
+                <c:pt idx="403">
+                  <c:v>1914.7</c:v>
+                </c:pt>
+                <c:pt idx="404">
+                  <c:v>1917.9</c:v>
+                </c:pt>
+                <c:pt idx="405">
+                  <c:v>1921.2</c:v>
+                </c:pt>
+                <c:pt idx="406">
+                  <c:v>1924.5</c:v>
+                </c:pt>
+                <c:pt idx="407">
+                  <c:v>1927.7</c:v>
+                </c:pt>
+                <c:pt idx="408">
+                  <c:v>1931</c:v>
+                </c:pt>
+                <c:pt idx="409">
+                  <c:v>1934.3</c:v>
+                </c:pt>
+                <c:pt idx="410">
+                  <c:v>1937.6</c:v>
+                </c:pt>
+                <c:pt idx="411">
+                  <c:v>1940.8</c:v>
+                </c:pt>
+                <c:pt idx="412">
+                  <c:v>1944.1</c:v>
+                </c:pt>
+                <c:pt idx="413">
+                  <c:v>1947.4</c:v>
+                </c:pt>
+                <c:pt idx="414">
+                  <c:v>1950.6</c:v>
+                </c:pt>
+                <c:pt idx="415">
+                  <c:v>1954.8</c:v>
+                </c:pt>
+                <c:pt idx="416">
+                  <c:v>1959.5</c:v>
+                </c:pt>
+                <c:pt idx="417">
+                  <c:v>1964.3</c:v>
+                </c:pt>
+                <c:pt idx="418">
+                  <c:v>1969.1</c:v>
+                </c:pt>
+                <c:pt idx="419">
+                  <c:v>1973.9</c:v>
+                </c:pt>
+                <c:pt idx="420">
+                  <c:v>1978.6</c:v>
+                </c:pt>
+                <c:pt idx="421">
+                  <c:v>1983.4</c:v>
+                </c:pt>
+                <c:pt idx="422">
+                  <c:v>1988.2</c:v>
+                </c:pt>
+                <c:pt idx="423">
+                  <c:v>1992.9</c:v>
+                </c:pt>
+                <c:pt idx="424">
+                  <c:v>1997.7</c:v>
+                </c:pt>
+                <c:pt idx="425">
+                  <c:v>2002.5</c:v>
+                </c:pt>
+                <c:pt idx="426">
+                  <c:v>2007.3</c:v>
+                </c:pt>
+                <c:pt idx="427">
+                  <c:v>2012</c:v>
+                </c:pt>
+                <c:pt idx="428">
+                  <c:v>2016.8</c:v>
+                </c:pt>
+                <c:pt idx="429">
+                  <c:v>2021.5</c:v>
+                </c:pt>
+                <c:pt idx="430">
+                  <c:v>2025</c:v>
+                </c:pt>
+                <c:pt idx="431">
+                  <c:v>2028.5</c:v>
+                </c:pt>
+                <c:pt idx="432">
+                  <c:v>2032</c:v>
+                </c:pt>
+                <c:pt idx="433">
+                  <c:v>2035.5</c:v>
+                </c:pt>
+                <c:pt idx="434">
+                  <c:v>2039</c:v>
+                </c:pt>
+                <c:pt idx="435">
+                  <c:v>2042.5</c:v>
+                </c:pt>
+                <c:pt idx="436">
+                  <c:v>2046</c:v>
+                </c:pt>
+                <c:pt idx="437">
+                  <c:v>2049.5</c:v>
+                </c:pt>
+                <c:pt idx="438">
+                  <c:v>2053</c:v>
+                </c:pt>
+                <c:pt idx="439">
+                  <c:v>2056.4</c:v>
+                </c:pt>
+                <c:pt idx="440">
+                  <c:v>2059.9</c:v>
+                </c:pt>
+                <c:pt idx="441">
+                  <c:v>2063.4</c:v>
+                </c:pt>
+                <c:pt idx="442">
+                  <c:v>2066.9</c:v>
+                </c:pt>
+                <c:pt idx="443">
+                  <c:v>2070.4</c:v>
+                </c:pt>
+                <c:pt idx="444">
+                  <c:v>2073.9</c:v>
+                </c:pt>
+                <c:pt idx="445">
+                  <c:v>2077.4</c:v>
+                </c:pt>
+                <c:pt idx="446">
+                  <c:v>2080.9</c:v>
+                </c:pt>
+                <c:pt idx="447">
+                  <c:v>2084.8000000000002</c:v>
+                </c:pt>
+                <c:pt idx="448">
+                  <c:v>2088.8000000000002</c:v>
+                </c:pt>
+                <c:pt idx="449">
+                  <c:v>2092.6999999999998</c:v>
+                </c:pt>
+                <c:pt idx="450">
+                  <c:v>2096.6</c:v>
+                </c:pt>
+                <c:pt idx="451">
+                  <c:v>2100.5</c:v>
+                </c:pt>
+                <c:pt idx="452">
+                  <c:v>2104.5</c:v>
+                </c:pt>
+                <c:pt idx="453">
+                  <c:v>2108.4</c:v>
+                </c:pt>
+                <c:pt idx="454">
+                  <c:v>2112.3000000000002</c:v>
+                </c:pt>
+                <c:pt idx="455">
+                  <c:v>2116.1999999999998</c:v>
+                </c:pt>
+                <c:pt idx="456">
+                  <c:v>2120.1999999999998</c:v>
+                </c:pt>
+                <c:pt idx="457">
+                  <c:v>2124.1</c:v>
+                </c:pt>
+                <c:pt idx="458">
+                  <c:v>2128</c:v>
+                </c:pt>
+                <c:pt idx="459">
+                  <c:v>2132</c:v>
+                </c:pt>
+                <c:pt idx="460">
+                  <c:v>2135.3000000000002</c:v>
+                </c:pt>
+                <c:pt idx="461">
+                  <c:v>2137.9</c:v>
+                </c:pt>
+                <c:pt idx="462">
+                  <c:v>2140.6</c:v>
+                </c:pt>
+                <c:pt idx="463">
+                  <c:v>2143.3000000000002</c:v>
+                </c:pt>
+                <c:pt idx="464">
+                  <c:v>2146</c:v>
+                </c:pt>
+                <c:pt idx="465">
+                  <c:v>2148.6</c:v>
+                </c:pt>
+                <c:pt idx="466">
+                  <c:v>2151.3000000000002</c:v>
+                </c:pt>
+                <c:pt idx="467">
+                  <c:v>2154</c:v>
+                </c:pt>
+                <c:pt idx="468">
+                  <c:v>2156.6</c:v>
+                </c:pt>
+                <c:pt idx="469">
+                  <c:v>2159.3000000000002</c:v>
+                </c:pt>
+                <c:pt idx="470">
+                  <c:v>2162</c:v>
+                </c:pt>
+                <c:pt idx="471">
+                  <c:v>2164.6999999999998</c:v>
+                </c:pt>
+                <c:pt idx="472">
+                  <c:v>2167.3000000000002</c:v>
+                </c:pt>
+                <c:pt idx="473">
+                  <c:v>2170</c:v>
+                </c:pt>
+                <c:pt idx="474">
+                  <c:v>2172.6999999999998</c:v>
+                </c:pt>
+                <c:pt idx="475">
+                  <c:v>2175.3000000000002</c:v>
+                </c:pt>
+                <c:pt idx="476">
+                  <c:v>2178</c:v>
+                </c:pt>
+                <c:pt idx="477">
+                  <c:v>2180.6999999999998</c:v>
+                </c:pt>
+                <c:pt idx="478">
+                  <c:v>2183.3000000000002</c:v>
+                </c:pt>
+                <c:pt idx="479">
+                  <c:v>2186</c:v>
+                </c:pt>
+                <c:pt idx="480">
+                  <c:v>2188.6999999999998</c:v>
+                </c:pt>
+                <c:pt idx="481">
+                  <c:v>2191.3000000000002</c:v>
+                </c:pt>
+                <c:pt idx="482">
+                  <c:v>2194</c:v>
+                </c:pt>
+                <c:pt idx="483">
+                  <c:v>2196.6999999999998</c:v>
+                </c:pt>
+                <c:pt idx="484">
+                  <c:v>2199.3000000000002</c:v>
+                </c:pt>
+                <c:pt idx="485">
+                  <c:v>2202</c:v>
+                </c:pt>
+                <c:pt idx="486">
+                  <c:v>2204.6999999999998</c:v>
+                </c:pt>
+                <c:pt idx="487">
+                  <c:v>2207.5</c:v>
+                </c:pt>
+                <c:pt idx="488">
+                  <c:v>2210.3000000000002</c:v>
+                </c:pt>
+                <c:pt idx="489">
+                  <c:v>2213.1999999999998</c:v>
+                </c:pt>
+                <c:pt idx="490">
+                  <c:v>2216</c:v>
+                </c:pt>
+                <c:pt idx="491">
+                  <c:v>2218.8000000000002</c:v>
+                </c:pt>
+                <c:pt idx="492">
+                  <c:v>2221.6999999999998</c:v>
+                </c:pt>
+                <c:pt idx="493">
+                  <c:v>2224.5</c:v>
+                </c:pt>
+                <c:pt idx="494">
+                  <c:v>2227.4</c:v>
+                </c:pt>
+                <c:pt idx="495">
+                  <c:v>2230.1999999999998</c:v>
+                </c:pt>
+                <c:pt idx="496">
+                  <c:v>2233.1</c:v>
+                </c:pt>
+                <c:pt idx="497">
+                  <c:v>2235.9</c:v>
+                </c:pt>
+                <c:pt idx="498">
+                  <c:v>2238.6999999999998</c:v>
+                </c:pt>
+                <c:pt idx="499">
+                  <c:v>2241.6</c:v>
+                </c:pt>
+                <c:pt idx="500">
+                  <c:v>2244.5</c:v>
+                </c:pt>
+                <c:pt idx="501">
+                  <c:v>2247.3000000000002</c:v>
+                </c:pt>
+                <c:pt idx="502">
+                  <c:v>2250.1999999999998</c:v>
+                </c:pt>
+                <c:pt idx="503">
+                  <c:v>2253.1</c:v>
+                </c:pt>
+                <c:pt idx="504">
+                  <c:v>2255.9</c:v>
+                </c:pt>
+                <c:pt idx="505">
+                  <c:v>2258.8000000000002</c:v>
+                </c:pt>
+                <c:pt idx="506">
+                  <c:v>2261.6999999999998</c:v>
+                </c:pt>
+              </c:numCache>
+            </c:numRef>
+          </c:yVal>
+          <c:smooth val="0"/>
+          <c:extLst>
+            <c:ext xmlns:c16="http://schemas.microsoft.com/office/drawing/2014/chart" uri="{C3380CC4-5D6E-409C-BE32-E72D297353CC}">
+              <c16:uniqueId val="{00000002-AED7-1743-B032-60F2F880637B}"/>
+            </c:ext>
+          </c:extLst>
+        </c:ser>
+        <c:dLbls>
+          <c:showLegendKey val="0"/>
+          <c:showVal val="0"/>
+          <c:showCatName val="0"/>
+          <c:showSerName val="0"/>
+          <c:showPercent val="0"/>
+          <c:showBubbleSize val="0"/>
+        </c:dLbls>
+        <c:axId val="1191737631"/>
+        <c:axId val="1734446751"/>
+      </c:scatterChart>
+      <c:valAx>
+        <c:axId val="1191737631"/>
+        <c:scaling>
+          <c:orientation val="minMax"/>
+        </c:scaling>
+        <c:delete val="0"/>
+        <c:axPos val="b"/>
+        <c:majorGridlines>
+          <c:spPr>
+            <a:ln w="9525" cap="flat" cmpd="sng" algn="ctr">
+              <a:solidFill>
+                <a:schemeClr val="tx1">
+                  <a:lumMod val="15000"/>
+                  <a:lumOff val="85000"/>
+                </a:schemeClr>
+              </a:solidFill>
+              <a:round/>
+            </a:ln>
+            <a:effectLst/>
+          </c:spPr>
+        </c:majorGridlines>
+        <c:title>
+          <c:tx>
+            <c:rich>
+              <a:bodyPr rot="0" spcFirstLastPara="1" vertOverflow="ellipsis" vert="horz" wrap="square" anchor="ctr" anchorCtr="1"/>
+              <a:lstStyle/>
+              <a:p>
+                <a:pPr>
+                  <a:defRPr sz="1000" b="0" i="0" u="none" strike="noStrike" kern="1200" baseline="0">
+                    <a:solidFill>
+                      <a:schemeClr val="tx1">
+                        <a:lumMod val="65000"/>
+                        <a:lumOff val="35000"/>
+                      </a:schemeClr>
+                    </a:solidFill>
+                    <a:latin typeface="+mn-lt"/>
+                    <a:ea typeface="+mn-ea"/>
+                    <a:cs typeface="+mn-cs"/>
+                  </a:defRPr>
+                </a:pPr>
+                <a:r>
+                  <a:rPr lang="en-US" sz="1200" b="1" dirty="0">
+                    <a:latin typeface="Times New Roman" panose="02020603050405020304" pitchFamily="18" charset="0"/>
+                    <a:cs typeface="Times New Roman" panose="02020603050405020304" pitchFamily="18" charset="0"/>
+                  </a:rPr>
+                  <a:t>Potential Temperature (K)</a:t>
+                </a:r>
+              </a:p>
+            </c:rich>
+          </c:tx>
+          <c:overlay val="0"/>
+          <c:spPr>
+            <a:noFill/>
+            <a:ln>
+              <a:noFill/>
+            </a:ln>
+            <a:effectLst/>
+          </c:spPr>
+          <c:txPr>
+            <a:bodyPr rot="0" spcFirstLastPara="1" vertOverflow="ellipsis" vert="horz" wrap="square" anchor="ctr" anchorCtr="1"/>
+            <a:lstStyle/>
+            <a:p>
+              <a:pPr>
+                <a:defRPr sz="1000" b="0" i="0" u="none" strike="noStrike" kern="1200" baseline="0">
+                  <a:solidFill>
+                    <a:schemeClr val="tx1">
+                      <a:lumMod val="65000"/>
+                      <a:lumOff val="35000"/>
+                    </a:schemeClr>
+                  </a:solidFill>
+                  <a:latin typeface="+mn-lt"/>
+                  <a:ea typeface="+mn-ea"/>
+                  <a:cs typeface="+mn-cs"/>
+                </a:defRPr>
+              </a:pPr>
+              <a:endParaRPr lang="en-US"/>
+            </a:p>
+          </c:txPr>
+        </c:title>
+        <c:numFmt formatCode="General" sourceLinked="1"/>
+        <c:majorTickMark val="none"/>
+        <c:minorTickMark val="none"/>
+        <c:tickLblPos val="nextTo"/>
+        <c:spPr>
+          <a:noFill/>
+          <a:ln w="9525" cap="flat" cmpd="sng" algn="ctr">
+            <a:solidFill>
+              <a:schemeClr val="tx1">
+                <a:lumMod val="25000"/>
+                <a:lumOff val="75000"/>
+              </a:schemeClr>
+            </a:solidFill>
+            <a:round/>
+          </a:ln>
+          <a:effectLst/>
+        </c:spPr>
+        <c:txPr>
+          <a:bodyPr rot="-60000000" spcFirstLastPara="1" vertOverflow="ellipsis" vert="horz" wrap="square" anchor="ctr" anchorCtr="1"/>
+          <a:lstStyle/>
+          <a:p>
+            <a:pPr>
+              <a:defRPr sz="1200" b="0" i="0" u="none" strike="noStrike" kern="1200" baseline="0">
+                <a:solidFill>
+                  <a:schemeClr val="tx1">
+                    <a:lumMod val="65000"/>
+                    <a:lumOff val="35000"/>
+                  </a:schemeClr>
+                </a:solidFill>
+                <a:latin typeface="Times New Roman" panose="02020603050405020304" pitchFamily="18" charset="0"/>
+                <a:ea typeface="+mn-ea"/>
+                <a:cs typeface="Times New Roman" panose="02020603050405020304" pitchFamily="18" charset="0"/>
+              </a:defRPr>
+            </a:pPr>
+            <a:endParaRPr lang="en-US"/>
+          </a:p>
+        </c:txPr>
+        <c:crossAx val="1734446751"/>
+        <c:crosses val="autoZero"/>
+        <c:crossBetween val="midCat"/>
+      </c:valAx>
+      <c:valAx>
+        <c:axId val="1734446751"/>
+        <c:scaling>
+          <c:orientation val="minMax"/>
+          <c:max val="500"/>
+        </c:scaling>
+        <c:delete val="0"/>
+        <c:axPos val="l"/>
+        <c:majorGridlines>
+          <c:spPr>
+            <a:ln w="9525" cap="flat" cmpd="sng" algn="ctr">
+              <a:solidFill>
+                <a:schemeClr val="tx1">
+                  <a:lumMod val="15000"/>
+                  <a:lumOff val="85000"/>
+                </a:schemeClr>
+              </a:solidFill>
+              <a:round/>
+            </a:ln>
+            <a:effectLst/>
+          </c:spPr>
+        </c:majorGridlines>
+        <c:title>
+          <c:tx>
+            <c:rich>
+              <a:bodyPr rot="-5400000" spcFirstLastPara="1" vertOverflow="ellipsis" vert="horz" wrap="square" anchor="ctr" anchorCtr="1"/>
+              <a:lstStyle/>
+              <a:p>
+                <a:pPr>
+                  <a:defRPr sz="1000" b="0" i="0" u="none" strike="noStrike" kern="1200" baseline="0">
+                    <a:solidFill>
+                      <a:schemeClr val="tx1">
+                        <a:lumMod val="65000"/>
+                        <a:lumOff val="35000"/>
+                      </a:schemeClr>
+                    </a:solidFill>
+                    <a:latin typeface="+mn-lt"/>
+                    <a:ea typeface="+mn-ea"/>
+                    <a:cs typeface="+mn-cs"/>
+                  </a:defRPr>
+                </a:pPr>
+                <a:r>
+                  <a:rPr lang="en-US" sz="1200">
+                    <a:latin typeface="Times New Roman" panose="02020603050405020304" pitchFamily="18" charset="0"/>
+                    <a:cs typeface="Times New Roman" panose="02020603050405020304" pitchFamily="18" charset="0"/>
+                  </a:rPr>
+                  <a:t>Height (m)</a:t>
+                </a:r>
+              </a:p>
+            </c:rich>
+          </c:tx>
+          <c:overlay val="0"/>
+          <c:spPr>
+            <a:noFill/>
+            <a:ln>
+              <a:noFill/>
+            </a:ln>
+            <a:effectLst/>
+          </c:spPr>
+          <c:txPr>
+            <a:bodyPr rot="-5400000" spcFirstLastPara="1" vertOverflow="ellipsis" vert="horz" wrap="square" anchor="ctr" anchorCtr="1"/>
+            <a:lstStyle/>
+            <a:p>
+              <a:pPr>
+                <a:defRPr sz="1000" b="0" i="0" u="none" strike="noStrike" kern="1200" baseline="0">
+                  <a:solidFill>
+                    <a:schemeClr val="tx1">
+                      <a:lumMod val="65000"/>
+                      <a:lumOff val="35000"/>
+                    </a:schemeClr>
+                  </a:solidFill>
+                  <a:latin typeface="+mn-lt"/>
+                  <a:ea typeface="+mn-ea"/>
+                  <a:cs typeface="+mn-cs"/>
+                </a:defRPr>
+              </a:pPr>
+              <a:endParaRPr lang="en-US"/>
+            </a:p>
+          </c:txPr>
+        </c:title>
+        <c:numFmt formatCode="General" sourceLinked="1"/>
+        <c:majorTickMark val="none"/>
+        <c:minorTickMark val="none"/>
+        <c:tickLblPos val="nextTo"/>
+        <c:spPr>
+          <a:noFill/>
+          <a:ln w="9525" cap="flat" cmpd="sng" algn="ctr">
+            <a:solidFill>
+              <a:schemeClr val="tx1">
+                <a:lumMod val="25000"/>
+                <a:lumOff val="75000"/>
+              </a:schemeClr>
+            </a:solidFill>
+            <a:round/>
+          </a:ln>
+          <a:effectLst/>
+        </c:spPr>
+        <c:txPr>
+          <a:bodyPr rot="-60000000" spcFirstLastPara="1" vertOverflow="ellipsis" vert="horz" wrap="square" anchor="ctr" anchorCtr="1"/>
+          <a:lstStyle/>
+          <a:p>
+            <a:pPr>
+              <a:defRPr sz="1200" b="0" i="0" u="none" strike="noStrike" kern="1200" baseline="0">
+                <a:solidFill>
+                  <a:schemeClr val="tx1">
+                    <a:lumMod val="65000"/>
+                    <a:lumOff val="35000"/>
+                  </a:schemeClr>
+                </a:solidFill>
+                <a:latin typeface="Times New Roman" panose="02020603050405020304" pitchFamily="18" charset="0"/>
+                <a:ea typeface="+mn-ea"/>
+                <a:cs typeface="Times New Roman" panose="02020603050405020304" pitchFamily="18" charset="0"/>
+              </a:defRPr>
+            </a:pPr>
+            <a:endParaRPr lang="en-US"/>
+          </a:p>
+        </c:txPr>
+        <c:crossAx val="1191737631"/>
+        <c:crosses val="autoZero"/>
+        <c:crossBetween val="midCat"/>
+      </c:valAx>
+      <c:spPr>
+        <a:noFill/>
+        <a:ln>
+          <a:noFill/>
+        </a:ln>
+        <a:effectLst/>
+      </c:spPr>
+    </c:plotArea>
+    <c:plotVisOnly val="1"/>
+    <c:dispBlanksAs val="gap"/>
+    <c:showDLblsOverMax val="0"/>
+  </c:chart>
+  <c:spPr>
+    <a:noFill/>
+    <a:ln>
+      <a:noFill/>
+    </a:ln>
+    <a:effectLst/>
+  </c:spPr>
+  <c:txPr>
+    <a:bodyPr/>
+    <a:lstStyle/>
+    <a:p>
+      <a:pPr>
+        <a:defRPr/>
+      </a:pPr>
+      <a:endParaRPr lang="en-US"/>
+    </a:p>
+  </c:txPr>
+  <c:externalData r:id="rId3">
+    <c:autoUpdate val="0"/>
+  </c:externalData>
+</c:chartSpace>
+</file>
+
+<file path=ppt/charts/chart2.xml><?xml version="1.0" encoding="utf-8"?>
+<c:chartSpace xmlns:c="http://schemas.openxmlformats.org/drawingml/2006/chart" xmlns:a="http://schemas.openxmlformats.org/drawingml/2006/main" xmlns:r="http://schemas.openxmlformats.org/officeDocument/2006/relationships" xmlns:c16r2="http://schemas.microsoft.com/office/drawing/2015/06/chart">
+  <c:date1904 val="0"/>
+  <c:lang val="en-US"/>
+  <c:roundedCorners val="0"/>
+  <mc:AlternateContent xmlns:mc="http://schemas.openxmlformats.org/markup-compatibility/2006">
+    <mc:Choice xmlns:c14="http://schemas.microsoft.com/office/drawing/2007/8/2/chart" Requires="c14">
+      <c14:style val="102"/>
+    </mc:Choice>
+    <mc:Fallback>
+      <c:style val="2"/>
+    </mc:Fallback>
+  </mc:AlternateContent>
+  <c:chart>
+    <c:title>
+      <c:tx>
+        <c:rich>
+          <a:bodyPr rot="0" spcFirstLastPara="1" vertOverflow="ellipsis" vert="horz" wrap="square" anchor="ctr" anchorCtr="1"/>
+          <a:lstStyle/>
+          <a:p>
+            <a:pPr>
+              <a:defRPr sz="1440" b="0" i="0" u="none" strike="noStrike" kern="1200" spc="0" baseline="0">
+                <a:solidFill>
+                  <a:schemeClr val="tx1">
+                    <a:lumMod val="65000"/>
+                    <a:lumOff val="35000"/>
+                  </a:schemeClr>
+                </a:solidFill>
+                <a:latin typeface="Times New Roman" panose="02020603050405020304" pitchFamily="18" charset="0"/>
+                <a:ea typeface="+mn-ea"/>
+                <a:cs typeface="Times New Roman" panose="02020603050405020304" pitchFamily="18" charset="0"/>
+              </a:defRPr>
+            </a:pPr>
+            <a:r>
+              <a:rPr lang="en-US" sz="1800" b="1"/>
+              <a:t>Mixing Ratio Vs. Height</a:t>
+            </a:r>
+          </a:p>
+        </c:rich>
+      </c:tx>
+      <c:overlay val="0"/>
+      <c:spPr>
+        <a:noFill/>
+        <a:ln>
+          <a:noFill/>
+        </a:ln>
+        <a:effectLst/>
+      </c:spPr>
+      <c:txPr>
+        <a:bodyPr rot="0" spcFirstLastPara="1" vertOverflow="ellipsis" vert="horz" wrap="square" anchor="ctr" anchorCtr="1"/>
+        <a:lstStyle/>
+        <a:p>
+          <a:pPr>
+            <a:defRPr sz="1440" b="0" i="0" u="none" strike="noStrike" kern="1200" spc="0" baseline="0">
+              <a:solidFill>
+                <a:schemeClr val="tx1">
+                  <a:lumMod val="65000"/>
+                  <a:lumOff val="35000"/>
+                </a:schemeClr>
+              </a:solidFill>
+              <a:latin typeface="Times New Roman" panose="02020603050405020304" pitchFamily="18" charset="0"/>
+              <a:ea typeface="+mn-ea"/>
+              <a:cs typeface="Times New Roman" panose="02020603050405020304" pitchFamily="18" charset="0"/>
+            </a:defRPr>
+          </a:pPr>
+          <a:endParaRPr lang="en-US"/>
+        </a:p>
+      </c:txPr>
+    </c:title>
+    <c:autoTitleDeleted val="0"/>
+    <c:plotArea>
+      <c:layout/>
+      <c:scatterChart>
+        <c:scatterStyle val="lineMarker"/>
+        <c:varyColors val="0"/>
+        <c:ser>
+          <c:idx val="0"/>
+          <c:order val="0"/>
+          <c:spPr>
+            <a:ln w="19050" cap="rnd">
+              <a:noFill/>
+              <a:round/>
+            </a:ln>
+            <a:effectLst/>
+          </c:spPr>
+          <c:marker>
+            <c:symbol val="circle"/>
+            <c:size val="5"/>
+            <c:spPr>
+              <a:solidFill>
+                <a:schemeClr val="accent1"/>
+              </a:solidFill>
+              <a:ln w="9525">
+                <a:solidFill>
+                  <a:schemeClr val="accent1"/>
+                </a:solidFill>
+              </a:ln>
+              <a:effectLst/>
+            </c:spPr>
+          </c:marker>
+          <c:xVal>
+            <c:numRef>
+              <c:f>Sheet1!$AM$3:$AM$509</c:f>
+              <c:numCache>
+                <c:formatCode>General</c:formatCode>
+                <c:ptCount val="507"/>
+                <c:pt idx="0">
+                  <c:v>3.9390000000000001</c:v>
+                </c:pt>
+                <c:pt idx="1">
+                  <c:v>3.94</c:v>
+                </c:pt>
+                <c:pt idx="2">
+                  <c:v>3.9430000000000001</c:v>
+                </c:pt>
+                <c:pt idx="3">
+                  <c:v>3.4104999999999999</c:v>
+                </c:pt>
+                <c:pt idx="4">
+                  <c:v>3.1447500000000002</c:v>
+                </c:pt>
+                <c:pt idx="5">
+                  <c:v>3.012375</c:v>
+                </c:pt>
+                <c:pt idx="6">
+                  <c:v>2.9464375</c:v>
+                </c:pt>
+                <c:pt idx="7">
+                  <c:v>2.9137187500000001</c:v>
+                </c:pt>
+                <c:pt idx="8">
+                  <c:v>2.8978593750000003</c:v>
+                </c:pt>
+                <c:pt idx="9">
+                  <c:v>2.8899296875000005</c:v>
+                </c:pt>
+                <c:pt idx="10">
+                  <c:v>2.8859648437500001</c:v>
+                </c:pt>
+                <c:pt idx="11">
+                  <c:v>2.884482421875</c:v>
+                </c:pt>
+                <c:pt idx="12">
+                  <c:v>2.8837412109375</c:v>
+                </c:pt>
+                <c:pt idx="13">
+                  <c:v>2.8838706054687497</c:v>
+                </c:pt>
+                <c:pt idx="14">
+                  <c:v>2.8844353027343748</c:v>
+                </c:pt>
+                <c:pt idx="15">
+                  <c:v>2.8847176513671871</c:v>
+                </c:pt>
+                <c:pt idx="16">
+                  <c:v>2.8853588256835936</c:v>
+                </c:pt>
+                <c:pt idx="17">
+                  <c:v>2.8856794128417969</c:v>
+                </c:pt>
+                <c:pt idx="18">
+                  <c:v>2.8863397064208982</c:v>
+                </c:pt>
+                <c:pt idx="19">
+                  <c:v>2.8871698532104491</c:v>
+                </c:pt>
+                <c:pt idx="20">
+                  <c:v>2.8875849266052245</c:v>
+                </c:pt>
+                <c:pt idx="21">
+                  <c:v>2.8882924633026121</c:v>
+                </c:pt>
+                <c:pt idx="22">
+                  <c:v>2.8886462316513057</c:v>
+                </c:pt>
+                <c:pt idx="23">
+                  <c:v>2.8893231158256532</c:v>
+                </c:pt>
+                <c:pt idx="24">
+                  <c:v>2.8901615579128266</c:v>
+                </c:pt>
+                <c:pt idx="25">
+                  <c:v>2.8905807789564131</c:v>
+                </c:pt>
+                <c:pt idx="26">
+                  <c:v>2.8780000000000001</c:v>
+                </c:pt>
+                <c:pt idx="27">
+                  <c:v>2.879</c:v>
+                </c:pt>
+                <c:pt idx="28">
+                  <c:v>2.88</c:v>
+                </c:pt>
+                <c:pt idx="29">
+                  <c:v>2.8804999999999996</c:v>
+                </c:pt>
+                <c:pt idx="30">
+                  <c:v>2.8809999999999998</c:v>
+                </c:pt>
+                <c:pt idx="31">
+                  <c:v>2.8820000000000001</c:v>
+                </c:pt>
+                <c:pt idx="32">
+                  <c:v>2.8820000000000001</c:v>
+                </c:pt>
+                <c:pt idx="33">
+                  <c:v>2.8820000000000001</c:v>
+                </c:pt>
+                <c:pt idx="34">
+                  <c:v>2.883</c:v>
+                </c:pt>
+                <c:pt idx="35">
+                  <c:v>2.883</c:v>
+                </c:pt>
+                <c:pt idx="36">
+                  <c:v>2.8839999999999999</c:v>
+                </c:pt>
+                <c:pt idx="37">
+                  <c:v>2.8849999999999998</c:v>
+                </c:pt>
+                <c:pt idx="38">
+                  <c:v>2.8849999999999998</c:v>
+                </c:pt>
+                <c:pt idx="39">
+                  <c:v>2.8860000000000001</c:v>
+                </c:pt>
+                <c:pt idx="40">
+                  <c:v>2.8860000000000001</c:v>
+                </c:pt>
+                <c:pt idx="41">
+                  <c:v>2.887</c:v>
+                </c:pt>
+                <c:pt idx="42">
+                  <c:v>2.8879999999999999</c:v>
+                </c:pt>
+                <c:pt idx="43">
+                  <c:v>2.8879999999999999</c:v>
+                </c:pt>
+                <c:pt idx="44">
+                  <c:v>2.8889999999999998</c:v>
+                </c:pt>
+                <c:pt idx="45">
+                  <c:v>2.8889999999999998</c:v>
+                </c:pt>
+                <c:pt idx="46">
+                  <c:v>2.89</c:v>
+                </c:pt>
+                <c:pt idx="47">
+                  <c:v>2.891</c:v>
+                </c:pt>
+                <c:pt idx="48">
+                  <c:v>2.891</c:v>
+                </c:pt>
+                <c:pt idx="49">
+                  <c:v>2.8919999999999999</c:v>
+                </c:pt>
+                <c:pt idx="50">
+                  <c:v>2.8919999999999999</c:v>
+                </c:pt>
+                <c:pt idx="51">
+                  <c:v>2.8929999999999998</c:v>
+                </c:pt>
+                <c:pt idx="52">
+                  <c:v>2.8940000000000001</c:v>
+                </c:pt>
+                <c:pt idx="53">
+                  <c:v>2.8940000000000001</c:v>
+                </c:pt>
+                <c:pt idx="54">
+                  <c:v>2.895</c:v>
+                </c:pt>
+                <c:pt idx="55">
+                  <c:v>2.895</c:v>
+                </c:pt>
+                <c:pt idx="56">
+                  <c:v>2.8959999999999999</c:v>
+                </c:pt>
+                <c:pt idx="57">
+                  <c:v>2.8969999999999998</c:v>
+                </c:pt>
+                <c:pt idx="58">
+                  <c:v>2.8969999999999998</c:v>
+                </c:pt>
+                <c:pt idx="59">
+                  <c:v>2.8980000000000001</c:v>
+                </c:pt>
+                <c:pt idx="60">
+                  <c:v>2.8980000000000001</c:v>
+                </c:pt>
+                <c:pt idx="61">
+                  <c:v>2.899</c:v>
+                </c:pt>
+                <c:pt idx="62">
+                  <c:v>2.9</c:v>
+                </c:pt>
+                <c:pt idx="63">
+                  <c:v>2.9</c:v>
+                </c:pt>
+                <c:pt idx="64">
+                  <c:v>2.9009999999999998</c:v>
+                </c:pt>
+                <c:pt idx="65">
+                  <c:v>2.9009999999999998</c:v>
+                </c:pt>
+                <c:pt idx="66">
+                  <c:v>2.9020000000000001</c:v>
+                </c:pt>
+                <c:pt idx="67">
+                  <c:v>2.903</c:v>
+                </c:pt>
+                <c:pt idx="68">
+                  <c:v>2.903</c:v>
+                </c:pt>
+                <c:pt idx="69">
+                  <c:v>2.9039999999999999</c:v>
+                </c:pt>
+                <c:pt idx="70">
+                  <c:v>2.9039999999999999</c:v>
+                </c:pt>
+                <c:pt idx="71">
+                  <c:v>2.9049999999999998</c:v>
+                </c:pt>
+                <c:pt idx="72">
+                  <c:v>2.9049999999999998</c:v>
+                </c:pt>
+                <c:pt idx="73">
+                  <c:v>2.9060000000000001</c:v>
+                </c:pt>
+                <c:pt idx="74">
+                  <c:v>2.9060000000000001</c:v>
+                </c:pt>
+                <c:pt idx="75">
+                  <c:v>2.9060000000000001</c:v>
+                </c:pt>
+                <c:pt idx="76">
+                  <c:v>2.907</c:v>
+                </c:pt>
+                <c:pt idx="77">
+                  <c:v>2.907</c:v>
+                </c:pt>
+                <c:pt idx="78">
+                  <c:v>2.907</c:v>
+                </c:pt>
+                <c:pt idx="79">
+                  <c:v>2.9079999999999999</c:v>
+                </c:pt>
+                <c:pt idx="80">
+                  <c:v>2.9079999999999999</c:v>
+                </c:pt>
+                <c:pt idx="81">
+                  <c:v>2.9079999999999999</c:v>
+                </c:pt>
+                <c:pt idx="82">
+                  <c:v>2.9089999999999998</c:v>
+                </c:pt>
+                <c:pt idx="83">
+                  <c:v>2.9089999999999998</c:v>
+                </c:pt>
+                <c:pt idx="84">
+                  <c:v>2.91</c:v>
+                </c:pt>
+                <c:pt idx="85">
+                  <c:v>2.91</c:v>
+                </c:pt>
+                <c:pt idx="86">
+                  <c:v>2.91</c:v>
+                </c:pt>
+                <c:pt idx="87">
+                  <c:v>2.911</c:v>
+                </c:pt>
+                <c:pt idx="88">
+                  <c:v>2.911</c:v>
+                </c:pt>
+                <c:pt idx="89">
+                  <c:v>2.911</c:v>
+                </c:pt>
+                <c:pt idx="90">
+                  <c:v>2.9119999999999999</c:v>
+                </c:pt>
+                <c:pt idx="91">
+                  <c:v>2.9119999999999999</c:v>
+                </c:pt>
+                <c:pt idx="92">
+                  <c:v>2.9119999999999999</c:v>
+                </c:pt>
+                <c:pt idx="93">
+                  <c:v>2.9129999999999998</c:v>
+                </c:pt>
+                <c:pt idx="94">
+                  <c:v>2.9129999999999998</c:v>
+                </c:pt>
+                <c:pt idx="95">
+                  <c:v>2.9129999999999998</c:v>
+                </c:pt>
+                <c:pt idx="96">
+                  <c:v>2.9140000000000001</c:v>
+                </c:pt>
+                <c:pt idx="97">
+                  <c:v>2.9140000000000001</c:v>
+                </c:pt>
+                <c:pt idx="98">
+                  <c:v>2.9140000000000001</c:v>
+                </c:pt>
+                <c:pt idx="99">
+                  <c:v>2.915</c:v>
+                </c:pt>
+                <c:pt idx="100">
+                  <c:v>2.915</c:v>
+                </c:pt>
+                <c:pt idx="101">
+                  <c:v>2.915</c:v>
+                </c:pt>
+                <c:pt idx="102">
+                  <c:v>2.9159999999999999</c:v>
+                </c:pt>
+                <c:pt idx="103">
+                  <c:v>2.9159999999999999</c:v>
+                </c:pt>
+                <c:pt idx="104">
+                  <c:v>2.9169999999999998</c:v>
+                </c:pt>
+                <c:pt idx="105">
+                  <c:v>2.9180000000000001</c:v>
+                </c:pt>
+                <c:pt idx="106">
+                  <c:v>2.9180000000000001</c:v>
+                </c:pt>
+                <c:pt idx="107">
+                  <c:v>2.919</c:v>
+                </c:pt>
+                <c:pt idx="108">
+                  <c:v>2.919</c:v>
+                </c:pt>
+                <c:pt idx="109">
+                  <c:v>2.919</c:v>
+                </c:pt>
+                <c:pt idx="110">
+                  <c:v>2.92</c:v>
+                </c:pt>
+                <c:pt idx="111">
+                  <c:v>2.92</c:v>
+                </c:pt>
+                <c:pt idx="112">
+                  <c:v>2.92</c:v>
+                </c:pt>
+                <c:pt idx="113">
+                  <c:v>2.9209999999999998</c:v>
+                </c:pt>
+                <c:pt idx="114">
+                  <c:v>2.9209999999999998</c:v>
+                </c:pt>
+                <c:pt idx="115">
+                  <c:v>2.9209999999999998</c:v>
+                </c:pt>
+                <c:pt idx="116">
+                  <c:v>2.9220000000000002</c:v>
+                </c:pt>
+                <c:pt idx="117">
+                  <c:v>2.9220000000000002</c:v>
+                </c:pt>
+                <c:pt idx="118">
+                  <c:v>2.9220000000000002</c:v>
+                </c:pt>
+                <c:pt idx="119">
+                  <c:v>2.923</c:v>
+                </c:pt>
+                <c:pt idx="120">
+                  <c:v>2.923</c:v>
+                </c:pt>
+                <c:pt idx="121">
+                  <c:v>2.923</c:v>
+                </c:pt>
+                <c:pt idx="122">
+                  <c:v>2.9239999999999999</c:v>
+                </c:pt>
+                <c:pt idx="123">
+                  <c:v>2.9239999999999999</c:v>
+                </c:pt>
+                <c:pt idx="124">
+                  <c:v>2.9239999999999999</c:v>
+                </c:pt>
+                <c:pt idx="125">
+                  <c:v>2.9249999999999998</c:v>
+                </c:pt>
+                <c:pt idx="126">
+                  <c:v>2.9249999999999998</c:v>
+                </c:pt>
+                <c:pt idx="127">
+                  <c:v>2.9249999999999998</c:v>
+                </c:pt>
+                <c:pt idx="128">
+                  <c:v>2.9260000000000002</c:v>
+                </c:pt>
+                <c:pt idx="129">
+                  <c:v>2.9260000000000002</c:v>
+                </c:pt>
+                <c:pt idx="130">
+                  <c:v>2.9260000000000002</c:v>
+                </c:pt>
+                <c:pt idx="131">
+                  <c:v>2.927</c:v>
+                </c:pt>
+                <c:pt idx="132">
+                  <c:v>2.927</c:v>
+                </c:pt>
+                <c:pt idx="133">
+                  <c:v>2.927</c:v>
+                </c:pt>
+                <c:pt idx="134">
+                  <c:v>2.9279999999999999</c:v>
+                </c:pt>
+                <c:pt idx="135">
+                  <c:v>2.9279999999999999</c:v>
+                </c:pt>
+                <c:pt idx="136">
+                  <c:v>2.9279999999999999</c:v>
+                </c:pt>
+                <c:pt idx="137">
+                  <c:v>2.9289999999999998</c:v>
+                </c:pt>
+                <c:pt idx="138">
+                  <c:v>2.9289999999999998</c:v>
+                </c:pt>
+                <c:pt idx="139">
+                  <c:v>2.93</c:v>
+                </c:pt>
+                <c:pt idx="140">
+                  <c:v>2.93</c:v>
+                </c:pt>
+                <c:pt idx="141">
+                  <c:v>2.93</c:v>
+                </c:pt>
+                <c:pt idx="142">
+                  <c:v>2.931</c:v>
+                </c:pt>
+                <c:pt idx="143">
+                  <c:v>2.931</c:v>
+                </c:pt>
+                <c:pt idx="144">
+                  <c:v>2.931</c:v>
+                </c:pt>
+                <c:pt idx="145">
+                  <c:v>2.9319999999999999</c:v>
+                </c:pt>
+                <c:pt idx="146">
+                  <c:v>2.9319999999999999</c:v>
+                </c:pt>
+                <c:pt idx="147">
+                  <c:v>2.9319999999999999</c:v>
+                </c:pt>
+                <c:pt idx="148">
+                  <c:v>2.9329999999999998</c:v>
+                </c:pt>
+                <c:pt idx="149">
+                  <c:v>2.9329999999999998</c:v>
+                </c:pt>
+                <c:pt idx="150">
+                  <c:v>2.9329999999999998</c:v>
+                </c:pt>
+                <c:pt idx="151">
+                  <c:v>2.9340000000000002</c:v>
+                </c:pt>
+                <c:pt idx="152">
+                  <c:v>2.9340000000000002</c:v>
+                </c:pt>
+                <c:pt idx="153">
+                  <c:v>2.9340000000000002</c:v>
+                </c:pt>
+                <c:pt idx="154">
+                  <c:v>2.9350000000000001</c:v>
+                </c:pt>
+                <c:pt idx="155">
+                  <c:v>2.9350000000000001</c:v>
+                </c:pt>
+                <c:pt idx="156">
+                  <c:v>2.9350000000000001</c:v>
+                </c:pt>
+                <c:pt idx="157">
+                  <c:v>2.9350000000000001</c:v>
+                </c:pt>
+                <c:pt idx="158">
+                  <c:v>2.9359999999999999</c:v>
+                </c:pt>
+                <c:pt idx="159">
+                  <c:v>2.9359999999999999</c:v>
+                </c:pt>
+                <c:pt idx="160">
+                  <c:v>2.9359999999999999</c:v>
+                </c:pt>
+                <c:pt idx="161">
+                  <c:v>2.9369999999999998</c:v>
+                </c:pt>
+                <c:pt idx="162">
+                  <c:v>2.9369999999999998</c:v>
+                </c:pt>
+                <c:pt idx="163">
+                  <c:v>2.9369999999999998</c:v>
+                </c:pt>
+                <c:pt idx="164">
+                  <c:v>2.9369999999999998</c:v>
+                </c:pt>
+                <c:pt idx="165">
+                  <c:v>2.9380000000000002</c:v>
+                </c:pt>
+                <c:pt idx="166">
+                  <c:v>2.9380000000000002</c:v>
+                </c:pt>
+                <c:pt idx="167">
+                  <c:v>2.9380000000000002</c:v>
+                </c:pt>
+                <c:pt idx="168">
+                  <c:v>2.9390000000000001</c:v>
+                </c:pt>
+                <c:pt idx="169">
+                  <c:v>2.9390000000000001</c:v>
+                </c:pt>
+                <c:pt idx="170">
+                  <c:v>2.9390000000000001</c:v>
+                </c:pt>
+                <c:pt idx="171">
+                  <c:v>2.9409999999999998</c:v>
+                </c:pt>
+                <c:pt idx="172">
+                  <c:v>2.9409999999999998</c:v>
+                </c:pt>
+                <c:pt idx="173">
+                  <c:v>2.9409999999999998</c:v>
+                </c:pt>
+                <c:pt idx="174">
+                  <c:v>2.9409999999999998</c:v>
+                </c:pt>
+                <c:pt idx="175">
+                  <c:v>2.9420000000000002</c:v>
+                </c:pt>
+                <c:pt idx="176">
+                  <c:v>2.9420000000000002</c:v>
+                </c:pt>
+                <c:pt idx="177">
+                  <c:v>2.9420000000000002</c:v>
+                </c:pt>
+                <c:pt idx="178">
+                  <c:v>2.9430000000000001</c:v>
+                </c:pt>
+                <c:pt idx="179">
+                  <c:v>2.9430000000000001</c:v>
+                </c:pt>
+                <c:pt idx="180">
+                  <c:v>2.9430000000000001</c:v>
+                </c:pt>
+                <c:pt idx="181">
+                  <c:v>2.944</c:v>
+                </c:pt>
+                <c:pt idx="182">
+                  <c:v>2.944</c:v>
+                </c:pt>
+                <c:pt idx="183">
+                  <c:v>2.944</c:v>
+                </c:pt>
+                <c:pt idx="184">
+                  <c:v>2.944</c:v>
+                </c:pt>
+                <c:pt idx="185">
+                  <c:v>2.9449999999999998</c:v>
+                </c:pt>
+                <c:pt idx="186">
+                  <c:v>2.9449999999999998</c:v>
+                </c:pt>
+                <c:pt idx="187">
+                  <c:v>2.9449999999999998</c:v>
+                </c:pt>
+                <c:pt idx="188">
+                  <c:v>2.9460000000000002</c:v>
+                </c:pt>
+                <c:pt idx="189">
+                  <c:v>2.9460000000000002</c:v>
+                </c:pt>
+                <c:pt idx="190">
+                  <c:v>2.9460000000000002</c:v>
+                </c:pt>
+                <c:pt idx="191">
+                  <c:v>2.9460000000000002</c:v>
+                </c:pt>
+                <c:pt idx="192">
+                  <c:v>2.9470000000000001</c:v>
+                </c:pt>
+                <c:pt idx="193">
+                  <c:v>2.9470000000000001</c:v>
+                </c:pt>
+                <c:pt idx="194">
+                  <c:v>2.9470000000000001</c:v>
+                </c:pt>
+                <c:pt idx="195">
+                  <c:v>2.9470000000000001</c:v>
+                </c:pt>
+                <c:pt idx="196">
+                  <c:v>2.948</c:v>
+                </c:pt>
+                <c:pt idx="197">
+                  <c:v>2.948</c:v>
+                </c:pt>
+                <c:pt idx="198">
+                  <c:v>2.948</c:v>
+                </c:pt>
+                <c:pt idx="199">
+                  <c:v>2.948</c:v>
+                </c:pt>
+                <c:pt idx="200">
+                  <c:v>2.9489999999999998</c:v>
+                </c:pt>
+                <c:pt idx="201">
+                  <c:v>2.9489999999999998</c:v>
+                </c:pt>
+                <c:pt idx="202">
+                  <c:v>2.9489999999999998</c:v>
+                </c:pt>
+                <c:pt idx="203">
+                  <c:v>2.9489999999999998</c:v>
+                </c:pt>
+                <c:pt idx="204">
+                  <c:v>2.95</c:v>
+                </c:pt>
+                <c:pt idx="205">
+                  <c:v>2.95</c:v>
+                </c:pt>
+                <c:pt idx="206">
+                  <c:v>2.95</c:v>
+                </c:pt>
+                <c:pt idx="207">
+                  <c:v>2.95</c:v>
+                </c:pt>
+                <c:pt idx="208">
+                  <c:v>2.9510000000000001</c:v>
+                </c:pt>
+                <c:pt idx="209">
+                  <c:v>2.9510000000000001</c:v>
+                </c:pt>
+                <c:pt idx="210">
+                  <c:v>2.9510000000000001</c:v>
+                </c:pt>
+                <c:pt idx="211">
+                  <c:v>2.9510000000000001</c:v>
+                </c:pt>
+                <c:pt idx="212">
+                  <c:v>2.9510000000000001</c:v>
+                </c:pt>
+                <c:pt idx="213">
+                  <c:v>2.952</c:v>
+                </c:pt>
+                <c:pt idx="214">
+                  <c:v>2.952</c:v>
+                </c:pt>
+                <c:pt idx="215">
+                  <c:v>2.952</c:v>
+                </c:pt>
+                <c:pt idx="216">
+                  <c:v>2.952</c:v>
+                </c:pt>
+                <c:pt idx="217">
+                  <c:v>2.9529999999999998</c:v>
+                </c:pt>
+                <c:pt idx="218">
+                  <c:v>2.9529999999999998</c:v>
+                </c:pt>
+                <c:pt idx="219">
+                  <c:v>2.9529999999999998</c:v>
+                </c:pt>
+                <c:pt idx="220">
+                  <c:v>2.9529999999999998</c:v>
+                </c:pt>
+                <c:pt idx="221">
+                  <c:v>2.9540000000000002</c:v>
+                </c:pt>
+                <c:pt idx="222">
+                  <c:v>2.9540000000000002</c:v>
+                </c:pt>
+                <c:pt idx="223">
+                  <c:v>2.9540000000000002</c:v>
+                </c:pt>
+                <c:pt idx="224">
+                  <c:v>2.9540000000000002</c:v>
+                </c:pt>
+                <c:pt idx="225">
+                  <c:v>2.9550000000000001</c:v>
+                </c:pt>
+                <c:pt idx="226">
+                  <c:v>2.9550000000000001</c:v>
+                </c:pt>
+                <c:pt idx="227">
+                  <c:v>2.9550000000000001</c:v>
+                </c:pt>
+                <c:pt idx="228">
+                  <c:v>2.9550000000000001</c:v>
+                </c:pt>
+                <c:pt idx="229">
+                  <c:v>2.9550000000000001</c:v>
+                </c:pt>
+                <c:pt idx="230">
+                  <c:v>2.956</c:v>
+                </c:pt>
+                <c:pt idx="231">
+                  <c:v>2.956</c:v>
+                </c:pt>
+                <c:pt idx="232">
+                  <c:v>2.956</c:v>
+                </c:pt>
+                <c:pt idx="233">
+                  <c:v>2.9580000000000002</c:v>
+                </c:pt>
+                <c:pt idx="234">
+                  <c:v>2.9580000000000002</c:v>
+                </c:pt>
+                <c:pt idx="235">
+                  <c:v>2.9580000000000002</c:v>
+                </c:pt>
+                <c:pt idx="236">
+                  <c:v>2.9580000000000002</c:v>
+                </c:pt>
+                <c:pt idx="237">
+                  <c:v>2.9590000000000001</c:v>
+                </c:pt>
+                <c:pt idx="238">
+                  <c:v>2.9590000000000001</c:v>
+                </c:pt>
+                <c:pt idx="239">
+                  <c:v>2.9590000000000001</c:v>
+                </c:pt>
+                <c:pt idx="240">
+                  <c:v>2.96</c:v>
+                </c:pt>
+                <c:pt idx="241">
+                  <c:v>2.96</c:v>
+                </c:pt>
+                <c:pt idx="242">
+                  <c:v>2.96</c:v>
+                </c:pt>
+                <c:pt idx="243">
+                  <c:v>2.9609999999999999</c:v>
+                </c:pt>
+                <c:pt idx="244">
+                  <c:v>2.9609999999999999</c:v>
+                </c:pt>
+                <c:pt idx="245">
+                  <c:v>2.9609999999999999</c:v>
+                </c:pt>
+                <c:pt idx="246">
+                  <c:v>2.9620000000000002</c:v>
+                </c:pt>
+                <c:pt idx="247">
+                  <c:v>2.9620000000000002</c:v>
+                </c:pt>
+                <c:pt idx="248">
+                  <c:v>2.9620000000000002</c:v>
+                </c:pt>
+                <c:pt idx="249">
+                  <c:v>2.9620000000000002</c:v>
+                </c:pt>
+                <c:pt idx="250">
+                  <c:v>2.9630000000000001</c:v>
+                </c:pt>
+                <c:pt idx="251">
+                  <c:v>2.9630000000000001</c:v>
+                </c:pt>
+                <c:pt idx="252">
+                  <c:v>2.9630000000000001</c:v>
+                </c:pt>
+                <c:pt idx="253">
+                  <c:v>2.964</c:v>
+                </c:pt>
+                <c:pt idx="254">
+                  <c:v>2.964</c:v>
+                </c:pt>
+                <c:pt idx="255">
+                  <c:v>2.964</c:v>
+                </c:pt>
+                <c:pt idx="256">
+                  <c:v>2.9649999999999999</c:v>
+                </c:pt>
+                <c:pt idx="257">
+                  <c:v>2.9649999999999999</c:v>
+                </c:pt>
+                <c:pt idx="258">
+                  <c:v>2.9649999999999999</c:v>
+                </c:pt>
+                <c:pt idx="259">
+                  <c:v>2.9660000000000002</c:v>
+                </c:pt>
+                <c:pt idx="260">
+                  <c:v>2.9660000000000002</c:v>
+                </c:pt>
+                <c:pt idx="261">
+                  <c:v>2.9660000000000002</c:v>
+                </c:pt>
+                <c:pt idx="262">
+                  <c:v>2.9660000000000002</c:v>
+                </c:pt>
+                <c:pt idx="263">
+                  <c:v>2.9670000000000001</c:v>
+                </c:pt>
+                <c:pt idx="264">
+                  <c:v>2.9670000000000001</c:v>
+                </c:pt>
+                <c:pt idx="265">
+                  <c:v>2.9670000000000001</c:v>
+                </c:pt>
+                <c:pt idx="266">
+                  <c:v>2.968</c:v>
+                </c:pt>
+                <c:pt idx="267">
+                  <c:v>2.968</c:v>
+                </c:pt>
+                <c:pt idx="268">
+                  <c:v>2.968</c:v>
+                </c:pt>
+                <c:pt idx="269">
+                  <c:v>2.9689999999999999</c:v>
+                </c:pt>
+                <c:pt idx="270">
+                  <c:v>2.9689999999999999</c:v>
+                </c:pt>
+                <c:pt idx="271">
+                  <c:v>2.9689999999999999</c:v>
+                </c:pt>
+                <c:pt idx="272">
+                  <c:v>2.97</c:v>
+                </c:pt>
+                <c:pt idx="273">
+                  <c:v>2.97</c:v>
+                </c:pt>
+                <c:pt idx="274">
+                  <c:v>2.9710000000000001</c:v>
+                </c:pt>
+                <c:pt idx="275">
+                  <c:v>2.9710000000000001</c:v>
+                </c:pt>
+                <c:pt idx="276">
+                  <c:v>2.9710000000000001</c:v>
+                </c:pt>
+                <c:pt idx="277">
+                  <c:v>2.9740000000000002</c:v>
+                </c:pt>
+                <c:pt idx="278">
+                  <c:v>2.9740000000000002</c:v>
+                </c:pt>
+                <c:pt idx="279">
+                  <c:v>2.9750000000000001</c:v>
+                </c:pt>
+                <c:pt idx="280">
+                  <c:v>2.9750000000000001</c:v>
+                </c:pt>
+                <c:pt idx="281">
+                  <c:v>2.976</c:v>
+                </c:pt>
+                <c:pt idx="282">
+                  <c:v>2.976</c:v>
+                </c:pt>
+                <c:pt idx="283">
+                  <c:v>2.9769999999999999</c:v>
+                </c:pt>
+                <c:pt idx="284">
+                  <c:v>2.9769999999999999</c:v>
+                </c:pt>
+                <c:pt idx="285">
+                  <c:v>2.9780000000000002</c:v>
+                </c:pt>
+                <c:pt idx="286">
+                  <c:v>2.9780000000000002</c:v>
+                </c:pt>
+                <c:pt idx="287">
+                  <c:v>2.9780000000000002</c:v>
+                </c:pt>
+                <c:pt idx="288">
+                  <c:v>2.98</c:v>
+                </c:pt>
+                <c:pt idx="289">
+                  <c:v>2.98</c:v>
+                </c:pt>
+                <c:pt idx="290">
+                  <c:v>2.9809999999999999</c:v>
+                </c:pt>
+                <c:pt idx="291">
+                  <c:v>2.9809999999999999</c:v>
+                </c:pt>
+                <c:pt idx="292">
+                  <c:v>2.9820000000000002</c:v>
+                </c:pt>
+                <c:pt idx="293">
+                  <c:v>2.9820000000000002</c:v>
+                </c:pt>
+                <c:pt idx="294">
+                  <c:v>2.9830000000000001</c:v>
+                </c:pt>
+                <c:pt idx="295">
+                  <c:v>2.9830000000000001</c:v>
+                </c:pt>
+                <c:pt idx="296">
+                  <c:v>2.9830000000000001</c:v>
+                </c:pt>
+                <c:pt idx="297">
+                  <c:v>2.9830000000000001</c:v>
+                </c:pt>
+                <c:pt idx="298">
+                  <c:v>2.9830000000000001</c:v>
+                </c:pt>
+                <c:pt idx="299">
+                  <c:v>2.9830000000000001</c:v>
+                </c:pt>
+                <c:pt idx="300">
+                  <c:v>2.9830000000000001</c:v>
+                </c:pt>
+                <c:pt idx="301">
+                  <c:v>2.988</c:v>
+                </c:pt>
+                <c:pt idx="302">
+                  <c:v>2.988</c:v>
+                </c:pt>
+                <c:pt idx="303">
+                  <c:v>2.9889999999999999</c:v>
+                </c:pt>
+                <c:pt idx="304">
+                  <c:v>2.9889999999999999</c:v>
+                </c:pt>
+                <c:pt idx="305">
+                  <c:v>2.99</c:v>
+                </c:pt>
+                <c:pt idx="306">
+                  <c:v>2.99</c:v>
+                </c:pt>
+                <c:pt idx="307">
+                  <c:v>2.99</c:v>
+                </c:pt>
+                <c:pt idx="308">
+                  <c:v>2.99</c:v>
+                </c:pt>
+                <c:pt idx="309">
+                  <c:v>2.99</c:v>
+                </c:pt>
+                <c:pt idx="310">
+                  <c:v>2.99</c:v>
+                </c:pt>
+                <c:pt idx="311">
+                  <c:v>2.99</c:v>
+                </c:pt>
+                <c:pt idx="312">
+                  <c:v>2.99</c:v>
+                </c:pt>
+                <c:pt idx="313">
+                  <c:v>2.99</c:v>
+                </c:pt>
+                <c:pt idx="314">
+                  <c:v>2.9950000000000001</c:v>
+                </c:pt>
+                <c:pt idx="315">
+                  <c:v>2.9950000000000001</c:v>
+                </c:pt>
+                <c:pt idx="316">
+                  <c:v>2.9950000000000001</c:v>
+                </c:pt>
+                <c:pt idx="317">
+                  <c:v>2.9950000000000001</c:v>
+                </c:pt>
+                <c:pt idx="318">
+                  <c:v>2.9950000000000001</c:v>
+                </c:pt>
+                <c:pt idx="319">
+                  <c:v>2.9950000000000001</c:v>
+                </c:pt>
+                <c:pt idx="320">
+                  <c:v>2.9950000000000001</c:v>
+                </c:pt>
+                <c:pt idx="321">
+                  <c:v>3</c:v>
+                </c:pt>
+                <c:pt idx="322">
+                  <c:v>2.4</c:v>
+                </c:pt>
+                <c:pt idx="323">
+                  <c:v>2.4009999999999998</c:v>
+                </c:pt>
+                <c:pt idx="324">
+                  <c:v>2.4009999999999998</c:v>
+                </c:pt>
+                <c:pt idx="325">
+                  <c:v>2.4020000000000001</c:v>
+                </c:pt>
+                <c:pt idx="326">
+                  <c:v>2.4020000000000001</c:v>
+                </c:pt>
+                <c:pt idx="327">
+                  <c:v>2.4020000000000001</c:v>
+                </c:pt>
+                <c:pt idx="328">
+                  <c:v>2.4020000000000001</c:v>
+                </c:pt>
+                <c:pt idx="329">
+                  <c:v>2.403</c:v>
+                </c:pt>
+                <c:pt idx="330">
+                  <c:v>2.4039999999999999</c:v>
+                </c:pt>
+                <c:pt idx="331">
+                  <c:v>2.4039999999999999</c:v>
+                </c:pt>
+                <c:pt idx="332">
+                  <c:v>2.4039999999999999</c:v>
+                </c:pt>
+                <c:pt idx="333">
+                  <c:v>2.4039999999999999</c:v>
+                </c:pt>
+                <c:pt idx="334">
+                  <c:v>2.4039999999999999</c:v>
+                </c:pt>
+                <c:pt idx="335">
+                  <c:v>2.4039999999999999</c:v>
+                </c:pt>
+                <c:pt idx="336">
+                  <c:v>2.4039999999999999</c:v>
+                </c:pt>
+                <c:pt idx="337">
+                  <c:v>2.4039999999999999</c:v>
+                </c:pt>
+                <c:pt idx="338">
+                  <c:v>2.403</c:v>
+                </c:pt>
+                <c:pt idx="339">
+                  <c:v>2.403</c:v>
+                </c:pt>
+                <c:pt idx="340">
+                  <c:v>2.4039999999999999</c:v>
+                </c:pt>
+                <c:pt idx="341">
+                  <c:v>1.804</c:v>
+                </c:pt>
+                <c:pt idx="342">
+                  <c:v>1.804</c:v>
+                </c:pt>
+                <c:pt idx="343">
+                  <c:v>1.8049999999999999</c:v>
+                </c:pt>
+                <c:pt idx="344">
+                  <c:v>1.806</c:v>
+                </c:pt>
+                <c:pt idx="345">
+                  <c:v>1.806</c:v>
+                </c:pt>
+                <c:pt idx="346">
+                  <c:v>1.8069999999999999</c:v>
+                </c:pt>
+                <c:pt idx="347">
+                  <c:v>1.8069999999999999</c:v>
+                </c:pt>
+                <c:pt idx="348">
+                  <c:v>1.8069999999999999</c:v>
+                </c:pt>
+                <c:pt idx="349">
+                  <c:v>1.8069999999999999</c:v>
+                </c:pt>
+                <c:pt idx="350">
+                  <c:v>1.806</c:v>
+                </c:pt>
+                <c:pt idx="351">
+                  <c:v>1.806</c:v>
+                </c:pt>
+                <c:pt idx="352">
+                  <c:v>1.806</c:v>
+                </c:pt>
+                <c:pt idx="353">
+                  <c:v>1.806</c:v>
+                </c:pt>
+                <c:pt idx="354">
+                  <c:v>1.8049999999999999</c:v>
+                </c:pt>
+                <c:pt idx="355">
+                  <c:v>1.8049999999999999</c:v>
+                </c:pt>
+                <c:pt idx="356">
+                  <c:v>1.806</c:v>
+                </c:pt>
+                <c:pt idx="357">
+                  <c:v>1.806</c:v>
+                </c:pt>
+                <c:pt idx="358">
+                  <c:v>1.806</c:v>
+                </c:pt>
+                <c:pt idx="359">
+                  <c:v>1.8069999999999999</c:v>
+                </c:pt>
+                <c:pt idx="360">
+                  <c:v>1.8069999999999999</c:v>
+                </c:pt>
+                <c:pt idx="361">
+                  <c:v>1.8080000000000001</c:v>
+                </c:pt>
+                <c:pt idx="362">
+                  <c:v>1.8080000000000001</c:v>
+                </c:pt>
+                <c:pt idx="363">
+                  <c:v>1.8080000000000001</c:v>
+                </c:pt>
+                <c:pt idx="364">
+                  <c:v>1.8089999999999999</c:v>
+                </c:pt>
+                <c:pt idx="365">
+                  <c:v>1.8089999999999999</c:v>
+                </c:pt>
+                <c:pt idx="366">
+                  <c:v>1.81</c:v>
+                </c:pt>
+                <c:pt idx="367">
+                  <c:v>1.81</c:v>
+                </c:pt>
+                <c:pt idx="368">
+                  <c:v>1.81</c:v>
+                </c:pt>
+                <c:pt idx="369">
+                  <c:v>1.8109999999999999</c:v>
+                </c:pt>
+                <c:pt idx="370">
+                  <c:v>1.8120000000000001</c:v>
+                </c:pt>
+                <c:pt idx="371">
+                  <c:v>1.8120000000000001</c:v>
+                </c:pt>
+                <c:pt idx="372">
+                  <c:v>1.8120000000000001</c:v>
+                </c:pt>
+                <c:pt idx="373">
+                  <c:v>1.8129999999999999</c:v>
+                </c:pt>
+                <c:pt idx="374">
+                  <c:v>1.8129999999999999</c:v>
+                </c:pt>
+                <c:pt idx="375">
+                  <c:v>1.8140000000000001</c:v>
+                </c:pt>
+                <c:pt idx="376">
+                  <c:v>1.8140000000000001</c:v>
+                </c:pt>
+                <c:pt idx="377">
+                  <c:v>1.8140000000000001</c:v>
+                </c:pt>
+                <c:pt idx="378">
+                  <c:v>1.8149999999999999</c:v>
+                </c:pt>
+                <c:pt idx="379">
+                  <c:v>1.8149999999999999</c:v>
+                </c:pt>
+                <c:pt idx="380">
+                  <c:v>1.8160000000000001</c:v>
+                </c:pt>
+                <c:pt idx="381">
+                  <c:v>1.8160000000000001</c:v>
+                </c:pt>
+                <c:pt idx="382">
+                  <c:v>1.8160000000000001</c:v>
+                </c:pt>
+                <c:pt idx="383">
+                  <c:v>1.8169999999999999</c:v>
+                </c:pt>
+                <c:pt idx="384">
+                  <c:v>1.8169999999999999</c:v>
+                </c:pt>
+                <c:pt idx="385">
+                  <c:v>1.8180000000000001</c:v>
+                </c:pt>
+                <c:pt idx="386">
+                  <c:v>1.8180000000000001</c:v>
+                </c:pt>
+                <c:pt idx="387">
+                  <c:v>1.8180000000000001</c:v>
+                </c:pt>
+                <c:pt idx="388">
+                  <c:v>1.819</c:v>
+                </c:pt>
+                <c:pt idx="389">
+                  <c:v>1.82</c:v>
+                </c:pt>
+                <c:pt idx="390">
+                  <c:v>1.82</c:v>
+                </c:pt>
+                <c:pt idx="391">
+                  <c:v>1.82</c:v>
+                </c:pt>
+                <c:pt idx="392">
+                  <c:v>1.82</c:v>
+                </c:pt>
+                <c:pt idx="393">
+                  <c:v>1.82</c:v>
+                </c:pt>
+                <c:pt idx="394">
+                  <c:v>1.821</c:v>
+                </c:pt>
+                <c:pt idx="395">
+                  <c:v>1.821</c:v>
+                </c:pt>
+                <c:pt idx="396">
+                  <c:v>1.821</c:v>
+                </c:pt>
+                <c:pt idx="397">
+                  <c:v>1.821</c:v>
+                </c:pt>
+                <c:pt idx="398">
+                  <c:v>1.8220000000000001</c:v>
+                </c:pt>
+                <c:pt idx="399">
+                  <c:v>1.8220000000000001</c:v>
+                </c:pt>
+                <c:pt idx="400">
+                  <c:v>1.8220000000000001</c:v>
+                </c:pt>
+                <c:pt idx="401">
+                  <c:v>1.8220000000000001</c:v>
+                </c:pt>
+                <c:pt idx="402">
+                  <c:v>1.823</c:v>
+                </c:pt>
+                <c:pt idx="403">
+                  <c:v>1.823</c:v>
+                </c:pt>
+                <c:pt idx="404">
+                  <c:v>1.823</c:v>
+                </c:pt>
+                <c:pt idx="405">
+                  <c:v>1.823</c:v>
+                </c:pt>
+                <c:pt idx="406">
+                  <c:v>1.823</c:v>
+                </c:pt>
+                <c:pt idx="407">
+                  <c:v>1.823</c:v>
+                </c:pt>
+                <c:pt idx="408">
+                  <c:v>1.823</c:v>
+                </c:pt>
+                <c:pt idx="409">
+                  <c:v>1.823</c:v>
+                </c:pt>
+                <c:pt idx="410">
+                  <c:v>1.823</c:v>
+                </c:pt>
+                <c:pt idx="411">
+                  <c:v>1.8240000000000001</c:v>
+                </c:pt>
+                <c:pt idx="412">
+                  <c:v>1.8240000000000001</c:v>
+                </c:pt>
+                <c:pt idx="413">
+                  <c:v>1.8240000000000001</c:v>
+                </c:pt>
+                <c:pt idx="414">
+                  <c:v>1.8240000000000001</c:v>
+                </c:pt>
+                <c:pt idx="415">
+                  <c:v>1.825</c:v>
+                </c:pt>
+                <c:pt idx="416">
+                  <c:v>1.825</c:v>
+                </c:pt>
+                <c:pt idx="417">
+                  <c:v>1.825</c:v>
+                </c:pt>
+                <c:pt idx="418">
+                  <c:v>1.825</c:v>
+                </c:pt>
+                <c:pt idx="419">
+                  <c:v>1.825</c:v>
+                </c:pt>
+                <c:pt idx="420">
+                  <c:v>1.825</c:v>
+                </c:pt>
+                <c:pt idx="421">
+                  <c:v>1.825</c:v>
+                </c:pt>
+                <c:pt idx="422">
+                  <c:v>1.825</c:v>
+                </c:pt>
+                <c:pt idx="423">
+                  <c:v>1.8260000000000001</c:v>
+                </c:pt>
+                <c:pt idx="424">
+                  <c:v>1.8260000000000001</c:v>
+                </c:pt>
+                <c:pt idx="425">
+                  <c:v>1.8260000000000001</c:v>
+                </c:pt>
+                <c:pt idx="426">
+                  <c:v>1.8260000000000001</c:v>
+                </c:pt>
+                <c:pt idx="427">
+                  <c:v>1.827</c:v>
+                </c:pt>
+                <c:pt idx="428">
+                  <c:v>1.827</c:v>
+                </c:pt>
+                <c:pt idx="429">
+                  <c:v>1.827</c:v>
+                </c:pt>
+                <c:pt idx="430">
+                  <c:v>1.827</c:v>
+                </c:pt>
+                <c:pt idx="431">
+                  <c:v>1.827</c:v>
+                </c:pt>
+                <c:pt idx="432">
+                  <c:v>1.827</c:v>
+                </c:pt>
+                <c:pt idx="433">
+                  <c:v>1.8280000000000001</c:v>
+                </c:pt>
+                <c:pt idx="434">
+                  <c:v>1.8280000000000001</c:v>
+                </c:pt>
+                <c:pt idx="435">
+                  <c:v>1.8280000000000001</c:v>
+                </c:pt>
+                <c:pt idx="436">
+                  <c:v>1.829</c:v>
+                </c:pt>
+                <c:pt idx="437">
+                  <c:v>1.829</c:v>
+                </c:pt>
+                <c:pt idx="438">
+                  <c:v>1.829</c:v>
+                </c:pt>
+                <c:pt idx="439">
+                  <c:v>1.829</c:v>
+                </c:pt>
+                <c:pt idx="440">
+                  <c:v>1.829</c:v>
+                </c:pt>
+                <c:pt idx="441">
+                  <c:v>1.829</c:v>
+                </c:pt>
+                <c:pt idx="442">
+                  <c:v>1.829</c:v>
+                </c:pt>
+                <c:pt idx="443">
+                  <c:v>1.829</c:v>
+                </c:pt>
+                <c:pt idx="444">
+                  <c:v>1.83</c:v>
+                </c:pt>
+                <c:pt idx="445">
+                  <c:v>1.83</c:v>
+                </c:pt>
+                <c:pt idx="446">
+                  <c:v>1.83</c:v>
+                </c:pt>
+                <c:pt idx="447">
+                  <c:v>1.83</c:v>
+                </c:pt>
+                <c:pt idx="448">
+                  <c:v>1.83</c:v>
+                </c:pt>
+                <c:pt idx="449">
+                  <c:v>1.83</c:v>
+                </c:pt>
+                <c:pt idx="450">
+                  <c:v>1.83</c:v>
+                </c:pt>
+                <c:pt idx="451">
+                  <c:v>1.83</c:v>
+                </c:pt>
+                <c:pt idx="452">
+                  <c:v>1.83</c:v>
+                </c:pt>
+                <c:pt idx="453">
+                  <c:v>1.83</c:v>
+                </c:pt>
+                <c:pt idx="454">
+                  <c:v>1.829</c:v>
+                </c:pt>
+                <c:pt idx="455">
+                  <c:v>1.829</c:v>
+                </c:pt>
+                <c:pt idx="456">
+                  <c:v>1.2190000000000001</c:v>
+                </c:pt>
+                <c:pt idx="457">
+                  <c:v>1.2190000000000001</c:v>
+                </c:pt>
+                <c:pt idx="458">
+                  <c:v>1.2190000000000001</c:v>
+                </c:pt>
+                <c:pt idx="459">
+                  <c:v>1.2190000000000001</c:v>
+                </c:pt>
+                <c:pt idx="460">
+                  <c:v>1.2190000000000001</c:v>
+                </c:pt>
+                <c:pt idx="461">
+                  <c:v>1.218</c:v>
+                </c:pt>
+                <c:pt idx="462">
+                  <c:v>1.218</c:v>
+                </c:pt>
+                <c:pt idx="463">
+                  <c:v>0.60899999999999999</c:v>
+                </c:pt>
+                <c:pt idx="464">
+                  <c:v>0.60799999999999998</c:v>
+                </c:pt>
+                <c:pt idx="465">
+                  <c:v>0.60799999999999998</c:v>
+                </c:pt>
+                <c:pt idx="466">
+                  <c:v>0.60799999999999998</c:v>
+                </c:pt>
+                <c:pt idx="467">
+                  <c:v>0.60799999999999998</c:v>
+                </c:pt>
+                <c:pt idx="468">
+                  <c:v>0.60799999999999998</c:v>
+                </c:pt>
+                <c:pt idx="469">
+                  <c:v>0.60799999999999998</c:v>
+                </c:pt>
+                <c:pt idx="470">
+                  <c:v>0.60799999999999998</c:v>
+                </c:pt>
+                <c:pt idx="471">
+                  <c:v>0.60799999999999998</c:v>
+                </c:pt>
+                <c:pt idx="472">
+                  <c:v>0.60799999999999998</c:v>
+                </c:pt>
+                <c:pt idx="473">
+                  <c:v>0.60799999999999998</c:v>
+                </c:pt>
+                <c:pt idx="474">
+                  <c:v>0.60799999999999998</c:v>
+                </c:pt>
+                <c:pt idx="475">
+                  <c:v>0.60799999999999998</c:v>
+                </c:pt>
+                <c:pt idx="476">
+                  <c:v>0.60799999999999998</c:v>
+                </c:pt>
+                <c:pt idx="477">
+                  <c:v>0.60799999999999998</c:v>
+                </c:pt>
+                <c:pt idx="478">
+                  <c:v>0.60799999999999998</c:v>
+                </c:pt>
+                <c:pt idx="479">
+                  <c:v>0.60799999999999998</c:v>
+                </c:pt>
+                <c:pt idx="480">
+                  <c:v>0.60799999999999998</c:v>
+                </c:pt>
+                <c:pt idx="481">
+                  <c:v>0.60799999999999998</c:v>
+                </c:pt>
+                <c:pt idx="482">
+                  <c:v>0.60799999999999998</c:v>
+                </c:pt>
+                <c:pt idx="483">
+                  <c:v>0.60799999999999998</c:v>
+                </c:pt>
+                <c:pt idx="484">
+                  <c:v>0.60799999999999998</c:v>
+                </c:pt>
+                <c:pt idx="485">
+                  <c:v>0.60799999999999998</c:v>
+                </c:pt>
+                <c:pt idx="486">
+                  <c:v>0.60799999999999998</c:v>
+                </c:pt>
+                <c:pt idx="487">
+                  <c:v>0.60799999999999998</c:v>
+                </c:pt>
+                <c:pt idx="488">
+                  <c:v>0.60799999999999998</c:v>
+                </c:pt>
+                <c:pt idx="489">
+                  <c:v>0.60799999999999998</c:v>
+                </c:pt>
+                <c:pt idx="490">
+                  <c:v>0.60899999999999999</c:v>
+                </c:pt>
+                <c:pt idx="491">
+                  <c:v>0.60899999999999999</c:v>
+                </c:pt>
+                <c:pt idx="492">
+                  <c:v>0.60899999999999999</c:v>
+                </c:pt>
+                <c:pt idx="493">
+                  <c:v>0.60899999999999999</c:v>
+                </c:pt>
+                <c:pt idx="494">
+                  <c:v>0.60899999999999999</c:v>
+                </c:pt>
+                <c:pt idx="495">
+                  <c:v>0.60899999999999999</c:v>
+                </c:pt>
+                <c:pt idx="496">
+                  <c:v>0.60899999999999999</c:v>
+                </c:pt>
+                <c:pt idx="497">
+                  <c:v>0.60899999999999999</c:v>
+                </c:pt>
+                <c:pt idx="498">
+                  <c:v>0.60899999999999999</c:v>
+                </c:pt>
+                <c:pt idx="499">
+                  <c:v>0.60899999999999999</c:v>
+                </c:pt>
+                <c:pt idx="500">
+                  <c:v>0.60899999999999999</c:v>
+                </c:pt>
+                <c:pt idx="501">
+                  <c:v>0.60899999999999999</c:v>
+                </c:pt>
+                <c:pt idx="502">
+                  <c:v>0.60899999999999999</c:v>
+                </c:pt>
+                <c:pt idx="503">
+                  <c:v>0.60899999999999999</c:v>
+                </c:pt>
+                <c:pt idx="504">
+                  <c:v>0.60899999999999999</c:v>
+                </c:pt>
+                <c:pt idx="505">
+                  <c:v>0.60899999999999999</c:v>
+                </c:pt>
+                <c:pt idx="506">
+                  <c:v>0.60899999999999999</c:v>
+                </c:pt>
+              </c:numCache>
+            </c:numRef>
+          </c:xVal>
+          <c:yVal>
+            <c:numRef>
+              <c:f>Sheet1!$AQ$3:$AQ$509</c:f>
+              <c:numCache>
+                <c:formatCode>General</c:formatCode>
+                <c:ptCount val="507"/>
+                <c:pt idx="0">
+                  <c:v>5.46</c:v>
+                </c:pt>
+                <c:pt idx="1">
+                  <c:v>10</c:v>
+                </c:pt>
+                <c:pt idx="2">
+                  <c:v>20</c:v>
+                </c:pt>
+                <c:pt idx="3">
+                  <c:v>30</c:v>
+                </c:pt>
+                <c:pt idx="4">
+                  <c:v>40</c:v>
+                </c:pt>
+                <c:pt idx="5">
+                  <c:v>50</c:v>
+                </c:pt>
+                <c:pt idx="6">
+                  <c:v>60</c:v>
+                </c:pt>
+                <c:pt idx="7">
+                  <c:v>70</c:v>
+                </c:pt>
+                <c:pt idx="8">
+                  <c:v>80</c:v>
+                </c:pt>
+                <c:pt idx="9">
+                  <c:v>90</c:v>
+                </c:pt>
+                <c:pt idx="10">
+                  <c:v>100</c:v>
+                </c:pt>
+                <c:pt idx="11">
+                  <c:v>110</c:v>
+                </c:pt>
+                <c:pt idx="12">
+                  <c:v>120</c:v>
+                </c:pt>
+                <c:pt idx="13">
+                  <c:v>130</c:v>
+                </c:pt>
+                <c:pt idx="14">
+                  <c:v>140</c:v>
+                </c:pt>
+                <c:pt idx="15">
+                  <c:v>150</c:v>
+                </c:pt>
+                <c:pt idx="16">
+                  <c:v>160</c:v>
+                </c:pt>
+                <c:pt idx="17">
+                  <c:v>170</c:v>
+                </c:pt>
+                <c:pt idx="18">
+                  <c:v>180</c:v>
+                </c:pt>
+                <c:pt idx="19">
+                  <c:v>190</c:v>
+                </c:pt>
+                <c:pt idx="20">
+                  <c:v>200</c:v>
+                </c:pt>
+                <c:pt idx="21">
+                  <c:v>210</c:v>
+                </c:pt>
+                <c:pt idx="22">
+                  <c:v>220</c:v>
+                </c:pt>
+                <c:pt idx="23">
+                  <c:v>230</c:v>
+                </c:pt>
+                <c:pt idx="24">
+                  <c:v>240</c:v>
+                </c:pt>
+                <c:pt idx="25">
+                  <c:v>250</c:v>
+                </c:pt>
+                <c:pt idx="26">
+                  <c:v>259.89999999999998</c:v>
+                </c:pt>
+                <c:pt idx="27">
+                  <c:v>260</c:v>
+                </c:pt>
+                <c:pt idx="28">
+                  <c:v>266.3</c:v>
+                </c:pt>
+                <c:pt idx="29">
+                  <c:v>270</c:v>
+                </c:pt>
+                <c:pt idx="30">
+                  <c:v>272.7</c:v>
+                </c:pt>
+                <c:pt idx="31">
+                  <c:v>279</c:v>
+                </c:pt>
+                <c:pt idx="32">
+                  <c:v>280</c:v>
+                </c:pt>
+                <c:pt idx="33">
+                  <c:v>285.39999999999998</c:v>
+                </c:pt>
+                <c:pt idx="34">
+                  <c:v>291.8</c:v>
+                </c:pt>
+                <c:pt idx="35">
+                  <c:v>298.2</c:v>
+                </c:pt>
+                <c:pt idx="36">
+                  <c:v>304.5</c:v>
+                </c:pt>
+                <c:pt idx="37">
+                  <c:v>310.89999999999998</c:v>
+                </c:pt>
+                <c:pt idx="38">
+                  <c:v>317.3</c:v>
+                </c:pt>
+                <c:pt idx="39">
+                  <c:v>323.60000000000002</c:v>
+                </c:pt>
+                <c:pt idx="40">
+                  <c:v>330</c:v>
+                </c:pt>
+                <c:pt idx="41">
+                  <c:v>336.4</c:v>
+                </c:pt>
+                <c:pt idx="42">
+                  <c:v>342.8</c:v>
+                </c:pt>
+                <c:pt idx="43">
+                  <c:v>349.2</c:v>
+                </c:pt>
+                <c:pt idx="44">
+                  <c:v>355.7</c:v>
+                </c:pt>
+                <c:pt idx="45">
+                  <c:v>362.3</c:v>
+                </c:pt>
+                <c:pt idx="46">
+                  <c:v>368.8</c:v>
+                </c:pt>
+                <c:pt idx="47">
+                  <c:v>375.3</c:v>
+                </c:pt>
+                <c:pt idx="48">
+                  <c:v>381.9</c:v>
+                </c:pt>
+                <c:pt idx="49">
+                  <c:v>388.4</c:v>
+                </c:pt>
+                <c:pt idx="50">
+                  <c:v>394.9</c:v>
+                </c:pt>
+                <c:pt idx="51">
+                  <c:v>401.5</c:v>
+                </c:pt>
+                <c:pt idx="52">
+                  <c:v>408</c:v>
+                </c:pt>
+                <c:pt idx="53">
+                  <c:v>414.5</c:v>
+                </c:pt>
+                <c:pt idx="54">
+                  <c:v>421.1</c:v>
+                </c:pt>
+                <c:pt idx="55">
+                  <c:v>427.6</c:v>
+                </c:pt>
+                <c:pt idx="56">
+                  <c:v>432.7</c:v>
+                </c:pt>
+                <c:pt idx="57">
+                  <c:v>437.2</c:v>
+                </c:pt>
+                <c:pt idx="58">
+                  <c:v>441.8</c:v>
+                </c:pt>
+                <c:pt idx="59">
+                  <c:v>446.3</c:v>
+                </c:pt>
+                <c:pt idx="60">
+                  <c:v>450.9</c:v>
+                </c:pt>
+                <c:pt idx="61">
+                  <c:v>455.4</c:v>
+                </c:pt>
+                <c:pt idx="62">
+                  <c:v>460</c:v>
+                </c:pt>
+                <c:pt idx="63">
+                  <c:v>464.5</c:v>
+                </c:pt>
+                <c:pt idx="64">
+                  <c:v>469.1</c:v>
+                </c:pt>
+                <c:pt idx="65">
+                  <c:v>473.6</c:v>
+                </c:pt>
+                <c:pt idx="66">
+                  <c:v>478.2</c:v>
+                </c:pt>
+                <c:pt idx="67">
+                  <c:v>482.7</c:v>
+                </c:pt>
+                <c:pt idx="68">
+                  <c:v>487.3</c:v>
+                </c:pt>
+                <c:pt idx="69">
+                  <c:v>491.6</c:v>
+                </c:pt>
+                <c:pt idx="70">
+                  <c:v>495.8</c:v>
+                </c:pt>
+                <c:pt idx="71">
+                  <c:v>499.9</c:v>
+                </c:pt>
+                <c:pt idx="72">
+                  <c:v>504.1</c:v>
+                </c:pt>
+                <c:pt idx="73">
+                  <c:v>508.2</c:v>
+                </c:pt>
+                <c:pt idx="74">
+                  <c:v>512.4</c:v>
+                </c:pt>
+                <c:pt idx="75">
+                  <c:v>516.5</c:v>
+                </c:pt>
+                <c:pt idx="76">
+                  <c:v>520.70000000000005</c:v>
+                </c:pt>
+                <c:pt idx="77">
+                  <c:v>524.79999999999995</c:v>
+                </c:pt>
+                <c:pt idx="78">
+                  <c:v>529</c:v>
+                </c:pt>
+                <c:pt idx="79">
+                  <c:v>533.1</c:v>
+                </c:pt>
+                <c:pt idx="80">
+                  <c:v>537.20000000000005</c:v>
+                </c:pt>
+                <c:pt idx="81">
+                  <c:v>541.4</c:v>
+                </c:pt>
+                <c:pt idx="82">
+                  <c:v>545.4</c:v>
+                </c:pt>
+                <c:pt idx="83">
+                  <c:v>549.20000000000005</c:v>
+                </c:pt>
+                <c:pt idx="84">
+                  <c:v>553</c:v>
+                </c:pt>
+                <c:pt idx="85">
+                  <c:v>556.70000000000005</c:v>
+                </c:pt>
+                <c:pt idx="86">
+                  <c:v>560.5</c:v>
+                </c:pt>
+                <c:pt idx="87">
+                  <c:v>564.29999999999995</c:v>
+                </c:pt>
+                <c:pt idx="88">
+                  <c:v>568.1</c:v>
+                </c:pt>
+                <c:pt idx="89">
+                  <c:v>571.9</c:v>
+                </c:pt>
+                <c:pt idx="90">
+                  <c:v>575.6</c:v>
+                </c:pt>
+                <c:pt idx="91">
+                  <c:v>579.4</c:v>
+                </c:pt>
+                <c:pt idx="92">
+                  <c:v>583.20000000000005</c:v>
+                </c:pt>
+                <c:pt idx="93">
+                  <c:v>587</c:v>
+                </c:pt>
+                <c:pt idx="94">
+                  <c:v>590.79999999999995</c:v>
+                </c:pt>
+                <c:pt idx="95">
+                  <c:v>594.5</c:v>
+                </c:pt>
+                <c:pt idx="96">
+                  <c:v>598.20000000000005</c:v>
+                </c:pt>
+                <c:pt idx="97">
+                  <c:v>601.79999999999995</c:v>
+                </c:pt>
+                <c:pt idx="98">
+                  <c:v>605.5</c:v>
+                </c:pt>
+                <c:pt idx="99">
+                  <c:v>609.20000000000005</c:v>
+                </c:pt>
+                <c:pt idx="100">
+                  <c:v>612.79999999999995</c:v>
+                </c:pt>
+                <c:pt idx="101">
+                  <c:v>616.5</c:v>
+                </c:pt>
+                <c:pt idx="102">
+                  <c:v>620.20000000000005</c:v>
+                </c:pt>
+                <c:pt idx="103">
+                  <c:v>623.79999999999995</c:v>
+                </c:pt>
+                <c:pt idx="104">
+                  <c:v>627.5</c:v>
+                </c:pt>
+                <c:pt idx="105">
+                  <c:v>631.20000000000005</c:v>
+                </c:pt>
+                <c:pt idx="106">
+                  <c:v>634.79999999999995</c:v>
+                </c:pt>
+                <c:pt idx="107">
+                  <c:v>638.5</c:v>
+                </c:pt>
+                <c:pt idx="108">
+                  <c:v>642.6</c:v>
+                </c:pt>
+                <c:pt idx="109">
+                  <c:v>646.79999999999995</c:v>
+                </c:pt>
+                <c:pt idx="110">
+                  <c:v>650.9</c:v>
+                </c:pt>
+                <c:pt idx="111">
+                  <c:v>655.1</c:v>
+                </c:pt>
+                <c:pt idx="112">
+                  <c:v>659.2</c:v>
+                </c:pt>
+                <c:pt idx="113">
+                  <c:v>663.4</c:v>
+                </c:pt>
+                <c:pt idx="114">
+                  <c:v>667.5</c:v>
+                </c:pt>
+                <c:pt idx="115">
+                  <c:v>671.6</c:v>
+                </c:pt>
+                <c:pt idx="116">
+                  <c:v>675.8</c:v>
+                </c:pt>
+                <c:pt idx="117">
+                  <c:v>679.9</c:v>
+                </c:pt>
+                <c:pt idx="118">
+                  <c:v>684.1</c:v>
+                </c:pt>
+                <c:pt idx="119">
+                  <c:v>688.2</c:v>
+                </c:pt>
+                <c:pt idx="120">
+                  <c:v>692.1</c:v>
+                </c:pt>
+                <c:pt idx="121">
+                  <c:v>695.9</c:v>
+                </c:pt>
+                <c:pt idx="122">
+                  <c:v>699.7</c:v>
+                </c:pt>
+                <c:pt idx="123">
+                  <c:v>703.5</c:v>
+                </c:pt>
+                <c:pt idx="124">
+                  <c:v>707.3</c:v>
+                </c:pt>
+                <c:pt idx="125">
+                  <c:v>711.1</c:v>
+                </c:pt>
+                <c:pt idx="126">
+                  <c:v>714.9</c:v>
+                </c:pt>
+                <c:pt idx="127">
+                  <c:v>718.7</c:v>
+                </c:pt>
+                <c:pt idx="128">
+                  <c:v>722.5</c:v>
+                </c:pt>
+                <c:pt idx="129">
+                  <c:v>726.3</c:v>
+                </c:pt>
+                <c:pt idx="130">
+                  <c:v>730.1</c:v>
+                </c:pt>
+                <c:pt idx="131">
+                  <c:v>733.9</c:v>
+                </c:pt>
+                <c:pt idx="132">
+                  <c:v>737.7</c:v>
+                </c:pt>
+                <c:pt idx="133">
+                  <c:v>741.4</c:v>
+                </c:pt>
+                <c:pt idx="134">
+                  <c:v>744.8</c:v>
+                </c:pt>
+                <c:pt idx="135">
+                  <c:v>748.2</c:v>
+                </c:pt>
+                <c:pt idx="136">
+                  <c:v>751.6</c:v>
+                </c:pt>
+                <c:pt idx="137">
+                  <c:v>755.1</c:v>
+                </c:pt>
+                <c:pt idx="138">
+                  <c:v>758.5</c:v>
+                </c:pt>
+                <c:pt idx="139">
+                  <c:v>761.9</c:v>
+                </c:pt>
+                <c:pt idx="140">
+                  <c:v>765.3</c:v>
+                </c:pt>
+                <c:pt idx="141">
+                  <c:v>768.8</c:v>
+                </c:pt>
+                <c:pt idx="142">
+                  <c:v>772.2</c:v>
+                </c:pt>
+                <c:pt idx="143">
+                  <c:v>775.6</c:v>
+                </c:pt>
+                <c:pt idx="144">
+                  <c:v>779.1</c:v>
+                </c:pt>
+                <c:pt idx="145">
+                  <c:v>782.5</c:v>
+                </c:pt>
+                <c:pt idx="146">
+                  <c:v>786</c:v>
+                </c:pt>
+                <c:pt idx="147">
+                  <c:v>789.7</c:v>
+                </c:pt>
+                <c:pt idx="148">
+                  <c:v>793.5</c:v>
+                </c:pt>
+                <c:pt idx="149">
+                  <c:v>797.2</c:v>
+                </c:pt>
+                <c:pt idx="150">
+                  <c:v>800.9</c:v>
+                </c:pt>
+                <c:pt idx="151">
+                  <c:v>804.6</c:v>
+                </c:pt>
+                <c:pt idx="152">
+                  <c:v>808.3</c:v>
+                </c:pt>
+                <c:pt idx="153">
+                  <c:v>812</c:v>
+                </c:pt>
+                <c:pt idx="154">
+                  <c:v>815.7</c:v>
+                </c:pt>
+                <c:pt idx="155">
+                  <c:v>819.5</c:v>
+                </c:pt>
+                <c:pt idx="156">
+                  <c:v>823.2</c:v>
+                </c:pt>
+                <c:pt idx="157">
+                  <c:v>826.9</c:v>
+                </c:pt>
+                <c:pt idx="158">
+                  <c:v>830.6</c:v>
+                </c:pt>
+                <c:pt idx="159">
+                  <c:v>834.4</c:v>
+                </c:pt>
+                <c:pt idx="160">
+                  <c:v>838.8</c:v>
+                </c:pt>
+                <c:pt idx="161">
+                  <c:v>843.2</c:v>
+                </c:pt>
+                <c:pt idx="162">
+                  <c:v>847.6</c:v>
+                </c:pt>
+                <c:pt idx="163">
+                  <c:v>851.9</c:v>
+                </c:pt>
+                <c:pt idx="164">
+                  <c:v>856.3</c:v>
+                </c:pt>
+                <c:pt idx="165">
+                  <c:v>860.7</c:v>
+                </c:pt>
+                <c:pt idx="166">
+                  <c:v>865.1</c:v>
+                </c:pt>
+                <c:pt idx="167">
+                  <c:v>869.5</c:v>
+                </c:pt>
+                <c:pt idx="168">
+                  <c:v>873.9</c:v>
+                </c:pt>
+                <c:pt idx="169">
+                  <c:v>878.2</c:v>
+                </c:pt>
+                <c:pt idx="170">
+                  <c:v>882.6</c:v>
+                </c:pt>
+                <c:pt idx="171">
+                  <c:v>887</c:v>
+                </c:pt>
+                <c:pt idx="172">
+                  <c:v>891.1</c:v>
+                </c:pt>
+                <c:pt idx="173">
+                  <c:v>894.8</c:v>
+                </c:pt>
+                <c:pt idx="174">
+                  <c:v>898.6</c:v>
+                </c:pt>
+                <c:pt idx="175">
+                  <c:v>902.3</c:v>
+                </c:pt>
+                <c:pt idx="176">
+                  <c:v>906</c:v>
+                </c:pt>
+                <c:pt idx="177">
+                  <c:v>909.8</c:v>
+                </c:pt>
+                <c:pt idx="178">
+                  <c:v>913.5</c:v>
+                </c:pt>
+                <c:pt idx="179">
+                  <c:v>917.2</c:v>
+                </c:pt>
+                <c:pt idx="180">
+                  <c:v>921</c:v>
+                </c:pt>
+                <c:pt idx="181">
+                  <c:v>924.7</c:v>
+                </c:pt>
+                <c:pt idx="182">
+                  <c:v>928.4</c:v>
+                </c:pt>
+                <c:pt idx="183">
+                  <c:v>932.1</c:v>
+                </c:pt>
+                <c:pt idx="184">
+                  <c:v>935.9</c:v>
+                </c:pt>
+                <c:pt idx="185">
+                  <c:v>939.3</c:v>
+                </c:pt>
+                <c:pt idx="186">
+                  <c:v>942.2</c:v>
+                </c:pt>
+                <c:pt idx="187">
+                  <c:v>945.1</c:v>
+                </c:pt>
+                <c:pt idx="188">
+                  <c:v>948.1</c:v>
+                </c:pt>
+                <c:pt idx="189">
+                  <c:v>951</c:v>
+                </c:pt>
+                <c:pt idx="190">
+                  <c:v>953.9</c:v>
+                </c:pt>
+                <c:pt idx="191">
+                  <c:v>956.8</c:v>
+                </c:pt>
+                <c:pt idx="192">
+                  <c:v>959.7</c:v>
+                </c:pt>
+                <c:pt idx="193">
+                  <c:v>962.7</c:v>
+                </c:pt>
+                <c:pt idx="194">
+                  <c:v>965.6</c:v>
+                </c:pt>
+                <c:pt idx="195">
+                  <c:v>968.5</c:v>
+                </c:pt>
+                <c:pt idx="196">
+                  <c:v>971.4</c:v>
+                </c:pt>
+                <c:pt idx="197">
+                  <c:v>974.1</c:v>
+                </c:pt>
+                <c:pt idx="198">
+                  <c:v>976.1</c:v>
+                </c:pt>
+                <c:pt idx="199">
+                  <c:v>978.2</c:v>
+                </c:pt>
+                <c:pt idx="200">
+                  <c:v>980.2</c:v>
+                </c:pt>
+                <c:pt idx="201">
+                  <c:v>982.2</c:v>
+                </c:pt>
+                <c:pt idx="202">
+                  <c:v>984.3</c:v>
+                </c:pt>
+                <c:pt idx="203">
+                  <c:v>986.3</c:v>
+                </c:pt>
+                <c:pt idx="204">
+                  <c:v>988.3</c:v>
+                </c:pt>
+                <c:pt idx="205">
+                  <c:v>990.4</c:v>
+                </c:pt>
+                <c:pt idx="206">
+                  <c:v>992.4</c:v>
+                </c:pt>
+                <c:pt idx="207">
+                  <c:v>994.4</c:v>
+                </c:pt>
+                <c:pt idx="208">
+                  <c:v>996.5</c:v>
+                </c:pt>
+                <c:pt idx="209">
+                  <c:v>998.5</c:v>
+                </c:pt>
+                <c:pt idx="210">
+                  <c:v>1000.6</c:v>
+                </c:pt>
+                <c:pt idx="211">
+                  <c:v>1003.1</c:v>
+                </c:pt>
+                <c:pt idx="212">
+                  <c:v>1005.7</c:v>
+                </c:pt>
+                <c:pt idx="213">
+                  <c:v>1008.2</c:v>
+                </c:pt>
+                <c:pt idx="214">
+                  <c:v>1010.8</c:v>
+                </c:pt>
+                <c:pt idx="215">
+                  <c:v>1013.4</c:v>
+                </c:pt>
+                <c:pt idx="216">
+                  <c:v>1015.9</c:v>
+                </c:pt>
+                <c:pt idx="217">
+                  <c:v>1018.5</c:v>
+                </c:pt>
+                <c:pt idx="218">
+                  <c:v>1021.1</c:v>
+                </c:pt>
+                <c:pt idx="219">
+                  <c:v>1023.6</c:v>
+                </c:pt>
+                <c:pt idx="220">
+                  <c:v>1026.2</c:v>
+                </c:pt>
+                <c:pt idx="221">
+                  <c:v>1028.7</c:v>
+                </c:pt>
+                <c:pt idx="222">
+                  <c:v>1031.3</c:v>
+                </c:pt>
+                <c:pt idx="223">
+                  <c:v>1033.9000000000001</c:v>
+                </c:pt>
+                <c:pt idx="224">
+                  <c:v>1036.9000000000001</c:v>
+                </c:pt>
+                <c:pt idx="225">
+                  <c:v>1040.0999999999999</c:v>
+                </c:pt>
+                <c:pt idx="226">
+                  <c:v>1043.4000000000001</c:v>
+                </c:pt>
+                <c:pt idx="227">
+                  <c:v>1046.7</c:v>
+                </c:pt>
+                <c:pt idx="228">
+                  <c:v>1049.9000000000001</c:v>
+                </c:pt>
+                <c:pt idx="229">
+                  <c:v>1053.2</c:v>
+                </c:pt>
+                <c:pt idx="230">
+                  <c:v>1056.4000000000001</c:v>
+                </c:pt>
+                <c:pt idx="231">
+                  <c:v>1059.7</c:v>
+                </c:pt>
+                <c:pt idx="232">
+                  <c:v>1062.9000000000001</c:v>
+                </c:pt>
+                <c:pt idx="233">
+                  <c:v>1066.2</c:v>
+                </c:pt>
+                <c:pt idx="234">
+                  <c:v>1069.4000000000001</c:v>
+                </c:pt>
+                <c:pt idx="235">
+                  <c:v>1072.7</c:v>
+                </c:pt>
+                <c:pt idx="236">
+                  <c:v>1075.9000000000001</c:v>
+                </c:pt>
+                <c:pt idx="237">
+                  <c:v>1079.2</c:v>
+                </c:pt>
+                <c:pt idx="238">
+                  <c:v>1082.5</c:v>
+                </c:pt>
+                <c:pt idx="239">
+                  <c:v>1085.8</c:v>
+                </c:pt>
+                <c:pt idx="240">
+                  <c:v>1089.0999999999999</c:v>
+                </c:pt>
+                <c:pt idx="241">
+                  <c:v>1092.5</c:v>
+                </c:pt>
+                <c:pt idx="242">
+                  <c:v>1095.8</c:v>
+                </c:pt>
+                <c:pt idx="243">
+                  <c:v>1099.0999999999999</c:v>
+                </c:pt>
+                <c:pt idx="244">
+                  <c:v>1102.4000000000001</c:v>
+                </c:pt>
+                <c:pt idx="245">
+                  <c:v>1105.7</c:v>
+                </c:pt>
+                <c:pt idx="246">
+                  <c:v>1109.0999999999999</c:v>
+                </c:pt>
+                <c:pt idx="247">
+                  <c:v>1112.4000000000001</c:v>
+                </c:pt>
+                <c:pt idx="248">
+                  <c:v>1115.7</c:v>
+                </c:pt>
+                <c:pt idx="249">
+                  <c:v>1119.3</c:v>
+                </c:pt>
+                <c:pt idx="250">
+                  <c:v>1123.2</c:v>
+                </c:pt>
+                <c:pt idx="251">
+                  <c:v>1127.2</c:v>
+                </c:pt>
+                <c:pt idx="252">
+                  <c:v>1131.0999999999999</c:v>
+                </c:pt>
+                <c:pt idx="253">
+                  <c:v>1135</c:v>
+                </c:pt>
+                <c:pt idx="254">
+                  <c:v>1138.9000000000001</c:v>
+                </c:pt>
+                <c:pt idx="255">
+                  <c:v>1142.9000000000001</c:v>
+                </c:pt>
+                <c:pt idx="256">
+                  <c:v>1146.8</c:v>
+                </c:pt>
+                <c:pt idx="257">
+                  <c:v>1150.7</c:v>
+                </c:pt>
+                <c:pt idx="258">
+                  <c:v>1154.7</c:v>
+                </c:pt>
+                <c:pt idx="259">
+                  <c:v>1158.5999999999999</c:v>
+                </c:pt>
+                <c:pt idx="260">
+                  <c:v>1162.5</c:v>
+                </c:pt>
+                <c:pt idx="261">
+                  <c:v>1166.4000000000001</c:v>
+                </c:pt>
+                <c:pt idx="262">
+                  <c:v>1170.4000000000001</c:v>
+                </c:pt>
+                <c:pt idx="263">
+                  <c:v>1173.9000000000001</c:v>
+                </c:pt>
+                <c:pt idx="264">
+                  <c:v>1177.3</c:v>
+                </c:pt>
+                <c:pt idx="265">
+                  <c:v>1180.8</c:v>
+                </c:pt>
+                <c:pt idx="266">
+                  <c:v>1184.3</c:v>
+                </c:pt>
+                <c:pt idx="267">
+                  <c:v>1187.7</c:v>
+                </c:pt>
+                <c:pt idx="268">
+                  <c:v>1191.2</c:v>
+                </c:pt>
+                <c:pt idx="269">
+                  <c:v>1194.5999999999999</c:v>
+                </c:pt>
+                <c:pt idx="270">
+                  <c:v>1198.0999999999999</c:v>
+                </c:pt>
+                <c:pt idx="271">
+                  <c:v>1201.5999999999999</c:v>
+                </c:pt>
+                <c:pt idx="272">
+                  <c:v>1205</c:v>
+                </c:pt>
+                <c:pt idx="273">
+                  <c:v>1208.5</c:v>
+                </c:pt>
+                <c:pt idx="274">
+                  <c:v>1212.2</c:v>
+                </c:pt>
+                <c:pt idx="275">
+                  <c:v>1217.7</c:v>
+                </c:pt>
+                <c:pt idx="276">
+                  <c:v>1223.0999999999999</c:v>
+                </c:pt>
+                <c:pt idx="277">
+                  <c:v>1228.5999999999999</c:v>
+                </c:pt>
+                <c:pt idx="278">
+                  <c:v>1234</c:v>
+                </c:pt>
+                <c:pt idx="279">
+                  <c:v>1239.5</c:v>
+                </c:pt>
+                <c:pt idx="280">
+                  <c:v>1244.9000000000001</c:v>
+                </c:pt>
+                <c:pt idx="281">
+                  <c:v>1250.4000000000001</c:v>
+                </c:pt>
+                <c:pt idx="282">
+                  <c:v>1255.8</c:v>
+                </c:pt>
+                <c:pt idx="283">
+                  <c:v>1261.3</c:v>
+                </c:pt>
+                <c:pt idx="284">
+                  <c:v>1266.7</c:v>
+                </c:pt>
+                <c:pt idx="285">
+                  <c:v>1272.2</c:v>
+                </c:pt>
+                <c:pt idx="286">
+                  <c:v>1277.5999999999999</c:v>
+                </c:pt>
+                <c:pt idx="287">
+                  <c:v>1283.0999999999999</c:v>
+                </c:pt>
+                <c:pt idx="288">
+                  <c:v>1288.5</c:v>
+                </c:pt>
+                <c:pt idx="289">
+                  <c:v>1294</c:v>
+                </c:pt>
+                <c:pt idx="290">
+                  <c:v>1299.4000000000001</c:v>
+                </c:pt>
+                <c:pt idx="291">
+                  <c:v>1305.4000000000001</c:v>
+                </c:pt>
+                <c:pt idx="292">
+                  <c:v>1311.7</c:v>
+                </c:pt>
+                <c:pt idx="293">
+                  <c:v>1317.9</c:v>
+                </c:pt>
+                <c:pt idx="294">
+                  <c:v>1324.1</c:v>
+                </c:pt>
+                <c:pt idx="295">
+                  <c:v>1330.3</c:v>
+                </c:pt>
+                <c:pt idx="296">
+                  <c:v>1336.5</c:v>
+                </c:pt>
+                <c:pt idx="297">
+                  <c:v>1342.7</c:v>
+                </c:pt>
+                <c:pt idx="298">
+                  <c:v>1349</c:v>
+                </c:pt>
+                <c:pt idx="299">
+                  <c:v>1355.2</c:v>
+                </c:pt>
+                <c:pt idx="300">
+                  <c:v>1361.4</c:v>
+                </c:pt>
+                <c:pt idx="301">
+                  <c:v>1367.6</c:v>
+                </c:pt>
+                <c:pt idx="302">
+                  <c:v>1373.8</c:v>
+                </c:pt>
+                <c:pt idx="303">
+                  <c:v>1380</c:v>
+                </c:pt>
+                <c:pt idx="304">
+                  <c:v>1386.2</c:v>
+                </c:pt>
+                <c:pt idx="305">
+                  <c:v>1392.5</c:v>
+                </c:pt>
+                <c:pt idx="306">
+                  <c:v>1398.7</c:v>
+                </c:pt>
+                <c:pt idx="307">
+                  <c:v>1404.9</c:v>
+                </c:pt>
+                <c:pt idx="308">
+                  <c:v>1411.2</c:v>
+                </c:pt>
+                <c:pt idx="309">
+                  <c:v>1417.5</c:v>
+                </c:pt>
+                <c:pt idx="310">
+                  <c:v>1423.9</c:v>
+                </c:pt>
+                <c:pt idx="311">
+                  <c:v>1430.3</c:v>
+                </c:pt>
+                <c:pt idx="312">
+                  <c:v>1436.6</c:v>
+                </c:pt>
+                <c:pt idx="313">
+                  <c:v>1443</c:v>
+                </c:pt>
+                <c:pt idx="314">
+                  <c:v>1449.4</c:v>
+                </c:pt>
+                <c:pt idx="315">
+                  <c:v>1455.7</c:v>
+                </c:pt>
+                <c:pt idx="316">
+                  <c:v>1462.1</c:v>
+                </c:pt>
+                <c:pt idx="317">
+                  <c:v>1468.5</c:v>
+                </c:pt>
+                <c:pt idx="318">
+                  <c:v>1474.9</c:v>
+                </c:pt>
+                <c:pt idx="319">
+                  <c:v>1481.2</c:v>
+                </c:pt>
+                <c:pt idx="320">
+                  <c:v>1488</c:v>
+                </c:pt>
+                <c:pt idx="321">
+                  <c:v>1495.2</c:v>
+                </c:pt>
+                <c:pt idx="322">
+                  <c:v>1502.5</c:v>
+                </c:pt>
+                <c:pt idx="323">
+                  <c:v>1509.8</c:v>
+                </c:pt>
+                <c:pt idx="324">
+                  <c:v>1517</c:v>
+                </c:pt>
+                <c:pt idx="325">
+                  <c:v>1524.3</c:v>
+                </c:pt>
+                <c:pt idx="326">
+                  <c:v>1531.6</c:v>
+                </c:pt>
+                <c:pt idx="327">
+                  <c:v>1538.9</c:v>
+                </c:pt>
+                <c:pt idx="328">
+                  <c:v>1546.1</c:v>
+                </c:pt>
+                <c:pt idx="329">
+                  <c:v>1553.4</c:v>
+                </c:pt>
+                <c:pt idx="330">
+                  <c:v>1560.1</c:v>
+                </c:pt>
+                <c:pt idx="331">
+                  <c:v>1566.5</c:v>
+                </c:pt>
+                <c:pt idx="332">
+                  <c:v>1572.8</c:v>
+                </c:pt>
+                <c:pt idx="333">
+                  <c:v>1579.2</c:v>
+                </c:pt>
+                <c:pt idx="334">
+                  <c:v>1585.6</c:v>
+                </c:pt>
+                <c:pt idx="335">
+                  <c:v>1591.9</c:v>
+                </c:pt>
+                <c:pt idx="336">
+                  <c:v>1598.3</c:v>
+                </c:pt>
+                <c:pt idx="337">
+                  <c:v>1604.6</c:v>
+                </c:pt>
+                <c:pt idx="338">
+                  <c:v>1611</c:v>
+                </c:pt>
+                <c:pt idx="339">
+                  <c:v>1617.3</c:v>
+                </c:pt>
+                <c:pt idx="340">
+                  <c:v>1623.7</c:v>
+                </c:pt>
+                <c:pt idx="341">
+                  <c:v>1630</c:v>
+                </c:pt>
+                <c:pt idx="342">
+                  <c:v>1636.4</c:v>
+                </c:pt>
+                <c:pt idx="343">
+                  <c:v>1642.7</c:v>
+                </c:pt>
+                <c:pt idx="344">
+                  <c:v>1649.1</c:v>
+                </c:pt>
+                <c:pt idx="345">
+                  <c:v>1654.9</c:v>
+                </c:pt>
+                <c:pt idx="346">
+                  <c:v>1660.6</c:v>
+                </c:pt>
+                <c:pt idx="347">
+                  <c:v>1666.3</c:v>
+                </c:pt>
+                <c:pt idx="348">
+                  <c:v>1672</c:v>
+                </c:pt>
+                <c:pt idx="349">
+                  <c:v>1677.7</c:v>
+                </c:pt>
+                <c:pt idx="350">
+                  <c:v>1683.4</c:v>
+                </c:pt>
+                <c:pt idx="351">
+                  <c:v>1689.1</c:v>
+                </c:pt>
+                <c:pt idx="352">
+                  <c:v>1694.8</c:v>
+                </c:pt>
+                <c:pt idx="353">
+                  <c:v>1700.5</c:v>
+                </c:pt>
+                <c:pt idx="354">
+                  <c:v>1706.2</c:v>
+                </c:pt>
+                <c:pt idx="355">
+                  <c:v>1712</c:v>
+                </c:pt>
+                <c:pt idx="356">
+                  <c:v>1717</c:v>
+                </c:pt>
+                <c:pt idx="357">
+                  <c:v>1722</c:v>
+                </c:pt>
+                <c:pt idx="358">
+                  <c:v>1727.1</c:v>
+                </c:pt>
+                <c:pt idx="359">
+                  <c:v>1732.1</c:v>
+                </c:pt>
+                <c:pt idx="360">
+                  <c:v>1737.1</c:v>
+                </c:pt>
+                <c:pt idx="361">
+                  <c:v>1742.1</c:v>
+                </c:pt>
+                <c:pt idx="362">
+                  <c:v>1747.1</c:v>
+                </c:pt>
+                <c:pt idx="363">
+                  <c:v>1752.1</c:v>
+                </c:pt>
+                <c:pt idx="364">
+                  <c:v>1757.1</c:v>
+                </c:pt>
+                <c:pt idx="365">
+                  <c:v>1762.1</c:v>
+                </c:pt>
+                <c:pt idx="366">
+                  <c:v>1767.1</c:v>
+                </c:pt>
+                <c:pt idx="367">
+                  <c:v>1772.1</c:v>
+                </c:pt>
+                <c:pt idx="368">
+                  <c:v>1777.1</c:v>
+                </c:pt>
+                <c:pt idx="369">
+                  <c:v>1782.1</c:v>
+                </c:pt>
+                <c:pt idx="370">
+                  <c:v>1787.1</c:v>
+                </c:pt>
+                <c:pt idx="371">
+                  <c:v>1792.1</c:v>
+                </c:pt>
+                <c:pt idx="372">
+                  <c:v>1797.2</c:v>
+                </c:pt>
+                <c:pt idx="373">
+                  <c:v>1802.2</c:v>
+                </c:pt>
+                <c:pt idx="374">
+                  <c:v>1807.2</c:v>
+                </c:pt>
+                <c:pt idx="375">
+                  <c:v>1812.2</c:v>
+                </c:pt>
+                <c:pt idx="376">
+                  <c:v>1817.2</c:v>
+                </c:pt>
+                <c:pt idx="377">
+                  <c:v>1821.5</c:v>
+                </c:pt>
+                <c:pt idx="378">
+                  <c:v>1825.2</c:v>
+                </c:pt>
+                <c:pt idx="379">
+                  <c:v>1828.9</c:v>
+                </c:pt>
+                <c:pt idx="380">
+                  <c:v>1832.6</c:v>
+                </c:pt>
+                <c:pt idx="381">
+                  <c:v>1836.3</c:v>
+                </c:pt>
+                <c:pt idx="382">
+                  <c:v>1840</c:v>
+                </c:pt>
+                <c:pt idx="383">
+                  <c:v>1843.7</c:v>
+                </c:pt>
+                <c:pt idx="384">
+                  <c:v>1847.4</c:v>
+                </c:pt>
+                <c:pt idx="385">
+                  <c:v>1851.1</c:v>
+                </c:pt>
+                <c:pt idx="386">
+                  <c:v>1854.9</c:v>
+                </c:pt>
+                <c:pt idx="387">
+                  <c:v>1858.6</c:v>
+                </c:pt>
+                <c:pt idx="388">
+                  <c:v>1862.3</c:v>
+                </c:pt>
+                <c:pt idx="389">
+                  <c:v>1865.8</c:v>
+                </c:pt>
+                <c:pt idx="390">
+                  <c:v>1869.3</c:v>
+                </c:pt>
+                <c:pt idx="391">
+                  <c:v>1872.8</c:v>
+                </c:pt>
+                <c:pt idx="392">
+                  <c:v>1876.3</c:v>
+                </c:pt>
+                <c:pt idx="393">
+                  <c:v>1879.8</c:v>
+                </c:pt>
+                <c:pt idx="394">
+                  <c:v>1883.2</c:v>
+                </c:pt>
+                <c:pt idx="395">
+                  <c:v>1886.7</c:v>
+                </c:pt>
+                <c:pt idx="396">
+                  <c:v>1890.2</c:v>
+                </c:pt>
+                <c:pt idx="397">
+                  <c:v>1893.7</c:v>
+                </c:pt>
+                <c:pt idx="398">
+                  <c:v>1897.2</c:v>
+                </c:pt>
+                <c:pt idx="399">
+                  <c:v>1900.7</c:v>
+                </c:pt>
+                <c:pt idx="400">
+                  <c:v>1904.2</c:v>
+                </c:pt>
+                <c:pt idx="401">
+                  <c:v>1907.7</c:v>
+                </c:pt>
+                <c:pt idx="402">
+                  <c:v>1911.2</c:v>
+                </c:pt>
+                <c:pt idx="403">
+                  <c:v>1914.7</c:v>
+                </c:pt>
+                <c:pt idx="404">
+                  <c:v>1917.9</c:v>
+                </c:pt>
+                <c:pt idx="405">
+                  <c:v>1921.2</c:v>
+                </c:pt>
+                <c:pt idx="406">
+                  <c:v>1924.5</c:v>
+                </c:pt>
+                <c:pt idx="407">
+                  <c:v>1927.7</c:v>
+                </c:pt>
+                <c:pt idx="408">
+                  <c:v>1931</c:v>
+                </c:pt>
+                <c:pt idx="409">
+                  <c:v>1934.3</c:v>
+                </c:pt>
+                <c:pt idx="410">
+                  <c:v>1937.6</c:v>
+                </c:pt>
+                <c:pt idx="411">
+                  <c:v>1940.8</c:v>
+                </c:pt>
+                <c:pt idx="412">
+                  <c:v>1944.1</c:v>
+                </c:pt>
+                <c:pt idx="413">
+                  <c:v>1947.4</c:v>
+                </c:pt>
+                <c:pt idx="414">
+                  <c:v>1950.6</c:v>
+                </c:pt>
+                <c:pt idx="415">
+                  <c:v>1954.8</c:v>
+                </c:pt>
+                <c:pt idx="416">
+                  <c:v>1959.5</c:v>
+                </c:pt>
+                <c:pt idx="417">
+                  <c:v>1964.3</c:v>
+                </c:pt>
+                <c:pt idx="418">
+                  <c:v>1969.1</c:v>
+                </c:pt>
+                <c:pt idx="419">
+                  <c:v>1973.9</c:v>
+                </c:pt>
+                <c:pt idx="420">
+                  <c:v>1978.6</c:v>
+                </c:pt>
+                <c:pt idx="421">
+                  <c:v>1983.4</c:v>
+                </c:pt>
+                <c:pt idx="422">
+                  <c:v>1988.2</c:v>
+                </c:pt>
+                <c:pt idx="423">
+                  <c:v>1992.9</c:v>
+                </c:pt>
+                <c:pt idx="424">
+                  <c:v>1997.7</c:v>
+                </c:pt>
+                <c:pt idx="425">
+                  <c:v>2002.5</c:v>
+                </c:pt>
+                <c:pt idx="426">
+                  <c:v>2007.3</c:v>
+                </c:pt>
+                <c:pt idx="427">
+                  <c:v>2012</c:v>
+                </c:pt>
+                <c:pt idx="428">
+                  <c:v>2016.8</c:v>
+                </c:pt>
+                <c:pt idx="429">
+                  <c:v>2021.5</c:v>
+                </c:pt>
+                <c:pt idx="430">
+                  <c:v>2025</c:v>
+                </c:pt>
+                <c:pt idx="431">
+                  <c:v>2028.5</c:v>
+                </c:pt>
+                <c:pt idx="432">
+                  <c:v>2032</c:v>
+                </c:pt>
+                <c:pt idx="433">
+                  <c:v>2035.5</c:v>
+                </c:pt>
+                <c:pt idx="434">
+                  <c:v>2039</c:v>
+                </c:pt>
+                <c:pt idx="435">
+                  <c:v>2042.5</c:v>
+                </c:pt>
+                <c:pt idx="436">
+                  <c:v>2046</c:v>
+                </c:pt>
+                <c:pt idx="437">
+                  <c:v>2049.5</c:v>
+                </c:pt>
+                <c:pt idx="438">
+                  <c:v>2053</c:v>
+                </c:pt>
+                <c:pt idx="439">
+                  <c:v>2056.4</c:v>
+                </c:pt>
+                <c:pt idx="440">
+                  <c:v>2059.9</c:v>
+                </c:pt>
+                <c:pt idx="441">
+                  <c:v>2063.4</c:v>
+                </c:pt>
+                <c:pt idx="442">
+                  <c:v>2066.9</c:v>
+                </c:pt>
+                <c:pt idx="443">
+                  <c:v>2070.4</c:v>
+                </c:pt>
+                <c:pt idx="444">
+                  <c:v>2073.9</c:v>
+                </c:pt>
+                <c:pt idx="445">
+                  <c:v>2077.4</c:v>
+                </c:pt>
+                <c:pt idx="446">
+                  <c:v>2080.9</c:v>
+                </c:pt>
+                <c:pt idx="447">
+                  <c:v>2084.8000000000002</c:v>
+                </c:pt>
+                <c:pt idx="448">
+                  <c:v>2088.8000000000002</c:v>
+                </c:pt>
+                <c:pt idx="449">
+                  <c:v>2092.6999999999998</c:v>
+                </c:pt>
+                <c:pt idx="450">
+                  <c:v>2096.6</c:v>
+                </c:pt>
+                <c:pt idx="451">
+                  <c:v>2100.5</c:v>
+                </c:pt>
+                <c:pt idx="452">
+                  <c:v>2104.5</c:v>
+                </c:pt>
+                <c:pt idx="453">
+                  <c:v>2108.4</c:v>
+                </c:pt>
+                <c:pt idx="454">
+                  <c:v>2112.3000000000002</c:v>
+                </c:pt>
+                <c:pt idx="455">
+                  <c:v>2116.1999999999998</c:v>
+                </c:pt>
+                <c:pt idx="456">
+                  <c:v>2120.1999999999998</c:v>
+                </c:pt>
+                <c:pt idx="457">
+                  <c:v>2124.1</c:v>
+                </c:pt>
+                <c:pt idx="458">
+                  <c:v>2128</c:v>
+                </c:pt>
+                <c:pt idx="459">
+                  <c:v>2132</c:v>
+                </c:pt>
+                <c:pt idx="460">
+                  <c:v>2135.3000000000002</c:v>
+                </c:pt>
+                <c:pt idx="461">
+                  <c:v>2137.9</c:v>
+                </c:pt>
+                <c:pt idx="462">
+                  <c:v>2140.6</c:v>
+                </c:pt>
+                <c:pt idx="463">
+                  <c:v>2143.3000000000002</c:v>
+                </c:pt>
+                <c:pt idx="464">
+                  <c:v>2146</c:v>
+                </c:pt>
+                <c:pt idx="465">
+                  <c:v>2148.6</c:v>
+                </c:pt>
+                <c:pt idx="466">
+                  <c:v>2151.3000000000002</c:v>
+                </c:pt>
+                <c:pt idx="467">
+                  <c:v>2154</c:v>
+                </c:pt>
+                <c:pt idx="468">
+                  <c:v>2156.6</c:v>
+                </c:pt>
+                <c:pt idx="469">
+                  <c:v>2159.3000000000002</c:v>
+                </c:pt>
+                <c:pt idx="470">
+                  <c:v>2162</c:v>
+                </c:pt>
+                <c:pt idx="471">
+                  <c:v>2164.6999999999998</c:v>
+                </c:pt>
+                <c:pt idx="472">
+                  <c:v>2167.3000000000002</c:v>
+                </c:pt>
+                <c:pt idx="473">
+                  <c:v>2170</c:v>
+                </c:pt>
+                <c:pt idx="474">
+                  <c:v>2172.6999999999998</c:v>
+                </c:pt>
+                <c:pt idx="475">
+                  <c:v>2175.3000000000002</c:v>
+                </c:pt>
+                <c:pt idx="476">
+                  <c:v>2178</c:v>
+                </c:pt>
+                <c:pt idx="477">
+                  <c:v>2180.6999999999998</c:v>
+                </c:pt>
+                <c:pt idx="478">
+                  <c:v>2183.3000000000002</c:v>
+                </c:pt>
+                <c:pt idx="479">
+                  <c:v>2186</c:v>
+                </c:pt>
+                <c:pt idx="480">
+                  <c:v>2188.6999999999998</c:v>
+                </c:pt>
+                <c:pt idx="481">
+                  <c:v>2191.3000000000002</c:v>
+                </c:pt>
+                <c:pt idx="482">
+                  <c:v>2194</c:v>
+                </c:pt>
+                <c:pt idx="483">
+                  <c:v>2196.6999999999998</c:v>
+                </c:pt>
+                <c:pt idx="484">
+                  <c:v>2199.3000000000002</c:v>
+                </c:pt>
+                <c:pt idx="485">
+                  <c:v>2202</c:v>
+                </c:pt>
+                <c:pt idx="486">
+                  <c:v>2204.6999999999998</c:v>
+                </c:pt>
+                <c:pt idx="487">
+                  <c:v>2207.5</c:v>
+                </c:pt>
+                <c:pt idx="488">
+                  <c:v>2210.3000000000002</c:v>
+                </c:pt>
+                <c:pt idx="489">
+                  <c:v>2213.1999999999998</c:v>
+                </c:pt>
+                <c:pt idx="490">
+                  <c:v>2216</c:v>
+                </c:pt>
+                <c:pt idx="491">
+                  <c:v>2218.8000000000002</c:v>
+                </c:pt>
+                <c:pt idx="492">
+                  <c:v>2221.6999999999998</c:v>
+                </c:pt>
+                <c:pt idx="493">
+                  <c:v>2224.5</c:v>
+                </c:pt>
+                <c:pt idx="494">
+                  <c:v>2227.4</c:v>
+                </c:pt>
+                <c:pt idx="495">
+                  <c:v>2230.1999999999998</c:v>
+                </c:pt>
+                <c:pt idx="496">
+                  <c:v>2233.1</c:v>
+                </c:pt>
+                <c:pt idx="497">
+                  <c:v>2235.9</c:v>
+                </c:pt>
+                <c:pt idx="498">
+                  <c:v>2238.6999999999998</c:v>
+                </c:pt>
+                <c:pt idx="499">
+                  <c:v>2241.6</c:v>
+                </c:pt>
+                <c:pt idx="500">
+                  <c:v>2244.5</c:v>
+                </c:pt>
+                <c:pt idx="501">
+                  <c:v>2247.3000000000002</c:v>
+                </c:pt>
+                <c:pt idx="502">
+                  <c:v>2250.1999999999998</c:v>
+                </c:pt>
+                <c:pt idx="503">
+                  <c:v>2253.1</c:v>
+                </c:pt>
+                <c:pt idx="504">
+                  <c:v>2255.9</c:v>
+                </c:pt>
+                <c:pt idx="505">
+                  <c:v>2258.8000000000002</c:v>
+                </c:pt>
+                <c:pt idx="506">
+                  <c:v>2261.6999999999998</c:v>
+                </c:pt>
+              </c:numCache>
+            </c:numRef>
+          </c:yVal>
+          <c:smooth val="0"/>
+          <c:extLst>
+            <c:ext xmlns:c16="http://schemas.microsoft.com/office/drawing/2014/chart" uri="{C3380CC4-5D6E-409C-BE32-E72D297353CC}">
+              <c16:uniqueId val="{00000000-4591-0146-8529-FD1FC5331FD0}"/>
+            </c:ext>
+          </c:extLst>
+        </c:ser>
+        <c:dLbls>
+          <c:showLegendKey val="0"/>
+          <c:showVal val="0"/>
+          <c:showCatName val="0"/>
+          <c:showSerName val="0"/>
+          <c:showPercent val="0"/>
+          <c:showBubbleSize val="0"/>
+        </c:dLbls>
+        <c:axId val="1771254287"/>
+        <c:axId val="1771255935"/>
+      </c:scatterChart>
+      <c:valAx>
+        <c:axId val="1771254287"/>
+        <c:scaling>
+          <c:orientation val="minMax"/>
+        </c:scaling>
+        <c:delete val="0"/>
+        <c:axPos val="b"/>
+        <c:majorGridlines>
+          <c:spPr>
+            <a:ln w="9525" cap="flat" cmpd="sng" algn="ctr">
+              <a:solidFill>
+                <a:schemeClr val="tx1">
+                  <a:lumMod val="15000"/>
+                  <a:lumOff val="85000"/>
+                </a:schemeClr>
+              </a:solidFill>
+              <a:round/>
+            </a:ln>
+            <a:effectLst/>
+          </c:spPr>
+        </c:majorGridlines>
+        <c:title>
+          <c:tx>
+            <c:rich>
+              <a:bodyPr rot="0" spcFirstLastPara="1" vertOverflow="ellipsis" vert="horz" wrap="square" anchor="ctr" anchorCtr="1"/>
+              <a:lstStyle/>
+              <a:p>
+                <a:pPr>
+                  <a:defRPr sz="1200" b="0" i="0" u="none" strike="noStrike" kern="1200" baseline="0">
+                    <a:solidFill>
+                      <a:schemeClr val="tx1">
+                        <a:lumMod val="65000"/>
+                        <a:lumOff val="35000"/>
+                      </a:schemeClr>
+                    </a:solidFill>
+                    <a:latin typeface="Times New Roman" panose="02020603050405020304" pitchFamily="18" charset="0"/>
+                    <a:ea typeface="+mn-ea"/>
+                    <a:cs typeface="Times New Roman" panose="02020603050405020304" pitchFamily="18" charset="0"/>
+                  </a:defRPr>
+                </a:pPr>
+                <a:r>
+                  <a:rPr lang="en-US" b="1"/>
+                  <a:t>Mixing Ratio (g/kg)</a:t>
+                </a:r>
+              </a:p>
+            </c:rich>
+          </c:tx>
+          <c:overlay val="0"/>
+          <c:spPr>
+            <a:noFill/>
+            <a:ln>
+              <a:noFill/>
+            </a:ln>
+            <a:effectLst/>
+          </c:spPr>
+          <c:txPr>
+            <a:bodyPr rot="0" spcFirstLastPara="1" vertOverflow="ellipsis" vert="horz" wrap="square" anchor="ctr" anchorCtr="1"/>
+            <a:lstStyle/>
+            <a:p>
+              <a:pPr>
+                <a:defRPr sz="1200" b="0" i="0" u="none" strike="noStrike" kern="1200" baseline="0">
+                  <a:solidFill>
+                    <a:schemeClr val="tx1">
+                      <a:lumMod val="65000"/>
+                      <a:lumOff val="35000"/>
+                    </a:schemeClr>
+                  </a:solidFill>
+                  <a:latin typeface="Times New Roman" panose="02020603050405020304" pitchFamily="18" charset="0"/>
+                  <a:ea typeface="+mn-ea"/>
+                  <a:cs typeface="Times New Roman" panose="02020603050405020304" pitchFamily="18" charset="0"/>
+                </a:defRPr>
+              </a:pPr>
+              <a:endParaRPr lang="en-US"/>
+            </a:p>
+          </c:txPr>
+        </c:title>
+        <c:numFmt formatCode="General" sourceLinked="1"/>
+        <c:majorTickMark val="none"/>
+        <c:minorTickMark val="none"/>
+        <c:tickLblPos val="nextTo"/>
+        <c:spPr>
+          <a:noFill/>
+          <a:ln w="9525" cap="flat" cmpd="sng" algn="ctr">
+            <a:solidFill>
+              <a:schemeClr val="tx1">
+                <a:lumMod val="25000"/>
+                <a:lumOff val="75000"/>
+              </a:schemeClr>
+            </a:solidFill>
+            <a:round/>
+          </a:ln>
+          <a:effectLst/>
+        </c:spPr>
+        <c:txPr>
+          <a:bodyPr rot="-60000000" spcFirstLastPara="1" vertOverflow="ellipsis" vert="horz" wrap="square" anchor="ctr" anchorCtr="1"/>
+          <a:lstStyle/>
+          <a:p>
+            <a:pPr>
+              <a:defRPr sz="1200" b="0" i="0" u="none" strike="noStrike" kern="1200" baseline="0">
+                <a:solidFill>
+                  <a:schemeClr val="tx1">
+                    <a:lumMod val="65000"/>
+                    <a:lumOff val="35000"/>
+                  </a:schemeClr>
+                </a:solidFill>
+                <a:latin typeface="Times New Roman" panose="02020603050405020304" pitchFamily="18" charset="0"/>
+                <a:ea typeface="+mn-ea"/>
+                <a:cs typeface="Times New Roman" panose="02020603050405020304" pitchFamily="18" charset="0"/>
+              </a:defRPr>
+            </a:pPr>
+            <a:endParaRPr lang="en-US"/>
+          </a:p>
+        </c:txPr>
+        <c:crossAx val="1771255935"/>
+        <c:crosses val="autoZero"/>
+        <c:crossBetween val="midCat"/>
+      </c:valAx>
+      <c:valAx>
+        <c:axId val="1771255935"/>
+        <c:scaling>
+          <c:orientation val="minMax"/>
+        </c:scaling>
+        <c:delete val="0"/>
+        <c:axPos val="l"/>
+        <c:majorGridlines>
+          <c:spPr>
+            <a:ln w="9525" cap="flat" cmpd="sng" algn="ctr">
+              <a:solidFill>
+                <a:schemeClr val="tx1">
+                  <a:lumMod val="15000"/>
+                  <a:lumOff val="85000"/>
+                </a:schemeClr>
+              </a:solidFill>
+              <a:round/>
+            </a:ln>
+            <a:effectLst/>
+          </c:spPr>
+        </c:majorGridlines>
+        <c:title>
+          <c:tx>
+            <c:rich>
+              <a:bodyPr rot="-5400000" spcFirstLastPara="1" vertOverflow="ellipsis" vert="horz" wrap="square" anchor="ctr" anchorCtr="1"/>
+              <a:lstStyle/>
+              <a:p>
+                <a:pPr>
+                  <a:defRPr sz="1200" b="0" i="0" u="none" strike="noStrike" kern="1200" baseline="0">
+                    <a:solidFill>
+                      <a:schemeClr val="tx1">
+                        <a:lumMod val="65000"/>
+                        <a:lumOff val="35000"/>
+                      </a:schemeClr>
+                    </a:solidFill>
+                    <a:latin typeface="Times New Roman" panose="02020603050405020304" pitchFamily="18" charset="0"/>
+                    <a:ea typeface="+mn-ea"/>
+                    <a:cs typeface="Times New Roman" panose="02020603050405020304" pitchFamily="18" charset="0"/>
+                  </a:defRPr>
+                </a:pPr>
+                <a:r>
+                  <a:rPr lang="en-US" b="1"/>
+                  <a:t>Height (m)</a:t>
+                </a:r>
+              </a:p>
+            </c:rich>
+          </c:tx>
+          <c:overlay val="0"/>
+          <c:spPr>
+            <a:noFill/>
+            <a:ln>
+              <a:noFill/>
+            </a:ln>
+            <a:effectLst/>
+          </c:spPr>
+          <c:txPr>
+            <a:bodyPr rot="-5400000" spcFirstLastPara="1" vertOverflow="ellipsis" vert="horz" wrap="square" anchor="ctr" anchorCtr="1"/>
+            <a:lstStyle/>
+            <a:p>
+              <a:pPr>
+                <a:defRPr sz="1200" b="0" i="0" u="none" strike="noStrike" kern="1200" baseline="0">
+                  <a:solidFill>
+                    <a:schemeClr val="tx1">
+                      <a:lumMod val="65000"/>
+                      <a:lumOff val="35000"/>
+                    </a:schemeClr>
+                  </a:solidFill>
+                  <a:latin typeface="Times New Roman" panose="02020603050405020304" pitchFamily="18" charset="0"/>
+                  <a:ea typeface="+mn-ea"/>
+                  <a:cs typeface="Times New Roman" panose="02020603050405020304" pitchFamily="18" charset="0"/>
+                </a:defRPr>
+              </a:pPr>
+              <a:endParaRPr lang="en-US"/>
+            </a:p>
+          </c:txPr>
+        </c:title>
+        <c:numFmt formatCode="General" sourceLinked="1"/>
+        <c:majorTickMark val="none"/>
+        <c:minorTickMark val="none"/>
+        <c:tickLblPos val="nextTo"/>
+        <c:spPr>
+          <a:noFill/>
+          <a:ln w="9525" cap="flat" cmpd="sng" algn="ctr">
+            <a:solidFill>
+              <a:schemeClr val="tx1">
+                <a:lumMod val="25000"/>
+                <a:lumOff val="75000"/>
+              </a:schemeClr>
+            </a:solidFill>
+            <a:round/>
+          </a:ln>
+          <a:effectLst/>
+        </c:spPr>
+        <c:txPr>
+          <a:bodyPr rot="-60000000" spcFirstLastPara="1" vertOverflow="ellipsis" vert="horz" wrap="square" anchor="ctr" anchorCtr="1"/>
+          <a:lstStyle/>
+          <a:p>
+            <a:pPr>
+              <a:defRPr sz="1200" b="0" i="0" u="none" strike="noStrike" kern="1200" baseline="0">
+                <a:solidFill>
+                  <a:schemeClr val="tx1">
+                    <a:lumMod val="65000"/>
+                    <a:lumOff val="35000"/>
+                  </a:schemeClr>
+                </a:solidFill>
+                <a:latin typeface="Times New Roman" panose="02020603050405020304" pitchFamily="18" charset="0"/>
+                <a:ea typeface="+mn-ea"/>
+                <a:cs typeface="Times New Roman" panose="02020603050405020304" pitchFamily="18" charset="0"/>
+              </a:defRPr>
+            </a:pPr>
+            <a:endParaRPr lang="en-US"/>
+          </a:p>
+        </c:txPr>
+        <c:crossAx val="1771254287"/>
+        <c:crosses val="autoZero"/>
+        <c:crossBetween val="midCat"/>
+      </c:valAx>
+      <c:spPr>
+        <a:noFill/>
+        <a:ln>
+          <a:noFill/>
+        </a:ln>
+        <a:effectLst/>
+      </c:spPr>
+    </c:plotArea>
+    <c:plotVisOnly val="1"/>
+    <c:dispBlanksAs val="gap"/>
+    <c:showDLblsOverMax val="0"/>
+  </c:chart>
+  <c:spPr>
+    <a:noFill/>
+    <a:ln>
+      <a:noFill/>
+    </a:ln>
+    <a:effectLst/>
+  </c:spPr>
+  <c:txPr>
+    <a:bodyPr/>
+    <a:lstStyle/>
+    <a:p>
+      <a:pPr>
+        <a:defRPr sz="1200">
+          <a:latin typeface="Times New Roman" panose="02020603050405020304" pitchFamily="18" charset="0"/>
+          <a:cs typeface="Times New Roman" panose="02020603050405020304" pitchFamily="18" charset="0"/>
+        </a:defRPr>
+      </a:pPr>
+      <a:endParaRPr lang="en-US"/>
+    </a:p>
+  </c:txPr>
+  <c:externalData r:id="rId3">
+    <c:autoUpdate val="0"/>
+  </c:externalData>
+</c:chartSpace>
+</file>
+
+<file path=ppt/charts/colors1.xml><?xml version="1.0" encoding="utf-8"?>
+<cs:colorStyle xmlns:cs="http://schemas.microsoft.com/office/drawing/2012/chartStyle" xmlns:a="http://schemas.openxmlformats.org/drawingml/2006/main" meth="cycle" id="10">
+  <a:schemeClr val="accent1"/>
+  <a:schemeClr val="accent2"/>
+  <a:schemeClr val="accent3"/>
+  <a:schemeClr val="accent4"/>
+  <a:schemeClr val="accent5"/>
+  <a:schemeClr val="accent6"/>
+  <cs:variation/>
+  <cs:variation>
+    <a:lumMod val="60000"/>
+  </cs:variation>
+  <cs:variation>
+    <a:lumMod val="80000"/>
+    <a:lumOff val="20000"/>
+  </cs:variation>
+  <cs:variation>
+    <a:lumMod val="80000"/>
+  </cs:variation>
+  <cs:variation>
+    <a:lumMod val="60000"/>
+    <a:lumOff val="40000"/>
+  </cs:variation>
+  <cs:variation>
+    <a:lumMod val="50000"/>
+  </cs:variation>
+  <cs:variation>
+    <a:lumMod val="70000"/>
+    <a:lumOff val="30000"/>
+  </cs:variation>
+  <cs:variation>
+    <a:lumMod val="70000"/>
+  </cs:variation>
+  <cs:variation>
+    <a:lumMod val="50000"/>
+    <a:lumOff val="50000"/>
+  </cs:variation>
+</cs:colorStyle>
+</file>
+
+<file path=ppt/charts/colors2.xml><?xml version="1.0" encoding="utf-8"?>
+<cs:colorStyle xmlns:cs="http://schemas.microsoft.com/office/drawing/2012/chartStyle" xmlns:a="http://schemas.openxmlformats.org/drawingml/2006/main" meth="cycle" id="10">
+  <a:schemeClr val="accent1"/>
+  <a:schemeClr val="accent2"/>
+  <a:schemeClr val="accent3"/>
+  <a:schemeClr val="accent4"/>
+  <a:schemeClr val="accent5"/>
+  <a:schemeClr val="accent6"/>
+  <cs:variation/>
+  <cs:variation>
+    <a:lumMod val="60000"/>
+  </cs:variation>
+  <cs:variation>
+    <a:lumMod val="80000"/>
+    <a:lumOff val="20000"/>
+  </cs:variation>
+  <cs:variation>
+    <a:lumMod val="80000"/>
+  </cs:variation>
+  <cs:variation>
+    <a:lumMod val="60000"/>
+    <a:lumOff val="40000"/>
+  </cs:variation>
+  <cs:variation>
+    <a:lumMod val="50000"/>
+  </cs:variation>
+  <cs:variation>
+    <a:lumMod val="70000"/>
+    <a:lumOff val="30000"/>
+  </cs:variation>
+  <cs:variation>
+    <a:lumMod val="70000"/>
+  </cs:variation>
+  <cs:variation>
+    <a:lumMod val="50000"/>
+    <a:lumOff val="50000"/>
+  </cs:variation>
+</cs:colorStyle>
+</file>
+
+<file path=ppt/charts/style1.xml><?xml version="1.0" encoding="utf-8"?>
+<cs:chartStyle xmlns:cs="http://schemas.microsoft.com/office/drawing/2012/chartStyle" xmlns:a="http://schemas.openxmlformats.org/drawingml/2006/main" id="240">
+  <cs:axisTitle>
+    <cs:lnRef idx="0"/>
+    <cs:fillRef idx="0"/>
+    <cs:effectRef idx="0"/>
+    <cs:fontRef idx="minor">
+      <a:schemeClr val="tx1">
+        <a:lumMod val="65000"/>
+        <a:lumOff val="35000"/>
+      </a:schemeClr>
+    </cs:fontRef>
+    <cs:defRPr sz="1000" kern="1200"/>
+  </cs:axisTitle>
+  <cs:categoryAxis>
+    <cs:lnRef idx="0"/>
+    <cs:fillRef idx="0"/>
+    <cs:effectRef idx="0"/>
+    <cs:fontRef idx="minor">
+      <a:schemeClr val="tx1">
+        <a:lumMod val="65000"/>
+        <a:lumOff val="35000"/>
+      </a:schemeClr>
+    </cs:fontRef>
+    <cs:spPr>
+      <a:ln w="9525" cap="flat" cmpd="sng" algn="ctr">
+        <a:solidFill>
+          <a:schemeClr val="tx1">
+            <a:lumMod val="25000"/>
+            <a:lumOff val="75000"/>
+          </a:schemeClr>
+        </a:solidFill>
+        <a:round/>
+      </a:ln>
+    </cs:spPr>
+    <cs:defRPr sz="900" kern="1200"/>
+  </cs:categoryAxis>
+  <cs:chartArea mods="allowNoFillOverride allowNoLineOverride">
+    <cs:lnRef idx="0"/>
+    <cs:fillRef idx="0"/>
+    <cs:effectRef idx="0"/>
+    <cs:fontRef idx="minor">
+      <a:schemeClr val="tx1"/>
+    </cs:fontRef>
+    <cs:spPr>
+      <a:solidFill>
+        <a:schemeClr val="bg1"/>
+      </a:solidFill>
+      <a:ln w="9525" cap="flat" cmpd="sng" algn="ctr">
+        <a:solidFill>
+          <a:schemeClr val="tx1">
+            <a:lumMod val="15000"/>
+            <a:lumOff val="85000"/>
+          </a:schemeClr>
+        </a:solidFill>
+        <a:round/>
+      </a:ln>
+    </cs:spPr>
+    <cs:defRPr sz="1000" kern="1200"/>
+  </cs:chartArea>
+  <cs:dataLabel>
+    <cs:lnRef idx="0"/>
+    <cs:fillRef idx="0"/>
+    <cs:effectRef idx="0"/>
+    <cs:fontRef idx="minor">
+      <a:schemeClr val="tx1">
+        <a:lumMod val="75000"/>
+        <a:lumOff val="25000"/>
+      </a:schemeClr>
+    </cs:fontRef>
+    <cs:defRPr sz="900" kern="1200"/>
+  </cs:dataLabel>
+  <cs:dataLabelCallout>
+    <cs:lnRef idx="0"/>
+    <cs:fillRef idx="0"/>
+    <cs:effectRef idx="0"/>
+    <cs:fontRef idx="minor">
+      <a:schemeClr val="dk1">
+        <a:lumMod val="65000"/>
+        <a:lumOff val="35000"/>
+      </a:schemeClr>
+    </cs:fontRef>
+    <cs:spPr>
+      <a:solidFill>
+        <a:schemeClr val="lt1"/>
+      </a:solidFill>
+      <a:ln>
+        <a:solidFill>
+          <a:schemeClr val="dk1">
+            <a:lumMod val="25000"/>
+            <a:lumOff val="75000"/>
+          </a:schemeClr>
+        </a:solidFill>
+      </a:ln>
+    </cs:spPr>
+    <cs:defRPr sz="900" kern="1200"/>
+    <cs:bodyPr rot="0" spcFirstLastPara="1" vertOverflow="clip" horzOverflow="clip" vert="horz" wrap="square" lIns="36576" tIns="18288" rIns="36576" bIns="18288" anchor="ctr" anchorCtr="1">
+      <a:spAutoFit/>
+    </cs:bodyPr>
+  </cs:dataLabelCallout>
+  <cs:dataPoint>
+    <cs:lnRef idx="0"/>
+    <cs:fillRef idx="1">
+      <cs:styleClr val="auto"/>
+    </cs:fillRef>
+    <cs:effectRef idx="0"/>
+    <cs:fontRef idx="minor">
+      <a:schemeClr val="tx1"/>
+    </cs:fontRef>
+  </cs:dataPoint>
+  <cs:dataPoint3D>
+    <cs:lnRef idx="0"/>
+    <cs:fillRef idx="1">
+      <cs:styleClr val="auto"/>
+    </cs:fillRef>
+    <cs:effectRef idx="0"/>
+    <cs:fontRef idx="minor">
+      <a:schemeClr val="tx1"/>
+    </cs:fontRef>
+  </cs:dataPoint3D>
+  <cs:dataPointLine>
+    <cs:lnRef idx="0">
+      <cs:styleClr val="auto"/>
+    </cs:lnRef>
+    <cs:fillRef idx="1"/>
+    <cs:effectRef idx="0"/>
+    <cs:fontRef idx="minor">
+      <a:schemeClr val="tx1"/>
+    </cs:fontRef>
+    <cs:spPr>
+      <a:ln w="19050" cap="rnd">
+        <a:solidFill>
+          <a:schemeClr val="phClr"/>
+        </a:solidFill>
+        <a:round/>
+      </a:ln>
+    </cs:spPr>
+  </cs:dataPointLine>
+  <cs:dataPointMarker>
+    <cs:lnRef idx="0">
+      <cs:styleClr val="auto"/>
+    </cs:lnRef>
+    <cs:fillRef idx="1">
+      <cs:styleClr val="auto"/>
+    </cs:fillRef>
+    <cs:effectRef idx="0"/>
+    <cs:fontRef idx="minor">
+      <a:schemeClr val="tx1"/>
+    </cs:fontRef>
+    <cs:spPr>
+      <a:ln w="9525">
+        <a:solidFill>
+          <a:schemeClr val="phClr"/>
+        </a:solidFill>
+      </a:ln>
+    </cs:spPr>
+  </cs:dataPointMarker>
+  <cs:dataPointMarkerLayout symbol="circle" size="5"/>
+  <cs:dataPointWireframe>
+    <cs:lnRef idx="0">
+      <cs:styleClr val="auto"/>
+    </cs:lnRef>
+    <cs:fillRef idx="0"/>
+    <cs:effectRef idx="0"/>
+    <cs:fontRef idx="minor">
+      <a:schemeClr val="dk1"/>
+    </cs:fontRef>
+    <cs:spPr>
+      <a:ln w="9525" cap="rnd">
+        <a:solidFill>
+          <a:schemeClr val="phClr"/>
+        </a:solidFill>
+        <a:round/>
+      </a:ln>
+    </cs:spPr>
+  </cs:dataPointWireframe>
+  <cs:dataTable>
+    <cs:lnRef idx="0"/>
+    <cs:fillRef idx="0"/>
+    <cs:effectRef idx="0"/>
+    <cs:fontRef idx="minor">
+      <a:schemeClr val="tx1">
+        <a:lumMod val="65000"/>
+        <a:lumOff val="35000"/>
+      </a:schemeClr>
+    </cs:fontRef>
+    <cs:spPr>
+      <a:noFill/>
+      <a:ln w="9525" cap="flat" cmpd="sng" algn="ctr">
+        <a:solidFill>
+          <a:schemeClr val="tx1">
+            <a:lumMod val="15000"/>
+            <a:lumOff val="85000"/>
+          </a:schemeClr>
+        </a:solidFill>
+        <a:round/>
+      </a:ln>
+    </cs:spPr>
+    <cs:defRPr sz="900" kern="1200"/>
+  </cs:dataTable>
+  <cs:downBar>
+    <cs:lnRef idx="0"/>
+    <cs:fillRef idx="0"/>
+    <cs:effectRef idx="0"/>
+    <cs:fontRef idx="minor">
+      <a:schemeClr val="tx1"/>
+    </cs:fontRef>
+    <cs:spPr>
+      <a:solidFill>
+        <a:schemeClr val="dk1">
+          <a:lumMod val="75000"/>
+          <a:lumOff val="25000"/>
+        </a:schemeClr>
+      </a:solidFill>
+      <a:ln w="9525" cap="flat" cmpd="sng" algn="ctr">
+        <a:solidFill>
+          <a:schemeClr val="tx1">
+            <a:lumMod val="65000"/>
+            <a:lumOff val="35000"/>
+          </a:schemeClr>
+        </a:solidFill>
+        <a:round/>
+      </a:ln>
+    </cs:spPr>
+  </cs:downBar>
+  <cs:dropLine>
+    <cs:lnRef idx="0"/>
+    <cs:fillRef idx="0"/>
+    <cs:effectRef idx="0"/>
+    <cs:fontRef idx="minor">
+      <a:schemeClr val="tx1"/>
+    </cs:fontRef>
+    <cs:spPr>
+      <a:ln w="9525" cap="flat" cmpd="sng" algn="ctr">
+        <a:solidFill>
+          <a:schemeClr val="tx1">
+            <a:lumMod val="35000"/>
+            <a:lumOff val="65000"/>
+          </a:schemeClr>
+        </a:solidFill>
+        <a:round/>
+      </a:ln>
+    </cs:spPr>
+  </cs:dropLine>
+  <cs:errorBar>
+    <cs:lnRef idx="0"/>
+    <cs:fillRef idx="0"/>
+    <cs:effectRef idx="0"/>
+    <cs:fontRef idx="minor">
+      <a:schemeClr val="tx1"/>
+    </cs:fontRef>
+    <cs:spPr>
+      <a:ln w="9525" cap="flat" cmpd="sng" algn="ctr">
+        <a:solidFill>
+          <a:schemeClr val="tx1">
+            <a:lumMod val="65000"/>
+            <a:lumOff val="35000"/>
+          </a:schemeClr>
+        </a:solidFill>
+        <a:round/>
+      </a:ln>
+    </cs:spPr>
+  </cs:errorBar>
+  <cs:floor>
+    <cs:lnRef idx="0"/>
+    <cs:fillRef idx="0"/>
+    <cs:effectRef idx="0"/>
+    <cs:fontRef idx="minor">
+      <a:schemeClr val="tx1"/>
+    </cs:fontRef>
+    <cs:spPr>
+      <a:noFill/>
+      <a:ln>
+        <a:noFill/>
+      </a:ln>
+    </cs:spPr>
+  </cs:floor>
+  <cs:gridlineMajor>
+    <cs:lnRef idx="0"/>
+    <cs:fillRef idx="0"/>
+    <cs:effectRef idx="0"/>
+    <cs:fontRef idx="minor">
+      <a:schemeClr val="tx1"/>
+    </cs:fontRef>
+    <cs:spPr>
+      <a:ln w="9525" cap="flat" cmpd="sng" algn="ctr">
+        <a:solidFill>
+          <a:schemeClr val="tx1">
+            <a:lumMod val="15000"/>
+            <a:lumOff val="85000"/>
+          </a:schemeClr>
+        </a:solidFill>
+        <a:round/>
+      </a:ln>
+    </cs:spPr>
+  </cs:gridlineMajor>
+  <cs:gridlineMinor>
+    <cs:lnRef idx="0"/>
+    <cs:fillRef idx="0"/>
+    <cs:effectRef idx="0"/>
+    <cs:fontRef idx="minor">
+      <a:schemeClr val="tx1"/>
+    </cs:fontRef>
+    <cs:spPr>
+      <a:ln w="9525" cap="flat" cmpd="sng" algn="ctr">
+        <a:solidFill>
+          <a:schemeClr val="tx1">
+            <a:lumMod val="5000"/>
+            <a:lumOff val="95000"/>
+          </a:schemeClr>
+        </a:solidFill>
+        <a:round/>
+      </a:ln>
+    </cs:spPr>
+  </cs:gridlineMinor>
+  <cs:hiLoLine>
+    <cs:lnRef idx="0"/>
+    <cs:fillRef idx="0"/>
+    <cs:effectRef idx="0"/>
+    <cs:fontRef idx="minor">
+      <a:schemeClr val="tx1"/>
+    </cs:fontRef>
+    <cs:spPr>
+      <a:ln w="9525" cap="flat" cmpd="sng" algn="ctr">
+        <a:solidFill>
+          <a:schemeClr val="tx1">
+            <a:lumMod val="50000"/>
+            <a:lumOff val="50000"/>
+          </a:schemeClr>
+        </a:solidFill>
+        <a:round/>
+      </a:ln>
+    </cs:spPr>
+  </cs:hiLoLine>
+  <cs:leaderLine>
+    <cs:lnRef idx="0"/>
+    <cs:fillRef idx="0"/>
+    <cs:effectRef idx="0"/>
+    <cs:fontRef idx="minor">
+      <a:schemeClr val="tx1"/>
+    </cs:fontRef>
+    <cs:spPr>
+      <a:ln w="9525" cap="flat" cmpd="sng" algn="ctr">
+        <a:solidFill>
+          <a:schemeClr val="tx1">
+            <a:lumMod val="35000"/>
+            <a:lumOff val="65000"/>
+          </a:schemeClr>
+        </a:solidFill>
+        <a:round/>
+      </a:ln>
+    </cs:spPr>
+  </cs:leaderLine>
+  <cs:legend>
+    <cs:lnRef idx="0"/>
+    <cs:fillRef idx="0"/>
+    <cs:effectRef idx="0"/>
+    <cs:fontRef idx="minor">
+      <a:schemeClr val="tx1">
+        <a:lumMod val="65000"/>
+        <a:lumOff val="35000"/>
+      </a:schemeClr>
+    </cs:fontRef>
+    <cs:defRPr sz="900" kern="1200"/>
+  </cs:legend>
+  <cs:plotArea mods="allowNoFillOverride allowNoLineOverride">
+    <cs:lnRef idx="0"/>
+    <cs:fillRef idx="0"/>
+    <cs:effectRef idx="0"/>
+    <cs:fontRef idx="minor">
+      <a:schemeClr val="tx1"/>
+    </cs:fontRef>
+  </cs:plotArea>
+  <cs:plotArea3D mods="allowNoFillOverride allowNoLineOverride">
+    <cs:lnRef idx="0"/>
+    <cs:fillRef idx="0"/>
+    <cs:effectRef idx="0"/>
+    <cs:fontRef idx="minor">
+      <a:schemeClr val="tx1"/>
+    </cs:fontRef>
+  </cs:plotArea3D>
+  <cs:seriesAxis>
+    <cs:lnRef idx="0"/>
+    <cs:fillRef idx="0"/>
+    <cs:effectRef idx="0"/>
+    <cs:fontRef idx="minor">
+      <a:schemeClr val="tx1">
+        <a:lumMod val="65000"/>
+        <a:lumOff val="35000"/>
+      </a:schemeClr>
+    </cs:fontRef>
+    <cs:defRPr sz="900" kern="1200"/>
+  </cs:seriesAxis>
+  <cs:seriesLine>
+    <cs:lnRef idx="0"/>
+    <cs:fillRef idx="0"/>
+    <cs:effectRef idx="0"/>
+    <cs:fontRef idx="minor">
+      <a:schemeClr val="tx1"/>
+    </cs:fontRef>
+    <cs:spPr>
+      <a:ln w="9525" cap="flat" cmpd="sng" algn="ctr">
+        <a:solidFill>
+          <a:schemeClr val="tx1">
+            <a:lumMod val="35000"/>
+            <a:lumOff val="65000"/>
+          </a:schemeClr>
+        </a:solidFill>
+        <a:round/>
+      </a:ln>
+    </cs:spPr>
+  </cs:seriesLine>
+  <cs:title>
+    <cs:lnRef idx="0"/>
+    <cs:fillRef idx="0"/>
+    <cs:effectRef idx="0"/>
+    <cs:fontRef idx="minor">
+      <a:schemeClr val="tx1">
+        <a:lumMod val="65000"/>
+        <a:lumOff val="35000"/>
+      </a:schemeClr>
+    </cs:fontRef>
+    <cs:defRPr sz="1400" b="0" kern="1200" spc="0" baseline="0"/>
+  </cs:title>
+  <cs:trendline>
+    <cs:lnRef idx="0">
+      <cs:styleClr val="auto"/>
+    </cs:lnRef>
+    <cs:fillRef idx="0"/>
+    <cs:effectRef idx="0"/>
+    <cs:fontRef idx="minor">
+      <a:schemeClr val="tx1"/>
+    </cs:fontRef>
+    <cs:spPr>
+      <a:ln w="19050" cap="rnd">
+        <a:solidFill>
+          <a:schemeClr val="phClr"/>
+        </a:solidFill>
+        <a:prstDash val="sysDot"/>
+      </a:ln>
+    </cs:spPr>
+  </cs:trendline>
+  <cs:trendlineLabel>
+    <cs:lnRef idx="0"/>
+    <cs:fillRef idx="0"/>
+    <cs:effectRef idx="0"/>
+    <cs:fontRef idx="minor">
+      <a:schemeClr val="tx1">
+        <a:lumMod val="65000"/>
+        <a:lumOff val="35000"/>
+      </a:schemeClr>
+    </cs:fontRef>
+    <cs:defRPr sz="900" kern="1200"/>
+  </cs:trendlineLabel>
+  <cs:upBar>
+    <cs:lnRef idx="0"/>
+    <cs:fillRef idx="0"/>
+    <cs:effectRef idx="0"/>
+    <cs:fontRef idx="minor">
+      <a:schemeClr val="tx1"/>
+    </cs:fontRef>
+    <cs:spPr>
+      <a:solidFill>
+        <a:schemeClr val="lt1"/>
+      </a:solidFill>
+      <a:ln w="9525" cap="flat" cmpd="sng" algn="ctr">
+        <a:solidFill>
+          <a:schemeClr val="tx1">
+            <a:lumMod val="65000"/>
+            <a:lumOff val="35000"/>
+          </a:schemeClr>
+        </a:solidFill>
+        <a:round/>
+      </a:ln>
+    </cs:spPr>
+  </cs:upBar>
+  <cs:valueAxis>
+    <cs:lnRef idx="0"/>
+    <cs:fillRef idx="0"/>
+    <cs:effectRef idx="0"/>
+    <cs:fontRef idx="minor">
+      <a:schemeClr val="tx1">
+        <a:lumMod val="65000"/>
+        <a:lumOff val="35000"/>
+      </a:schemeClr>
+    </cs:fontRef>
+    <cs:spPr>
+      <a:ln w="9525" cap="flat" cmpd="sng" algn="ctr">
+        <a:solidFill>
+          <a:schemeClr val="tx1">
+            <a:lumMod val="25000"/>
+            <a:lumOff val="75000"/>
+          </a:schemeClr>
+        </a:solidFill>
+        <a:round/>
+      </a:ln>
+    </cs:spPr>
+    <cs:defRPr sz="900" kern="1200"/>
+  </cs:valueAxis>
+  <cs:wall>
+    <cs:lnRef idx="0"/>
+    <cs:fillRef idx="0"/>
+    <cs:effectRef idx="0"/>
+    <cs:fontRef idx="minor">
+      <a:schemeClr val="tx1"/>
+    </cs:fontRef>
+    <cs:spPr>
+      <a:noFill/>
+      <a:ln>
+        <a:noFill/>
+      </a:ln>
+    </cs:spPr>
+  </cs:wall>
+</cs:chartStyle>
+</file>
+
+<file path=ppt/charts/style2.xml><?xml version="1.0" encoding="utf-8"?>
+<cs:chartStyle xmlns:cs="http://schemas.microsoft.com/office/drawing/2012/chartStyle" xmlns:a="http://schemas.openxmlformats.org/drawingml/2006/main" id="240">
+  <cs:axisTitle>
+    <cs:lnRef idx="0"/>
+    <cs:fillRef idx="0"/>
+    <cs:effectRef idx="0"/>
+    <cs:fontRef idx="minor">
+      <a:schemeClr val="tx1">
+        <a:lumMod val="65000"/>
+        <a:lumOff val="35000"/>
+      </a:schemeClr>
+    </cs:fontRef>
+    <cs:defRPr sz="1000" kern="1200"/>
+  </cs:axisTitle>
+  <cs:categoryAxis>
+    <cs:lnRef idx="0"/>
+    <cs:fillRef idx="0"/>
+    <cs:effectRef idx="0"/>
+    <cs:fontRef idx="minor">
+      <a:schemeClr val="tx1">
+        <a:lumMod val="65000"/>
+        <a:lumOff val="35000"/>
+      </a:schemeClr>
+    </cs:fontRef>
+    <cs:spPr>
+      <a:ln w="9525" cap="flat" cmpd="sng" algn="ctr">
+        <a:solidFill>
+          <a:schemeClr val="tx1">
+            <a:lumMod val="25000"/>
+            <a:lumOff val="75000"/>
+          </a:schemeClr>
+        </a:solidFill>
+        <a:round/>
+      </a:ln>
+    </cs:spPr>
+    <cs:defRPr sz="900" kern="1200"/>
+  </cs:categoryAxis>
+  <cs:chartArea mods="allowNoFillOverride allowNoLineOverride">
+    <cs:lnRef idx="0"/>
+    <cs:fillRef idx="0"/>
+    <cs:effectRef idx="0"/>
+    <cs:fontRef idx="minor">
+      <a:schemeClr val="tx1"/>
+    </cs:fontRef>
+    <cs:spPr>
+      <a:solidFill>
+        <a:schemeClr val="bg1"/>
+      </a:solidFill>
+      <a:ln w="9525" cap="flat" cmpd="sng" algn="ctr">
+        <a:solidFill>
+          <a:schemeClr val="tx1">
+            <a:lumMod val="15000"/>
+            <a:lumOff val="85000"/>
+          </a:schemeClr>
+        </a:solidFill>
+        <a:round/>
+      </a:ln>
+    </cs:spPr>
+    <cs:defRPr sz="1000" kern="1200"/>
+  </cs:chartArea>
+  <cs:dataLabel>
+    <cs:lnRef idx="0"/>
+    <cs:fillRef idx="0"/>
+    <cs:effectRef idx="0"/>
+    <cs:fontRef idx="minor">
+      <a:schemeClr val="tx1">
+        <a:lumMod val="75000"/>
+        <a:lumOff val="25000"/>
+      </a:schemeClr>
+    </cs:fontRef>
+    <cs:defRPr sz="900" kern="1200"/>
+  </cs:dataLabel>
+  <cs:dataLabelCallout>
+    <cs:lnRef idx="0"/>
+    <cs:fillRef idx="0"/>
+    <cs:effectRef idx="0"/>
+    <cs:fontRef idx="minor">
+      <a:schemeClr val="dk1">
+        <a:lumMod val="65000"/>
+        <a:lumOff val="35000"/>
+      </a:schemeClr>
+    </cs:fontRef>
+    <cs:spPr>
+      <a:solidFill>
+        <a:schemeClr val="lt1"/>
+      </a:solidFill>
+      <a:ln>
+        <a:solidFill>
+          <a:schemeClr val="dk1">
+            <a:lumMod val="25000"/>
+            <a:lumOff val="75000"/>
+          </a:schemeClr>
+        </a:solidFill>
+      </a:ln>
+    </cs:spPr>
+    <cs:defRPr sz="900" kern="1200"/>
+    <cs:bodyPr rot="0" spcFirstLastPara="1" vertOverflow="clip" horzOverflow="clip" vert="horz" wrap="square" lIns="36576" tIns="18288" rIns="36576" bIns="18288" anchor="ctr" anchorCtr="1">
+      <a:spAutoFit/>
+    </cs:bodyPr>
+  </cs:dataLabelCallout>
+  <cs:dataPoint>
+    <cs:lnRef idx="0"/>
+    <cs:fillRef idx="1">
+      <cs:styleClr val="auto"/>
+    </cs:fillRef>
+    <cs:effectRef idx="0"/>
+    <cs:fontRef idx="minor">
+      <a:schemeClr val="tx1"/>
+    </cs:fontRef>
+  </cs:dataPoint>
+  <cs:dataPoint3D>
+    <cs:lnRef idx="0"/>
+    <cs:fillRef idx="1">
+      <cs:styleClr val="auto"/>
+    </cs:fillRef>
+    <cs:effectRef idx="0"/>
+    <cs:fontRef idx="minor">
+      <a:schemeClr val="tx1"/>
+    </cs:fontRef>
+  </cs:dataPoint3D>
+  <cs:dataPointLine>
+    <cs:lnRef idx="0">
+      <cs:styleClr val="auto"/>
+    </cs:lnRef>
+    <cs:fillRef idx="1"/>
+    <cs:effectRef idx="0"/>
+    <cs:fontRef idx="minor">
+      <a:schemeClr val="tx1"/>
+    </cs:fontRef>
+    <cs:spPr>
+      <a:ln w="19050" cap="rnd">
+        <a:solidFill>
+          <a:schemeClr val="phClr"/>
+        </a:solidFill>
+        <a:round/>
+      </a:ln>
+    </cs:spPr>
+  </cs:dataPointLine>
+  <cs:dataPointMarker>
+    <cs:lnRef idx="0">
+      <cs:styleClr val="auto"/>
+    </cs:lnRef>
+    <cs:fillRef idx="1">
+      <cs:styleClr val="auto"/>
+    </cs:fillRef>
+    <cs:effectRef idx="0"/>
+    <cs:fontRef idx="minor">
+      <a:schemeClr val="tx1"/>
+    </cs:fontRef>
+    <cs:spPr>
+      <a:ln w="9525">
+        <a:solidFill>
+          <a:schemeClr val="phClr"/>
+        </a:solidFill>
+      </a:ln>
+    </cs:spPr>
+  </cs:dataPointMarker>
+  <cs:dataPointMarkerLayout symbol="circle" size="5"/>
+  <cs:dataPointWireframe>
+    <cs:lnRef idx="0">
+      <cs:styleClr val="auto"/>
+    </cs:lnRef>
+    <cs:fillRef idx="0"/>
+    <cs:effectRef idx="0"/>
+    <cs:fontRef idx="minor">
+      <a:schemeClr val="dk1"/>
+    </cs:fontRef>
+    <cs:spPr>
+      <a:ln w="9525" cap="rnd">
+        <a:solidFill>
+          <a:schemeClr val="phClr"/>
+        </a:solidFill>
+        <a:round/>
+      </a:ln>
+    </cs:spPr>
+  </cs:dataPointWireframe>
+  <cs:dataTable>
+    <cs:lnRef idx="0"/>
+    <cs:fillRef idx="0"/>
+    <cs:effectRef idx="0"/>
+    <cs:fontRef idx="minor">
+      <a:schemeClr val="tx1">
+        <a:lumMod val="65000"/>
+        <a:lumOff val="35000"/>
+      </a:schemeClr>
+    </cs:fontRef>
+    <cs:spPr>
+      <a:noFill/>
+      <a:ln w="9525" cap="flat" cmpd="sng" algn="ctr">
+        <a:solidFill>
+          <a:schemeClr val="tx1">
+            <a:lumMod val="15000"/>
+            <a:lumOff val="85000"/>
+          </a:schemeClr>
+        </a:solidFill>
+        <a:round/>
+      </a:ln>
+    </cs:spPr>
+    <cs:defRPr sz="900" kern="1200"/>
+  </cs:dataTable>
+  <cs:downBar>
+    <cs:lnRef idx="0"/>
+    <cs:fillRef idx="0"/>
+    <cs:effectRef idx="0"/>
+    <cs:fontRef idx="minor">
+      <a:schemeClr val="tx1"/>
+    </cs:fontRef>
+    <cs:spPr>
+      <a:solidFill>
+        <a:schemeClr val="dk1">
+          <a:lumMod val="75000"/>
+          <a:lumOff val="25000"/>
+        </a:schemeClr>
+      </a:solidFill>
+      <a:ln w="9525" cap="flat" cmpd="sng" algn="ctr">
+        <a:solidFill>
+          <a:schemeClr val="tx1">
+            <a:lumMod val="65000"/>
+            <a:lumOff val="35000"/>
+          </a:schemeClr>
+        </a:solidFill>
+        <a:round/>
+      </a:ln>
+    </cs:spPr>
+  </cs:downBar>
+  <cs:dropLine>
+    <cs:lnRef idx="0"/>
+    <cs:fillRef idx="0"/>
+    <cs:effectRef idx="0"/>
+    <cs:fontRef idx="minor">
+      <a:schemeClr val="tx1"/>
+    </cs:fontRef>
+    <cs:spPr>
+      <a:ln w="9525" cap="flat" cmpd="sng" algn="ctr">
+        <a:solidFill>
+          <a:schemeClr val="tx1">
+            <a:lumMod val="35000"/>
+            <a:lumOff val="65000"/>
+          </a:schemeClr>
+        </a:solidFill>
+        <a:round/>
+      </a:ln>
+    </cs:spPr>
+  </cs:dropLine>
+  <cs:errorBar>
+    <cs:lnRef idx="0"/>
+    <cs:fillRef idx="0"/>
+    <cs:effectRef idx="0"/>
+    <cs:fontRef idx="minor">
+      <a:schemeClr val="tx1"/>
+    </cs:fontRef>
+    <cs:spPr>
+      <a:ln w="9525" cap="flat" cmpd="sng" algn="ctr">
+        <a:solidFill>
+          <a:schemeClr val="tx1">
+            <a:lumMod val="65000"/>
+            <a:lumOff val="35000"/>
+          </a:schemeClr>
+        </a:solidFill>
+        <a:round/>
+      </a:ln>
+    </cs:spPr>
+  </cs:errorBar>
+  <cs:floor>
+    <cs:lnRef idx="0"/>
+    <cs:fillRef idx="0"/>
+    <cs:effectRef idx="0"/>
+    <cs:fontRef idx="minor">
+      <a:schemeClr val="tx1"/>
+    </cs:fontRef>
+    <cs:spPr>
+      <a:noFill/>
+      <a:ln>
+        <a:noFill/>
+      </a:ln>
+    </cs:spPr>
+  </cs:floor>
+  <cs:gridlineMajor>
+    <cs:lnRef idx="0"/>
+    <cs:fillRef idx="0"/>
+    <cs:effectRef idx="0"/>
+    <cs:fontRef idx="minor">
+      <a:schemeClr val="tx1"/>
+    </cs:fontRef>
+    <cs:spPr>
+      <a:ln w="9525" cap="flat" cmpd="sng" algn="ctr">
+        <a:solidFill>
+          <a:schemeClr val="tx1">
+            <a:lumMod val="15000"/>
+            <a:lumOff val="85000"/>
+          </a:schemeClr>
+        </a:solidFill>
+        <a:round/>
+      </a:ln>
+    </cs:spPr>
+  </cs:gridlineMajor>
+  <cs:gridlineMinor>
+    <cs:lnRef idx="0"/>
+    <cs:fillRef idx="0"/>
+    <cs:effectRef idx="0"/>
+    <cs:fontRef idx="minor">
+      <a:schemeClr val="tx1"/>
+    </cs:fontRef>
+    <cs:spPr>
+      <a:ln w="9525" cap="flat" cmpd="sng" algn="ctr">
+        <a:solidFill>
+          <a:schemeClr val="tx1">
+            <a:lumMod val="5000"/>
+            <a:lumOff val="95000"/>
+          </a:schemeClr>
+        </a:solidFill>
+        <a:round/>
+      </a:ln>
+    </cs:spPr>
+  </cs:gridlineMinor>
+  <cs:hiLoLine>
+    <cs:lnRef idx="0"/>
+    <cs:fillRef idx="0"/>
+    <cs:effectRef idx="0"/>
+    <cs:fontRef idx="minor">
+      <a:schemeClr val="tx1"/>
+    </cs:fontRef>
+    <cs:spPr>
+      <a:ln w="9525" cap="flat" cmpd="sng" algn="ctr">
+        <a:solidFill>
+          <a:schemeClr val="tx1">
+            <a:lumMod val="50000"/>
+            <a:lumOff val="50000"/>
+          </a:schemeClr>
+        </a:solidFill>
+        <a:round/>
+      </a:ln>
+    </cs:spPr>
+  </cs:hiLoLine>
+  <cs:leaderLine>
+    <cs:lnRef idx="0"/>
+    <cs:fillRef idx="0"/>
+    <cs:effectRef idx="0"/>
+    <cs:fontRef idx="minor">
+      <a:schemeClr val="tx1"/>
+    </cs:fontRef>
+    <cs:spPr>
+      <a:ln w="9525" cap="flat" cmpd="sng" algn="ctr">
+        <a:solidFill>
+          <a:schemeClr val="tx1">
+            <a:lumMod val="35000"/>
+            <a:lumOff val="65000"/>
+          </a:schemeClr>
+        </a:solidFill>
+        <a:round/>
+      </a:ln>
+    </cs:spPr>
+  </cs:leaderLine>
+  <cs:legend>
+    <cs:lnRef idx="0"/>
+    <cs:fillRef idx="0"/>
+    <cs:effectRef idx="0"/>
+    <cs:fontRef idx="minor">
+      <a:schemeClr val="tx1">
+        <a:lumMod val="65000"/>
+        <a:lumOff val="35000"/>
+      </a:schemeClr>
+    </cs:fontRef>
+    <cs:defRPr sz="900" kern="1200"/>
+  </cs:legend>
+  <cs:plotArea mods="allowNoFillOverride allowNoLineOverride">
+    <cs:lnRef idx="0"/>
+    <cs:fillRef idx="0"/>
+    <cs:effectRef idx="0"/>
+    <cs:fontRef idx="minor">
+      <a:schemeClr val="tx1"/>
+    </cs:fontRef>
+  </cs:plotArea>
+  <cs:plotArea3D mods="allowNoFillOverride allowNoLineOverride">
+    <cs:lnRef idx="0"/>
+    <cs:fillRef idx="0"/>
+    <cs:effectRef idx="0"/>
+    <cs:fontRef idx="minor">
+      <a:schemeClr val="tx1"/>
+    </cs:fontRef>
+  </cs:plotArea3D>
+  <cs:seriesAxis>
+    <cs:lnRef idx="0"/>
+    <cs:fillRef idx="0"/>
+    <cs:effectRef idx="0"/>
+    <cs:fontRef idx="minor">
+      <a:schemeClr val="tx1">
+        <a:lumMod val="65000"/>
+        <a:lumOff val="35000"/>
+      </a:schemeClr>
+    </cs:fontRef>
+    <cs:defRPr sz="900" kern="1200"/>
+  </cs:seriesAxis>
+  <cs:seriesLine>
+    <cs:lnRef idx="0"/>
+    <cs:fillRef idx="0"/>
+    <cs:effectRef idx="0"/>
+    <cs:fontRef idx="minor">
+      <a:schemeClr val="tx1"/>
+    </cs:fontRef>
+    <cs:spPr>
+      <a:ln w="9525" cap="flat" cmpd="sng" algn="ctr">
+        <a:solidFill>
+          <a:schemeClr val="tx1">
+            <a:lumMod val="35000"/>
+            <a:lumOff val="65000"/>
+          </a:schemeClr>
+        </a:solidFill>
+        <a:round/>
+      </a:ln>
+    </cs:spPr>
+  </cs:seriesLine>
+  <cs:title>
+    <cs:lnRef idx="0"/>
+    <cs:fillRef idx="0"/>
+    <cs:effectRef idx="0"/>
+    <cs:fontRef idx="minor">
+      <a:schemeClr val="tx1">
+        <a:lumMod val="65000"/>
+        <a:lumOff val="35000"/>
+      </a:schemeClr>
+    </cs:fontRef>
+    <cs:defRPr sz="1400" b="0" kern="1200" spc="0" baseline="0"/>
+  </cs:title>
+  <cs:trendline>
+    <cs:lnRef idx="0">
+      <cs:styleClr val="auto"/>
+    </cs:lnRef>
+    <cs:fillRef idx="0"/>
+    <cs:effectRef idx="0"/>
+    <cs:fontRef idx="minor">
+      <a:schemeClr val="tx1"/>
+    </cs:fontRef>
+    <cs:spPr>
+      <a:ln w="19050" cap="rnd">
+        <a:solidFill>
+          <a:schemeClr val="phClr"/>
+        </a:solidFill>
+        <a:prstDash val="sysDot"/>
+      </a:ln>
+    </cs:spPr>
+  </cs:trendline>
+  <cs:trendlineLabel>
+    <cs:lnRef idx="0"/>
+    <cs:fillRef idx="0"/>
+    <cs:effectRef idx="0"/>
+    <cs:fontRef idx="minor">
+      <a:schemeClr val="tx1">
+        <a:lumMod val="65000"/>
+        <a:lumOff val="35000"/>
+      </a:schemeClr>
+    </cs:fontRef>
+    <cs:defRPr sz="900" kern="1200"/>
+  </cs:trendlineLabel>
+  <cs:upBar>
+    <cs:lnRef idx="0"/>
+    <cs:fillRef idx="0"/>
+    <cs:effectRef idx="0"/>
+    <cs:fontRef idx="minor">
+      <a:schemeClr val="tx1"/>
+    </cs:fontRef>
+    <cs:spPr>
+      <a:solidFill>
+        <a:schemeClr val="lt1"/>
+      </a:solidFill>
+      <a:ln w="9525" cap="flat" cmpd="sng" algn="ctr">
+        <a:solidFill>
+          <a:schemeClr val="tx1">
+            <a:lumMod val="65000"/>
+            <a:lumOff val="35000"/>
+          </a:schemeClr>
+        </a:solidFill>
+        <a:round/>
+      </a:ln>
+    </cs:spPr>
+  </cs:upBar>
+  <cs:valueAxis>
+    <cs:lnRef idx="0"/>
+    <cs:fillRef idx="0"/>
+    <cs:effectRef idx="0"/>
+    <cs:fontRef idx="minor">
+      <a:schemeClr val="tx1">
+        <a:lumMod val="65000"/>
+        <a:lumOff val="35000"/>
+      </a:schemeClr>
+    </cs:fontRef>
+    <cs:spPr>
+      <a:ln w="9525" cap="flat" cmpd="sng" algn="ctr">
+        <a:solidFill>
+          <a:schemeClr val="tx1">
+            <a:lumMod val="25000"/>
+            <a:lumOff val="75000"/>
+          </a:schemeClr>
+        </a:solidFill>
+        <a:round/>
+      </a:ln>
+    </cs:spPr>
+    <cs:defRPr sz="900" kern="1200"/>
+  </cs:valueAxis>
+  <cs:wall>
+    <cs:lnRef idx="0"/>
+    <cs:fillRef idx="0"/>
+    <cs:effectRef idx="0"/>
+    <cs:fontRef idx="minor">
+      <a:schemeClr val="tx1"/>
+    </cs:fontRef>
+    <cs:spPr>
+      <a:noFill/>
+      <a:ln>
+        <a:noFill/>
+      </a:ln>
+    </cs:spPr>
+  </cs:wall>
+</cs:chartStyle>
+</file>
+
 <file path=ppt/slideLayouts/slideLayout1.xml><?xml version="1.0" encoding="utf-8"?>
 <p:sldLayout xmlns:a="http://schemas.openxmlformats.org/drawingml/2006/main" xmlns:r="http://schemas.openxmlformats.org/officeDocument/2006/relationships" xmlns:p="http://schemas.openxmlformats.org/presentationml/2006/main" type="title" preserve="1">
   <p:cSld name="Title Slide">
@@ -290,7 +8354,7 @@
           <a:p>
             <a:fld id="{90E14D26-B327-FE4B-8AD5-A0128DE9A06A}" type="datetimeFigureOut">
               <a:rPr lang="en-US" smtClean="0"/>
-              <a:t>8/31/22</a:t>
+              <a:t>9/2/22</a:t>
             </a:fld>
             <a:endParaRPr lang="en-US"/>
           </a:p>
@@ -557,7 +8621,7 @@
           <a:p>
             <a:fld id="{90E14D26-B327-FE4B-8AD5-A0128DE9A06A}" type="datetimeFigureOut">
               <a:rPr lang="en-US" smtClean="0"/>
-              <a:t>8/31/22</a:t>
+              <a:t>9/2/22</a:t>
             </a:fld>
             <a:endParaRPr lang="en-US"/>
           </a:p>
@@ -788,7 +8852,7 @@
           <a:p>
             <a:fld id="{90E14D26-B327-FE4B-8AD5-A0128DE9A06A}" type="datetimeFigureOut">
               <a:rPr lang="en-US" smtClean="0"/>
-              <a:t>8/31/22</a:t>
+              <a:t>9/2/22</a:t>
             </a:fld>
             <a:endParaRPr lang="en-US"/>
           </a:p>
@@ -1098,7 +9162,7 @@
           <a:p>
             <a:fld id="{90E14D26-B327-FE4B-8AD5-A0128DE9A06A}" type="datetimeFigureOut">
               <a:rPr lang="en-US" smtClean="0"/>
-              <a:t>8/31/22</a:t>
+              <a:t>9/2/22</a:t>
             </a:fld>
             <a:endParaRPr lang="en-US"/>
           </a:p>
@@ -1571,7 +9635,7 @@
           <a:p>
             <a:fld id="{90E14D26-B327-FE4B-8AD5-A0128DE9A06A}" type="datetimeFigureOut">
               <a:rPr lang="en-US" smtClean="0"/>
-              <a:t>8/31/22</a:t>
+              <a:t>9/2/22</a:t>
             </a:fld>
             <a:endParaRPr lang="en-US"/>
           </a:p>
@@ -2118,7 +10182,7 @@
           <a:p>
             <a:fld id="{90E14D26-B327-FE4B-8AD5-A0128DE9A06A}" type="datetimeFigureOut">
               <a:rPr lang="en-US" smtClean="0"/>
-              <a:t>8/31/22</a:t>
+              <a:t>9/2/22</a:t>
             </a:fld>
             <a:endParaRPr lang="en-US"/>
           </a:p>
@@ -2892,7 +10956,7 @@
           <a:p>
             <a:fld id="{90E14D26-B327-FE4B-8AD5-A0128DE9A06A}" type="datetimeFigureOut">
               <a:rPr lang="en-US" smtClean="0"/>
-              <a:t>8/31/22</a:t>
+              <a:t>9/2/22</a:t>
             </a:fld>
             <a:endParaRPr lang="en-US"/>
           </a:p>
@@ -3067,7 +11131,7 @@
           <a:p>
             <a:fld id="{90E14D26-B327-FE4B-8AD5-A0128DE9A06A}" type="datetimeFigureOut">
               <a:rPr lang="en-US" smtClean="0"/>
-              <a:t>8/31/22</a:t>
+              <a:t>9/2/22</a:t>
             </a:fld>
             <a:endParaRPr lang="en-US"/>
           </a:p>
@@ -3290,7 +11354,7 @@
           <a:p>
             <a:fld id="{90E14D26-B327-FE4B-8AD5-A0128DE9A06A}" type="datetimeFigureOut">
               <a:rPr lang="en-US" smtClean="0"/>
-              <a:t>8/31/22</a:t>
+              <a:t>9/2/22</a:t>
             </a:fld>
             <a:endParaRPr lang="en-US"/>
           </a:p>
@@ -3470,7 +11534,7 @@
           <a:p>
             <a:fld id="{90E14D26-B327-FE4B-8AD5-A0128DE9A06A}" type="datetimeFigureOut">
               <a:rPr lang="en-US" smtClean="0"/>
-              <a:t>8/31/22</a:t>
+              <a:t>9/2/22</a:t>
             </a:fld>
             <a:endParaRPr lang="en-US"/>
           </a:p>
@@ -3759,7 +11823,7 @@
           <a:p>
             <a:fld id="{90E14D26-B327-FE4B-8AD5-A0128DE9A06A}" type="datetimeFigureOut">
               <a:rPr lang="en-US" smtClean="0"/>
-              <a:t>8/31/22</a:t>
+              <a:t>9/2/22</a:t>
             </a:fld>
             <a:endParaRPr lang="en-US"/>
           </a:p>
@@ -4001,7 +12065,7 @@
           <a:p>
             <a:fld id="{90E14D26-B327-FE4B-8AD5-A0128DE9A06A}" type="datetimeFigureOut">
               <a:rPr lang="en-US" smtClean="0"/>
-              <a:t>8/31/22</a:t>
+              <a:t>9/2/22</a:t>
             </a:fld>
             <a:endParaRPr lang="en-US"/>
           </a:p>
@@ -4380,7 +12444,7 @@
           <a:p>
             <a:fld id="{90E14D26-B327-FE4B-8AD5-A0128DE9A06A}" type="datetimeFigureOut">
               <a:rPr lang="en-US" smtClean="0"/>
-              <a:t>8/31/22</a:t>
+              <a:t>9/2/22</a:t>
             </a:fld>
             <a:endParaRPr lang="en-US"/>
           </a:p>
@@ -4498,7 +12562,7 @@
           <a:p>
             <a:fld id="{90E14D26-B327-FE4B-8AD5-A0128DE9A06A}" type="datetimeFigureOut">
               <a:rPr lang="en-US" smtClean="0"/>
-              <a:t>8/31/22</a:t>
+              <a:t>9/2/22</a:t>
             </a:fld>
             <a:endParaRPr lang="en-US"/>
           </a:p>
@@ -4593,7 +12657,7 @@
           <a:p>
             <a:fld id="{90E14D26-B327-FE4B-8AD5-A0128DE9A06A}" type="datetimeFigureOut">
               <a:rPr lang="en-US" smtClean="0"/>
-              <a:t>8/31/22</a:t>
+              <a:t>9/2/22</a:t>
             </a:fld>
             <a:endParaRPr lang="en-US"/>
           </a:p>
@@ -4842,7 +12906,7 @@
           <a:p>
             <a:fld id="{90E14D26-B327-FE4B-8AD5-A0128DE9A06A}" type="datetimeFigureOut">
               <a:rPr lang="en-US" smtClean="0"/>
-              <a:t>8/31/22</a:t>
+              <a:t>9/2/22</a:t>
             </a:fld>
             <a:endParaRPr lang="en-US"/>
           </a:p>
@@ -5099,7 +13163,7 @@
           <a:p>
             <a:fld id="{90E14D26-B327-FE4B-8AD5-A0128DE9A06A}" type="datetimeFigureOut">
               <a:rPr lang="en-US" smtClean="0"/>
-              <a:t>8/31/22</a:t>
+              <a:t>9/2/22</a:t>
             </a:fld>
             <a:endParaRPr lang="en-US"/>
           </a:p>
@@ -5342,7 +13406,7 @@
           <a:p>
             <a:fld id="{90E14D26-B327-FE4B-8AD5-A0128DE9A06A}" type="datetimeFigureOut">
               <a:rPr lang="en-US" smtClean="0"/>
-              <a:t>8/31/22</a:t>
+              <a:t>9/2/22</a:t>
             </a:fld>
             <a:endParaRPr lang="en-US"/>
           </a:p>
@@ -5827,6 +13891,185 @@
 </p:sld>
 </file>
 
+<file path=ppt/slides/slide10.xml><?xml version="1.0" encoding="utf-8"?>
+<p:sld xmlns:a="http://schemas.openxmlformats.org/drawingml/2006/main" xmlns:r="http://schemas.openxmlformats.org/officeDocument/2006/relationships" xmlns:p="http://schemas.openxmlformats.org/presentationml/2006/main">
+  <p:cSld>
+    <p:spTree>
+      <p:nvGrpSpPr>
+        <p:cNvPr id="1" name=""/>
+        <p:cNvGrpSpPr/>
+        <p:nvPr/>
+      </p:nvGrpSpPr>
+      <p:grpSpPr>
+        <a:xfrm>
+          <a:off x="0" y="0"/>
+          <a:ext cx="0" cy="0"/>
+          <a:chOff x="0" y="0"/>
+          <a:chExt cx="0" cy="0"/>
+        </a:xfrm>
+      </p:grpSpPr>
+      <p:sp>
+        <p:nvSpPr>
+          <p:cNvPr id="2" name="Title 1">
+            <a:extLst>
+              <a:ext uri="{FF2B5EF4-FFF2-40B4-BE49-F238E27FC236}">
+                <a16:creationId xmlns:a16="http://schemas.microsoft.com/office/drawing/2014/main" id="{FE226793-8726-3792-E5F0-BBF385D649FA}"/>
+              </a:ext>
+            </a:extLst>
+          </p:cNvPr>
+          <p:cNvSpPr>
+            <a:spLocks noGrp="1"/>
+          </p:cNvSpPr>
+          <p:nvPr>
+            <p:ph type="title"/>
+          </p:nvPr>
+        </p:nvSpPr>
+        <p:spPr/>
+        <p:txBody>
+          <a:bodyPr/>
+          <a:lstStyle/>
+          <a:p>
+            <a:r>
+              <a:rPr lang="en-US" dirty="0"/>
+              <a:t>To DO</a:t>
+            </a:r>
+          </a:p>
+        </p:txBody>
+      </p:sp>
+      <p:sp>
+        <p:nvSpPr>
+          <p:cNvPr id="3" name="Content Placeholder 2">
+            <a:extLst>
+              <a:ext uri="{FF2B5EF4-FFF2-40B4-BE49-F238E27FC236}">
+                <a16:creationId xmlns:a16="http://schemas.microsoft.com/office/drawing/2014/main" id="{2CD07B31-0262-A3B6-EC3D-9CFADCC7A338}"/>
+              </a:ext>
+            </a:extLst>
+          </p:cNvPr>
+          <p:cNvSpPr>
+            <a:spLocks noGrp="1"/>
+          </p:cNvSpPr>
+          <p:nvPr>
+            <p:ph idx="1"/>
+          </p:nvPr>
+        </p:nvSpPr>
+        <p:spPr/>
+        <p:txBody>
+          <a:bodyPr/>
+          <a:lstStyle/>
+          <a:p>
+            <a:r>
+              <a:rPr lang="en-US" dirty="0"/>
+              <a:t>Read </a:t>
+            </a:r>
+            <a:r>
+              <a:rPr lang="en-US" dirty="0" err="1"/>
+              <a:t>Rothermel</a:t>
+            </a:r>
+            <a:r>
+              <a:rPr lang="en-US" dirty="0"/>
+              <a:t> Paper</a:t>
+            </a:r>
+          </a:p>
+          <a:p>
+            <a:r>
+              <a:rPr lang="en-US" sz="1900" dirty="0"/>
+              <a:t>Write report on pressure sensors</a:t>
+            </a:r>
+          </a:p>
+          <a:p>
+            <a:pPr lvl="1"/>
+            <a:r>
+              <a:rPr lang="en-US" sz="1900" dirty="0"/>
+              <a:t>Waiting for final FF2 simulation before I can write the report</a:t>
+            </a:r>
+            <a:endParaRPr lang="en-US" sz="2100" dirty="0"/>
+          </a:p>
+          <a:p>
+            <a:r>
+              <a:rPr lang="en-US" dirty="0"/>
+              <a:t>Add SODAR Data to the sounding</a:t>
+            </a:r>
+          </a:p>
+          <a:p>
+            <a:r>
+              <a:rPr lang="en-US" dirty="0"/>
+              <a:t>Get final ff2 simulation</a:t>
+            </a:r>
+          </a:p>
+          <a:p>
+            <a:r>
+              <a:rPr lang="en-US" dirty="0"/>
+              <a:t>Compute ROS with </a:t>
+            </a:r>
+            <a:r>
+              <a:rPr lang="en-US" dirty="0" err="1"/>
+              <a:t>Rothermel</a:t>
+            </a:r>
+            <a:r>
+              <a:rPr lang="en-US" dirty="0"/>
+              <a:t> model</a:t>
+            </a:r>
+          </a:p>
+          <a:p>
+            <a:r>
+              <a:rPr lang="en-US" dirty="0"/>
+              <a:t>Compute ROS with </a:t>
+            </a:r>
+            <a:r>
+              <a:rPr lang="en-US" dirty="0" err="1"/>
+              <a:t>Balbi</a:t>
+            </a:r>
+            <a:r>
+              <a:rPr lang="en-US" dirty="0"/>
+              <a:t> model (once that’s implemented)</a:t>
+            </a:r>
+          </a:p>
+          <a:p>
+            <a:r>
+              <a:rPr lang="en-US" dirty="0"/>
+              <a:t>Make </a:t>
+            </a:r>
+            <a:r>
+              <a:rPr lang="en-US" dirty="0" err="1"/>
+              <a:t>powerpoint</a:t>
+            </a:r>
+            <a:r>
+              <a:rPr lang="en-US" dirty="0"/>
+              <a:t> about </a:t>
+            </a:r>
+            <a:r>
+              <a:rPr lang="en-US" dirty="0" err="1"/>
+              <a:t>Balbi</a:t>
+            </a:r>
+            <a:r>
+              <a:rPr lang="en-US" dirty="0"/>
+              <a:t> paper if Dr. Kochanski wants me to</a:t>
+            </a:r>
+          </a:p>
+          <a:p>
+            <a:pPr marL="0" indent="0">
+              <a:buNone/>
+            </a:pPr>
+            <a:endParaRPr lang="en-US" dirty="0"/>
+          </a:p>
+          <a:p>
+            <a:endParaRPr lang="en-US" dirty="0"/>
+          </a:p>
+        </p:txBody>
+      </p:sp>
+    </p:spTree>
+    <p:extLst>
+      <p:ext uri="{BB962C8B-B14F-4D97-AF65-F5344CB8AC3E}">
+        <p14:creationId xmlns:p14="http://schemas.microsoft.com/office/powerpoint/2010/main" val="2972342186"/>
+      </p:ext>
+    </p:extLst>
+  </p:cSld>
+  <p:clrMapOvr>
+    <a:masterClrMapping/>
+  </p:clrMapOvr>
+</p:sld>
+</file>
+
 <file path=ppt/slides/slide2.xml><?xml version="1.0" encoding="utf-8"?>
 <p:sld xmlns:a="http://schemas.openxmlformats.org/drawingml/2006/main" xmlns:r="http://schemas.openxmlformats.org/officeDocument/2006/relationships" xmlns:p="http://schemas.openxmlformats.org/presentationml/2006/main">
   <p:cSld>
@@ -5891,7 +14134,7 @@
         <p:spPr/>
         <p:txBody>
           <a:bodyPr>
-            <a:normAutofit fontScale="85000" lnSpcReduction="20000"/>
+            <a:normAutofit fontScale="77500" lnSpcReduction="20000"/>
           </a:bodyPr>
           <a:lstStyle/>
           <a:p>
@@ -5999,6 +14242,17 @@
             <a:r>
               <a:rPr lang="en-US" sz="1900" dirty="0"/>
               <a:t>Completed</a:t>
+            </a:r>
+          </a:p>
+          <a:p>
+            <a:pPr lvl="2"/>
+            <a:r>
+              <a:rPr lang="en-US" sz="1700" dirty="0">
+                <a:highlight>
+                  <a:srgbClr val="00FFFF"/>
+                </a:highlight>
+              </a:rPr>
+              <a:t>If you want a small presentation of the paper, please let me know and I would be happy to make one</a:t>
             </a:r>
           </a:p>
           <a:p>
@@ -7120,8 +15374,8 @@
         </p:nvSpPr>
         <p:spPr>
           <a:xfrm>
-            <a:off x="4201213" y="1795139"/>
-            <a:ext cx="3789574" cy="369332"/>
+            <a:off x="2441448" y="1795139"/>
+            <a:ext cx="7214615" cy="369332"/>
           </a:xfrm>
           <a:prstGeom prst="rect">
             <a:avLst/>
@@ -7136,7 +15390,7 @@
           <a:p>
             <a:r>
               <a:rPr lang="en-US" dirty="0"/>
-              <a:t>1m/s added to 5.46m and 0.3 z0</a:t>
+              <a:t>1m/s added to the already modified 5.46m winds and 0.3 z0</a:t>
             </a:r>
           </a:p>
         </p:txBody>
@@ -7528,6 +15782,152 @@
           <p:cNvPr id="2" name="Title 1">
             <a:extLst>
               <a:ext uri="{FF2B5EF4-FFF2-40B4-BE49-F238E27FC236}">
+                <a16:creationId xmlns:a16="http://schemas.microsoft.com/office/drawing/2014/main" id="{CC6E381F-86DF-CC61-AD63-36AEF6AC520C}"/>
+              </a:ext>
+            </a:extLst>
+          </p:cNvPr>
+          <p:cNvSpPr>
+            <a:spLocks noGrp="1"/>
+          </p:cNvSpPr>
+          <p:nvPr>
+            <p:ph type="title"/>
+          </p:nvPr>
+        </p:nvSpPr>
+        <p:spPr/>
+        <p:txBody>
+          <a:bodyPr/>
+          <a:lstStyle/>
+          <a:p>
+            <a:r>
+              <a:rPr lang="en-US" dirty="0"/>
+              <a:t>Interpolating SODAR data</a:t>
+            </a:r>
+          </a:p>
+        </p:txBody>
+      </p:sp>
+      <p:sp>
+        <p:nvSpPr>
+          <p:cNvPr id="3" name="Content Placeholder 2">
+            <a:extLst>
+              <a:ext uri="{FF2B5EF4-FFF2-40B4-BE49-F238E27FC236}">
+                <a16:creationId xmlns:a16="http://schemas.microsoft.com/office/drawing/2014/main" id="{D78FE799-FBC0-6FBC-AC5D-2F85FA180137}"/>
+              </a:ext>
+            </a:extLst>
+          </p:cNvPr>
+          <p:cNvSpPr>
+            <a:spLocks noGrp="1"/>
+          </p:cNvSpPr>
+          <p:nvPr>
+            <p:ph idx="1"/>
+          </p:nvPr>
+        </p:nvSpPr>
+        <p:spPr/>
+        <p:txBody>
+          <a:bodyPr/>
+          <a:lstStyle/>
+          <a:p>
+            <a:r>
+              <a:rPr lang="en-US" dirty="0"/>
+              <a:t>To interpolate the data, I took the average of the first and last points before the empty values and filled the data with that</a:t>
+            </a:r>
+          </a:p>
+        </p:txBody>
+      </p:sp>
+      <p:graphicFrame>
+        <p:nvGraphicFramePr>
+          <p:cNvPr id="6" name="Chart 5">
+            <a:extLst>
+              <a:ext uri="{FF2B5EF4-FFF2-40B4-BE49-F238E27FC236}">
+                <a16:creationId xmlns:a16="http://schemas.microsoft.com/office/drawing/2014/main" id="{ED065CBF-D5C4-B8A0-E516-9FF2CC16C4D9}"/>
+              </a:ext>
+            </a:extLst>
+          </p:cNvPr>
+          <p:cNvGraphicFramePr>
+            <a:graphicFrameLocks noGrp="1"/>
+          </p:cNvGraphicFramePr>
+          <p:nvPr>
+            <p:extLst>
+              <p:ext uri="{D42A27DB-BD31-4B8C-83A1-F6EECF244321}">
+                <p14:modId xmlns:p14="http://schemas.microsoft.com/office/powerpoint/2010/main" val="1001070472"/>
+              </p:ext>
+            </p:extLst>
+          </p:nvPr>
+        </p:nvGraphicFramePr>
+        <p:xfrm>
+          <a:off x="808891" y="3429000"/>
+          <a:ext cx="3865807" cy="3228701"/>
+        </p:xfrm>
+        <a:graphic>
+          <a:graphicData uri="http://schemas.openxmlformats.org/drawingml/2006/chart">
+            <c:chart xmlns:c="http://schemas.openxmlformats.org/drawingml/2006/chart" xmlns:r="http://schemas.openxmlformats.org/officeDocument/2006/relationships" r:id="rId2"/>
+          </a:graphicData>
+        </a:graphic>
+      </p:graphicFrame>
+      <p:graphicFrame>
+        <p:nvGraphicFramePr>
+          <p:cNvPr id="7" name="Chart 6">
+            <a:extLst>
+              <a:ext uri="{FF2B5EF4-FFF2-40B4-BE49-F238E27FC236}">
+                <a16:creationId xmlns:a16="http://schemas.microsoft.com/office/drawing/2014/main" id="{C23CA2A9-F26C-5F29-DBC7-A41475856B53}"/>
+              </a:ext>
+            </a:extLst>
+          </p:cNvPr>
+          <p:cNvGraphicFramePr>
+            <a:graphicFrameLocks noGrp="1"/>
+          </p:cNvGraphicFramePr>
+          <p:nvPr>
+            <p:extLst>
+              <p:ext uri="{D42A27DB-BD31-4B8C-83A1-F6EECF244321}">
+                <p14:modId xmlns:p14="http://schemas.microsoft.com/office/powerpoint/2010/main" val="3743052959"/>
+              </p:ext>
+            </p:extLst>
+          </p:nvPr>
+        </p:nvGraphicFramePr>
+        <p:xfrm>
+          <a:off x="6096000" y="3525715"/>
+          <a:ext cx="4276115" cy="3035270"/>
+        </p:xfrm>
+        <a:graphic>
+          <a:graphicData uri="http://schemas.openxmlformats.org/drawingml/2006/chart">
+            <c:chart xmlns:c="http://schemas.openxmlformats.org/drawingml/2006/chart" xmlns:r="http://schemas.openxmlformats.org/officeDocument/2006/relationships" r:id="rId3"/>
+          </a:graphicData>
+        </a:graphic>
+      </p:graphicFrame>
+    </p:spTree>
+    <p:extLst>
+      <p:ext uri="{BB962C8B-B14F-4D97-AF65-F5344CB8AC3E}">
+        <p14:creationId xmlns:p14="http://schemas.microsoft.com/office/powerpoint/2010/main" val="2149683952"/>
+      </p:ext>
+    </p:extLst>
+  </p:cSld>
+  <p:clrMapOvr>
+    <a:masterClrMapping/>
+  </p:clrMapOvr>
+</p:sld>
+</file>
+
+<file path=ppt/slides/slide9.xml><?xml version="1.0" encoding="utf-8"?>
+<p:sld xmlns:a="http://schemas.openxmlformats.org/drawingml/2006/main" xmlns:r="http://schemas.openxmlformats.org/officeDocument/2006/relationships" xmlns:p="http://schemas.openxmlformats.org/presentationml/2006/main">
+  <p:cSld>
+    <p:spTree>
+      <p:nvGrpSpPr>
+        <p:cNvPr id="1" name=""/>
+        <p:cNvGrpSpPr/>
+        <p:nvPr/>
+      </p:nvGrpSpPr>
+      <p:grpSpPr>
+        <a:xfrm>
+          <a:off x="0" y="0"/>
+          <a:ext cx="0" cy="0"/>
+          <a:chOff x="0" y="0"/>
+          <a:chExt cx="0" cy="0"/>
+        </a:xfrm>
+      </p:grpSpPr>
+      <p:sp>
+        <p:nvSpPr>
+          <p:cNvPr id="2" name="Title 1">
+            <a:extLst>
+              <a:ext uri="{FF2B5EF4-FFF2-40B4-BE49-F238E27FC236}">
                 <a16:creationId xmlns:a16="http://schemas.microsoft.com/office/drawing/2014/main" id="{98505108-D866-C2D6-9647-3D26580367FC}"/>
               </a:ext>
             </a:extLst>
@@ -7691,157 +16091,6 @@
     <p:extLst>
       <p:ext uri="{BB962C8B-B14F-4D97-AF65-F5344CB8AC3E}">
         <p14:creationId xmlns:p14="http://schemas.microsoft.com/office/powerpoint/2010/main" val="1283250693"/>
-      </p:ext>
-    </p:extLst>
-  </p:cSld>
-  <p:clrMapOvr>
-    <a:masterClrMapping/>
-  </p:clrMapOvr>
-</p:sld>
-</file>
-
-<file path=ppt/slides/slide9.xml><?xml version="1.0" encoding="utf-8"?>
-<p:sld xmlns:a="http://schemas.openxmlformats.org/drawingml/2006/main" xmlns:r="http://schemas.openxmlformats.org/officeDocument/2006/relationships" xmlns:p="http://schemas.openxmlformats.org/presentationml/2006/main">
-  <p:cSld>
-    <p:spTree>
-      <p:nvGrpSpPr>
-        <p:cNvPr id="1" name=""/>
-        <p:cNvGrpSpPr/>
-        <p:nvPr/>
-      </p:nvGrpSpPr>
-      <p:grpSpPr>
-        <a:xfrm>
-          <a:off x="0" y="0"/>
-          <a:ext cx="0" cy="0"/>
-          <a:chOff x="0" y="0"/>
-          <a:chExt cx="0" cy="0"/>
-        </a:xfrm>
-      </p:grpSpPr>
-      <p:sp>
-        <p:nvSpPr>
-          <p:cNvPr id="2" name="Title 1">
-            <a:extLst>
-              <a:ext uri="{FF2B5EF4-FFF2-40B4-BE49-F238E27FC236}">
-                <a16:creationId xmlns:a16="http://schemas.microsoft.com/office/drawing/2014/main" id="{FE226793-8726-3792-E5F0-BBF385D649FA}"/>
-              </a:ext>
-            </a:extLst>
-          </p:cNvPr>
-          <p:cNvSpPr>
-            <a:spLocks noGrp="1"/>
-          </p:cNvSpPr>
-          <p:nvPr>
-            <p:ph type="title"/>
-          </p:nvPr>
-        </p:nvSpPr>
-        <p:spPr/>
-        <p:txBody>
-          <a:bodyPr/>
-          <a:lstStyle/>
-          <a:p>
-            <a:r>
-              <a:rPr lang="en-US" dirty="0"/>
-              <a:t>To DO</a:t>
-            </a:r>
-          </a:p>
-        </p:txBody>
-      </p:sp>
-      <p:sp>
-        <p:nvSpPr>
-          <p:cNvPr id="3" name="Content Placeholder 2">
-            <a:extLst>
-              <a:ext uri="{FF2B5EF4-FFF2-40B4-BE49-F238E27FC236}">
-                <a16:creationId xmlns:a16="http://schemas.microsoft.com/office/drawing/2014/main" id="{2CD07B31-0262-A3B6-EC3D-9CFADCC7A338}"/>
-              </a:ext>
-            </a:extLst>
-          </p:cNvPr>
-          <p:cNvSpPr>
-            <a:spLocks noGrp="1"/>
-          </p:cNvSpPr>
-          <p:nvPr>
-            <p:ph idx="1"/>
-          </p:nvPr>
-        </p:nvSpPr>
-        <p:spPr/>
-        <p:txBody>
-          <a:bodyPr/>
-          <a:lstStyle/>
-          <a:p>
-            <a:r>
-              <a:rPr lang="en-US" dirty="0"/>
-              <a:t>Read </a:t>
-            </a:r>
-            <a:r>
-              <a:rPr lang="en-US" dirty="0" err="1"/>
-              <a:t>Rothermel</a:t>
-            </a:r>
-            <a:r>
-              <a:rPr lang="en-US" dirty="0"/>
-              <a:t> Paper</a:t>
-            </a:r>
-          </a:p>
-          <a:p>
-            <a:r>
-              <a:rPr lang="en-US" sz="1900" dirty="0"/>
-              <a:t>Write report on pressure sensors</a:t>
-            </a:r>
-          </a:p>
-          <a:p>
-            <a:pPr lvl="1"/>
-            <a:r>
-              <a:rPr lang="en-US" sz="1900" dirty="0"/>
-              <a:t>Waiting for final FF2 simulation before I can write the report</a:t>
-            </a:r>
-            <a:endParaRPr lang="en-US" sz="2100" dirty="0"/>
-          </a:p>
-          <a:p>
-            <a:r>
-              <a:rPr lang="en-US" dirty="0"/>
-              <a:t>Add SODAR Data to the sounding</a:t>
-            </a:r>
-          </a:p>
-          <a:p>
-            <a:r>
-              <a:rPr lang="en-US" dirty="0"/>
-              <a:t>Get final ff2 simulation</a:t>
-            </a:r>
-          </a:p>
-          <a:p>
-            <a:r>
-              <a:rPr lang="en-US" dirty="0"/>
-              <a:t>Compute ROS with </a:t>
-            </a:r>
-            <a:r>
-              <a:rPr lang="en-US" dirty="0" err="1"/>
-              <a:t>Rothermel</a:t>
-            </a:r>
-            <a:r>
-              <a:rPr lang="en-US" dirty="0"/>
-              <a:t> model</a:t>
-            </a:r>
-          </a:p>
-          <a:p>
-            <a:r>
-              <a:rPr lang="en-US" dirty="0"/>
-              <a:t>Compute ROS with </a:t>
-            </a:r>
-            <a:r>
-              <a:rPr lang="en-US" dirty="0" err="1"/>
-              <a:t>Balbi</a:t>
-            </a:r>
-            <a:r>
-              <a:rPr lang="en-US" dirty="0"/>
-              <a:t> model (once that’s implemented)</a:t>
-            </a:r>
-          </a:p>
-          <a:p>
-            <a:endParaRPr lang="en-US" dirty="0"/>
-          </a:p>
-        </p:txBody>
-      </p:sp>
-    </p:spTree>
-    <p:extLst>
-      <p:ext uri="{BB962C8B-B14F-4D97-AF65-F5344CB8AC3E}">
-        <p14:creationId xmlns:p14="http://schemas.microsoft.com/office/powerpoint/2010/main" val="2972342186"/>
       </p:ext>
     </p:extLst>
   </p:cSld>

--- a/09022022_Presentation.pptx
+++ b/09022022_Presentation.pptx
@@ -10,11 +10,12 @@
     <p:sldId id="258" r:id="rId4"/>
     <p:sldId id="259" r:id="rId5"/>
     <p:sldId id="260" r:id="rId6"/>
-    <p:sldId id="261" r:id="rId7"/>
-    <p:sldId id="262" r:id="rId8"/>
-    <p:sldId id="265" r:id="rId9"/>
-    <p:sldId id="263" r:id="rId10"/>
-    <p:sldId id="264" r:id="rId11"/>
+    <p:sldId id="266" r:id="rId7"/>
+    <p:sldId id="261" r:id="rId8"/>
+    <p:sldId id="262" r:id="rId9"/>
+    <p:sldId id="265" r:id="rId10"/>
+    <p:sldId id="263" r:id="rId11"/>
+    <p:sldId id="264" r:id="rId12"/>
   </p:sldIdLst>
   <p:sldSz cx="12192000" cy="6858000"/>
   <p:notesSz cx="6858000" cy="9144000"/>
@@ -8354,7 +8355,7 @@
           <a:p>
             <a:fld id="{90E14D26-B327-FE4B-8AD5-A0128DE9A06A}" type="datetimeFigureOut">
               <a:rPr lang="en-US" smtClean="0"/>
-              <a:t>9/2/22</a:t>
+              <a:t>9/2/2022</a:t>
             </a:fld>
             <a:endParaRPr lang="en-US"/>
           </a:p>
@@ -8621,7 +8622,7 @@
           <a:p>
             <a:fld id="{90E14D26-B327-FE4B-8AD5-A0128DE9A06A}" type="datetimeFigureOut">
               <a:rPr lang="en-US" smtClean="0"/>
-              <a:t>9/2/22</a:t>
+              <a:t>9/2/2022</a:t>
             </a:fld>
             <a:endParaRPr lang="en-US"/>
           </a:p>
@@ -8852,7 +8853,7 @@
           <a:p>
             <a:fld id="{90E14D26-B327-FE4B-8AD5-A0128DE9A06A}" type="datetimeFigureOut">
               <a:rPr lang="en-US" smtClean="0"/>
-              <a:t>9/2/22</a:t>
+              <a:t>9/2/2022</a:t>
             </a:fld>
             <a:endParaRPr lang="en-US"/>
           </a:p>
@@ -9162,7 +9163,7 @@
           <a:p>
             <a:fld id="{90E14D26-B327-FE4B-8AD5-A0128DE9A06A}" type="datetimeFigureOut">
               <a:rPr lang="en-US" smtClean="0"/>
-              <a:t>9/2/22</a:t>
+              <a:t>9/2/2022</a:t>
             </a:fld>
             <a:endParaRPr lang="en-US"/>
           </a:p>
@@ -9635,7 +9636,7 @@
           <a:p>
             <a:fld id="{90E14D26-B327-FE4B-8AD5-A0128DE9A06A}" type="datetimeFigureOut">
               <a:rPr lang="en-US" smtClean="0"/>
-              <a:t>9/2/22</a:t>
+              <a:t>9/2/2022</a:t>
             </a:fld>
             <a:endParaRPr lang="en-US"/>
           </a:p>
@@ -10182,7 +10183,7 @@
           <a:p>
             <a:fld id="{90E14D26-B327-FE4B-8AD5-A0128DE9A06A}" type="datetimeFigureOut">
               <a:rPr lang="en-US" smtClean="0"/>
-              <a:t>9/2/22</a:t>
+              <a:t>9/2/2022</a:t>
             </a:fld>
             <a:endParaRPr lang="en-US"/>
           </a:p>
@@ -10956,7 +10957,7 @@
           <a:p>
             <a:fld id="{90E14D26-B327-FE4B-8AD5-A0128DE9A06A}" type="datetimeFigureOut">
               <a:rPr lang="en-US" smtClean="0"/>
-              <a:t>9/2/22</a:t>
+              <a:t>9/2/2022</a:t>
             </a:fld>
             <a:endParaRPr lang="en-US"/>
           </a:p>
@@ -11131,7 +11132,7 @@
           <a:p>
             <a:fld id="{90E14D26-B327-FE4B-8AD5-A0128DE9A06A}" type="datetimeFigureOut">
               <a:rPr lang="en-US" smtClean="0"/>
-              <a:t>9/2/22</a:t>
+              <a:t>9/2/2022</a:t>
             </a:fld>
             <a:endParaRPr lang="en-US"/>
           </a:p>
@@ -11354,7 +11355,7 @@
           <a:p>
             <a:fld id="{90E14D26-B327-FE4B-8AD5-A0128DE9A06A}" type="datetimeFigureOut">
               <a:rPr lang="en-US" smtClean="0"/>
-              <a:t>9/2/22</a:t>
+              <a:t>9/2/2022</a:t>
             </a:fld>
             <a:endParaRPr lang="en-US"/>
           </a:p>
@@ -11534,7 +11535,7 @@
           <a:p>
             <a:fld id="{90E14D26-B327-FE4B-8AD5-A0128DE9A06A}" type="datetimeFigureOut">
               <a:rPr lang="en-US" smtClean="0"/>
-              <a:t>9/2/22</a:t>
+              <a:t>9/2/2022</a:t>
             </a:fld>
             <a:endParaRPr lang="en-US"/>
           </a:p>
@@ -11823,7 +11824,7 @@
           <a:p>
             <a:fld id="{90E14D26-B327-FE4B-8AD5-A0128DE9A06A}" type="datetimeFigureOut">
               <a:rPr lang="en-US" smtClean="0"/>
-              <a:t>9/2/22</a:t>
+              <a:t>9/2/2022</a:t>
             </a:fld>
             <a:endParaRPr lang="en-US"/>
           </a:p>
@@ -12065,7 +12066,7 @@
           <a:p>
             <a:fld id="{90E14D26-B327-FE4B-8AD5-A0128DE9A06A}" type="datetimeFigureOut">
               <a:rPr lang="en-US" smtClean="0"/>
-              <a:t>9/2/22</a:t>
+              <a:t>9/2/2022</a:t>
             </a:fld>
             <a:endParaRPr lang="en-US"/>
           </a:p>
@@ -12444,7 +12445,7 @@
           <a:p>
             <a:fld id="{90E14D26-B327-FE4B-8AD5-A0128DE9A06A}" type="datetimeFigureOut">
               <a:rPr lang="en-US" smtClean="0"/>
-              <a:t>9/2/22</a:t>
+              <a:t>9/2/2022</a:t>
             </a:fld>
             <a:endParaRPr lang="en-US"/>
           </a:p>
@@ -12562,7 +12563,7 @@
           <a:p>
             <a:fld id="{90E14D26-B327-FE4B-8AD5-A0128DE9A06A}" type="datetimeFigureOut">
               <a:rPr lang="en-US" smtClean="0"/>
-              <a:t>9/2/22</a:t>
+              <a:t>9/2/2022</a:t>
             </a:fld>
             <a:endParaRPr lang="en-US"/>
           </a:p>
@@ -12657,7 +12658,7 @@
           <a:p>
             <a:fld id="{90E14D26-B327-FE4B-8AD5-A0128DE9A06A}" type="datetimeFigureOut">
               <a:rPr lang="en-US" smtClean="0"/>
-              <a:t>9/2/22</a:t>
+              <a:t>9/2/2022</a:t>
             </a:fld>
             <a:endParaRPr lang="en-US"/>
           </a:p>
@@ -12906,7 +12907,7 @@
           <a:p>
             <a:fld id="{90E14D26-B327-FE4B-8AD5-A0128DE9A06A}" type="datetimeFigureOut">
               <a:rPr lang="en-US" smtClean="0"/>
-              <a:t>9/2/22</a:t>
+              <a:t>9/2/2022</a:t>
             </a:fld>
             <a:endParaRPr lang="en-US"/>
           </a:p>
@@ -13163,7 +13164,7 @@
           <a:p>
             <a:fld id="{90E14D26-B327-FE4B-8AD5-A0128DE9A06A}" type="datetimeFigureOut">
               <a:rPr lang="en-US" smtClean="0"/>
-              <a:t>9/2/22</a:t>
+              <a:t>9/2/2022</a:t>
             </a:fld>
             <a:endParaRPr lang="en-US"/>
           </a:p>
@@ -13406,7 +13407,7 @@
           <a:p>
             <a:fld id="{90E14D26-B327-FE4B-8AD5-A0128DE9A06A}" type="datetimeFigureOut">
               <a:rPr lang="en-US" smtClean="0"/>
-              <a:t>9/2/22</a:t>
+              <a:t>9/2/2022</a:t>
             </a:fld>
             <a:endParaRPr lang="en-US"/>
           </a:p>
@@ -13913,6 +13914,200 @@
           <p:cNvPr id="2" name="Title 1">
             <a:extLst>
               <a:ext uri="{FF2B5EF4-FFF2-40B4-BE49-F238E27FC236}">
+                <a16:creationId xmlns:a16="http://schemas.microsoft.com/office/drawing/2014/main" id="{98505108-D866-C2D6-9647-3D26580367FC}"/>
+              </a:ext>
+            </a:extLst>
+          </p:cNvPr>
+          <p:cNvSpPr>
+            <a:spLocks noGrp="1"/>
+          </p:cNvSpPr>
+          <p:nvPr>
+            <p:ph type="title"/>
+          </p:nvPr>
+        </p:nvSpPr>
+        <p:spPr/>
+        <p:txBody>
+          <a:bodyPr/>
+          <a:lstStyle/>
+          <a:p>
+            <a:r>
+              <a:rPr lang="en-US" dirty="0"/>
+              <a:t>VPN Access</a:t>
+            </a:r>
+          </a:p>
+        </p:txBody>
+      </p:sp>
+      <p:sp>
+        <p:nvSpPr>
+          <p:cNvPr id="3" name="Content Placeholder 2">
+            <a:extLst>
+              <a:ext uri="{FF2B5EF4-FFF2-40B4-BE49-F238E27FC236}">
+                <a16:creationId xmlns:a16="http://schemas.microsoft.com/office/drawing/2014/main" id="{8F32EB61-C3E5-3A88-B61F-78EA5E34BD37}"/>
+              </a:ext>
+            </a:extLst>
+          </p:cNvPr>
+          <p:cNvSpPr>
+            <a:spLocks noGrp="1"/>
+          </p:cNvSpPr>
+          <p:nvPr>
+            <p:ph idx="1"/>
+          </p:nvPr>
+        </p:nvSpPr>
+        <p:spPr/>
+        <p:txBody>
+          <a:bodyPr/>
+          <a:lstStyle/>
+          <a:p>
+            <a:r>
+              <a:rPr lang="en-US" dirty="0"/>
+              <a:t>With the </a:t>
+            </a:r>
+            <a:r>
+              <a:rPr lang="en-US" dirty="0" err="1"/>
+              <a:t>vpn</a:t>
+            </a:r>
+            <a:r>
+              <a:rPr lang="en-US" dirty="0"/>
+              <a:t> ”outage” that took about a day to fix</a:t>
+            </a:r>
+          </a:p>
+          <a:p>
+            <a:pPr lvl="1"/>
+            <a:r>
+              <a:rPr lang="en-US" dirty="0"/>
+              <a:t>Turns out my windows machine has the old </a:t>
+            </a:r>
+            <a:r>
+              <a:rPr lang="en-US" dirty="0" err="1"/>
+              <a:t>url</a:t>
+            </a:r>
+            <a:r>
+              <a:rPr lang="en-US" dirty="0"/>
+              <a:t> that worked</a:t>
+            </a:r>
+          </a:p>
+          <a:p>
+            <a:r>
+              <a:rPr lang="en-US" dirty="0"/>
+              <a:t>For anyone experiencing this issue, you must have </a:t>
+            </a:r>
+            <a:r>
+              <a:rPr lang="en-US" dirty="0" err="1"/>
+              <a:t>asm</a:t>
+            </a:r>
+            <a:r>
+              <a:rPr lang="en-US" dirty="0"/>
+              <a:t>- added to the </a:t>
+            </a:r>
+            <a:r>
+              <a:rPr lang="en-US" dirty="0" err="1"/>
+              <a:t>url</a:t>
+            </a:r>
+            <a:endParaRPr lang="en-US" dirty="0"/>
+          </a:p>
+          <a:p>
+            <a:pPr marL="0" indent="0">
+              <a:buNone/>
+            </a:pPr>
+            <a:endParaRPr lang="en-US" dirty="0"/>
+          </a:p>
+        </p:txBody>
+      </p:sp>
+      <p:pic>
+        <p:nvPicPr>
+          <p:cNvPr id="4" name="Picture 3">
+            <a:extLst>
+              <a:ext uri="{FF2B5EF4-FFF2-40B4-BE49-F238E27FC236}">
+                <a16:creationId xmlns:a16="http://schemas.microsoft.com/office/drawing/2014/main" id="{33ADEE6A-80B9-9E07-AD9F-39687DBBD026}"/>
+              </a:ext>
+            </a:extLst>
+          </p:cNvPr>
+          <p:cNvPicPr>
+            <a:picLocks noChangeAspect="1"/>
+          </p:cNvPicPr>
+          <p:nvPr/>
+        </p:nvPicPr>
+        <p:blipFill>
+          <a:blip r:embed="rId2"/>
+          <a:stretch>
+            <a:fillRect/>
+          </a:stretch>
+        </p:blipFill>
+        <p:spPr>
+          <a:xfrm>
+            <a:off x="723900" y="3765044"/>
+            <a:ext cx="5372100" cy="2590800"/>
+          </a:xfrm>
+          <a:prstGeom prst="rect">
+            <a:avLst/>
+          </a:prstGeom>
+        </p:spPr>
+      </p:pic>
+      <p:pic>
+        <p:nvPicPr>
+          <p:cNvPr id="5" name="Picture 4">
+            <a:extLst>
+              <a:ext uri="{FF2B5EF4-FFF2-40B4-BE49-F238E27FC236}">
+                <a16:creationId xmlns:a16="http://schemas.microsoft.com/office/drawing/2014/main" id="{D60A674F-F9D5-47E3-A444-19322D4F8A24}"/>
+              </a:ext>
+            </a:extLst>
+          </p:cNvPr>
+          <p:cNvPicPr>
+            <a:picLocks noChangeAspect="1"/>
+          </p:cNvPicPr>
+          <p:nvPr/>
+        </p:nvPicPr>
+        <p:blipFill>
+          <a:blip r:embed="rId3"/>
+          <a:stretch>
+            <a:fillRect/>
+          </a:stretch>
+        </p:blipFill>
+        <p:spPr>
+          <a:xfrm>
+            <a:off x="8318500" y="3530094"/>
+            <a:ext cx="3149600" cy="3060700"/>
+          </a:xfrm>
+          <a:prstGeom prst="rect">
+            <a:avLst/>
+          </a:prstGeom>
+        </p:spPr>
+      </p:pic>
+    </p:spTree>
+    <p:extLst>
+      <p:ext uri="{BB962C8B-B14F-4D97-AF65-F5344CB8AC3E}">
+        <p14:creationId xmlns:p14="http://schemas.microsoft.com/office/powerpoint/2010/main" val="1283250693"/>
+      </p:ext>
+    </p:extLst>
+  </p:cSld>
+  <p:clrMapOvr>
+    <a:masterClrMapping/>
+  </p:clrMapOvr>
+</p:sld>
+</file>
+
+<file path=ppt/slides/slide11.xml><?xml version="1.0" encoding="utf-8"?>
+<p:sld xmlns:a="http://schemas.openxmlformats.org/drawingml/2006/main" xmlns:r="http://schemas.openxmlformats.org/officeDocument/2006/relationships" xmlns:p="http://schemas.openxmlformats.org/presentationml/2006/main">
+  <p:cSld>
+    <p:spTree>
+      <p:nvGrpSpPr>
+        <p:cNvPr id="1" name=""/>
+        <p:cNvGrpSpPr/>
+        <p:nvPr/>
+      </p:nvGrpSpPr>
+      <p:grpSpPr>
+        <a:xfrm>
+          <a:off x="0" y="0"/>
+          <a:ext cx="0" cy="0"/>
+          <a:chOff x="0" y="0"/>
+          <a:chExt cx="0" cy="0"/>
+        </a:xfrm>
+      </p:grpSpPr>
+      <p:sp>
+        <p:nvSpPr>
+          <p:cNvPr id="2" name="Title 1">
+            <a:extLst>
+              <a:ext uri="{FF2B5EF4-FFF2-40B4-BE49-F238E27FC236}">
                 <a16:creationId xmlns:a16="http://schemas.microsoft.com/office/drawing/2014/main" id="{FE226793-8726-3792-E5F0-BBF385D649FA}"/>
               </a:ext>
             </a:extLst>
@@ -13954,7 +14149,9 @@
         </p:nvSpPr>
         <p:spPr/>
         <p:txBody>
-          <a:bodyPr/>
+          <a:bodyPr>
+            <a:normAutofit fontScale="92500" lnSpcReduction="10000"/>
+          </a:bodyPr>
           <a:lstStyle/>
           <a:p>
             <a:r>
@@ -14044,6 +14241,34 @@
             <a:r>
               <a:rPr lang="en-US" dirty="0"/>
               <a:t> paper if Dr. Kochanski wants me to</a:t>
+            </a:r>
+          </a:p>
+          <a:p>
+            <a:pPr lvl="1"/>
+            <a:r>
+              <a:rPr lang="en-US" dirty="0"/>
+              <a:t>This is necessary for thesis</a:t>
+            </a:r>
+          </a:p>
+          <a:p>
+            <a:r>
+              <a:rPr lang="en-US" dirty="0"/>
+              <a:t>Play with w_0 in </a:t>
+            </a:r>
+            <a:r>
+              <a:rPr lang="en-US" dirty="0" err="1"/>
+              <a:t>balbi</a:t>
+            </a:r>
+            <a:r>
+              <a:rPr lang="en-US" dirty="0"/>
+              <a:t> model</a:t>
+            </a:r>
+          </a:p>
+          <a:p>
+            <a:pPr lvl="1"/>
+            <a:r>
+              <a:rPr lang="en-US" dirty="0"/>
+              <a:t>Run a case and change that and see what we get</a:t>
             </a:r>
           </a:p>
           <a:p>
@@ -14247,11 +14472,7 @@
           <a:p>
             <a:pPr lvl="2"/>
             <a:r>
-              <a:rPr lang="en-US" sz="1700" dirty="0">
-                <a:highlight>
-                  <a:srgbClr val="00FFFF"/>
-                </a:highlight>
-              </a:rPr>
+              <a:rPr lang="en-US" sz="1700" dirty="0"/>
               <a:t>If you want a small presentation of the paper, please let me know and I would be happy to make one</a:t>
             </a:r>
           </a:p>
@@ -15490,6 +15711,829 @@
           <p:cNvPr id="2" name="Title 1">
             <a:extLst>
               <a:ext uri="{FF2B5EF4-FFF2-40B4-BE49-F238E27FC236}">
+                <a16:creationId xmlns:a16="http://schemas.microsoft.com/office/drawing/2014/main" id="{85C14357-8A45-4C9F-49EA-FB3F1D33415F}"/>
+              </a:ext>
+            </a:extLst>
+          </p:cNvPr>
+          <p:cNvSpPr>
+            <a:spLocks noGrp="1"/>
+          </p:cNvSpPr>
+          <p:nvPr>
+            <p:ph type="title"/>
+          </p:nvPr>
+        </p:nvSpPr>
+        <p:spPr>
+          <a:xfrm>
+            <a:off x="-1394389" y="469584"/>
+            <a:ext cx="8610600" cy="1293028"/>
+          </a:xfrm>
+        </p:spPr>
+        <p:txBody>
+          <a:bodyPr/>
+          <a:lstStyle/>
+          <a:p>
+            <a:r>
+              <a:rPr lang="en-US" dirty="0"/>
+              <a:t>Statistics</a:t>
+            </a:r>
+          </a:p>
+        </p:txBody>
+      </p:sp>
+      <p:graphicFrame>
+        <p:nvGraphicFramePr>
+          <p:cNvPr id="4" name="Table 4">
+            <a:extLst>
+              <a:ext uri="{FF2B5EF4-FFF2-40B4-BE49-F238E27FC236}">
+                <a16:creationId xmlns:a16="http://schemas.microsoft.com/office/drawing/2014/main" id="{73EE3E7F-3E5E-73A3-7B49-FAE5526A6708}"/>
+              </a:ext>
+            </a:extLst>
+          </p:cNvPr>
+          <p:cNvGraphicFramePr>
+            <a:graphicFrameLocks noGrp="1"/>
+          </p:cNvGraphicFramePr>
+          <p:nvPr>
+            <p:extLst>
+              <p:ext uri="{D42A27DB-BD31-4B8C-83A1-F6EECF244321}">
+                <p14:modId xmlns:p14="http://schemas.microsoft.com/office/powerpoint/2010/main" val="3398462251"/>
+              </p:ext>
+            </p:extLst>
+          </p:nvPr>
+        </p:nvGraphicFramePr>
+        <p:xfrm>
+          <a:off x="490733" y="2892898"/>
+          <a:ext cx="2401369" cy="2011623"/>
+        </p:xfrm>
+        <a:graphic>
+          <a:graphicData uri="http://schemas.openxmlformats.org/drawingml/2006/table">
+            <a:tbl>
+              <a:tblPr firstRow="1" bandRow="1">
+                <a:tableStyleId>{5C22544A-7EE6-4342-B048-85BDC9FD1C3A}</a:tableStyleId>
+              </a:tblPr>
+              <a:tblGrid>
+                <a:gridCol w="922946">
+                  <a:extLst>
+                    <a:ext uri="{9D8B030D-6E8A-4147-A177-3AD203B41FA5}">
+                      <a16:colId xmlns:a16="http://schemas.microsoft.com/office/drawing/2014/main" val="613513180"/>
+                    </a:ext>
+                  </a:extLst>
+                </a:gridCol>
+                <a:gridCol w="1478423">
+                  <a:extLst>
+                    <a:ext uri="{9D8B030D-6E8A-4147-A177-3AD203B41FA5}">
+                      <a16:colId xmlns:a16="http://schemas.microsoft.com/office/drawing/2014/main" val="1829164374"/>
+                    </a:ext>
+                  </a:extLst>
+                </a:gridCol>
+              </a:tblGrid>
+              <a:tr h="596022">
+                <a:tc>
+                  <a:txBody>
+                    <a:bodyPr/>
+                    <a:lstStyle/>
+                    <a:p>
+                      <a:r>
+                        <a:rPr lang="en-US" dirty="0"/>
+                        <a:t>Height</a:t>
+                      </a:r>
+                    </a:p>
+                  </a:txBody>
+                  <a:tcPr/>
+                </a:tc>
+                <a:tc>
+                  <a:txBody>
+                    <a:bodyPr/>
+                    <a:lstStyle/>
+                    <a:p>
+                      <a:r>
+                        <a:rPr lang="en-US" dirty="0"/>
+                        <a:t>Wind Speed</a:t>
+                      </a:r>
+                    </a:p>
+                  </a:txBody>
+                  <a:tcPr/>
+                </a:tc>
+                <a:extLst>
+                  <a:ext uri="{0D108BD9-81ED-4DB2-BD59-A6C34878D82A}">
+                    <a16:rowId xmlns:a16="http://schemas.microsoft.com/office/drawing/2014/main" val="2201536310"/>
+                  </a:ext>
+                </a:extLst>
+              </a:tr>
+              <a:tr h="457181">
+                <a:tc>
+                  <a:txBody>
+                    <a:bodyPr/>
+                    <a:lstStyle/>
+                    <a:p>
+                      <a:r>
+                        <a:rPr lang="en-US" dirty="0"/>
+                        <a:t>22m</a:t>
+                      </a:r>
+                    </a:p>
+                  </a:txBody>
+                  <a:tcPr/>
+                </a:tc>
+                <a:tc>
+                  <a:txBody>
+                    <a:bodyPr/>
+                    <a:lstStyle/>
+                    <a:p>
+                      <a:r>
+                        <a:rPr lang="en-US" dirty="0"/>
+                        <a:t>13.11</a:t>
+                      </a:r>
+                    </a:p>
+                  </a:txBody>
+                  <a:tcPr/>
+                </a:tc>
+                <a:extLst>
+                  <a:ext uri="{0D108BD9-81ED-4DB2-BD59-A6C34878D82A}">
+                    <a16:rowId xmlns:a16="http://schemas.microsoft.com/office/drawing/2014/main" val="2016584562"/>
+                  </a:ext>
+                </a:extLst>
+              </a:tr>
+              <a:tr h="457181">
+                <a:tc>
+                  <a:txBody>
+                    <a:bodyPr/>
+                    <a:lstStyle/>
+                    <a:p>
+                      <a:r>
+                        <a:rPr lang="en-US" dirty="0"/>
+                        <a:t>10m</a:t>
+                      </a:r>
+                    </a:p>
+                  </a:txBody>
+                  <a:tcPr/>
+                </a:tc>
+                <a:tc>
+                  <a:txBody>
+                    <a:bodyPr/>
+                    <a:lstStyle/>
+                    <a:p>
+                      <a:r>
+                        <a:rPr lang="en-US" dirty="0"/>
+                        <a:t>10.17</a:t>
+                      </a:r>
+                    </a:p>
+                  </a:txBody>
+                  <a:tcPr/>
+                </a:tc>
+                <a:extLst>
+                  <a:ext uri="{0D108BD9-81ED-4DB2-BD59-A6C34878D82A}">
+                    <a16:rowId xmlns:a16="http://schemas.microsoft.com/office/drawing/2014/main" val="732765444"/>
+                  </a:ext>
+                </a:extLst>
+              </a:tr>
+              <a:tr h="457181">
+                <a:tc>
+                  <a:txBody>
+                    <a:bodyPr/>
+                    <a:lstStyle/>
+                    <a:p>
+                      <a:r>
+                        <a:rPr lang="en-US" dirty="0"/>
+                        <a:t>5m</a:t>
+                      </a:r>
+                    </a:p>
+                  </a:txBody>
+                  <a:tcPr/>
+                </a:tc>
+                <a:tc>
+                  <a:txBody>
+                    <a:bodyPr/>
+                    <a:lstStyle/>
+                    <a:p>
+                      <a:r>
+                        <a:rPr lang="en-US" dirty="0"/>
+                        <a:t>8.12</a:t>
+                      </a:r>
+                    </a:p>
+                  </a:txBody>
+                  <a:tcPr/>
+                </a:tc>
+                <a:extLst>
+                  <a:ext uri="{0D108BD9-81ED-4DB2-BD59-A6C34878D82A}">
+                    <a16:rowId xmlns:a16="http://schemas.microsoft.com/office/drawing/2014/main" val="1341775393"/>
+                  </a:ext>
+                </a:extLst>
+              </a:tr>
+            </a:tbl>
+          </a:graphicData>
+        </a:graphic>
+      </p:graphicFrame>
+      <p:sp>
+        <p:nvSpPr>
+          <p:cNvPr id="5" name="TextBox 4">
+            <a:extLst>
+              <a:ext uri="{FF2B5EF4-FFF2-40B4-BE49-F238E27FC236}">
+                <a16:creationId xmlns:a16="http://schemas.microsoft.com/office/drawing/2014/main" id="{E91ACC49-9F61-A25B-3DD2-2FFAEC583366}"/>
+              </a:ext>
+            </a:extLst>
+          </p:cNvPr>
+          <p:cNvSpPr txBox="1"/>
+          <p:nvPr/>
+        </p:nvSpPr>
+        <p:spPr>
+          <a:xfrm>
+            <a:off x="490733" y="2481294"/>
+            <a:ext cx="2420178" cy="369332"/>
+          </a:xfrm>
+          <a:prstGeom prst="rect">
+            <a:avLst/>
+          </a:prstGeom>
+          <a:noFill/>
+        </p:spPr>
+        <p:txBody>
+          <a:bodyPr wrap="square" rtlCol="0">
+            <a:spAutoFit/>
+          </a:bodyPr>
+          <a:lstStyle/>
+          <a:p>
+            <a:r>
+              <a:rPr lang="en-US" dirty="0"/>
+              <a:t>Old sounding an z0</a:t>
+            </a:r>
+          </a:p>
+        </p:txBody>
+      </p:sp>
+      <p:sp>
+        <p:nvSpPr>
+          <p:cNvPr id="10" name="TextBox 9">
+            <a:extLst>
+              <a:ext uri="{FF2B5EF4-FFF2-40B4-BE49-F238E27FC236}">
+                <a16:creationId xmlns:a16="http://schemas.microsoft.com/office/drawing/2014/main" id="{C6776B70-FA8E-BD16-8A7C-D4F619258FD2}"/>
+              </a:ext>
+            </a:extLst>
+          </p:cNvPr>
+          <p:cNvSpPr txBox="1"/>
+          <p:nvPr/>
+        </p:nvSpPr>
+        <p:spPr>
+          <a:xfrm>
+            <a:off x="99390" y="5854148"/>
+            <a:ext cx="5068957" cy="923330"/>
+          </a:xfrm>
+          <a:prstGeom prst="rect">
+            <a:avLst/>
+          </a:prstGeom>
+          <a:noFill/>
+        </p:spPr>
+        <p:txBody>
+          <a:bodyPr wrap="square" rtlCol="0">
+            <a:spAutoFit/>
+          </a:bodyPr>
+          <a:lstStyle/>
+          <a:p>
+            <a:r>
+              <a:rPr lang="en-US" dirty="0"/>
+              <a:t>Something to keep in mind, the levels are different since the heights vary with the simulations</a:t>
+            </a:r>
+          </a:p>
+        </p:txBody>
+      </p:sp>
+      <p:sp>
+        <p:nvSpPr>
+          <p:cNvPr id="11" name="TextBox 10">
+            <a:extLst>
+              <a:ext uri="{FF2B5EF4-FFF2-40B4-BE49-F238E27FC236}">
+                <a16:creationId xmlns:a16="http://schemas.microsoft.com/office/drawing/2014/main" id="{4AF7A064-4203-34D2-08C9-678D3CCAD0D7}"/>
+              </a:ext>
+            </a:extLst>
+          </p:cNvPr>
+          <p:cNvSpPr txBox="1"/>
+          <p:nvPr/>
+        </p:nvSpPr>
+        <p:spPr>
+          <a:xfrm>
+            <a:off x="3392680" y="1375873"/>
+            <a:ext cx="4854012" cy="923330"/>
+          </a:xfrm>
+          <a:prstGeom prst="rect">
+            <a:avLst/>
+          </a:prstGeom>
+          <a:noFill/>
+        </p:spPr>
+        <p:txBody>
+          <a:bodyPr wrap="square" rtlCol="0">
+            <a:spAutoFit/>
+          </a:bodyPr>
+          <a:lstStyle/>
+          <a:p>
+            <a:r>
+              <a:rPr lang="en-US" dirty="0"/>
+              <a:t>For the new simulation, I decreased the z0 by .1 (0.4 instead of 0.5), and I increased the overall wind speed at 5.46m by 1m/s</a:t>
+            </a:r>
+          </a:p>
+        </p:txBody>
+      </p:sp>
+      <p:sp>
+        <p:nvSpPr>
+          <p:cNvPr id="12" name="TextBox 11">
+            <a:extLst>
+              <a:ext uri="{FF2B5EF4-FFF2-40B4-BE49-F238E27FC236}">
+                <a16:creationId xmlns:a16="http://schemas.microsoft.com/office/drawing/2014/main" id="{71FE771D-D5F1-70DC-D0FC-B663AE795F77}"/>
+              </a:ext>
+            </a:extLst>
+          </p:cNvPr>
+          <p:cNvSpPr txBox="1"/>
+          <p:nvPr/>
+        </p:nvSpPr>
+        <p:spPr>
+          <a:xfrm>
+            <a:off x="7397810" y="5879786"/>
+            <a:ext cx="4794190" cy="923330"/>
+          </a:xfrm>
+          <a:prstGeom prst="rect">
+            <a:avLst/>
+          </a:prstGeom>
+          <a:noFill/>
+        </p:spPr>
+        <p:txBody>
+          <a:bodyPr wrap="square" rtlCol="0">
+            <a:spAutoFit/>
+          </a:bodyPr>
+          <a:lstStyle/>
+          <a:p>
+            <a:r>
+              <a:rPr lang="en-US" dirty="0"/>
+              <a:t>Just focusing on the 5m winds here, these changes increased the winds by about 0.71</a:t>
+            </a:r>
+          </a:p>
+        </p:txBody>
+      </p:sp>
+      <p:graphicFrame>
+        <p:nvGraphicFramePr>
+          <p:cNvPr id="13" name="Table 13">
+            <a:extLst>
+              <a:ext uri="{FF2B5EF4-FFF2-40B4-BE49-F238E27FC236}">
+                <a16:creationId xmlns:a16="http://schemas.microsoft.com/office/drawing/2014/main" id="{2B8BC920-6604-B14E-9F02-824DBDA0CBDB}"/>
+              </a:ext>
+            </a:extLst>
+          </p:cNvPr>
+          <p:cNvGraphicFramePr>
+            <a:graphicFrameLocks noGrp="1"/>
+          </p:cNvGraphicFramePr>
+          <p:nvPr/>
+        </p:nvGraphicFramePr>
+        <p:xfrm>
+          <a:off x="8641222" y="2850626"/>
+          <a:ext cx="2307365" cy="2053155"/>
+        </p:xfrm>
+        <a:graphic>
+          <a:graphicData uri="http://schemas.openxmlformats.org/drawingml/2006/table">
+            <a:tbl>
+              <a:tblPr firstRow="1" bandRow="1">
+                <a:tableStyleId>{5C22544A-7EE6-4342-B048-85BDC9FD1C3A}</a:tableStyleId>
+              </a:tblPr>
+              <a:tblGrid>
+                <a:gridCol w="905854">
+                  <a:extLst>
+                    <a:ext uri="{9D8B030D-6E8A-4147-A177-3AD203B41FA5}">
+                      <a16:colId xmlns:a16="http://schemas.microsoft.com/office/drawing/2014/main" val="286417700"/>
+                    </a:ext>
+                  </a:extLst>
+                </a:gridCol>
+                <a:gridCol w="1401511">
+                  <a:extLst>
+                    <a:ext uri="{9D8B030D-6E8A-4147-A177-3AD203B41FA5}">
+                      <a16:colId xmlns:a16="http://schemas.microsoft.com/office/drawing/2014/main" val="3850997415"/>
+                    </a:ext>
+                  </a:extLst>
+                </a:gridCol>
+              </a:tblGrid>
+              <a:tr h="627478">
+                <a:tc>
+                  <a:txBody>
+                    <a:bodyPr/>
+                    <a:lstStyle/>
+                    <a:p>
+                      <a:r>
+                        <a:rPr lang="en-US" dirty="0"/>
+                        <a:t>Height</a:t>
+                      </a:r>
+                    </a:p>
+                  </a:txBody>
+                  <a:tcPr/>
+                </a:tc>
+                <a:tc>
+                  <a:txBody>
+                    <a:bodyPr/>
+                    <a:lstStyle/>
+                    <a:p>
+                      <a:r>
+                        <a:rPr lang="en-US" dirty="0"/>
+                        <a:t>Wind Speed</a:t>
+                      </a:r>
+                    </a:p>
+                  </a:txBody>
+                  <a:tcPr/>
+                </a:tc>
+                <a:extLst>
+                  <a:ext uri="{0D108BD9-81ED-4DB2-BD59-A6C34878D82A}">
+                    <a16:rowId xmlns:a16="http://schemas.microsoft.com/office/drawing/2014/main" val="2891215140"/>
+                  </a:ext>
+                </a:extLst>
+              </a:tr>
+              <a:tr h="471025">
+                <a:tc>
+                  <a:txBody>
+                    <a:bodyPr/>
+                    <a:lstStyle/>
+                    <a:p>
+                      <a:r>
+                        <a:rPr lang="en-US" dirty="0"/>
+                        <a:t>20m</a:t>
+                      </a:r>
+                    </a:p>
+                  </a:txBody>
+                  <a:tcPr/>
+                </a:tc>
+                <a:tc>
+                  <a:txBody>
+                    <a:bodyPr/>
+                    <a:lstStyle/>
+                    <a:p>
+                      <a:r>
+                        <a:rPr lang="en-US" dirty="0"/>
+                        <a:t>11.91</a:t>
+                      </a:r>
+                    </a:p>
+                  </a:txBody>
+                  <a:tcPr/>
+                </a:tc>
+                <a:extLst>
+                  <a:ext uri="{0D108BD9-81ED-4DB2-BD59-A6C34878D82A}">
+                    <a16:rowId xmlns:a16="http://schemas.microsoft.com/office/drawing/2014/main" val="2840627691"/>
+                  </a:ext>
+                </a:extLst>
+              </a:tr>
+              <a:tr h="471025">
+                <a:tc>
+                  <a:txBody>
+                    <a:bodyPr/>
+                    <a:lstStyle/>
+                    <a:p>
+                      <a:r>
+                        <a:rPr lang="en-US" dirty="0"/>
+                        <a:t>10m</a:t>
+                      </a:r>
+                    </a:p>
+                  </a:txBody>
+                  <a:tcPr/>
+                </a:tc>
+                <a:tc>
+                  <a:txBody>
+                    <a:bodyPr/>
+                    <a:lstStyle/>
+                    <a:p>
+                      <a:r>
+                        <a:rPr lang="en-US" dirty="0"/>
+                        <a:t>10.61</a:t>
+                      </a:r>
+                    </a:p>
+                  </a:txBody>
+                  <a:tcPr/>
+                </a:tc>
+                <a:extLst>
+                  <a:ext uri="{0D108BD9-81ED-4DB2-BD59-A6C34878D82A}">
+                    <a16:rowId xmlns:a16="http://schemas.microsoft.com/office/drawing/2014/main" val="3904858483"/>
+                  </a:ext>
+                </a:extLst>
+              </a:tr>
+              <a:tr h="471025">
+                <a:tc>
+                  <a:txBody>
+                    <a:bodyPr/>
+                    <a:lstStyle/>
+                    <a:p>
+                      <a:r>
+                        <a:rPr lang="en-US" dirty="0"/>
+                        <a:t>5.46m</a:t>
+                      </a:r>
+                    </a:p>
+                  </a:txBody>
+                  <a:tcPr/>
+                </a:tc>
+                <a:tc>
+                  <a:txBody>
+                    <a:bodyPr/>
+                    <a:lstStyle/>
+                    <a:p>
+                      <a:r>
+                        <a:rPr lang="en-US" dirty="0"/>
+                        <a:t>9.15</a:t>
+                      </a:r>
+                    </a:p>
+                  </a:txBody>
+                  <a:tcPr/>
+                </a:tc>
+                <a:extLst>
+                  <a:ext uri="{0D108BD9-81ED-4DB2-BD59-A6C34878D82A}">
+                    <a16:rowId xmlns:a16="http://schemas.microsoft.com/office/drawing/2014/main" val="3444957063"/>
+                  </a:ext>
+                </a:extLst>
+              </a:tr>
+            </a:tbl>
+          </a:graphicData>
+        </a:graphic>
+      </p:graphicFrame>
+      <p:sp>
+        <p:nvSpPr>
+          <p:cNvPr id="14" name="TextBox 13">
+            <a:extLst>
+              <a:ext uri="{FF2B5EF4-FFF2-40B4-BE49-F238E27FC236}">
+                <a16:creationId xmlns:a16="http://schemas.microsoft.com/office/drawing/2014/main" id="{2A33C327-BA3E-EFCA-D792-CF69EAD1539E}"/>
+              </a:ext>
+            </a:extLst>
+          </p:cNvPr>
+          <p:cNvSpPr txBox="1"/>
+          <p:nvPr/>
+        </p:nvSpPr>
+        <p:spPr>
+          <a:xfrm>
+            <a:off x="8803593" y="2467914"/>
+            <a:ext cx="1982624" cy="369332"/>
+          </a:xfrm>
+          <a:prstGeom prst="rect">
+            <a:avLst/>
+          </a:prstGeom>
+          <a:noFill/>
+        </p:spPr>
+        <p:txBody>
+          <a:bodyPr wrap="square" rtlCol="0">
+            <a:spAutoFit/>
+          </a:bodyPr>
+          <a:lstStyle/>
+          <a:p>
+            <a:r>
+              <a:rPr lang="en-US" dirty="0" err="1"/>
+              <a:t>Input_sounding</a:t>
+            </a:r>
+            <a:endParaRPr lang="en-US" dirty="0"/>
+          </a:p>
+        </p:txBody>
+      </p:sp>
+      <p:graphicFrame>
+        <p:nvGraphicFramePr>
+          <p:cNvPr id="3" name="Table 6">
+            <a:extLst>
+              <a:ext uri="{FF2B5EF4-FFF2-40B4-BE49-F238E27FC236}">
+                <a16:creationId xmlns:a16="http://schemas.microsoft.com/office/drawing/2014/main" id="{254D04B2-E437-1793-4723-F58EF822771C}"/>
+              </a:ext>
+            </a:extLst>
+          </p:cNvPr>
+          <p:cNvGraphicFramePr>
+            <a:graphicFrameLocks noGrp="1"/>
+          </p:cNvGraphicFramePr>
+          <p:nvPr>
+            <p:extLst>
+              <p:ext uri="{D42A27DB-BD31-4B8C-83A1-F6EECF244321}">
+                <p14:modId xmlns:p14="http://schemas.microsoft.com/office/powerpoint/2010/main" val="2170304674"/>
+              </p:ext>
+            </p:extLst>
+          </p:nvPr>
+        </p:nvGraphicFramePr>
+        <p:xfrm>
+          <a:off x="4518579" y="2787936"/>
+          <a:ext cx="2514974" cy="2040888"/>
+        </p:xfrm>
+        <a:graphic>
+          <a:graphicData uri="http://schemas.openxmlformats.org/drawingml/2006/table">
+            <a:tbl>
+              <a:tblPr firstRow="1" bandRow="1">
+                <a:tableStyleId>{5C22544A-7EE6-4342-B048-85BDC9FD1C3A}</a:tableStyleId>
+              </a:tblPr>
+              <a:tblGrid>
+                <a:gridCol w="982766">
+                  <a:extLst>
+                    <a:ext uri="{9D8B030D-6E8A-4147-A177-3AD203B41FA5}">
+                      <a16:colId xmlns:a16="http://schemas.microsoft.com/office/drawing/2014/main" val="3433634637"/>
+                    </a:ext>
+                  </a:extLst>
+                </a:gridCol>
+                <a:gridCol w="1532208">
+                  <a:extLst>
+                    <a:ext uri="{9D8B030D-6E8A-4147-A177-3AD203B41FA5}">
+                      <a16:colId xmlns:a16="http://schemas.microsoft.com/office/drawing/2014/main" val="2759712116"/>
+                    </a:ext>
+                  </a:extLst>
+                </a:gridCol>
+              </a:tblGrid>
+              <a:tr h="510222">
+                <a:tc>
+                  <a:txBody>
+                    <a:bodyPr/>
+                    <a:lstStyle/>
+                    <a:p>
+                      <a:r>
+                        <a:rPr lang="en-US" dirty="0"/>
+                        <a:t>Height</a:t>
+                      </a:r>
+                    </a:p>
+                  </a:txBody>
+                  <a:tcPr/>
+                </a:tc>
+                <a:tc>
+                  <a:txBody>
+                    <a:bodyPr/>
+                    <a:lstStyle/>
+                    <a:p>
+                      <a:r>
+                        <a:rPr lang="en-US" dirty="0"/>
+                        <a:t>Wind Speed</a:t>
+                      </a:r>
+                    </a:p>
+                  </a:txBody>
+                  <a:tcPr/>
+                </a:tc>
+                <a:extLst>
+                  <a:ext uri="{0D108BD9-81ED-4DB2-BD59-A6C34878D82A}">
+                    <a16:rowId xmlns:a16="http://schemas.microsoft.com/office/drawing/2014/main" val="859944709"/>
+                  </a:ext>
+                </a:extLst>
+              </a:tr>
+              <a:tr h="510222">
+                <a:tc>
+                  <a:txBody>
+                    <a:bodyPr/>
+                    <a:lstStyle/>
+                    <a:p>
+                      <a:r>
+                        <a:rPr lang="en-US" dirty="0"/>
+                        <a:t>22m</a:t>
+                      </a:r>
+                    </a:p>
+                  </a:txBody>
+                  <a:tcPr/>
+                </a:tc>
+                <a:tc>
+                  <a:txBody>
+                    <a:bodyPr/>
+                    <a:lstStyle/>
+                    <a:p>
+                      <a:r>
+                        <a:rPr lang="en-US" sz="1800" b="0" i="0" kern="1200" dirty="0">
+                          <a:solidFill>
+                            <a:schemeClr val="dk1"/>
+                          </a:solidFill>
+                          <a:effectLst/>
+                          <a:latin typeface="+mn-lt"/>
+                          <a:ea typeface="+mn-ea"/>
+                          <a:cs typeface="+mn-cs"/>
+                        </a:rPr>
+                        <a:t>13.56409</a:t>
+                      </a:r>
+                      <a:endParaRPr lang="en-US" dirty="0"/>
+                    </a:p>
+                  </a:txBody>
+                  <a:tcPr/>
+                </a:tc>
+                <a:extLst>
+                  <a:ext uri="{0D108BD9-81ED-4DB2-BD59-A6C34878D82A}">
+                    <a16:rowId xmlns:a16="http://schemas.microsoft.com/office/drawing/2014/main" val="2797158155"/>
+                  </a:ext>
+                </a:extLst>
+              </a:tr>
+              <a:tr h="510222">
+                <a:tc>
+                  <a:txBody>
+                    <a:bodyPr/>
+                    <a:lstStyle/>
+                    <a:p>
+                      <a:r>
+                        <a:rPr lang="en-US" dirty="0"/>
+                        <a:t>10m</a:t>
+                      </a:r>
+                    </a:p>
+                  </a:txBody>
+                  <a:tcPr/>
+                </a:tc>
+                <a:tc>
+                  <a:txBody>
+                    <a:bodyPr/>
+                    <a:lstStyle/>
+                    <a:p>
+                      <a:r>
+                        <a:rPr lang="en-US" dirty="0"/>
+                        <a:t>11.05</a:t>
+                      </a:r>
+                    </a:p>
+                  </a:txBody>
+                  <a:tcPr/>
+                </a:tc>
+                <a:extLst>
+                  <a:ext uri="{0D108BD9-81ED-4DB2-BD59-A6C34878D82A}">
+                    <a16:rowId xmlns:a16="http://schemas.microsoft.com/office/drawing/2014/main" val="2431477743"/>
+                  </a:ext>
+                </a:extLst>
+              </a:tr>
+              <a:tr h="510222">
+                <a:tc>
+                  <a:txBody>
+                    <a:bodyPr/>
+                    <a:lstStyle/>
+                    <a:p>
+                      <a:r>
+                        <a:rPr lang="en-US" dirty="0"/>
+                        <a:t>5m</a:t>
+                      </a:r>
+                    </a:p>
+                  </a:txBody>
+                  <a:tcPr/>
+                </a:tc>
+                <a:tc>
+                  <a:txBody>
+                    <a:bodyPr/>
+                    <a:lstStyle/>
+                    <a:p>
+                      <a:r>
+                        <a:rPr lang="en-US" dirty="0"/>
+                        <a:t>8.97</a:t>
+                      </a:r>
+                    </a:p>
+                  </a:txBody>
+                  <a:tcPr/>
+                </a:tc>
+                <a:extLst>
+                  <a:ext uri="{0D108BD9-81ED-4DB2-BD59-A6C34878D82A}">
+                    <a16:rowId xmlns:a16="http://schemas.microsoft.com/office/drawing/2014/main" val="2718736916"/>
+                  </a:ext>
+                </a:extLst>
+              </a:tr>
+            </a:tbl>
+          </a:graphicData>
+        </a:graphic>
+      </p:graphicFrame>
+      <p:sp>
+        <p:nvSpPr>
+          <p:cNvPr id="7" name="TextBox 6">
+            <a:extLst>
+              <a:ext uri="{FF2B5EF4-FFF2-40B4-BE49-F238E27FC236}">
+                <a16:creationId xmlns:a16="http://schemas.microsoft.com/office/drawing/2014/main" id="{C0DD010D-46BD-C2E9-FF6B-6A184FEF45CF}"/>
+              </a:ext>
+            </a:extLst>
+          </p:cNvPr>
+          <p:cNvSpPr txBox="1"/>
+          <p:nvPr/>
+        </p:nvSpPr>
+        <p:spPr>
+          <a:xfrm>
+            <a:off x="4502751" y="2442533"/>
+            <a:ext cx="2633870" cy="369332"/>
+          </a:xfrm>
+          <a:prstGeom prst="rect">
+            <a:avLst/>
+          </a:prstGeom>
+          <a:noFill/>
+        </p:spPr>
+        <p:txBody>
+          <a:bodyPr wrap="square" rtlCol="0">
+            <a:spAutoFit/>
+          </a:bodyPr>
+          <a:lstStyle/>
+          <a:p>
+            <a:r>
+              <a:rPr lang="en-US" dirty="0"/>
+              <a:t>New sounding and z0</a:t>
+            </a:r>
+          </a:p>
+        </p:txBody>
+      </p:sp>
+    </p:spTree>
+    <p:extLst>
+      <p:ext uri="{BB962C8B-B14F-4D97-AF65-F5344CB8AC3E}">
+        <p14:creationId xmlns:p14="http://schemas.microsoft.com/office/powerpoint/2010/main" val="291726265"/>
+      </p:ext>
+    </p:extLst>
+  </p:cSld>
+  <p:clrMapOvr>
+    <a:masterClrMapping/>
+  </p:clrMapOvr>
+</p:sld>
+</file>
+
+<file path=ppt/slides/slide7.xml><?xml version="1.0" encoding="utf-8"?>
+<p:sld xmlns:a="http://schemas.openxmlformats.org/drawingml/2006/main" xmlns:r="http://schemas.openxmlformats.org/officeDocument/2006/relationships" xmlns:p="http://schemas.openxmlformats.org/presentationml/2006/main">
+  <p:cSld>
+    <p:spTree>
+      <p:nvGrpSpPr>
+        <p:cNvPr id="1" name=""/>
+        <p:cNvGrpSpPr/>
+        <p:nvPr/>
+      </p:nvGrpSpPr>
+      <p:grpSpPr>
+        <a:xfrm>
+          <a:off x="0" y="0"/>
+          <a:ext cx="0" cy="0"/>
+          <a:chOff x="0" y="0"/>
+          <a:chExt cx="0" cy="0"/>
+        </a:xfrm>
+      </p:grpSpPr>
+      <p:sp>
+        <p:nvSpPr>
+          <p:cNvPr id="2" name="Title 1">
+            <a:extLst>
+              <a:ext uri="{FF2B5EF4-FFF2-40B4-BE49-F238E27FC236}">
                 <a16:creationId xmlns:a16="http://schemas.microsoft.com/office/drawing/2014/main" id="{3CE37FAB-7E5D-2492-E4A6-45C94CB1466F}"/>
               </a:ext>
             </a:extLst>
@@ -15572,7 +16616,7 @@
 </p:sld>
 </file>
 
-<file path=ppt/slides/slide7.xml><?xml version="1.0" encoding="utf-8"?>
+<file path=ppt/slides/slide8.xml><?xml version="1.0" encoding="utf-8"?>
 <p:sld xmlns:a="http://schemas.openxmlformats.org/drawingml/2006/main" xmlns:r="http://schemas.openxmlformats.org/officeDocument/2006/relationships" xmlns:p="http://schemas.openxmlformats.org/presentationml/2006/main">
   <p:cSld>
     <p:spTree>
@@ -15760,7 +16804,7 @@
 </p:sld>
 </file>
 
-<file path=ppt/slides/slide8.xml><?xml version="1.0" encoding="utf-8"?>
+<file path=ppt/slides/slide9.xml><?xml version="1.0" encoding="utf-8"?>
 <p:sld xmlns:a="http://schemas.openxmlformats.org/drawingml/2006/main" xmlns:r="http://schemas.openxmlformats.org/officeDocument/2006/relationships" xmlns:p="http://schemas.openxmlformats.org/presentationml/2006/main">
   <p:cSld>
     <p:spTree>
@@ -15897,200 +16941,6 @@
     <p:extLst>
       <p:ext uri="{BB962C8B-B14F-4D97-AF65-F5344CB8AC3E}">
         <p14:creationId xmlns:p14="http://schemas.microsoft.com/office/powerpoint/2010/main" val="2149683952"/>
-      </p:ext>
-    </p:extLst>
-  </p:cSld>
-  <p:clrMapOvr>
-    <a:masterClrMapping/>
-  </p:clrMapOvr>
-</p:sld>
-</file>
-
-<file path=ppt/slides/slide9.xml><?xml version="1.0" encoding="utf-8"?>
-<p:sld xmlns:a="http://schemas.openxmlformats.org/drawingml/2006/main" xmlns:r="http://schemas.openxmlformats.org/officeDocument/2006/relationships" xmlns:p="http://schemas.openxmlformats.org/presentationml/2006/main">
-  <p:cSld>
-    <p:spTree>
-      <p:nvGrpSpPr>
-        <p:cNvPr id="1" name=""/>
-        <p:cNvGrpSpPr/>
-        <p:nvPr/>
-      </p:nvGrpSpPr>
-      <p:grpSpPr>
-        <a:xfrm>
-          <a:off x="0" y="0"/>
-          <a:ext cx="0" cy="0"/>
-          <a:chOff x="0" y="0"/>
-          <a:chExt cx="0" cy="0"/>
-        </a:xfrm>
-      </p:grpSpPr>
-      <p:sp>
-        <p:nvSpPr>
-          <p:cNvPr id="2" name="Title 1">
-            <a:extLst>
-              <a:ext uri="{FF2B5EF4-FFF2-40B4-BE49-F238E27FC236}">
-                <a16:creationId xmlns:a16="http://schemas.microsoft.com/office/drawing/2014/main" id="{98505108-D866-C2D6-9647-3D26580367FC}"/>
-              </a:ext>
-            </a:extLst>
-          </p:cNvPr>
-          <p:cNvSpPr>
-            <a:spLocks noGrp="1"/>
-          </p:cNvSpPr>
-          <p:nvPr>
-            <p:ph type="title"/>
-          </p:nvPr>
-        </p:nvSpPr>
-        <p:spPr/>
-        <p:txBody>
-          <a:bodyPr/>
-          <a:lstStyle/>
-          <a:p>
-            <a:r>
-              <a:rPr lang="en-US" dirty="0"/>
-              <a:t>VPN Access</a:t>
-            </a:r>
-          </a:p>
-        </p:txBody>
-      </p:sp>
-      <p:sp>
-        <p:nvSpPr>
-          <p:cNvPr id="3" name="Content Placeholder 2">
-            <a:extLst>
-              <a:ext uri="{FF2B5EF4-FFF2-40B4-BE49-F238E27FC236}">
-                <a16:creationId xmlns:a16="http://schemas.microsoft.com/office/drawing/2014/main" id="{8F32EB61-C3E5-3A88-B61F-78EA5E34BD37}"/>
-              </a:ext>
-            </a:extLst>
-          </p:cNvPr>
-          <p:cNvSpPr>
-            <a:spLocks noGrp="1"/>
-          </p:cNvSpPr>
-          <p:nvPr>
-            <p:ph idx="1"/>
-          </p:nvPr>
-        </p:nvSpPr>
-        <p:spPr/>
-        <p:txBody>
-          <a:bodyPr/>
-          <a:lstStyle/>
-          <a:p>
-            <a:r>
-              <a:rPr lang="en-US" dirty="0"/>
-              <a:t>With the </a:t>
-            </a:r>
-            <a:r>
-              <a:rPr lang="en-US" dirty="0" err="1"/>
-              <a:t>vpn</a:t>
-            </a:r>
-            <a:r>
-              <a:rPr lang="en-US" dirty="0"/>
-              <a:t> ”outage” that took about a day to fix</a:t>
-            </a:r>
-          </a:p>
-          <a:p>
-            <a:pPr lvl="1"/>
-            <a:r>
-              <a:rPr lang="en-US" dirty="0"/>
-              <a:t>Turns out my windows machine has the old </a:t>
-            </a:r>
-            <a:r>
-              <a:rPr lang="en-US" dirty="0" err="1"/>
-              <a:t>url</a:t>
-            </a:r>
-            <a:r>
-              <a:rPr lang="en-US" dirty="0"/>
-              <a:t> that worked</a:t>
-            </a:r>
-          </a:p>
-          <a:p>
-            <a:r>
-              <a:rPr lang="en-US" dirty="0"/>
-              <a:t>For anyone experiencing this issue, you must have </a:t>
-            </a:r>
-            <a:r>
-              <a:rPr lang="en-US" dirty="0" err="1"/>
-              <a:t>asm</a:t>
-            </a:r>
-            <a:r>
-              <a:rPr lang="en-US" dirty="0"/>
-              <a:t>- added to the </a:t>
-            </a:r>
-            <a:r>
-              <a:rPr lang="en-US" dirty="0" err="1"/>
-              <a:t>url</a:t>
-            </a:r>
-            <a:endParaRPr lang="en-US" dirty="0"/>
-          </a:p>
-          <a:p>
-            <a:pPr marL="0" indent="0">
-              <a:buNone/>
-            </a:pPr>
-            <a:endParaRPr lang="en-US" dirty="0"/>
-          </a:p>
-        </p:txBody>
-      </p:sp>
-      <p:pic>
-        <p:nvPicPr>
-          <p:cNvPr id="4" name="Picture 3">
-            <a:extLst>
-              <a:ext uri="{FF2B5EF4-FFF2-40B4-BE49-F238E27FC236}">
-                <a16:creationId xmlns:a16="http://schemas.microsoft.com/office/drawing/2014/main" id="{33ADEE6A-80B9-9E07-AD9F-39687DBBD026}"/>
-              </a:ext>
-            </a:extLst>
-          </p:cNvPr>
-          <p:cNvPicPr>
-            <a:picLocks noChangeAspect="1"/>
-          </p:cNvPicPr>
-          <p:nvPr/>
-        </p:nvPicPr>
-        <p:blipFill>
-          <a:blip r:embed="rId2"/>
-          <a:stretch>
-            <a:fillRect/>
-          </a:stretch>
-        </p:blipFill>
-        <p:spPr>
-          <a:xfrm>
-            <a:off x="723900" y="3765044"/>
-            <a:ext cx="5372100" cy="2590800"/>
-          </a:xfrm>
-          <a:prstGeom prst="rect">
-            <a:avLst/>
-          </a:prstGeom>
-        </p:spPr>
-      </p:pic>
-      <p:pic>
-        <p:nvPicPr>
-          <p:cNvPr id="5" name="Picture 4">
-            <a:extLst>
-              <a:ext uri="{FF2B5EF4-FFF2-40B4-BE49-F238E27FC236}">
-                <a16:creationId xmlns:a16="http://schemas.microsoft.com/office/drawing/2014/main" id="{D60A674F-F9D5-47E3-A444-19322D4F8A24}"/>
-              </a:ext>
-            </a:extLst>
-          </p:cNvPr>
-          <p:cNvPicPr>
-            <a:picLocks noChangeAspect="1"/>
-          </p:cNvPicPr>
-          <p:nvPr/>
-        </p:nvPicPr>
-        <p:blipFill>
-          <a:blip r:embed="rId3"/>
-          <a:stretch>
-            <a:fillRect/>
-          </a:stretch>
-        </p:blipFill>
-        <p:spPr>
-          <a:xfrm>
-            <a:off x="8318500" y="3530094"/>
-            <a:ext cx="3149600" cy="3060700"/>
-          </a:xfrm>
-          <a:prstGeom prst="rect">
-            <a:avLst/>
-          </a:prstGeom>
-        </p:spPr>
-      </p:pic>
-    </p:spTree>
-    <p:extLst>
-      <p:ext uri="{BB962C8B-B14F-4D97-AF65-F5344CB8AC3E}">
-        <p14:creationId xmlns:p14="http://schemas.microsoft.com/office/powerpoint/2010/main" val="1283250693"/>
       </p:ext>
     </p:extLst>
   </p:cSld>
